--- a/ppt/차트.pptx
+++ b/ppt/차트.pptx
@@ -9,6 +9,7 @@
     <p:sldId id="257" r:id="rId3"/>
     <p:sldId id="258" r:id="rId4"/>
     <p:sldId id="259" r:id="rId5"/>
+    <p:sldId id="260" r:id="rId6"/>
   </p:sldIdLst>
   <p:sldSz cx="9144000" cy="6858000" type="screen4x3"/>
   <p:notesSz cx="6858000" cy="9144000"/>
@@ -291,7 +292,7 @@
           <a:p>
             <a:fld id="{BBC1A0B8-A07A-4DB1-838F-6160FE5F0D98}" type="datetimeFigureOut">
               <a:rPr lang="ko-KR" altLang="en-US" smtClean="0"/>
-              <a:t>2018-04-16</a:t>
+              <a:t>2018-04-17</a:t>
             </a:fld>
             <a:endParaRPr lang="ko-KR" altLang="en-US"/>
           </a:p>
@@ -461,7 +462,7 @@
           <a:p>
             <a:fld id="{BBC1A0B8-A07A-4DB1-838F-6160FE5F0D98}" type="datetimeFigureOut">
               <a:rPr lang="ko-KR" altLang="en-US" smtClean="0"/>
-              <a:t>2018-04-16</a:t>
+              <a:t>2018-04-17</a:t>
             </a:fld>
             <a:endParaRPr lang="ko-KR" altLang="en-US"/>
           </a:p>
@@ -641,7 +642,7 @@
           <a:p>
             <a:fld id="{BBC1A0B8-A07A-4DB1-838F-6160FE5F0D98}" type="datetimeFigureOut">
               <a:rPr lang="ko-KR" altLang="en-US" smtClean="0"/>
-              <a:t>2018-04-16</a:t>
+              <a:t>2018-04-17</a:t>
             </a:fld>
             <a:endParaRPr lang="ko-KR" altLang="en-US"/>
           </a:p>
@@ -811,7 +812,7 @@
           <a:p>
             <a:fld id="{BBC1A0B8-A07A-4DB1-838F-6160FE5F0D98}" type="datetimeFigureOut">
               <a:rPr lang="ko-KR" altLang="en-US" smtClean="0"/>
-              <a:t>2018-04-16</a:t>
+              <a:t>2018-04-17</a:t>
             </a:fld>
             <a:endParaRPr lang="ko-KR" altLang="en-US"/>
           </a:p>
@@ -1057,7 +1058,7 @@
           <a:p>
             <a:fld id="{BBC1A0B8-A07A-4DB1-838F-6160FE5F0D98}" type="datetimeFigureOut">
               <a:rPr lang="ko-KR" altLang="en-US" smtClean="0"/>
-              <a:t>2018-04-16</a:t>
+              <a:t>2018-04-17</a:t>
             </a:fld>
             <a:endParaRPr lang="ko-KR" altLang="en-US"/>
           </a:p>
@@ -1345,7 +1346,7 @@
           <a:p>
             <a:fld id="{BBC1A0B8-A07A-4DB1-838F-6160FE5F0D98}" type="datetimeFigureOut">
               <a:rPr lang="ko-KR" altLang="en-US" smtClean="0"/>
-              <a:t>2018-04-16</a:t>
+              <a:t>2018-04-17</a:t>
             </a:fld>
             <a:endParaRPr lang="ko-KR" altLang="en-US"/>
           </a:p>
@@ -1767,7 +1768,7 @@
           <a:p>
             <a:fld id="{BBC1A0B8-A07A-4DB1-838F-6160FE5F0D98}" type="datetimeFigureOut">
               <a:rPr lang="ko-KR" altLang="en-US" smtClean="0"/>
-              <a:t>2018-04-16</a:t>
+              <a:t>2018-04-17</a:t>
             </a:fld>
             <a:endParaRPr lang="ko-KR" altLang="en-US"/>
           </a:p>
@@ -1885,7 +1886,7 @@
           <a:p>
             <a:fld id="{BBC1A0B8-A07A-4DB1-838F-6160FE5F0D98}" type="datetimeFigureOut">
               <a:rPr lang="ko-KR" altLang="en-US" smtClean="0"/>
-              <a:t>2018-04-16</a:t>
+              <a:t>2018-04-17</a:t>
             </a:fld>
             <a:endParaRPr lang="ko-KR" altLang="en-US"/>
           </a:p>
@@ -1980,7 +1981,7 @@
           <a:p>
             <a:fld id="{BBC1A0B8-A07A-4DB1-838F-6160FE5F0D98}" type="datetimeFigureOut">
               <a:rPr lang="ko-KR" altLang="en-US" smtClean="0"/>
-              <a:t>2018-04-16</a:t>
+              <a:t>2018-04-17</a:t>
             </a:fld>
             <a:endParaRPr lang="ko-KR" altLang="en-US"/>
           </a:p>
@@ -2257,7 +2258,7 @@
           <a:p>
             <a:fld id="{BBC1A0B8-A07A-4DB1-838F-6160FE5F0D98}" type="datetimeFigureOut">
               <a:rPr lang="ko-KR" altLang="en-US" smtClean="0"/>
-              <a:t>2018-04-16</a:t>
+              <a:t>2018-04-17</a:t>
             </a:fld>
             <a:endParaRPr lang="ko-KR" altLang="en-US"/>
           </a:p>
@@ -2510,7 +2511,7 @@
           <a:p>
             <a:fld id="{BBC1A0B8-A07A-4DB1-838F-6160FE5F0D98}" type="datetimeFigureOut">
               <a:rPr lang="ko-KR" altLang="en-US" smtClean="0"/>
-              <a:t>2018-04-16</a:t>
+              <a:t>2018-04-17</a:t>
             </a:fld>
             <a:endParaRPr lang="ko-KR" altLang="en-US"/>
           </a:p>
@@ -2723,7 +2724,7 @@
           <a:p>
             <a:fld id="{BBC1A0B8-A07A-4DB1-838F-6160FE5F0D98}" type="datetimeFigureOut">
               <a:rPr lang="ko-KR" altLang="en-US" smtClean="0"/>
-              <a:t>2018-04-16</a:t>
+              <a:t>2018-04-17</a:t>
             </a:fld>
             <a:endParaRPr lang="ko-KR" altLang="en-US"/>
           </a:p>
@@ -3169,12 +3170,12 @@
           <a:graphicData uri="http://schemas.openxmlformats.org/presentationml/2006/ole">
             <mc:AlternateContent xmlns:mc="http://schemas.openxmlformats.org/markup-compatibility/2006">
               <mc:Choice xmlns:v="urn:schemas-microsoft-com:vml" Requires="v">
-                <p:oleObj spid="_x0000_s2055" name="차트" r:id="rId3" imgW="7324830" imgH="4029033" progId="Excel.Chart.8">
+                <p:oleObj spid="_x0000_s2060" name="차트" r:id="rId3" imgW="7324830" imgH="4029033" progId="Excel.Sheet.8">
                   <p:embed followColorScheme="full"/>
                 </p:oleObj>
               </mc:Choice>
               <mc:Fallback>
-                <p:oleObj name="차트" r:id="rId3" imgW="7324830" imgH="4029033" progId="Excel.Chart.8">
+                <p:oleObj name="차트" r:id="rId3" imgW="7324830" imgH="4029033" progId="Excel.Sheet.8">
                   <p:embed followColorScheme="full"/>
                   <p:pic>
                     <p:nvPicPr>
@@ -3282,12 +3283,12 @@
           <a:graphicData uri="http://schemas.openxmlformats.org/presentationml/2006/ole">
             <mc:AlternateContent xmlns:mc="http://schemas.openxmlformats.org/markup-compatibility/2006">
               <mc:Choice xmlns:v="urn:schemas-microsoft-com:vml" Requires="v">
-                <p:oleObj spid="_x0000_s3077" name="차트" r:id="rId3" imgW="7362900" imgH="4095756" progId="Excel.Chart.8">
+                <p:oleObj spid="_x0000_s3082" name="차트" r:id="rId3" imgW="7362900" imgH="4095756" progId="Excel.Sheet.8">
                   <p:embed followColorScheme="full"/>
                 </p:oleObj>
               </mc:Choice>
               <mc:Fallback>
-                <p:oleObj name="차트" r:id="rId3" imgW="7362900" imgH="4095756" progId="Excel.Chart.8">
+                <p:oleObj name="차트" r:id="rId3" imgW="7362900" imgH="4095756" progId="Excel.Sheet.8">
                   <p:embed followColorScheme="full"/>
                   <p:pic>
                     <p:nvPicPr>
@@ -3395,12 +3396,12 @@
           <a:graphicData uri="http://schemas.openxmlformats.org/presentationml/2006/ole">
             <mc:AlternateContent xmlns:mc="http://schemas.openxmlformats.org/markup-compatibility/2006">
               <mc:Choice xmlns:v="urn:schemas-microsoft-com:vml" Requires="v">
-                <p:oleObj spid="_x0000_s4103" name="차트" r:id="rId3" imgW="7324830" imgH="4029033" progId="Excel.Chart.8">
+                <p:oleObj spid="_x0000_s4108" name="차트" r:id="rId3" imgW="7324830" imgH="4029033" progId="Excel.Sheet.8">
                   <p:embed followColorScheme="full"/>
                 </p:oleObj>
               </mc:Choice>
               <mc:Fallback>
-                <p:oleObj name="차트" r:id="rId3" imgW="7324830" imgH="4029033" progId="Excel.Chart.8">
+                <p:oleObj name="차트" r:id="rId3" imgW="7324830" imgH="4029033" progId="Excel.Sheet.8">
                   <p:embed followColorScheme="full"/>
                   <p:pic>
                     <p:nvPicPr>
@@ -3460,6 +3461,113 @@
     <p:extLst>
       <p:ext uri="{BB962C8B-B14F-4D97-AF65-F5344CB8AC3E}">
         <p14:creationId xmlns:p14="http://schemas.microsoft.com/office/powerpoint/2010/main" val="2880259550"/>
+      </p:ext>
+    </p:extLst>
+  </p:cSld>
+  <p:clrMapOvr>
+    <a:masterClrMapping/>
+  </p:clrMapOvr>
+</p:sld>
+</file>
+
+<file path=ppt/slides/slide5.xml><?xml version="1.0" encoding="utf-8"?>
+<p:sld xmlns:a="http://schemas.openxmlformats.org/drawingml/2006/main" xmlns:r="http://schemas.openxmlformats.org/officeDocument/2006/relationships" xmlns:p="http://schemas.openxmlformats.org/presentationml/2006/main">
+  <p:cSld>
+    <p:spTree>
+      <p:nvGrpSpPr>
+        <p:cNvPr id="1" name=""/>
+        <p:cNvGrpSpPr/>
+        <p:nvPr/>
+      </p:nvGrpSpPr>
+      <p:grpSpPr>
+        <a:xfrm>
+          <a:off x="0" y="0"/>
+          <a:ext cx="0" cy="0"/>
+          <a:chOff x="0" y="0"/>
+          <a:chExt cx="0" cy="0"/>
+        </a:xfrm>
+      </p:grpSpPr>
+      <p:sp>
+        <p:nvSpPr>
+          <p:cNvPr id="2" name="제목 1"/>
+          <p:cNvSpPr>
+            <a:spLocks noGrp="1"/>
+          </p:cNvSpPr>
+          <p:nvPr>
+            <p:ph type="title"/>
+          </p:nvPr>
+        </p:nvSpPr>
+        <p:spPr/>
+        <p:txBody>
+          <a:bodyPr/>
+          <a:lstStyle/>
+          <a:p>
+            <a:endParaRPr lang="ko-KR" altLang="en-US"/>
+          </a:p>
+        </p:txBody>
+      </p:sp>
+      <p:graphicFrame>
+        <p:nvGraphicFramePr>
+          <p:cNvPr id="4" name="내용 개체 틀 3"/>
+          <p:cNvGraphicFramePr>
+            <a:graphicFrameLocks noGrp="1" noChangeAspect="1"/>
+          </p:cNvGraphicFramePr>
+          <p:nvPr>
+            <p:ph idx="1"/>
+            <p:extLst>
+              <p:ext uri="{D42A27DB-BD31-4B8C-83A1-F6EECF244321}">
+                <p14:modId xmlns:p14="http://schemas.microsoft.com/office/powerpoint/2010/main" val="1449407695"/>
+              </p:ext>
+            </p:extLst>
+          </p:nvPr>
+        </p:nvGraphicFramePr>
+        <p:xfrm>
+          <a:off x="457200" y="1817688"/>
+          <a:ext cx="8281988" cy="3294062"/>
+        </p:xfrm>
+        <a:graphic>
+          <a:graphicData uri="http://schemas.openxmlformats.org/presentationml/2006/ole">
+            <mc:AlternateContent xmlns:mc="http://schemas.openxmlformats.org/markup-compatibility/2006">
+              <mc:Choice xmlns:v="urn:schemas-microsoft-com:vml" Requires="v">
+                <p:oleObj spid="_x0000_s5126" name="워크시트" r:id="rId3" imgW="11182320" imgH="4448279" progId="Excel.Sheet.12">
+                  <p:embed/>
+                </p:oleObj>
+              </mc:Choice>
+              <mc:Fallback>
+                <p:oleObj name="워크시트" r:id="rId3" imgW="11182320" imgH="4448279" progId="Excel.Sheet.12">
+                  <p:embed/>
+                  <p:pic>
+                    <p:nvPicPr>
+                      <p:cNvPr id="0" name=""/>
+                      <p:cNvPicPr/>
+                      <p:nvPr/>
+                    </p:nvPicPr>
+                    <p:blipFill>
+                      <a:blip r:embed="rId4"/>
+                      <a:stretch>
+                        <a:fillRect/>
+                      </a:stretch>
+                    </p:blipFill>
+                    <p:spPr>
+                      <a:xfrm>
+                        <a:off x="457200" y="1817688"/>
+                        <a:ext cx="8281988" cy="3294062"/>
+                      </a:xfrm>
+                      <a:prstGeom prst="rect">
+                        <a:avLst/>
+                      </a:prstGeom>
+                    </p:spPr>
+                  </p:pic>
+                </p:oleObj>
+              </mc:Fallback>
+            </mc:AlternateContent>
+          </a:graphicData>
+        </a:graphic>
+      </p:graphicFrame>
+    </p:spTree>
+    <p:extLst>
+      <p:ext uri="{BB962C8B-B14F-4D97-AF65-F5344CB8AC3E}">
+        <p14:creationId xmlns:p14="http://schemas.microsoft.com/office/powerpoint/2010/main" val="2587353076"/>
       </p:ext>
     </p:extLst>
   </p:cSld>

--- a/ppt/차트.pptx
+++ b/ppt/차트.pptx
@@ -6,10 +6,11 @@
   </p:sldMasterIdLst>
   <p:sldIdLst>
     <p:sldId id="256" r:id="rId2"/>
-    <p:sldId id="257" r:id="rId3"/>
-    <p:sldId id="258" r:id="rId4"/>
-    <p:sldId id="259" r:id="rId5"/>
-    <p:sldId id="260" r:id="rId6"/>
+    <p:sldId id="261" r:id="rId3"/>
+    <p:sldId id="257" r:id="rId4"/>
+    <p:sldId id="258" r:id="rId5"/>
+    <p:sldId id="259" r:id="rId6"/>
+    <p:sldId id="260" r:id="rId7"/>
   </p:sldIdLst>
   <p:sldSz cx="9144000" cy="6858000" type="screen4x3"/>
   <p:notesSz cx="6858000" cy="9144000"/>
@@ -292,7 +293,7 @@
           <a:p>
             <a:fld id="{BBC1A0B8-A07A-4DB1-838F-6160FE5F0D98}" type="datetimeFigureOut">
               <a:rPr lang="ko-KR" altLang="en-US" smtClean="0"/>
-              <a:t>2018-04-17</a:t>
+              <a:t>2018-04-18</a:t>
             </a:fld>
             <a:endParaRPr lang="ko-KR" altLang="en-US"/>
           </a:p>
@@ -462,7 +463,7 @@
           <a:p>
             <a:fld id="{BBC1A0B8-A07A-4DB1-838F-6160FE5F0D98}" type="datetimeFigureOut">
               <a:rPr lang="ko-KR" altLang="en-US" smtClean="0"/>
-              <a:t>2018-04-17</a:t>
+              <a:t>2018-04-18</a:t>
             </a:fld>
             <a:endParaRPr lang="ko-KR" altLang="en-US"/>
           </a:p>
@@ -642,7 +643,7 @@
           <a:p>
             <a:fld id="{BBC1A0B8-A07A-4DB1-838F-6160FE5F0D98}" type="datetimeFigureOut">
               <a:rPr lang="ko-KR" altLang="en-US" smtClean="0"/>
-              <a:t>2018-04-17</a:t>
+              <a:t>2018-04-18</a:t>
             </a:fld>
             <a:endParaRPr lang="ko-KR" altLang="en-US"/>
           </a:p>
@@ -812,7 +813,7 @@
           <a:p>
             <a:fld id="{BBC1A0B8-A07A-4DB1-838F-6160FE5F0D98}" type="datetimeFigureOut">
               <a:rPr lang="ko-KR" altLang="en-US" smtClean="0"/>
-              <a:t>2018-04-17</a:t>
+              <a:t>2018-04-18</a:t>
             </a:fld>
             <a:endParaRPr lang="ko-KR" altLang="en-US"/>
           </a:p>
@@ -1058,7 +1059,7 @@
           <a:p>
             <a:fld id="{BBC1A0B8-A07A-4DB1-838F-6160FE5F0D98}" type="datetimeFigureOut">
               <a:rPr lang="ko-KR" altLang="en-US" smtClean="0"/>
-              <a:t>2018-04-17</a:t>
+              <a:t>2018-04-18</a:t>
             </a:fld>
             <a:endParaRPr lang="ko-KR" altLang="en-US"/>
           </a:p>
@@ -1346,7 +1347,7 @@
           <a:p>
             <a:fld id="{BBC1A0B8-A07A-4DB1-838F-6160FE5F0D98}" type="datetimeFigureOut">
               <a:rPr lang="ko-KR" altLang="en-US" smtClean="0"/>
-              <a:t>2018-04-17</a:t>
+              <a:t>2018-04-18</a:t>
             </a:fld>
             <a:endParaRPr lang="ko-KR" altLang="en-US"/>
           </a:p>
@@ -1768,7 +1769,7 @@
           <a:p>
             <a:fld id="{BBC1A0B8-A07A-4DB1-838F-6160FE5F0D98}" type="datetimeFigureOut">
               <a:rPr lang="ko-KR" altLang="en-US" smtClean="0"/>
-              <a:t>2018-04-17</a:t>
+              <a:t>2018-04-18</a:t>
             </a:fld>
             <a:endParaRPr lang="ko-KR" altLang="en-US"/>
           </a:p>
@@ -1886,7 +1887,7 @@
           <a:p>
             <a:fld id="{BBC1A0B8-A07A-4DB1-838F-6160FE5F0D98}" type="datetimeFigureOut">
               <a:rPr lang="ko-KR" altLang="en-US" smtClean="0"/>
-              <a:t>2018-04-17</a:t>
+              <a:t>2018-04-18</a:t>
             </a:fld>
             <a:endParaRPr lang="ko-KR" altLang="en-US"/>
           </a:p>
@@ -1981,7 +1982,7 @@
           <a:p>
             <a:fld id="{BBC1A0B8-A07A-4DB1-838F-6160FE5F0D98}" type="datetimeFigureOut">
               <a:rPr lang="ko-KR" altLang="en-US" smtClean="0"/>
-              <a:t>2018-04-17</a:t>
+              <a:t>2018-04-18</a:t>
             </a:fld>
             <a:endParaRPr lang="ko-KR" altLang="en-US"/>
           </a:p>
@@ -2258,7 +2259,7 @@
           <a:p>
             <a:fld id="{BBC1A0B8-A07A-4DB1-838F-6160FE5F0D98}" type="datetimeFigureOut">
               <a:rPr lang="ko-KR" altLang="en-US" smtClean="0"/>
-              <a:t>2018-04-17</a:t>
+              <a:t>2018-04-18</a:t>
             </a:fld>
             <a:endParaRPr lang="ko-KR" altLang="en-US"/>
           </a:p>
@@ -2511,7 +2512,7 @@
           <a:p>
             <a:fld id="{BBC1A0B8-A07A-4DB1-838F-6160FE5F0D98}" type="datetimeFigureOut">
               <a:rPr lang="ko-KR" altLang="en-US" smtClean="0"/>
-              <a:t>2018-04-17</a:t>
+              <a:t>2018-04-18</a:t>
             </a:fld>
             <a:endParaRPr lang="ko-KR" altLang="en-US"/>
           </a:p>
@@ -2724,7 +2725,7 @@
           <a:p>
             <a:fld id="{BBC1A0B8-A07A-4DB1-838F-6160FE5F0D98}" type="datetimeFigureOut">
               <a:rPr lang="ko-KR" altLang="en-US" smtClean="0"/>
-              <a:t>2018-04-17</a:t>
+              <a:t>2018-04-18</a:t>
             </a:fld>
             <a:endParaRPr lang="ko-KR" altLang="en-US"/>
           </a:p>
@@ -3150,6 +3151,906 @@
       </p:grpSpPr>
       <p:graphicFrame>
         <p:nvGraphicFramePr>
+          <p:cNvPr id="4" name="표 3"/>
+          <p:cNvGraphicFramePr>
+            <a:graphicFrameLocks noGrp="1"/>
+          </p:cNvGraphicFramePr>
+          <p:nvPr>
+            <p:extLst>
+              <p:ext uri="{D42A27DB-BD31-4B8C-83A1-F6EECF244321}">
+                <p14:modId xmlns:p14="http://schemas.microsoft.com/office/powerpoint/2010/main" val="2595361181"/>
+              </p:ext>
+            </p:extLst>
+          </p:nvPr>
+        </p:nvGraphicFramePr>
+        <p:xfrm>
+          <a:off x="1187624" y="1484784"/>
+          <a:ext cx="2880000" cy="2880000"/>
+        </p:xfrm>
+        <a:graphic>
+          <a:graphicData uri="http://schemas.openxmlformats.org/drawingml/2006/table">
+            <a:tbl>
+              <a:tblPr>
+                <a:tableStyleId>{5C22544A-7EE6-4342-B048-85BDC9FD1C3A}</a:tableStyleId>
+              </a:tblPr>
+              <a:tblGrid>
+                <a:gridCol w="1440000"/>
+                <a:gridCol w="1440000"/>
+              </a:tblGrid>
+              <a:tr h="1440000">
+                <a:tc>
+                  <a:txBody>
+                    <a:bodyPr/>
+                    <a:lstStyle/>
+                    <a:p>
+                      <a:pPr latinLnBrk="1"/>
+                      <a:endParaRPr lang="ko-KR" altLang="en-US" dirty="0"/>
+                    </a:p>
+                  </a:txBody>
+                  <a:tcPr/>
+                </a:tc>
+                <a:tc>
+                  <a:txBody>
+                    <a:bodyPr/>
+                    <a:lstStyle/>
+                    <a:p>
+                      <a:pPr latinLnBrk="1"/>
+                      <a:endParaRPr lang="ko-KR" altLang="en-US" dirty="0"/>
+                    </a:p>
+                  </a:txBody>
+                  <a:tcPr/>
+                </a:tc>
+              </a:tr>
+              <a:tr h="1440000">
+                <a:tc>
+                  <a:txBody>
+                    <a:bodyPr/>
+                    <a:lstStyle/>
+                    <a:p>
+                      <a:pPr latinLnBrk="1"/>
+                      <a:endParaRPr lang="ko-KR" altLang="en-US"/>
+                    </a:p>
+                  </a:txBody>
+                  <a:tcPr/>
+                </a:tc>
+                <a:tc>
+                  <a:txBody>
+                    <a:bodyPr/>
+                    <a:lstStyle/>
+                    <a:p>
+                      <a:pPr latinLnBrk="1"/>
+                      <a:endParaRPr lang="ko-KR" altLang="en-US" dirty="0"/>
+                    </a:p>
+                  </a:txBody>
+                  <a:tcPr/>
+                </a:tc>
+              </a:tr>
+            </a:tbl>
+          </a:graphicData>
+        </a:graphic>
+      </p:graphicFrame>
+      <p:sp>
+        <p:nvSpPr>
+          <p:cNvPr id="6" name="TextBox 5"/>
+          <p:cNvSpPr txBox="1"/>
+          <p:nvPr/>
+        </p:nvSpPr>
+        <p:spPr>
+          <a:xfrm>
+            <a:off x="1511660" y="959970"/>
+            <a:ext cx="828092" cy="369332"/>
+          </a:xfrm>
+          <a:prstGeom prst="rect">
+            <a:avLst/>
+          </a:prstGeom>
+          <a:noFill/>
+        </p:spPr>
+        <p:txBody>
+          <a:bodyPr wrap="square" rtlCol="0">
+            <a:spAutoFit/>
+          </a:bodyPr>
+          <a:lstStyle/>
+          <a:p>
+            <a:pPr algn="ctr"/>
+            <a:r>
+              <a:rPr lang="ko-KR" altLang="en-US" dirty="0" smtClean="0"/>
+              <a:t>정형</a:t>
+            </a:r>
+            <a:endParaRPr lang="ko-KR" altLang="en-US" dirty="0"/>
+          </a:p>
+        </p:txBody>
+      </p:sp>
+      <p:sp>
+        <p:nvSpPr>
+          <p:cNvPr id="7" name="TextBox 6"/>
+          <p:cNvSpPr txBox="1"/>
+          <p:nvPr/>
+        </p:nvSpPr>
+        <p:spPr>
+          <a:xfrm>
+            <a:off x="2843808" y="959970"/>
+            <a:ext cx="1008112" cy="369332"/>
+          </a:xfrm>
+          <a:prstGeom prst="rect">
+            <a:avLst/>
+          </a:prstGeom>
+          <a:noFill/>
+        </p:spPr>
+        <p:txBody>
+          <a:bodyPr wrap="square" rtlCol="0">
+            <a:spAutoFit/>
+          </a:bodyPr>
+          <a:lstStyle/>
+          <a:p>
+            <a:pPr algn="ctr"/>
+            <a:r>
+              <a:rPr lang="ko-KR" altLang="en-US" dirty="0" smtClean="0"/>
+              <a:t>비정형</a:t>
+            </a:r>
+            <a:endParaRPr lang="ko-KR" altLang="en-US" dirty="0"/>
+          </a:p>
+        </p:txBody>
+      </p:sp>
+      <p:sp>
+        <p:nvSpPr>
+          <p:cNvPr id="8" name="TextBox 7"/>
+          <p:cNvSpPr txBox="1"/>
+          <p:nvPr/>
+        </p:nvSpPr>
+        <p:spPr>
+          <a:xfrm>
+            <a:off x="251520" y="1988840"/>
+            <a:ext cx="936104" cy="369332"/>
+          </a:xfrm>
+          <a:prstGeom prst="rect">
+            <a:avLst/>
+          </a:prstGeom>
+          <a:noFill/>
+        </p:spPr>
+        <p:txBody>
+          <a:bodyPr wrap="square" rtlCol="0">
+            <a:spAutoFit/>
+          </a:bodyPr>
+          <a:lstStyle/>
+          <a:p>
+            <a:pPr algn="ctr"/>
+            <a:r>
+              <a:rPr lang="ko-KR" altLang="en-US" dirty="0" smtClean="0"/>
+              <a:t>인지적</a:t>
+            </a:r>
+            <a:endParaRPr lang="ko-KR" altLang="en-US" dirty="0"/>
+          </a:p>
+        </p:txBody>
+      </p:sp>
+      <p:sp>
+        <p:nvSpPr>
+          <p:cNvPr id="9" name="TextBox 8"/>
+          <p:cNvSpPr txBox="1"/>
+          <p:nvPr/>
+        </p:nvSpPr>
+        <p:spPr>
+          <a:xfrm>
+            <a:off x="251520" y="3429000"/>
+            <a:ext cx="936104" cy="369332"/>
+          </a:xfrm>
+          <a:prstGeom prst="rect">
+            <a:avLst/>
+          </a:prstGeom>
+          <a:noFill/>
+        </p:spPr>
+        <p:txBody>
+          <a:bodyPr wrap="square" rtlCol="0">
+            <a:spAutoFit/>
+          </a:bodyPr>
+          <a:lstStyle/>
+          <a:p>
+            <a:pPr algn="ctr"/>
+            <a:r>
+              <a:rPr lang="ko-KR" altLang="en-US" smtClean="0"/>
+              <a:t>육체적</a:t>
+            </a:r>
+            <a:endParaRPr lang="ko-KR" altLang="en-US" dirty="0"/>
+          </a:p>
+        </p:txBody>
+      </p:sp>
+      <p:sp>
+        <p:nvSpPr>
+          <p:cNvPr id="10" name="직사각형 9"/>
+          <p:cNvSpPr/>
+          <p:nvPr/>
+        </p:nvSpPr>
+        <p:spPr>
+          <a:xfrm>
+            <a:off x="1187624" y="1463012"/>
+            <a:ext cx="1440160" cy="2952328"/>
+          </a:xfrm>
+          <a:prstGeom prst="rect">
+            <a:avLst/>
+          </a:prstGeom>
+          <a:noFill/>
+          <a:ln>
+            <a:solidFill>
+              <a:srgbClr val="C00000"/>
+            </a:solidFill>
+            <a:prstDash val="dash"/>
+          </a:ln>
+        </p:spPr>
+        <p:style>
+          <a:lnRef idx="2">
+            <a:schemeClr val="accent1">
+              <a:shade val="50000"/>
+            </a:schemeClr>
+          </a:lnRef>
+          <a:fillRef idx="1">
+            <a:schemeClr val="accent1"/>
+          </a:fillRef>
+          <a:effectRef idx="0">
+            <a:schemeClr val="accent1"/>
+          </a:effectRef>
+          <a:fontRef idx="minor">
+            <a:schemeClr val="lt1"/>
+          </a:fontRef>
+        </p:style>
+        <p:txBody>
+          <a:bodyPr rtlCol="0" anchor="ctr"/>
+          <a:lstStyle/>
+          <a:p>
+            <a:pPr algn="ctr"/>
+            <a:endParaRPr lang="ko-KR" altLang="en-US"/>
+          </a:p>
+        </p:txBody>
+      </p:sp>
+      <p:sp>
+        <p:nvSpPr>
+          <p:cNvPr id="11" name="TextBox 10"/>
+          <p:cNvSpPr txBox="1"/>
+          <p:nvPr/>
+        </p:nvSpPr>
+        <p:spPr>
+          <a:xfrm>
+            <a:off x="467544" y="4563405"/>
+            <a:ext cx="3168352" cy="646331"/>
+          </a:xfrm>
+          <a:prstGeom prst="rect">
+            <a:avLst/>
+          </a:prstGeom>
+          <a:noFill/>
+        </p:spPr>
+        <p:txBody>
+          <a:bodyPr wrap="square" rtlCol="0">
+            <a:spAutoFit/>
+          </a:bodyPr>
+          <a:lstStyle/>
+          <a:p>
+            <a:pPr algn="ctr"/>
+            <a:r>
+              <a:rPr lang="ko-KR" altLang="en-US" dirty="0" smtClean="0">
+                <a:solidFill>
+                  <a:srgbClr val="C00000"/>
+                </a:solidFill>
+              </a:rPr>
+              <a:t>컴퓨터 대체 가능영역</a:t>
+            </a:r>
+            <a:r>
+              <a:rPr lang="en-US" altLang="ko-KR" dirty="0" smtClean="0">
+                <a:solidFill>
+                  <a:srgbClr val="C00000"/>
+                </a:solidFill>
+              </a:rPr>
+              <a:t/>
+            </a:r>
+            <a:br>
+              <a:rPr lang="en-US" altLang="ko-KR" dirty="0" smtClean="0">
+                <a:solidFill>
+                  <a:srgbClr val="C00000"/>
+                </a:solidFill>
+              </a:rPr>
+            </a:br>
+            <a:r>
+              <a:rPr lang="en-US" altLang="ko-KR" dirty="0" smtClean="0">
+                <a:solidFill>
+                  <a:srgbClr val="C00000"/>
+                </a:solidFill>
+              </a:rPr>
+              <a:t>(</a:t>
+            </a:r>
+            <a:r>
+              <a:rPr lang="ko-KR" altLang="en-US" dirty="0" smtClean="0">
+                <a:solidFill>
+                  <a:srgbClr val="C00000"/>
+                </a:solidFill>
+              </a:rPr>
+              <a:t>정형화된 업무에 국한</a:t>
+            </a:r>
+            <a:r>
+              <a:rPr lang="en-US" altLang="ko-KR" dirty="0" smtClean="0">
+                <a:solidFill>
+                  <a:srgbClr val="C00000"/>
+                </a:solidFill>
+              </a:rPr>
+              <a:t>)</a:t>
+            </a:r>
+            <a:endParaRPr lang="ko-KR" altLang="en-US" dirty="0">
+              <a:solidFill>
+                <a:srgbClr val="C00000"/>
+              </a:solidFill>
+            </a:endParaRPr>
+          </a:p>
+        </p:txBody>
+      </p:sp>
+      <p:graphicFrame>
+        <p:nvGraphicFramePr>
+          <p:cNvPr id="19" name="표 18"/>
+          <p:cNvGraphicFramePr>
+            <a:graphicFrameLocks noGrp="1"/>
+          </p:cNvGraphicFramePr>
+          <p:nvPr>
+            <p:extLst>
+              <p:ext uri="{D42A27DB-BD31-4B8C-83A1-F6EECF244321}">
+                <p14:modId xmlns:p14="http://schemas.microsoft.com/office/powerpoint/2010/main" val="232350964"/>
+              </p:ext>
+            </p:extLst>
+          </p:nvPr>
+        </p:nvGraphicFramePr>
+        <p:xfrm>
+          <a:off x="5472100" y="1484784"/>
+          <a:ext cx="2880000" cy="2880000"/>
+        </p:xfrm>
+        <a:graphic>
+          <a:graphicData uri="http://schemas.openxmlformats.org/drawingml/2006/table">
+            <a:tbl>
+              <a:tblPr>
+                <a:tableStyleId>{5C22544A-7EE6-4342-B048-85BDC9FD1C3A}</a:tableStyleId>
+              </a:tblPr>
+              <a:tblGrid>
+                <a:gridCol w="1440000"/>
+                <a:gridCol w="1440000"/>
+              </a:tblGrid>
+              <a:tr h="1440000">
+                <a:tc>
+                  <a:txBody>
+                    <a:bodyPr/>
+                    <a:lstStyle/>
+                    <a:p>
+                      <a:pPr latinLnBrk="1"/>
+                      <a:endParaRPr lang="ko-KR" altLang="en-US" dirty="0"/>
+                    </a:p>
+                  </a:txBody>
+                  <a:tcPr/>
+                </a:tc>
+                <a:tc>
+                  <a:txBody>
+                    <a:bodyPr/>
+                    <a:lstStyle/>
+                    <a:p>
+                      <a:pPr latinLnBrk="1"/>
+                      <a:endParaRPr lang="ko-KR" altLang="en-US" dirty="0"/>
+                    </a:p>
+                  </a:txBody>
+                  <a:tcPr/>
+                </a:tc>
+              </a:tr>
+              <a:tr h="1440000">
+                <a:tc>
+                  <a:txBody>
+                    <a:bodyPr/>
+                    <a:lstStyle/>
+                    <a:p>
+                      <a:pPr latinLnBrk="1"/>
+                      <a:endParaRPr lang="ko-KR" altLang="en-US" dirty="0"/>
+                    </a:p>
+                  </a:txBody>
+                  <a:tcPr/>
+                </a:tc>
+                <a:tc>
+                  <a:txBody>
+                    <a:bodyPr/>
+                    <a:lstStyle/>
+                    <a:p>
+                      <a:pPr latinLnBrk="1"/>
+                      <a:endParaRPr lang="ko-KR" altLang="en-US" dirty="0"/>
+                    </a:p>
+                  </a:txBody>
+                  <a:tcPr/>
+                </a:tc>
+              </a:tr>
+            </a:tbl>
+          </a:graphicData>
+        </a:graphic>
+      </p:graphicFrame>
+      <p:sp>
+        <p:nvSpPr>
+          <p:cNvPr id="20" name="TextBox 19"/>
+          <p:cNvSpPr txBox="1"/>
+          <p:nvPr/>
+        </p:nvSpPr>
+        <p:spPr>
+          <a:xfrm>
+            <a:off x="5796136" y="959970"/>
+            <a:ext cx="828092" cy="369332"/>
+          </a:xfrm>
+          <a:prstGeom prst="rect">
+            <a:avLst/>
+          </a:prstGeom>
+          <a:noFill/>
+        </p:spPr>
+        <p:txBody>
+          <a:bodyPr wrap="square" rtlCol="0">
+            <a:spAutoFit/>
+          </a:bodyPr>
+          <a:lstStyle/>
+          <a:p>
+            <a:pPr algn="ctr"/>
+            <a:r>
+              <a:rPr lang="ko-KR" altLang="en-US" dirty="0" smtClean="0"/>
+              <a:t>정형</a:t>
+            </a:r>
+            <a:endParaRPr lang="ko-KR" altLang="en-US" dirty="0"/>
+          </a:p>
+        </p:txBody>
+      </p:sp>
+      <p:sp>
+        <p:nvSpPr>
+          <p:cNvPr id="21" name="TextBox 20"/>
+          <p:cNvSpPr txBox="1"/>
+          <p:nvPr/>
+        </p:nvSpPr>
+        <p:spPr>
+          <a:xfrm>
+            <a:off x="7128284" y="959970"/>
+            <a:ext cx="1008112" cy="369332"/>
+          </a:xfrm>
+          <a:prstGeom prst="rect">
+            <a:avLst/>
+          </a:prstGeom>
+          <a:noFill/>
+        </p:spPr>
+        <p:txBody>
+          <a:bodyPr wrap="square" rtlCol="0">
+            <a:spAutoFit/>
+          </a:bodyPr>
+          <a:lstStyle/>
+          <a:p>
+            <a:pPr algn="ctr"/>
+            <a:r>
+              <a:rPr lang="ko-KR" altLang="en-US" dirty="0" smtClean="0"/>
+              <a:t>비정형</a:t>
+            </a:r>
+            <a:endParaRPr lang="ko-KR" altLang="en-US" dirty="0"/>
+          </a:p>
+        </p:txBody>
+      </p:sp>
+      <p:sp>
+        <p:nvSpPr>
+          <p:cNvPr id="22" name="TextBox 21"/>
+          <p:cNvSpPr txBox="1"/>
+          <p:nvPr/>
+        </p:nvSpPr>
+        <p:spPr>
+          <a:xfrm>
+            <a:off x="4535996" y="1988840"/>
+            <a:ext cx="936104" cy="369332"/>
+          </a:xfrm>
+          <a:prstGeom prst="rect">
+            <a:avLst/>
+          </a:prstGeom>
+          <a:noFill/>
+        </p:spPr>
+        <p:txBody>
+          <a:bodyPr wrap="square" rtlCol="0">
+            <a:spAutoFit/>
+          </a:bodyPr>
+          <a:lstStyle/>
+          <a:p>
+            <a:pPr algn="ctr"/>
+            <a:r>
+              <a:rPr lang="ko-KR" altLang="en-US" dirty="0" smtClean="0"/>
+              <a:t>인지적</a:t>
+            </a:r>
+            <a:endParaRPr lang="ko-KR" altLang="en-US" dirty="0"/>
+          </a:p>
+        </p:txBody>
+      </p:sp>
+      <p:sp>
+        <p:nvSpPr>
+          <p:cNvPr id="23" name="TextBox 22"/>
+          <p:cNvSpPr txBox="1"/>
+          <p:nvPr/>
+        </p:nvSpPr>
+        <p:spPr>
+          <a:xfrm>
+            <a:off x="4535996" y="3429000"/>
+            <a:ext cx="936104" cy="369332"/>
+          </a:xfrm>
+          <a:prstGeom prst="rect">
+            <a:avLst/>
+          </a:prstGeom>
+          <a:noFill/>
+        </p:spPr>
+        <p:txBody>
+          <a:bodyPr wrap="square" rtlCol="0">
+            <a:spAutoFit/>
+          </a:bodyPr>
+          <a:lstStyle/>
+          <a:p>
+            <a:pPr algn="ctr"/>
+            <a:r>
+              <a:rPr lang="ko-KR" altLang="en-US" smtClean="0"/>
+              <a:t>육체적</a:t>
+            </a:r>
+            <a:endParaRPr lang="ko-KR" altLang="en-US" dirty="0"/>
+          </a:p>
+        </p:txBody>
+      </p:sp>
+      <p:sp>
+        <p:nvSpPr>
+          <p:cNvPr id="24" name="직사각형 23"/>
+          <p:cNvSpPr/>
+          <p:nvPr/>
+        </p:nvSpPr>
+        <p:spPr>
+          <a:xfrm>
+            <a:off x="5472100" y="1463012"/>
+            <a:ext cx="2844316" cy="2952328"/>
+          </a:xfrm>
+          <a:prstGeom prst="rect">
+            <a:avLst/>
+          </a:prstGeom>
+          <a:noFill/>
+          <a:ln>
+            <a:solidFill>
+              <a:srgbClr val="C00000"/>
+            </a:solidFill>
+            <a:prstDash val="dash"/>
+          </a:ln>
+        </p:spPr>
+        <p:style>
+          <a:lnRef idx="2">
+            <a:schemeClr val="accent1">
+              <a:shade val="50000"/>
+            </a:schemeClr>
+          </a:lnRef>
+          <a:fillRef idx="1">
+            <a:schemeClr val="accent1"/>
+          </a:fillRef>
+          <a:effectRef idx="0">
+            <a:schemeClr val="accent1"/>
+          </a:effectRef>
+          <a:fontRef idx="minor">
+            <a:schemeClr val="lt1"/>
+          </a:fontRef>
+        </p:style>
+        <p:txBody>
+          <a:bodyPr rtlCol="0" anchor="ctr"/>
+          <a:lstStyle/>
+          <a:p>
+            <a:pPr algn="ctr"/>
+            <a:endParaRPr lang="ko-KR" altLang="en-US"/>
+          </a:p>
+        </p:txBody>
+      </p:sp>
+      <p:sp>
+        <p:nvSpPr>
+          <p:cNvPr id="25" name="TextBox 24"/>
+          <p:cNvSpPr txBox="1"/>
+          <p:nvPr/>
+        </p:nvSpPr>
+        <p:spPr>
+          <a:xfrm>
+            <a:off x="5292080" y="4578588"/>
+            <a:ext cx="3168352" cy="646331"/>
+          </a:xfrm>
+          <a:prstGeom prst="rect">
+            <a:avLst/>
+          </a:prstGeom>
+          <a:noFill/>
+        </p:spPr>
+        <p:txBody>
+          <a:bodyPr wrap="square" rtlCol="0">
+            <a:spAutoFit/>
+          </a:bodyPr>
+          <a:lstStyle/>
+          <a:p>
+            <a:pPr algn="ctr"/>
+            <a:r>
+              <a:rPr lang="ko-KR" altLang="en-US" dirty="0" smtClean="0">
+                <a:solidFill>
+                  <a:srgbClr val="C00000"/>
+                </a:solidFill>
+              </a:rPr>
+              <a:t>컴퓨터 대체 가능영역</a:t>
+            </a:r>
+            <a:endParaRPr lang="en-US" altLang="ko-KR" dirty="0" smtClean="0">
+              <a:solidFill>
+                <a:srgbClr val="C00000"/>
+              </a:solidFill>
+            </a:endParaRPr>
+          </a:p>
+          <a:p>
+            <a:pPr algn="ctr"/>
+            <a:r>
+              <a:rPr lang="en-US" altLang="ko-KR" dirty="0" smtClean="0">
+                <a:solidFill>
+                  <a:srgbClr val="C00000"/>
+                </a:solidFill>
+              </a:rPr>
+              <a:t>(</a:t>
+            </a:r>
+            <a:r>
+              <a:rPr lang="ko-KR" altLang="en-US" dirty="0" smtClean="0">
+                <a:solidFill>
+                  <a:srgbClr val="C00000"/>
+                </a:solidFill>
+              </a:rPr>
+              <a:t>일부 </a:t>
+            </a:r>
+            <a:r>
+              <a:rPr lang="ko-KR" altLang="en-US" dirty="0" err="1" smtClean="0">
+                <a:solidFill>
+                  <a:srgbClr val="C00000"/>
+                </a:solidFill>
+              </a:rPr>
+              <a:t>업무외에</a:t>
+            </a:r>
+            <a:r>
+              <a:rPr lang="ko-KR" altLang="en-US" dirty="0" smtClean="0">
+                <a:solidFill>
+                  <a:srgbClr val="C00000"/>
+                </a:solidFill>
+              </a:rPr>
+              <a:t> 전분야</a:t>
+            </a:r>
+            <a:r>
+              <a:rPr lang="en-US" altLang="ko-KR" dirty="0" smtClean="0">
+                <a:solidFill>
+                  <a:srgbClr val="C00000"/>
+                </a:solidFill>
+              </a:rPr>
+              <a:t>)</a:t>
+            </a:r>
+            <a:endParaRPr lang="ko-KR" altLang="en-US" dirty="0">
+              <a:solidFill>
+                <a:srgbClr val="C00000"/>
+              </a:solidFill>
+            </a:endParaRPr>
+          </a:p>
+        </p:txBody>
+      </p:sp>
+      <p:sp>
+        <p:nvSpPr>
+          <p:cNvPr id="27" name="TextBox 26"/>
+          <p:cNvSpPr txBox="1"/>
+          <p:nvPr/>
+        </p:nvSpPr>
+        <p:spPr>
+          <a:xfrm>
+            <a:off x="1184378" y="341902"/>
+            <a:ext cx="2880320" cy="369332"/>
+          </a:xfrm>
+          <a:prstGeom prst="rect">
+            <a:avLst/>
+          </a:prstGeom>
+          <a:noFill/>
+        </p:spPr>
+        <p:txBody>
+          <a:bodyPr wrap="square" rtlCol="0">
+            <a:spAutoFit/>
+          </a:bodyPr>
+          <a:lstStyle/>
+          <a:p>
+            <a:pPr algn="ctr"/>
+            <a:r>
+              <a:rPr lang="en-US" altLang="ko-KR" u="sng" dirty="0" err="1" smtClean="0"/>
+              <a:t>Autor</a:t>
+            </a:r>
+            <a:r>
+              <a:rPr lang="en-US" altLang="ko-KR" u="sng" dirty="0"/>
+              <a:t> </a:t>
+            </a:r>
+            <a:r>
+              <a:rPr lang="en-US" altLang="ko-KR" u="sng" dirty="0" smtClean="0"/>
+              <a:t>et al.(2003)</a:t>
+            </a:r>
+            <a:endParaRPr lang="ko-KR" altLang="en-US" u="sng" dirty="0"/>
+          </a:p>
+        </p:txBody>
+      </p:sp>
+      <p:sp>
+        <p:nvSpPr>
+          <p:cNvPr id="18" name="TextBox 17"/>
+          <p:cNvSpPr txBox="1"/>
+          <p:nvPr/>
+        </p:nvSpPr>
+        <p:spPr>
+          <a:xfrm>
+            <a:off x="5472100" y="341902"/>
+            <a:ext cx="2880320" cy="369332"/>
+          </a:xfrm>
+          <a:prstGeom prst="rect">
+            <a:avLst/>
+          </a:prstGeom>
+          <a:noFill/>
+        </p:spPr>
+        <p:txBody>
+          <a:bodyPr wrap="square" rtlCol="0">
+            <a:spAutoFit/>
+          </a:bodyPr>
+          <a:lstStyle/>
+          <a:p>
+            <a:pPr algn="ctr"/>
+            <a:r>
+              <a:rPr lang="en-US" altLang="ko-KR" u="sng" dirty="0" smtClean="0"/>
+              <a:t>Frey &amp; Osborne(2013)</a:t>
+            </a:r>
+            <a:endParaRPr lang="ko-KR" altLang="en-US" u="sng" dirty="0"/>
+          </a:p>
+        </p:txBody>
+      </p:sp>
+      <p:sp>
+        <p:nvSpPr>
+          <p:cNvPr id="28" name="직사각형 27"/>
+          <p:cNvSpPr/>
+          <p:nvPr/>
+        </p:nvSpPr>
+        <p:spPr>
+          <a:xfrm>
+            <a:off x="7621454" y="2636912"/>
+            <a:ext cx="684076" cy="597836"/>
+          </a:xfrm>
+          <a:prstGeom prst="rect">
+            <a:avLst/>
+          </a:prstGeom>
+          <a:noFill/>
+          <a:ln>
+            <a:solidFill>
+              <a:srgbClr val="C00000"/>
+            </a:solidFill>
+            <a:prstDash val="dash"/>
+          </a:ln>
+        </p:spPr>
+        <p:style>
+          <a:lnRef idx="2">
+            <a:schemeClr val="accent1">
+              <a:shade val="50000"/>
+            </a:schemeClr>
+          </a:lnRef>
+          <a:fillRef idx="1">
+            <a:schemeClr val="accent1"/>
+          </a:fillRef>
+          <a:effectRef idx="0">
+            <a:schemeClr val="accent1"/>
+          </a:effectRef>
+          <a:fontRef idx="minor">
+            <a:schemeClr val="lt1"/>
+          </a:fontRef>
+        </p:style>
+        <p:txBody>
+          <a:bodyPr rtlCol="0" anchor="ctr"/>
+          <a:lstStyle/>
+          <a:p>
+            <a:pPr algn="ctr"/>
+            <a:endParaRPr lang="ko-KR" altLang="en-US"/>
+          </a:p>
+        </p:txBody>
+      </p:sp>
+      <p:sp>
+        <p:nvSpPr>
+          <p:cNvPr id="26" name="직사각형 25"/>
+          <p:cNvSpPr/>
+          <p:nvPr/>
+        </p:nvSpPr>
+        <p:spPr>
+          <a:xfrm>
+            <a:off x="7649918" y="2640258"/>
+            <a:ext cx="702502" cy="576000"/>
+          </a:xfrm>
+          <a:prstGeom prst="rect">
+            <a:avLst/>
+          </a:prstGeom>
+          <a:solidFill>
+            <a:schemeClr val="bg1"/>
+          </a:solidFill>
+          <a:ln>
+            <a:noFill/>
+          </a:ln>
+        </p:spPr>
+        <p:style>
+          <a:lnRef idx="2">
+            <a:schemeClr val="accent1">
+              <a:shade val="50000"/>
+            </a:schemeClr>
+          </a:lnRef>
+          <a:fillRef idx="1">
+            <a:schemeClr val="accent1"/>
+          </a:fillRef>
+          <a:effectRef idx="0">
+            <a:schemeClr val="accent1"/>
+          </a:effectRef>
+          <a:fontRef idx="minor">
+            <a:schemeClr val="lt1"/>
+          </a:fontRef>
+        </p:style>
+        <p:txBody>
+          <a:bodyPr rtlCol="0" anchor="ctr"/>
+          <a:lstStyle/>
+          <a:p>
+            <a:pPr algn="ctr"/>
+            <a:endParaRPr lang="ko-KR" altLang="en-US"/>
+          </a:p>
+        </p:txBody>
+      </p:sp>
+      <p:sp>
+        <p:nvSpPr>
+          <p:cNvPr id="2" name="모서리가 둥근 직사각형 1"/>
+          <p:cNvSpPr/>
+          <p:nvPr/>
+        </p:nvSpPr>
+        <p:spPr>
+          <a:xfrm>
+            <a:off x="7700158" y="2687318"/>
+            <a:ext cx="588639" cy="475253"/>
+          </a:xfrm>
+          <a:prstGeom prst="roundRect">
+            <a:avLst/>
+          </a:prstGeom>
+        </p:spPr>
+        <p:style>
+          <a:lnRef idx="2">
+            <a:schemeClr val="accent1">
+              <a:shade val="50000"/>
+            </a:schemeClr>
+          </a:lnRef>
+          <a:fillRef idx="1">
+            <a:schemeClr val="accent1"/>
+          </a:fillRef>
+          <a:effectRef idx="0">
+            <a:schemeClr val="accent1"/>
+          </a:effectRef>
+          <a:fontRef idx="minor">
+            <a:schemeClr val="lt1"/>
+          </a:fontRef>
+        </p:style>
+        <p:txBody>
+          <a:bodyPr rtlCol="0" anchor="ctr"/>
+          <a:lstStyle/>
+          <a:p>
+            <a:pPr algn="ctr"/>
+            <a:endParaRPr lang="ko-KR" altLang="en-US"/>
+          </a:p>
+        </p:txBody>
+      </p:sp>
+    </p:spTree>
+    <p:extLst>
+      <p:ext uri="{BB962C8B-B14F-4D97-AF65-F5344CB8AC3E}">
+        <p14:creationId xmlns:p14="http://schemas.microsoft.com/office/powerpoint/2010/main" val="698793450"/>
+      </p:ext>
+    </p:extLst>
+  </p:cSld>
+  <p:clrMapOvr>
+    <a:masterClrMapping/>
+  </p:clrMapOvr>
+</p:sld>
+</file>
+
+<file path=ppt/slides/slide3.xml><?xml version="1.0" encoding="utf-8"?>
+<p:sld xmlns:a="http://schemas.openxmlformats.org/drawingml/2006/main" xmlns:r="http://schemas.openxmlformats.org/officeDocument/2006/relationships" xmlns:p="http://schemas.openxmlformats.org/presentationml/2006/main">
+  <p:cSld>
+    <p:spTree>
+      <p:nvGrpSpPr>
+        <p:cNvPr id="1" name=""/>
+        <p:cNvGrpSpPr/>
+        <p:nvPr/>
+      </p:nvGrpSpPr>
+      <p:grpSpPr>
+        <a:xfrm>
+          <a:off x="0" y="0"/>
+          <a:ext cx="0" cy="0"/>
+          <a:chOff x="0" y="0"/>
+          <a:chExt cx="0" cy="0"/>
+        </a:xfrm>
+      </p:grpSpPr>
+      <p:graphicFrame>
+        <p:nvGraphicFramePr>
           <p:cNvPr id="4" name="개체 3"/>
           <p:cNvGraphicFramePr>
             <a:graphicFrameLocks noChangeAspect="1"/>
@@ -3170,7 +4071,7 @@
           <a:graphicData uri="http://schemas.openxmlformats.org/presentationml/2006/ole">
             <mc:AlternateContent xmlns:mc="http://schemas.openxmlformats.org/markup-compatibility/2006">
               <mc:Choice xmlns:v="urn:schemas-microsoft-com:vml" Requires="v">
-                <p:oleObj spid="_x0000_s2060" name="차트" r:id="rId3" imgW="7324830" imgH="4029033" progId="Excel.Sheet.8">
+                <p:oleObj spid="_x0000_s2064" name="차트" r:id="rId3" imgW="7324830" imgH="4029033" progId="Excel.Sheet.8">
                   <p:embed followColorScheme="full"/>
                 </p:oleObj>
               </mc:Choice>
@@ -3244,7 +4145,7 @@
 </p:sld>
 </file>
 
-<file path=ppt/slides/slide3.xml><?xml version="1.0" encoding="utf-8"?>
+<file path=ppt/slides/slide4.xml><?xml version="1.0" encoding="utf-8"?>
 <p:sld xmlns:a="http://schemas.openxmlformats.org/drawingml/2006/main" xmlns:r="http://schemas.openxmlformats.org/officeDocument/2006/relationships" xmlns:p="http://schemas.openxmlformats.org/presentationml/2006/main">
   <p:cSld>
     <p:spTree>
@@ -3283,7 +4184,7 @@
           <a:graphicData uri="http://schemas.openxmlformats.org/presentationml/2006/ole">
             <mc:AlternateContent xmlns:mc="http://schemas.openxmlformats.org/markup-compatibility/2006">
               <mc:Choice xmlns:v="urn:schemas-microsoft-com:vml" Requires="v">
-                <p:oleObj spid="_x0000_s3082" name="차트" r:id="rId3" imgW="7362900" imgH="4095756" progId="Excel.Sheet.8">
+                <p:oleObj spid="_x0000_s3086" name="차트" r:id="rId3" imgW="7362900" imgH="4095756" progId="Excel.Sheet.8">
                   <p:embed followColorScheme="full"/>
                 </p:oleObj>
               </mc:Choice>
@@ -3357,7 +4258,7 @@
 </p:sld>
 </file>
 
-<file path=ppt/slides/slide4.xml><?xml version="1.0" encoding="utf-8"?>
+<file path=ppt/slides/slide5.xml><?xml version="1.0" encoding="utf-8"?>
 <p:sld xmlns:a="http://schemas.openxmlformats.org/drawingml/2006/main" xmlns:r="http://schemas.openxmlformats.org/officeDocument/2006/relationships" xmlns:p="http://schemas.openxmlformats.org/presentationml/2006/main">
   <p:cSld>
     <p:spTree>
@@ -3396,7 +4297,7 @@
           <a:graphicData uri="http://schemas.openxmlformats.org/presentationml/2006/ole">
             <mc:AlternateContent xmlns:mc="http://schemas.openxmlformats.org/markup-compatibility/2006">
               <mc:Choice xmlns:v="urn:schemas-microsoft-com:vml" Requires="v">
-                <p:oleObj spid="_x0000_s4108" name="차트" r:id="rId3" imgW="7324830" imgH="4029033" progId="Excel.Sheet.8">
+                <p:oleObj spid="_x0000_s4112" name="차트" r:id="rId3" imgW="7324830" imgH="4029033" progId="Excel.Sheet.8">
                   <p:embed followColorScheme="full"/>
                 </p:oleObj>
               </mc:Choice>
@@ -3470,7 +4371,7 @@
 </p:sld>
 </file>
 
-<file path=ppt/slides/slide5.xml><?xml version="1.0" encoding="utf-8"?>
+<file path=ppt/slides/slide6.xml><?xml version="1.0" encoding="utf-8"?>
 <p:sld xmlns:a="http://schemas.openxmlformats.org/drawingml/2006/main" xmlns:r="http://schemas.openxmlformats.org/officeDocument/2006/relationships" xmlns:p="http://schemas.openxmlformats.org/presentationml/2006/main">
   <p:cSld>
     <p:spTree>
@@ -3529,7 +4430,7 @@
           <a:graphicData uri="http://schemas.openxmlformats.org/presentationml/2006/ole">
             <mc:AlternateContent xmlns:mc="http://schemas.openxmlformats.org/markup-compatibility/2006">
               <mc:Choice xmlns:v="urn:schemas-microsoft-com:vml" Requires="v">
-                <p:oleObj spid="_x0000_s5126" name="워크시트" r:id="rId3" imgW="11182320" imgH="4448279" progId="Excel.Sheet.12">
+                <p:oleObj spid="_x0000_s5130" name="워크시트" r:id="rId3" imgW="11182320" imgH="4448279" progId="Excel.Sheet.12">
                   <p:embed/>
                 </p:oleObj>
               </mc:Choice>

--- a/ppt/차트.pptx
+++ b/ppt/차트.pptx
@@ -7,10 +7,17 @@
   <p:sldIdLst>
     <p:sldId id="256" r:id="rId2"/>
     <p:sldId id="261" r:id="rId3"/>
-    <p:sldId id="257" r:id="rId4"/>
-    <p:sldId id="258" r:id="rId5"/>
-    <p:sldId id="259" r:id="rId6"/>
-    <p:sldId id="260" r:id="rId7"/>
+    <p:sldId id="270" r:id="rId4"/>
+    <p:sldId id="266" r:id="rId5"/>
+    <p:sldId id="268" r:id="rId6"/>
+    <p:sldId id="267" r:id="rId7"/>
+    <p:sldId id="259" r:id="rId8"/>
+    <p:sldId id="265" r:id="rId9"/>
+    <p:sldId id="260" r:id="rId10"/>
+    <p:sldId id="262" r:id="rId11"/>
+    <p:sldId id="264" r:id="rId12"/>
+    <p:sldId id="263" r:id="rId13"/>
+    <p:sldId id="271" r:id="rId14"/>
   </p:sldIdLst>
   <p:sldSz cx="9144000" cy="6858000" type="screen4x3"/>
   <p:notesSz cx="6858000" cy="9144000"/>
@@ -109,7 +116,2213 @@
       </a:defRPr>
     </a:lvl9pPr>
   </p:defaultTextStyle>
+  <p:extLst>
+    <p:ext uri="{521415D9-36F7-43E2-AB2F-B90AF26B5E84}">
+      <p14:sectionLst xmlns:p14="http://schemas.microsoft.com/office/powerpoint/2010/main">
+        <p14:section name="기본 구역" id="{EBEAC0E7-7E96-485F-AC0E-DDE0B87529D2}">
+          <p14:sldIdLst>
+            <p14:sldId id="256"/>
+            <p14:sldId id="261"/>
+            <p14:sldId id="270"/>
+            <p14:sldId id="266"/>
+            <p14:sldId id="268"/>
+            <p14:sldId id="267"/>
+            <p14:sldId id="259"/>
+          </p14:sldIdLst>
+        </p14:section>
+        <p14:section name="제목 없는 구역" id="{A93ED858-4BAA-4E1D-9F09-19E650A4952C}">
+          <p14:sldIdLst>
+            <p14:sldId id="265"/>
+            <p14:sldId id="260"/>
+            <p14:sldId id="262"/>
+            <p14:sldId id="264"/>
+            <p14:sldId id="263"/>
+            <p14:sldId id="271"/>
+          </p14:sldIdLst>
+        </p14:section>
+      </p14:sectionLst>
+    </p:ext>
+  </p:extLst>
 </p:presentation>
+</file>
+
+<file path=ppt/charts/chart1.xml><?xml version="1.0" encoding="utf-8"?>
+<c:chartSpace xmlns:c="http://schemas.openxmlformats.org/drawingml/2006/chart" xmlns:a="http://schemas.openxmlformats.org/drawingml/2006/main" xmlns:r="http://schemas.openxmlformats.org/officeDocument/2006/relationships">
+  <c:date1904 val="0"/>
+  <c:lang val="ko-KR"/>
+  <c:roundedCorners val="0"/>
+  <mc:AlternateContent xmlns:mc="http://schemas.openxmlformats.org/markup-compatibility/2006">
+    <mc:Choice xmlns:c14="http://schemas.microsoft.com/office/drawing/2007/8/2/chart" Requires="c14">
+      <c14:style val="102"/>
+    </mc:Choice>
+    <mc:Fallback>
+      <c:style val="2"/>
+    </mc:Fallback>
+  </mc:AlternateContent>
+  <c:chart>
+    <c:autoTitleDeleted val="1"/>
+    <c:plotArea>
+      <c:layout/>
+      <c:barChart>
+        <c:barDir val="col"/>
+        <c:grouping val="clustered"/>
+        <c:varyColors val="0"/>
+        <c:ser>
+          <c:idx val="0"/>
+          <c:order val="0"/>
+          <c:tx>
+            <c:strRef>
+              <c:f>Sheet1!$B$1</c:f>
+              <c:strCache>
+                <c:ptCount val="1"/>
+                <c:pt idx="0">
+                  <c:v>고위험군 일자리 비중</c:v>
+                </c:pt>
+              </c:strCache>
+            </c:strRef>
+          </c:tx>
+          <c:invertIfNegative val="0"/>
+          <c:cat>
+            <c:strRef>
+              <c:f>Sheet1!$A$2:$A$12</c:f>
+              <c:strCache>
+                <c:ptCount val="11"/>
+                <c:pt idx="0">
+                  <c:v>중국</c:v>
+                </c:pt>
+                <c:pt idx="1">
+                  <c:v>인도</c:v>
+                </c:pt>
+                <c:pt idx="2">
+                  <c:v>독일</c:v>
+                </c:pt>
+                <c:pt idx="3">
+                  <c:v>일본</c:v>
+                </c:pt>
+                <c:pt idx="4">
+                  <c:v>미국</c:v>
+                </c:pt>
+                <c:pt idx="5">
+                  <c:v>캐나다</c:v>
+                </c:pt>
+                <c:pt idx="6">
+                  <c:v>한국</c:v>
+                </c:pt>
+                <c:pt idx="7">
+                  <c:v>스웨덴</c:v>
+                </c:pt>
+                <c:pt idx="8">
+                  <c:v>핀란드</c:v>
+                </c:pt>
+                <c:pt idx="9">
+                  <c:v>영국</c:v>
+                </c:pt>
+                <c:pt idx="10">
+                  <c:v>노르웨이</c:v>
+                </c:pt>
+              </c:strCache>
+            </c:strRef>
+          </c:cat>
+          <c:val>
+            <c:numRef>
+              <c:f>Sheet1!$B$2:$B$12</c:f>
+              <c:numCache>
+                <c:formatCode>0%</c:formatCode>
+                <c:ptCount val="11"/>
+                <c:pt idx="0">
+                  <c:v>0.77</c:v>
+                </c:pt>
+                <c:pt idx="1">
+                  <c:v>0.69</c:v>
+                </c:pt>
+                <c:pt idx="2">
+                  <c:v>0.59</c:v>
+                </c:pt>
+                <c:pt idx="3">
+                  <c:v>0.49</c:v>
+                </c:pt>
+                <c:pt idx="4">
+                  <c:v>0.47</c:v>
+                </c:pt>
+                <c:pt idx="5">
+                  <c:v>0.42</c:v>
+                </c:pt>
+                <c:pt idx="6">
+                  <c:v>0.37</c:v>
+                </c:pt>
+                <c:pt idx="7">
+                  <c:v>0.37</c:v>
+                </c:pt>
+                <c:pt idx="8">
+                  <c:v>0.36</c:v>
+                </c:pt>
+                <c:pt idx="9">
+                  <c:v>0.35</c:v>
+                </c:pt>
+                <c:pt idx="10">
+                  <c:v>0.33</c:v>
+                </c:pt>
+              </c:numCache>
+            </c:numRef>
+          </c:val>
+        </c:ser>
+        <c:dLbls>
+          <c:showLegendKey val="0"/>
+          <c:showVal val="0"/>
+          <c:showCatName val="0"/>
+          <c:showSerName val="0"/>
+          <c:showPercent val="0"/>
+          <c:showBubbleSize val="0"/>
+        </c:dLbls>
+        <c:gapWidth val="150"/>
+        <c:axId val="89515008"/>
+        <c:axId val="170074112"/>
+      </c:barChart>
+      <c:catAx>
+        <c:axId val="89515008"/>
+        <c:scaling>
+          <c:orientation val="minMax"/>
+        </c:scaling>
+        <c:delete val="0"/>
+        <c:axPos val="b"/>
+        <c:majorTickMark val="out"/>
+        <c:minorTickMark val="none"/>
+        <c:tickLblPos val="nextTo"/>
+        <c:crossAx val="170074112"/>
+        <c:crosses val="autoZero"/>
+        <c:auto val="1"/>
+        <c:lblAlgn val="ctr"/>
+        <c:lblOffset val="100"/>
+        <c:noMultiLvlLbl val="0"/>
+      </c:catAx>
+      <c:valAx>
+        <c:axId val="170074112"/>
+        <c:scaling>
+          <c:orientation val="minMax"/>
+        </c:scaling>
+        <c:delete val="0"/>
+        <c:axPos val="l"/>
+        <c:numFmt formatCode="0%" sourceLinked="1"/>
+        <c:majorTickMark val="out"/>
+        <c:minorTickMark val="none"/>
+        <c:tickLblPos val="nextTo"/>
+        <c:crossAx val="89515008"/>
+        <c:crosses val="autoZero"/>
+        <c:crossBetween val="between"/>
+      </c:valAx>
+    </c:plotArea>
+    <c:plotVisOnly val="1"/>
+    <c:dispBlanksAs val="gap"/>
+    <c:showDLblsOverMax val="0"/>
+  </c:chart>
+  <c:txPr>
+    <a:bodyPr/>
+    <a:lstStyle/>
+    <a:p>
+      <a:pPr>
+        <a:defRPr sz="1800"/>
+      </a:pPr>
+      <a:endParaRPr lang="ko-KR"/>
+    </a:p>
+  </c:txPr>
+  <c:externalData r:id="rId1">
+    <c:autoUpdate val="0"/>
+  </c:externalData>
+</c:chartSpace>
+</file>
+
+<file path=ppt/charts/chart2.xml><?xml version="1.0" encoding="utf-8"?>
+<c:chartSpace xmlns:c="http://schemas.openxmlformats.org/drawingml/2006/chart" xmlns:a="http://schemas.openxmlformats.org/drawingml/2006/main" xmlns:r="http://schemas.openxmlformats.org/officeDocument/2006/relationships">
+  <c:date1904 val="0"/>
+  <c:lang val="ko-KR"/>
+  <c:roundedCorners val="0"/>
+  <mc:AlternateContent xmlns:mc="http://schemas.openxmlformats.org/markup-compatibility/2006">
+    <mc:Choice xmlns:c14="http://schemas.microsoft.com/office/drawing/2007/8/2/chart" Requires="c14">
+      <c14:style val="102"/>
+    </mc:Choice>
+    <mc:Fallback>
+      <c:style val="2"/>
+    </mc:Fallback>
+  </mc:AlternateContent>
+  <c:chart>
+    <c:autoTitleDeleted val="1"/>
+    <c:plotArea>
+      <c:layout/>
+      <c:barChart>
+        <c:barDir val="col"/>
+        <c:grouping val="clustered"/>
+        <c:varyColors val="0"/>
+        <c:ser>
+          <c:idx val="0"/>
+          <c:order val="0"/>
+          <c:tx>
+            <c:strRef>
+              <c:f>Sheet1!$B$1</c:f>
+              <c:strCache>
+                <c:ptCount val="1"/>
+                <c:pt idx="0">
+                  <c:v>직무(occupation)기반 접근(Frey&amp;Osborne)</c:v>
+                </c:pt>
+              </c:strCache>
+            </c:strRef>
+          </c:tx>
+          <c:invertIfNegative val="0"/>
+          <c:dLbls>
+            <c:showLegendKey val="0"/>
+            <c:showVal val="1"/>
+            <c:showCatName val="0"/>
+            <c:showSerName val="0"/>
+            <c:showPercent val="0"/>
+            <c:showBubbleSize val="0"/>
+            <c:showLeaderLines val="0"/>
+          </c:dLbls>
+          <c:cat>
+            <c:strRef>
+              <c:f>Sheet1!$A$2:$A$6</c:f>
+              <c:strCache>
+                <c:ptCount val="5"/>
+                <c:pt idx="0">
+                  <c:v>독일</c:v>
+                </c:pt>
+                <c:pt idx="1">
+                  <c:v>일본</c:v>
+                </c:pt>
+                <c:pt idx="2">
+                  <c:v>미국</c:v>
+                </c:pt>
+                <c:pt idx="3">
+                  <c:v>한국</c:v>
+                </c:pt>
+                <c:pt idx="4">
+                  <c:v>영국</c:v>
+                </c:pt>
+              </c:strCache>
+            </c:strRef>
+          </c:cat>
+          <c:val>
+            <c:numRef>
+              <c:f>Sheet1!$B$2:$B$6</c:f>
+              <c:numCache>
+                <c:formatCode>0%</c:formatCode>
+                <c:ptCount val="5"/>
+                <c:pt idx="0">
+                  <c:v>0.59</c:v>
+                </c:pt>
+                <c:pt idx="1">
+                  <c:v>0.49</c:v>
+                </c:pt>
+                <c:pt idx="2">
+                  <c:v>0.47</c:v>
+                </c:pt>
+                <c:pt idx="3">
+                  <c:v>0.371</c:v>
+                </c:pt>
+                <c:pt idx="4">
+                  <c:v>0.35</c:v>
+                </c:pt>
+              </c:numCache>
+            </c:numRef>
+          </c:val>
+        </c:ser>
+        <c:ser>
+          <c:idx val="1"/>
+          <c:order val="1"/>
+          <c:tx>
+            <c:strRef>
+              <c:f>Sheet1!$C$1</c:f>
+              <c:strCache>
+                <c:ptCount val="1"/>
+                <c:pt idx="0">
+                  <c:v>과업(task)기반 접근(OECD)</c:v>
+                </c:pt>
+              </c:strCache>
+            </c:strRef>
+          </c:tx>
+          <c:invertIfNegative val="0"/>
+          <c:dLbls>
+            <c:showLegendKey val="0"/>
+            <c:showVal val="1"/>
+            <c:showCatName val="0"/>
+            <c:showSerName val="0"/>
+            <c:showPercent val="0"/>
+            <c:showBubbleSize val="0"/>
+            <c:showLeaderLines val="0"/>
+          </c:dLbls>
+          <c:cat>
+            <c:strRef>
+              <c:f>Sheet1!$A$2:$A$6</c:f>
+              <c:strCache>
+                <c:ptCount val="5"/>
+                <c:pt idx="0">
+                  <c:v>독일</c:v>
+                </c:pt>
+                <c:pt idx="1">
+                  <c:v>일본</c:v>
+                </c:pt>
+                <c:pt idx="2">
+                  <c:v>미국</c:v>
+                </c:pt>
+                <c:pt idx="3">
+                  <c:v>한국</c:v>
+                </c:pt>
+                <c:pt idx="4">
+                  <c:v>영국</c:v>
+                </c:pt>
+              </c:strCache>
+            </c:strRef>
+          </c:cat>
+          <c:val>
+            <c:numRef>
+              <c:f>Sheet1!$C$2:$C$6</c:f>
+              <c:numCache>
+                <c:formatCode>0%</c:formatCode>
+                <c:ptCount val="5"/>
+                <c:pt idx="0">
+                  <c:v>0.1205</c:v>
+                </c:pt>
+                <c:pt idx="1">
+                  <c:v>7.0900000000000005E-2</c:v>
+                </c:pt>
+                <c:pt idx="2">
+                  <c:v>8.8999999999999996E-2</c:v>
+                </c:pt>
+                <c:pt idx="3">
+                  <c:v>5.8999999999999997E-2</c:v>
+                </c:pt>
+                <c:pt idx="4">
+                  <c:v>0.10100000000000001</c:v>
+                </c:pt>
+              </c:numCache>
+            </c:numRef>
+          </c:val>
+        </c:ser>
+        <c:ser>
+          <c:idx val="2"/>
+          <c:order val="2"/>
+          <c:tx>
+            <c:strRef>
+              <c:f>Sheet1!$D$1</c:f>
+              <c:strCache>
+                <c:ptCount val="1"/>
+                <c:pt idx="0">
+                  <c:v>수정된 과업기반 접근(PwC)</c:v>
+                </c:pt>
+              </c:strCache>
+            </c:strRef>
+          </c:tx>
+          <c:invertIfNegative val="0"/>
+          <c:dLbls>
+            <c:showLegendKey val="0"/>
+            <c:showVal val="1"/>
+            <c:showCatName val="0"/>
+            <c:showSerName val="0"/>
+            <c:showPercent val="0"/>
+            <c:showBubbleSize val="0"/>
+            <c:showLeaderLines val="0"/>
+          </c:dLbls>
+          <c:cat>
+            <c:strRef>
+              <c:f>Sheet1!$A$2:$A$6</c:f>
+              <c:strCache>
+                <c:ptCount val="5"/>
+                <c:pt idx="0">
+                  <c:v>독일</c:v>
+                </c:pt>
+                <c:pt idx="1">
+                  <c:v>일본</c:v>
+                </c:pt>
+                <c:pt idx="2">
+                  <c:v>미국</c:v>
+                </c:pt>
+                <c:pt idx="3">
+                  <c:v>한국</c:v>
+                </c:pt>
+                <c:pt idx="4">
+                  <c:v>영국</c:v>
+                </c:pt>
+              </c:strCache>
+            </c:strRef>
+          </c:cat>
+          <c:val>
+            <c:numRef>
+              <c:f>Sheet1!$D$2:$D$6</c:f>
+              <c:numCache>
+                <c:formatCode>0%</c:formatCode>
+                <c:ptCount val="5"/>
+                <c:pt idx="0">
+                  <c:v>0.35</c:v>
+                </c:pt>
+                <c:pt idx="1">
+                  <c:v>0.21</c:v>
+                </c:pt>
+                <c:pt idx="2">
+                  <c:v>0.38</c:v>
+                </c:pt>
+                <c:pt idx="4">
+                  <c:v>0.3</c:v>
+                </c:pt>
+              </c:numCache>
+            </c:numRef>
+          </c:val>
+        </c:ser>
+        <c:ser>
+          <c:idx val="3"/>
+          <c:order val="3"/>
+          <c:tx>
+            <c:strRef>
+              <c:f>Sheet1!$E$1</c:f>
+              <c:strCache>
+                <c:ptCount val="1"/>
+                <c:pt idx="0">
+                  <c:v>업무활동(Work activity) 기반 접근(McKinsey)</c:v>
+                </c:pt>
+              </c:strCache>
+            </c:strRef>
+          </c:tx>
+          <c:invertIfNegative val="0"/>
+          <c:dLbls>
+            <c:showLegendKey val="0"/>
+            <c:showVal val="1"/>
+            <c:showCatName val="0"/>
+            <c:showSerName val="0"/>
+            <c:showPercent val="0"/>
+            <c:showBubbleSize val="0"/>
+            <c:showLeaderLines val="0"/>
+          </c:dLbls>
+          <c:cat>
+            <c:strRef>
+              <c:f>Sheet1!$A$2:$A$6</c:f>
+              <c:strCache>
+                <c:ptCount val="5"/>
+                <c:pt idx="0">
+                  <c:v>독일</c:v>
+                </c:pt>
+                <c:pt idx="1">
+                  <c:v>일본</c:v>
+                </c:pt>
+                <c:pt idx="2">
+                  <c:v>미국</c:v>
+                </c:pt>
+                <c:pt idx="3">
+                  <c:v>한국</c:v>
+                </c:pt>
+                <c:pt idx="4">
+                  <c:v>영국</c:v>
+                </c:pt>
+              </c:strCache>
+            </c:strRef>
+          </c:cat>
+          <c:val>
+            <c:numRef>
+              <c:f>Sheet1!$E$2:$E$6</c:f>
+              <c:numCache>
+                <c:formatCode>0%</c:formatCode>
+                <c:ptCount val="5"/>
+                <c:pt idx="0">
+                  <c:v>0.48</c:v>
+                </c:pt>
+                <c:pt idx="1">
+                  <c:v>0.56000000000000005</c:v>
+                </c:pt>
+                <c:pt idx="2">
+                  <c:v>0.46</c:v>
+                </c:pt>
+                <c:pt idx="3">
+                  <c:v>0.52</c:v>
+                </c:pt>
+                <c:pt idx="4">
+                  <c:v>0.43</c:v>
+                </c:pt>
+              </c:numCache>
+            </c:numRef>
+          </c:val>
+        </c:ser>
+        <c:dLbls>
+          <c:showLegendKey val="0"/>
+          <c:showVal val="0"/>
+          <c:showCatName val="0"/>
+          <c:showSerName val="0"/>
+          <c:showPercent val="0"/>
+          <c:showBubbleSize val="0"/>
+        </c:dLbls>
+        <c:gapWidth val="150"/>
+        <c:axId val="134933504"/>
+        <c:axId val="175227456"/>
+      </c:barChart>
+      <c:catAx>
+        <c:axId val="134933504"/>
+        <c:scaling>
+          <c:orientation val="minMax"/>
+        </c:scaling>
+        <c:delete val="0"/>
+        <c:axPos val="b"/>
+        <c:majorTickMark val="out"/>
+        <c:minorTickMark val="none"/>
+        <c:tickLblPos val="nextTo"/>
+        <c:crossAx val="175227456"/>
+        <c:crosses val="autoZero"/>
+        <c:auto val="1"/>
+        <c:lblAlgn val="ctr"/>
+        <c:lblOffset val="100"/>
+        <c:noMultiLvlLbl val="0"/>
+      </c:catAx>
+      <c:valAx>
+        <c:axId val="175227456"/>
+        <c:scaling>
+          <c:orientation val="minMax"/>
+        </c:scaling>
+        <c:delete val="1"/>
+        <c:axPos val="l"/>
+        <c:numFmt formatCode="0%" sourceLinked="1"/>
+        <c:majorTickMark val="out"/>
+        <c:minorTickMark val="none"/>
+        <c:tickLblPos val="nextTo"/>
+        <c:crossAx val="134933504"/>
+        <c:crosses val="autoZero"/>
+        <c:crossBetween val="between"/>
+      </c:valAx>
+    </c:plotArea>
+    <c:legend>
+      <c:legendPos val="b"/>
+      <c:layout/>
+      <c:overlay val="0"/>
+      <c:txPr>
+        <a:bodyPr/>
+        <a:lstStyle/>
+        <a:p>
+          <a:pPr>
+            <a:defRPr sz="1200"/>
+          </a:pPr>
+          <a:endParaRPr lang="ko-KR"/>
+        </a:p>
+      </c:txPr>
+    </c:legend>
+    <c:plotVisOnly val="1"/>
+    <c:dispBlanksAs val="gap"/>
+    <c:showDLblsOverMax val="0"/>
+  </c:chart>
+  <c:txPr>
+    <a:bodyPr/>
+    <a:lstStyle/>
+    <a:p>
+      <a:pPr>
+        <a:defRPr sz="1800"/>
+      </a:pPr>
+      <a:endParaRPr lang="ko-KR"/>
+    </a:p>
+  </c:txPr>
+  <c:externalData r:id="rId1">
+    <c:autoUpdate val="0"/>
+  </c:externalData>
+</c:chartSpace>
+</file>
+
+<file path=ppt/charts/chart3.xml><?xml version="1.0" encoding="utf-8"?>
+<c:chartSpace xmlns:c="http://schemas.openxmlformats.org/drawingml/2006/chart" xmlns:a="http://schemas.openxmlformats.org/drawingml/2006/main" xmlns:r="http://schemas.openxmlformats.org/officeDocument/2006/relationships">
+  <c:date1904 val="0"/>
+  <c:lang val="ko-KR"/>
+  <c:roundedCorners val="0"/>
+  <mc:AlternateContent xmlns:mc="http://schemas.openxmlformats.org/markup-compatibility/2006">
+    <mc:Choice xmlns:c14="http://schemas.microsoft.com/office/drawing/2007/8/2/chart" Requires="c14">
+      <c14:style val="102"/>
+    </mc:Choice>
+    <mc:Fallback>
+      <c:style val="2"/>
+    </mc:Fallback>
+  </mc:AlternateContent>
+  <c:chart>
+    <c:autoTitleDeleted val="1"/>
+    <c:plotArea>
+      <c:layout/>
+      <c:barChart>
+        <c:barDir val="col"/>
+        <c:grouping val="stacked"/>
+        <c:varyColors val="0"/>
+        <c:ser>
+          <c:idx val="0"/>
+          <c:order val="0"/>
+          <c:tx>
+            <c:strRef>
+              <c:f>Sheet1!$B$1</c:f>
+              <c:strCache>
+                <c:ptCount val="1"/>
+                <c:pt idx="0">
+                  <c:v>Automatable(&gt;70% risk)</c:v>
+                </c:pt>
+              </c:strCache>
+            </c:strRef>
+          </c:tx>
+          <c:invertIfNegative val="0"/>
+          <c:dLbls>
+            <c:txPr>
+              <a:bodyPr/>
+              <a:lstStyle/>
+              <a:p>
+                <a:pPr>
+                  <a:defRPr>
+                    <a:solidFill>
+                      <a:schemeClr val="bg1"/>
+                    </a:solidFill>
+                  </a:defRPr>
+                </a:pPr>
+                <a:endParaRPr lang="ko-KR"/>
+              </a:p>
+            </c:txPr>
+            <c:showLegendKey val="0"/>
+            <c:showVal val="1"/>
+            <c:showCatName val="0"/>
+            <c:showSerName val="0"/>
+            <c:showPercent val="0"/>
+            <c:showBubbleSize val="0"/>
+            <c:showLeaderLines val="0"/>
+          </c:dLbls>
+          <c:cat>
+            <c:strRef>
+              <c:f>Sheet1!$A$2:$A$10</c:f>
+              <c:strCache>
+                <c:ptCount val="9"/>
+                <c:pt idx="0">
+                  <c:v>독일</c:v>
+                </c:pt>
+                <c:pt idx="1">
+                  <c:v>영국</c:v>
+                </c:pt>
+                <c:pt idx="2">
+                  <c:v>미국</c:v>
+                </c:pt>
+                <c:pt idx="3">
+                  <c:v>노르웨이</c:v>
+                </c:pt>
+                <c:pt idx="4">
+                  <c:v>캐나다</c:v>
+                </c:pt>
+                <c:pt idx="5">
+                  <c:v>스웨덴</c:v>
+                </c:pt>
+                <c:pt idx="6">
+                  <c:v>일본</c:v>
+                </c:pt>
+                <c:pt idx="7">
+                  <c:v>핀란드</c:v>
+                </c:pt>
+                <c:pt idx="8">
+                  <c:v>한국</c:v>
+                </c:pt>
+              </c:strCache>
+            </c:strRef>
+          </c:cat>
+          <c:val>
+            <c:numRef>
+              <c:f>Sheet1!$B$2:$B$10</c:f>
+              <c:numCache>
+                <c:formatCode>0%</c:formatCode>
+                <c:ptCount val="9"/>
+                <c:pt idx="0">
+                  <c:v>0.12</c:v>
+                </c:pt>
+                <c:pt idx="1">
+                  <c:v>0.1</c:v>
+                </c:pt>
+                <c:pt idx="2">
+                  <c:v>0.09</c:v>
+                </c:pt>
+                <c:pt idx="3">
+                  <c:v>0.1</c:v>
+                </c:pt>
+                <c:pt idx="4">
+                  <c:v>0.09</c:v>
+                </c:pt>
+                <c:pt idx="5">
+                  <c:v>7.0000000000000007E-2</c:v>
+                </c:pt>
+                <c:pt idx="6">
+                  <c:v>7.0000000000000007E-2</c:v>
+                </c:pt>
+                <c:pt idx="7">
+                  <c:v>7.0000000000000007E-2</c:v>
+                </c:pt>
+                <c:pt idx="8">
+                  <c:v>0.06</c:v>
+                </c:pt>
+              </c:numCache>
+            </c:numRef>
+          </c:val>
+        </c:ser>
+        <c:ser>
+          <c:idx val="1"/>
+          <c:order val="1"/>
+          <c:tx>
+            <c:strRef>
+              <c:f>Sheet1!$C$1</c:f>
+              <c:strCache>
+                <c:ptCount val="1"/>
+                <c:pt idx="0">
+                  <c:v>Change in tasks(50~70% risk)</c:v>
+                </c:pt>
+              </c:strCache>
+            </c:strRef>
+          </c:tx>
+          <c:invertIfNegative val="0"/>
+          <c:dLbls>
+            <c:txPr>
+              <a:bodyPr/>
+              <a:lstStyle/>
+              <a:p>
+                <a:pPr>
+                  <a:defRPr>
+                    <a:solidFill>
+                      <a:schemeClr val="bg1"/>
+                    </a:solidFill>
+                  </a:defRPr>
+                </a:pPr>
+                <a:endParaRPr lang="ko-KR"/>
+              </a:p>
+            </c:txPr>
+            <c:showLegendKey val="0"/>
+            <c:showVal val="1"/>
+            <c:showCatName val="0"/>
+            <c:showSerName val="0"/>
+            <c:showPercent val="0"/>
+            <c:showBubbleSize val="0"/>
+            <c:showLeaderLines val="0"/>
+          </c:dLbls>
+          <c:cat>
+            <c:strRef>
+              <c:f>Sheet1!$A$2:$A$10</c:f>
+              <c:strCache>
+                <c:ptCount val="9"/>
+                <c:pt idx="0">
+                  <c:v>독일</c:v>
+                </c:pt>
+                <c:pt idx="1">
+                  <c:v>영국</c:v>
+                </c:pt>
+                <c:pt idx="2">
+                  <c:v>미국</c:v>
+                </c:pt>
+                <c:pt idx="3">
+                  <c:v>노르웨이</c:v>
+                </c:pt>
+                <c:pt idx="4">
+                  <c:v>캐나다</c:v>
+                </c:pt>
+                <c:pt idx="5">
+                  <c:v>스웨덴</c:v>
+                </c:pt>
+                <c:pt idx="6">
+                  <c:v>일본</c:v>
+                </c:pt>
+                <c:pt idx="7">
+                  <c:v>핀란드</c:v>
+                </c:pt>
+                <c:pt idx="8">
+                  <c:v>한국</c:v>
+                </c:pt>
+              </c:strCache>
+            </c:strRef>
+          </c:cat>
+          <c:val>
+            <c:numRef>
+              <c:f>Sheet1!$C$2:$C$10</c:f>
+              <c:numCache>
+                <c:formatCode>0%</c:formatCode>
+                <c:ptCount val="9"/>
+                <c:pt idx="0">
+                  <c:v>0.31</c:v>
+                </c:pt>
+                <c:pt idx="1">
+                  <c:v>0.25</c:v>
+                </c:pt>
+                <c:pt idx="2">
+                  <c:v>0.25</c:v>
+                </c:pt>
+                <c:pt idx="3">
+                  <c:v>0.23</c:v>
+                </c:pt>
+                <c:pt idx="4">
+                  <c:v>0.24</c:v>
+                </c:pt>
+                <c:pt idx="5">
+                  <c:v>0.23</c:v>
+                </c:pt>
+                <c:pt idx="6">
+                  <c:v>0.22</c:v>
+                </c:pt>
+                <c:pt idx="7">
+                  <c:v>0.21</c:v>
+                </c:pt>
+                <c:pt idx="8">
+                  <c:v>0.19</c:v>
+                </c:pt>
+              </c:numCache>
+            </c:numRef>
+          </c:val>
+        </c:ser>
+        <c:dLbls>
+          <c:showLegendKey val="0"/>
+          <c:showVal val="0"/>
+          <c:showCatName val="0"/>
+          <c:showSerName val="0"/>
+          <c:showPercent val="0"/>
+          <c:showBubbleSize val="0"/>
+        </c:dLbls>
+        <c:gapWidth val="88"/>
+        <c:overlap val="100"/>
+        <c:axId val="151198208"/>
+        <c:axId val="170076416"/>
+      </c:barChart>
+      <c:catAx>
+        <c:axId val="151198208"/>
+        <c:scaling>
+          <c:orientation val="minMax"/>
+        </c:scaling>
+        <c:delete val="0"/>
+        <c:axPos val="b"/>
+        <c:majorTickMark val="out"/>
+        <c:minorTickMark val="none"/>
+        <c:tickLblPos val="nextTo"/>
+        <c:crossAx val="170076416"/>
+        <c:crosses val="autoZero"/>
+        <c:auto val="1"/>
+        <c:lblAlgn val="ctr"/>
+        <c:lblOffset val="100"/>
+        <c:noMultiLvlLbl val="0"/>
+      </c:catAx>
+      <c:valAx>
+        <c:axId val="170076416"/>
+        <c:scaling>
+          <c:orientation val="minMax"/>
+        </c:scaling>
+        <c:delete val="1"/>
+        <c:axPos val="l"/>
+        <c:numFmt formatCode="0%" sourceLinked="1"/>
+        <c:majorTickMark val="out"/>
+        <c:minorTickMark val="none"/>
+        <c:tickLblPos val="nextTo"/>
+        <c:crossAx val="151198208"/>
+        <c:crosses val="autoZero"/>
+        <c:crossBetween val="between"/>
+      </c:valAx>
+    </c:plotArea>
+    <c:legend>
+      <c:legendPos val="t"/>
+      <c:layout/>
+      <c:overlay val="0"/>
+    </c:legend>
+    <c:plotVisOnly val="1"/>
+    <c:dispBlanksAs val="gap"/>
+    <c:showDLblsOverMax val="0"/>
+  </c:chart>
+  <c:txPr>
+    <a:bodyPr/>
+    <a:lstStyle/>
+    <a:p>
+      <a:pPr>
+        <a:defRPr sz="1800"/>
+      </a:pPr>
+      <a:endParaRPr lang="ko-KR"/>
+    </a:p>
+  </c:txPr>
+  <c:externalData r:id="rId1">
+    <c:autoUpdate val="0"/>
+  </c:externalData>
+</c:chartSpace>
+</file>
+
+<file path=ppt/charts/chart4.xml><?xml version="1.0" encoding="utf-8"?>
+<c:chartSpace xmlns:c="http://schemas.openxmlformats.org/drawingml/2006/chart" xmlns:a="http://schemas.openxmlformats.org/drawingml/2006/main" xmlns:r="http://schemas.openxmlformats.org/officeDocument/2006/relationships">
+  <c:date1904 val="0"/>
+  <c:lang val="ko-KR"/>
+  <c:roundedCorners val="0"/>
+  <mc:AlternateContent xmlns:mc="http://schemas.openxmlformats.org/markup-compatibility/2006">
+    <mc:Choice xmlns:c14="http://schemas.microsoft.com/office/drawing/2007/8/2/chart" Requires="c14">
+      <c14:style val="101"/>
+    </mc:Choice>
+    <mc:Fallback>
+      <c:style val="1"/>
+    </mc:Fallback>
+  </mc:AlternateContent>
+  <c:chart>
+    <c:title>
+      <c:tx>
+        <c:rich>
+          <a:bodyPr/>
+          <a:lstStyle/>
+          <a:p>
+            <a:pPr>
+              <a:defRPr/>
+            </a:pPr>
+            <a:r>
+              <a:rPr lang="ko-KR" altLang="en-US" dirty="0" smtClean="0"/>
+              <a:t>직업별 자동화 </a:t>
+            </a:r>
+            <a:r>
+              <a:rPr lang="ko-KR" altLang="en-US" dirty="0" err="1" smtClean="0"/>
+              <a:t>위험군</a:t>
+            </a:r>
+            <a:r>
+              <a:rPr lang="ko-KR" altLang="en-US" dirty="0" smtClean="0"/>
+              <a:t> 취업자수 </a:t>
+            </a:r>
+            <a:endParaRPr lang="ko-KR" altLang="en-US" dirty="0"/>
+          </a:p>
+        </c:rich>
+      </c:tx>
+      <c:layout/>
+      <c:overlay val="0"/>
+    </c:title>
+    <c:autoTitleDeleted val="0"/>
+    <c:plotArea>
+      <c:layout/>
+      <c:barChart>
+        <c:barDir val="bar"/>
+        <c:grouping val="stacked"/>
+        <c:varyColors val="0"/>
+        <c:ser>
+          <c:idx val="0"/>
+          <c:order val="0"/>
+          <c:tx>
+            <c:strRef>
+              <c:f>Sheet1!$B$1</c:f>
+              <c:strCache>
+                <c:ptCount val="1"/>
+                <c:pt idx="0">
+                  <c:v>고위험</c:v>
+                </c:pt>
+              </c:strCache>
+            </c:strRef>
+          </c:tx>
+          <c:spPr>
+            <a:solidFill>
+              <a:srgbClr val="C00000"/>
+            </a:solidFill>
+            <a:ln>
+              <a:solidFill>
+                <a:schemeClr val="tx1"/>
+              </a:solidFill>
+            </a:ln>
+          </c:spPr>
+          <c:invertIfNegative val="0"/>
+          <c:cat>
+            <c:strRef>
+              <c:f>Sheet1!$A$2:$A$10</c:f>
+              <c:strCache>
+                <c:ptCount val="9"/>
+                <c:pt idx="0">
+                  <c:v>관리자</c:v>
+                </c:pt>
+                <c:pt idx="1">
+                  <c:v>전문가 및 관련 종사자</c:v>
+                </c:pt>
+                <c:pt idx="2">
+                  <c:v>농림어업 숙련  종사자</c:v>
+                </c:pt>
+                <c:pt idx="3">
+                  <c:v>서비스 종사자</c:v>
+                </c:pt>
+                <c:pt idx="4">
+                  <c:v>기능원 및 관련 기능 종사자</c:v>
+                </c:pt>
+                <c:pt idx="5">
+                  <c:v>단순노무 종사자</c:v>
+                </c:pt>
+                <c:pt idx="6">
+                  <c:v>장치,기계조작 및 조립종사자</c:v>
+                </c:pt>
+                <c:pt idx="7">
+                  <c:v>판매 종사자</c:v>
+                </c:pt>
+                <c:pt idx="8">
+                  <c:v>사무 종사자</c:v>
+                </c:pt>
+              </c:strCache>
+            </c:strRef>
+          </c:cat>
+          <c:val>
+            <c:numRef>
+              <c:f>Sheet1!$B$2:$B$10</c:f>
+              <c:numCache>
+                <c:formatCode>General</c:formatCode>
+                <c:ptCount val="9"/>
+                <c:pt idx="0">
+                  <c:v>0</c:v>
+                </c:pt>
+                <c:pt idx="1">
+                  <c:v>0</c:v>
+                </c:pt>
+                <c:pt idx="2">
+                  <c:v>45933.382000000012</c:v>
+                </c:pt>
+                <c:pt idx="3">
+                  <c:v>649857.29399999999</c:v>
+                </c:pt>
+                <c:pt idx="4">
+                  <c:v>668107.66800000053</c:v>
+                </c:pt>
+                <c:pt idx="5">
+                  <c:v>830569.65500000096</c:v>
+                </c:pt>
+                <c:pt idx="6">
+                  <c:v>1681615.3290000011</c:v>
+                </c:pt>
+                <c:pt idx="7">
+                  <c:v>2351170.4220000007</c:v>
+                </c:pt>
+                <c:pt idx="8">
+                  <c:v>3628391.4230000027</c:v>
+                </c:pt>
+              </c:numCache>
+            </c:numRef>
+          </c:val>
+        </c:ser>
+        <c:ser>
+          <c:idx val="1"/>
+          <c:order val="1"/>
+          <c:tx>
+            <c:strRef>
+              <c:f>Sheet1!$C$1</c:f>
+              <c:strCache>
+                <c:ptCount val="1"/>
+                <c:pt idx="0">
+                  <c:v>중위험</c:v>
+                </c:pt>
+              </c:strCache>
+            </c:strRef>
+          </c:tx>
+          <c:spPr>
+            <a:ln>
+              <a:solidFill>
+                <a:schemeClr val="tx1"/>
+              </a:solidFill>
+            </a:ln>
+          </c:spPr>
+          <c:invertIfNegative val="0"/>
+          <c:cat>
+            <c:strRef>
+              <c:f>Sheet1!$A$2:$A$10</c:f>
+              <c:strCache>
+                <c:ptCount val="9"/>
+                <c:pt idx="0">
+                  <c:v>관리자</c:v>
+                </c:pt>
+                <c:pt idx="1">
+                  <c:v>전문가 및 관련 종사자</c:v>
+                </c:pt>
+                <c:pt idx="2">
+                  <c:v>농림어업 숙련  종사자</c:v>
+                </c:pt>
+                <c:pt idx="3">
+                  <c:v>서비스 종사자</c:v>
+                </c:pt>
+                <c:pt idx="4">
+                  <c:v>기능원 및 관련 기능 종사자</c:v>
+                </c:pt>
+                <c:pt idx="5">
+                  <c:v>단순노무 종사자</c:v>
+                </c:pt>
+                <c:pt idx="6">
+                  <c:v>장치,기계조작 및 조립종사자</c:v>
+                </c:pt>
+                <c:pt idx="7">
+                  <c:v>판매 종사자</c:v>
+                </c:pt>
+                <c:pt idx="8">
+                  <c:v>사무 종사자</c:v>
+                </c:pt>
+              </c:strCache>
+            </c:strRef>
+          </c:cat>
+          <c:val>
+            <c:numRef>
+              <c:f>Sheet1!$C$2:$C$10</c:f>
+              <c:numCache>
+                <c:formatCode>General</c:formatCode>
+                <c:ptCount val="9"/>
+                <c:pt idx="0">
+                  <c:v>41126.751000000004</c:v>
+                </c:pt>
+                <c:pt idx="1">
+                  <c:v>1268338.0170000021</c:v>
+                </c:pt>
+                <c:pt idx="2">
+                  <c:v>1219411.7200000007</c:v>
+                </c:pt>
+                <c:pt idx="3">
+                  <c:v>1958232.2129999958</c:v>
+                </c:pt>
+                <c:pt idx="4">
+                  <c:v>1490716.3929999999</c:v>
+                </c:pt>
+                <c:pt idx="5">
+                  <c:v>2718742.029000002</c:v>
+                </c:pt>
+                <c:pt idx="6">
+                  <c:v>1458130.8730000018</c:v>
+                </c:pt>
+                <c:pt idx="7">
+                  <c:v>704945.96100000024</c:v>
+                </c:pt>
+                <c:pt idx="8">
+                  <c:v>951960.72599999979</c:v>
+                </c:pt>
+              </c:numCache>
+            </c:numRef>
+          </c:val>
+        </c:ser>
+        <c:ser>
+          <c:idx val="2"/>
+          <c:order val="2"/>
+          <c:tx>
+            <c:strRef>
+              <c:f>Sheet1!$D$1</c:f>
+              <c:strCache>
+                <c:ptCount val="1"/>
+                <c:pt idx="0">
+                  <c:v>저위험</c:v>
+                </c:pt>
+              </c:strCache>
+            </c:strRef>
+          </c:tx>
+          <c:spPr>
+            <a:solidFill>
+              <a:schemeClr val="bg1"/>
+            </a:solidFill>
+            <a:ln>
+              <a:solidFill>
+                <a:schemeClr val="tx1"/>
+              </a:solidFill>
+            </a:ln>
+          </c:spPr>
+          <c:invertIfNegative val="0"/>
+          <c:cat>
+            <c:strRef>
+              <c:f>Sheet1!$A$2:$A$10</c:f>
+              <c:strCache>
+                <c:ptCount val="9"/>
+                <c:pt idx="0">
+                  <c:v>관리자</c:v>
+                </c:pt>
+                <c:pt idx="1">
+                  <c:v>전문가 및 관련 종사자</c:v>
+                </c:pt>
+                <c:pt idx="2">
+                  <c:v>농림어업 숙련  종사자</c:v>
+                </c:pt>
+                <c:pt idx="3">
+                  <c:v>서비스 종사자</c:v>
+                </c:pt>
+                <c:pt idx="4">
+                  <c:v>기능원 및 관련 기능 종사자</c:v>
+                </c:pt>
+                <c:pt idx="5">
+                  <c:v>단순노무 종사자</c:v>
+                </c:pt>
+                <c:pt idx="6">
+                  <c:v>장치,기계조작 및 조립종사자</c:v>
+                </c:pt>
+                <c:pt idx="7">
+                  <c:v>판매 종사자</c:v>
+                </c:pt>
+                <c:pt idx="8">
+                  <c:v>사무 종사자</c:v>
+                </c:pt>
+              </c:strCache>
+            </c:strRef>
+          </c:cat>
+          <c:val>
+            <c:numRef>
+              <c:f>Sheet1!$D$2:$D$10</c:f>
+              <c:numCache>
+                <c:formatCode>General</c:formatCode>
+                <c:ptCount val="9"/>
+                <c:pt idx="0">
+                  <c:v>262319.7</c:v>
+                </c:pt>
+                <c:pt idx="1">
+                  <c:v>4205603.6230000071</c:v>
+                </c:pt>
+                <c:pt idx="3">
+                  <c:v>240045.8409999999</c:v>
+                </c:pt>
+                <c:pt idx="4">
+                  <c:v>201502.02400000009</c:v>
+                </c:pt>
+              </c:numCache>
+            </c:numRef>
+          </c:val>
+        </c:ser>
+        <c:dLbls>
+          <c:showLegendKey val="0"/>
+          <c:showVal val="0"/>
+          <c:showCatName val="0"/>
+          <c:showSerName val="0"/>
+          <c:showPercent val="0"/>
+          <c:showBubbleSize val="0"/>
+        </c:dLbls>
+        <c:gapWidth val="0"/>
+        <c:overlap val="100"/>
+        <c:axId val="125756416"/>
+        <c:axId val="170096256"/>
+      </c:barChart>
+      <c:catAx>
+        <c:axId val="125756416"/>
+        <c:scaling>
+          <c:orientation val="minMax"/>
+        </c:scaling>
+        <c:delete val="0"/>
+        <c:axPos val="l"/>
+        <c:majorTickMark val="out"/>
+        <c:minorTickMark val="none"/>
+        <c:tickLblPos val="nextTo"/>
+        <c:crossAx val="170096256"/>
+        <c:crosses val="autoZero"/>
+        <c:auto val="1"/>
+        <c:lblAlgn val="ctr"/>
+        <c:lblOffset val="100"/>
+        <c:noMultiLvlLbl val="0"/>
+      </c:catAx>
+      <c:valAx>
+        <c:axId val="170096256"/>
+        <c:scaling>
+          <c:orientation val="minMax"/>
+        </c:scaling>
+        <c:delete val="0"/>
+        <c:axPos val="b"/>
+        <c:numFmt formatCode="General" sourceLinked="1"/>
+        <c:majorTickMark val="out"/>
+        <c:minorTickMark val="none"/>
+        <c:tickLblPos val="nextTo"/>
+        <c:crossAx val="125756416"/>
+        <c:crosses val="autoZero"/>
+        <c:crossBetween val="between"/>
+        <c:dispUnits>
+          <c:builtInUnit val="tenThousands"/>
+          <c:dispUnitsLbl>
+            <c:layout/>
+            <c:tx>
+              <c:rich>
+                <a:bodyPr/>
+                <a:lstStyle/>
+                <a:p>
+                  <a:pPr>
+                    <a:defRPr/>
+                  </a:pPr>
+                  <a:r>
+                    <a:rPr lang="ko-KR" altLang="en-US" dirty="0" err="1" smtClean="0"/>
+                    <a:t>만명</a:t>
+                  </a:r>
+                  <a:endParaRPr lang="en-US" altLang="en-US" dirty="0"/>
+                </a:p>
+              </c:rich>
+            </c:tx>
+          </c:dispUnitsLbl>
+        </c:dispUnits>
+      </c:valAx>
+    </c:plotArea>
+    <c:legend>
+      <c:legendPos val="r"/>
+      <c:layout/>
+      <c:overlay val="0"/>
+    </c:legend>
+    <c:plotVisOnly val="1"/>
+    <c:dispBlanksAs val="gap"/>
+    <c:showDLblsOverMax val="0"/>
+  </c:chart>
+  <c:txPr>
+    <a:bodyPr/>
+    <a:lstStyle/>
+    <a:p>
+      <a:pPr>
+        <a:defRPr sz="1800"/>
+      </a:pPr>
+      <a:endParaRPr lang="ko-KR"/>
+    </a:p>
+  </c:txPr>
+  <c:externalData r:id="rId1">
+    <c:autoUpdate val="0"/>
+  </c:externalData>
+</c:chartSpace>
+</file>
+
+<file path=ppt/charts/chart5.xml><?xml version="1.0" encoding="utf-8"?>
+<c:chartSpace xmlns:c="http://schemas.openxmlformats.org/drawingml/2006/chart" xmlns:a="http://schemas.openxmlformats.org/drawingml/2006/main" xmlns:r="http://schemas.openxmlformats.org/officeDocument/2006/relationships">
+  <c:date1904 val="0"/>
+  <c:lang val="ko-KR"/>
+  <c:roundedCorners val="0"/>
+  <mc:AlternateContent xmlns:mc="http://schemas.openxmlformats.org/markup-compatibility/2006">
+    <mc:Choice xmlns:c14="http://schemas.microsoft.com/office/drawing/2007/8/2/chart" Requires="c14">
+      <c14:style val="102"/>
+    </mc:Choice>
+    <mc:Fallback>
+      <c:style val="2"/>
+    </mc:Fallback>
+  </mc:AlternateContent>
+  <c:chart>
+    <c:autoTitleDeleted val="0"/>
+    <c:plotArea>
+      <c:layout/>
+      <c:barChart>
+        <c:barDir val="col"/>
+        <c:grouping val="clustered"/>
+        <c:varyColors val="0"/>
+        <c:ser>
+          <c:idx val="0"/>
+          <c:order val="0"/>
+          <c:tx>
+            <c:strRef>
+              <c:f>Sheet1!$B$1</c:f>
+              <c:strCache>
+                <c:ptCount val="1"/>
+                <c:pt idx="0">
+                  <c:v>고위험 취업자수</c:v>
+                </c:pt>
+              </c:strCache>
+            </c:strRef>
+          </c:tx>
+          <c:invertIfNegative val="0"/>
+          <c:cat>
+            <c:strRef>
+              <c:f>Sheet1!$A$2:$A$9</c:f>
+              <c:strCache>
+                <c:ptCount val="8"/>
+                <c:pt idx="0">
+                  <c:v>무학</c:v>
+                </c:pt>
+                <c:pt idx="1">
+                  <c:v>초등학교</c:v>
+                </c:pt>
+                <c:pt idx="2">
+                  <c:v>중학교</c:v>
+                </c:pt>
+                <c:pt idx="3">
+                  <c:v>고등학교</c:v>
+                </c:pt>
+                <c:pt idx="4">
+                  <c:v>전문대</c:v>
+                </c:pt>
+                <c:pt idx="5">
+                  <c:v>대학교</c:v>
+                </c:pt>
+                <c:pt idx="6">
+                  <c:v>대학원(석사)</c:v>
+                </c:pt>
+                <c:pt idx="7">
+                  <c:v>대학원(박사)</c:v>
+                </c:pt>
+              </c:strCache>
+            </c:strRef>
+          </c:cat>
+          <c:val>
+            <c:numRef>
+              <c:f>Sheet1!$B$2:$B$9</c:f>
+              <c:numCache>
+                <c:formatCode>_(* #,##0_);_(* \(#,##0\);_(* "-"_);_(@_)</c:formatCode>
+                <c:ptCount val="8"/>
+                <c:pt idx="0">
+                  <c:v>38881.998</c:v>
+                </c:pt>
+                <c:pt idx="1">
+                  <c:v>320145.103</c:v>
+                </c:pt>
+                <c:pt idx="2">
+                  <c:v>605724.48499999999</c:v>
+                </c:pt>
+                <c:pt idx="3">
+                  <c:v>4052534.9989999998</c:v>
+                </c:pt>
+                <c:pt idx="4">
+                  <c:v>1659772.3689999999</c:v>
+                </c:pt>
+                <c:pt idx="5">
+                  <c:v>2972117.568</c:v>
+                </c:pt>
+                <c:pt idx="6">
+                  <c:v>189375.399</c:v>
+                </c:pt>
+                <c:pt idx="7">
+                  <c:v>17093.252</c:v>
+                </c:pt>
+              </c:numCache>
+            </c:numRef>
+          </c:val>
+        </c:ser>
+        <c:ser>
+          <c:idx val="1"/>
+          <c:order val="1"/>
+          <c:tx>
+            <c:strRef>
+              <c:f>Sheet1!$C$1</c:f>
+              <c:strCache>
+                <c:ptCount val="1"/>
+                <c:pt idx="0">
+                  <c:v>총 쥐업자수</c:v>
+                </c:pt>
+              </c:strCache>
+            </c:strRef>
+          </c:tx>
+          <c:spPr>
+            <a:noFill/>
+            <a:ln>
+              <a:solidFill>
+                <a:schemeClr val="tx1"/>
+              </a:solidFill>
+              <a:prstDash val="dash"/>
+            </a:ln>
+          </c:spPr>
+          <c:invertIfNegative val="0"/>
+          <c:cat>
+            <c:strRef>
+              <c:f>Sheet1!$A$2:$A$9</c:f>
+              <c:strCache>
+                <c:ptCount val="8"/>
+                <c:pt idx="0">
+                  <c:v>무학</c:v>
+                </c:pt>
+                <c:pt idx="1">
+                  <c:v>초등학교</c:v>
+                </c:pt>
+                <c:pt idx="2">
+                  <c:v>중학교</c:v>
+                </c:pt>
+                <c:pt idx="3">
+                  <c:v>고등학교</c:v>
+                </c:pt>
+                <c:pt idx="4">
+                  <c:v>전문대</c:v>
+                </c:pt>
+                <c:pt idx="5">
+                  <c:v>대학교</c:v>
+                </c:pt>
+                <c:pt idx="6">
+                  <c:v>대학원(석사)</c:v>
+                </c:pt>
+                <c:pt idx="7">
+                  <c:v>대학원(박사)</c:v>
+                </c:pt>
+              </c:strCache>
+            </c:strRef>
+          </c:cat>
+          <c:val>
+            <c:numRef>
+              <c:f>Sheet1!$C$2:$C$9</c:f>
+              <c:numCache>
+                <c:formatCode>_(* #,##0_);_(* \(#,##0\);_(* "-"_);_(@_)</c:formatCode>
+                <c:ptCount val="8"/>
+                <c:pt idx="0">
+                  <c:v>313105.56200000003</c:v>
+                </c:pt>
+                <c:pt idx="1">
+                  <c:v>1599995.051</c:v>
+                </c:pt>
+                <c:pt idx="2">
+                  <c:v>2095333.2140000002</c:v>
+                </c:pt>
+                <c:pt idx="3">
+                  <c:v>9169751.5120000001</c:v>
+                </c:pt>
+                <c:pt idx="4">
+                  <c:v>3816559.5949999997</c:v>
+                </c:pt>
+                <c:pt idx="5">
+                  <c:v>8154592.6860000007</c:v>
+                </c:pt>
+                <c:pt idx="6">
+                  <c:v>1136332.2550000001</c:v>
+                </c:pt>
+                <c:pt idx="7">
+                  <c:v>291051.16899999999</c:v>
+                </c:pt>
+              </c:numCache>
+            </c:numRef>
+          </c:val>
+        </c:ser>
+        <c:dLbls>
+          <c:showLegendKey val="0"/>
+          <c:showVal val="0"/>
+          <c:showCatName val="0"/>
+          <c:showSerName val="0"/>
+          <c:showPercent val="0"/>
+          <c:showBubbleSize val="0"/>
+        </c:dLbls>
+        <c:gapWidth val="24"/>
+        <c:overlap val="100"/>
+        <c:axId val="86702080"/>
+        <c:axId val="144229504"/>
+      </c:barChart>
+      <c:barChart>
+        <c:barDir val="col"/>
+        <c:grouping val="clustered"/>
+        <c:varyColors val="0"/>
+        <c:ser>
+          <c:idx val="2"/>
+          <c:order val="2"/>
+          <c:tx>
+            <c:strRef>
+              <c:f>Sheet1!$D$1</c:f>
+              <c:strCache>
+                <c:ptCount val="1"/>
+                <c:pt idx="0">
+                  <c:v>고위험 취업자 비중</c:v>
+                </c:pt>
+              </c:strCache>
+            </c:strRef>
+          </c:tx>
+          <c:spPr>
+            <a:noFill/>
+            <a:ln>
+              <a:noFill/>
+            </a:ln>
+          </c:spPr>
+          <c:invertIfNegative val="0"/>
+          <c:dLbls>
+            <c:txPr>
+              <a:bodyPr/>
+              <a:lstStyle/>
+              <a:p>
+                <a:pPr>
+                  <a:defRPr sz="1400"/>
+                </a:pPr>
+                <a:endParaRPr lang="ko-KR"/>
+              </a:p>
+            </c:txPr>
+            <c:dLblPos val="outEnd"/>
+            <c:showLegendKey val="0"/>
+            <c:showVal val="1"/>
+            <c:showCatName val="0"/>
+            <c:showSerName val="0"/>
+            <c:showPercent val="0"/>
+            <c:showBubbleSize val="0"/>
+            <c:showLeaderLines val="0"/>
+          </c:dLbls>
+          <c:cat>
+            <c:strRef>
+              <c:f>Sheet1!$A$2:$A$9</c:f>
+              <c:strCache>
+                <c:ptCount val="8"/>
+                <c:pt idx="0">
+                  <c:v>무학</c:v>
+                </c:pt>
+                <c:pt idx="1">
+                  <c:v>초등학교</c:v>
+                </c:pt>
+                <c:pt idx="2">
+                  <c:v>중학교</c:v>
+                </c:pt>
+                <c:pt idx="3">
+                  <c:v>고등학교</c:v>
+                </c:pt>
+                <c:pt idx="4">
+                  <c:v>전문대</c:v>
+                </c:pt>
+                <c:pt idx="5">
+                  <c:v>대학교</c:v>
+                </c:pt>
+                <c:pt idx="6">
+                  <c:v>대학원(석사)</c:v>
+                </c:pt>
+                <c:pt idx="7">
+                  <c:v>대학원(박사)</c:v>
+                </c:pt>
+              </c:strCache>
+            </c:strRef>
+          </c:cat>
+          <c:val>
+            <c:numRef>
+              <c:f>Sheet1!$D$2:$D$9</c:f>
+              <c:numCache>
+                <c:formatCode>0%</c:formatCode>
+                <c:ptCount val="8"/>
+                <c:pt idx="0">
+                  <c:v>0.12418175439502412</c:v>
+                </c:pt>
+                <c:pt idx="1">
+                  <c:v>0.20009130828242794</c:v>
+                </c:pt>
+                <c:pt idx="2">
+                  <c:v>0.28908265327578581</c:v>
+                </c:pt>
+                <c:pt idx="3">
+                  <c:v>0.44194599970311604</c:v>
+                </c:pt>
+                <c:pt idx="4">
+                  <c:v>0.43488705670270034</c:v>
+                </c:pt>
+                <c:pt idx="5">
+                  <c:v>0.36447161525340221</c:v>
+                </c:pt>
+                <c:pt idx="6">
+                  <c:v>0.166654953396531</c:v>
+                </c:pt>
+                <c:pt idx="7">
+                  <c:v>5.8729370710756366E-2</c:v>
+                </c:pt>
+              </c:numCache>
+            </c:numRef>
+          </c:val>
+        </c:ser>
+        <c:dLbls>
+          <c:showLegendKey val="0"/>
+          <c:showVal val="0"/>
+          <c:showCatName val="0"/>
+          <c:showSerName val="0"/>
+          <c:showPercent val="0"/>
+          <c:showBubbleSize val="0"/>
+        </c:dLbls>
+        <c:gapWidth val="150"/>
+        <c:overlap val="100"/>
+        <c:axId val="134932992"/>
+        <c:axId val="144230080"/>
+      </c:barChart>
+      <c:catAx>
+        <c:axId val="86702080"/>
+        <c:scaling>
+          <c:orientation val="minMax"/>
+        </c:scaling>
+        <c:delete val="0"/>
+        <c:axPos val="b"/>
+        <c:majorTickMark val="out"/>
+        <c:minorTickMark val="none"/>
+        <c:tickLblPos val="nextTo"/>
+        <c:crossAx val="144229504"/>
+        <c:crosses val="autoZero"/>
+        <c:auto val="1"/>
+        <c:lblAlgn val="ctr"/>
+        <c:lblOffset val="100"/>
+        <c:noMultiLvlLbl val="0"/>
+      </c:catAx>
+      <c:valAx>
+        <c:axId val="144229504"/>
+        <c:scaling>
+          <c:orientation val="minMax"/>
+        </c:scaling>
+        <c:delete val="0"/>
+        <c:axPos val="l"/>
+        <c:numFmt formatCode="#,##0_);[Red]\(#,##0\)" sourceLinked="0"/>
+        <c:majorTickMark val="out"/>
+        <c:minorTickMark val="none"/>
+        <c:tickLblPos val="nextTo"/>
+        <c:crossAx val="86702080"/>
+        <c:crosses val="autoZero"/>
+        <c:crossBetween val="between"/>
+        <c:dispUnits>
+          <c:builtInUnit val="tenThousands"/>
+          <c:dispUnitsLbl>
+            <c:layout/>
+            <c:tx>
+              <c:rich>
+                <a:bodyPr/>
+                <a:lstStyle/>
+                <a:p>
+                  <a:pPr>
+                    <a:defRPr/>
+                  </a:pPr>
+                  <a:r>
+                    <a:rPr lang="ko-KR" altLang="en-US" dirty="0" err="1" smtClean="0"/>
+                    <a:t>만명</a:t>
+                  </a:r>
+                  <a:endParaRPr lang="en-US" altLang="en-US" dirty="0"/>
+                </a:p>
+              </c:rich>
+            </c:tx>
+          </c:dispUnitsLbl>
+        </c:dispUnits>
+      </c:valAx>
+      <c:valAx>
+        <c:axId val="144230080"/>
+        <c:scaling>
+          <c:orientation val="minMax"/>
+        </c:scaling>
+        <c:delete val="1"/>
+        <c:axPos val="r"/>
+        <c:numFmt formatCode="0%" sourceLinked="1"/>
+        <c:majorTickMark val="out"/>
+        <c:minorTickMark val="none"/>
+        <c:tickLblPos val="nextTo"/>
+        <c:crossAx val="134932992"/>
+        <c:crosses val="max"/>
+        <c:crossBetween val="between"/>
+      </c:valAx>
+      <c:catAx>
+        <c:axId val="134932992"/>
+        <c:scaling>
+          <c:orientation val="minMax"/>
+        </c:scaling>
+        <c:delete val="1"/>
+        <c:axPos val="b"/>
+        <c:majorTickMark val="out"/>
+        <c:minorTickMark val="none"/>
+        <c:tickLblPos val="nextTo"/>
+        <c:crossAx val="144230080"/>
+        <c:auto val="1"/>
+        <c:lblAlgn val="ctr"/>
+        <c:lblOffset val="100"/>
+        <c:noMultiLvlLbl val="0"/>
+      </c:catAx>
+    </c:plotArea>
+    <c:legend>
+      <c:legendPos val="r"/>
+      <c:layout/>
+      <c:overlay val="0"/>
+    </c:legend>
+    <c:plotVisOnly val="1"/>
+    <c:dispBlanksAs val="gap"/>
+    <c:showDLblsOverMax val="0"/>
+  </c:chart>
+  <c:txPr>
+    <a:bodyPr/>
+    <a:lstStyle/>
+    <a:p>
+      <a:pPr>
+        <a:defRPr sz="1800"/>
+      </a:pPr>
+      <a:endParaRPr lang="ko-KR"/>
+    </a:p>
+  </c:txPr>
+  <c:externalData r:id="rId1">
+    <c:autoUpdate val="0"/>
+  </c:externalData>
+</c:chartSpace>
+</file>
+
+<file path=ppt/charts/chart6.xml><?xml version="1.0" encoding="utf-8"?>
+<c:chartSpace xmlns:c="http://schemas.openxmlformats.org/drawingml/2006/chart" xmlns:a="http://schemas.openxmlformats.org/drawingml/2006/main" xmlns:r="http://schemas.openxmlformats.org/officeDocument/2006/relationships">
+  <c:date1904 val="0"/>
+  <c:lang val="ko-KR"/>
+  <c:roundedCorners val="0"/>
+  <mc:AlternateContent xmlns:mc="http://schemas.openxmlformats.org/markup-compatibility/2006">
+    <mc:Choice xmlns:c14="http://schemas.microsoft.com/office/drawing/2007/8/2/chart" Requires="c14">
+      <c14:style val="102"/>
+    </mc:Choice>
+    <mc:Fallback>
+      <c:style val="2"/>
+    </mc:Fallback>
+  </mc:AlternateContent>
+  <c:chart>
+    <c:autoTitleDeleted val="0"/>
+    <c:plotArea>
+      <c:layout/>
+      <c:barChart>
+        <c:barDir val="col"/>
+        <c:grouping val="clustered"/>
+        <c:varyColors val="0"/>
+        <c:ser>
+          <c:idx val="0"/>
+          <c:order val="0"/>
+          <c:tx>
+            <c:strRef>
+              <c:f>Sheet1!$B$1</c:f>
+              <c:strCache>
+                <c:ptCount val="1"/>
+                <c:pt idx="0">
+                  <c:v>고위험 취업자수</c:v>
+                </c:pt>
+              </c:strCache>
+            </c:strRef>
+          </c:tx>
+          <c:invertIfNegative val="0"/>
+          <c:cat>
+            <c:strRef>
+              <c:f>Sheet1!$A$2:$A$9</c:f>
+              <c:strCache>
+                <c:ptCount val="8"/>
+                <c:pt idx="0">
+                  <c:v>무학</c:v>
+                </c:pt>
+                <c:pt idx="1">
+                  <c:v>초등학교</c:v>
+                </c:pt>
+                <c:pt idx="2">
+                  <c:v>중학교</c:v>
+                </c:pt>
+                <c:pt idx="3">
+                  <c:v>고등학교</c:v>
+                </c:pt>
+                <c:pt idx="4">
+                  <c:v>전문대</c:v>
+                </c:pt>
+                <c:pt idx="5">
+                  <c:v>대학교</c:v>
+                </c:pt>
+                <c:pt idx="6">
+                  <c:v>대학원(석사)</c:v>
+                </c:pt>
+                <c:pt idx="7">
+                  <c:v>대학원(박사)</c:v>
+                </c:pt>
+              </c:strCache>
+            </c:strRef>
+          </c:cat>
+          <c:val>
+            <c:numRef>
+              <c:f>Sheet1!$B$2:$B$9</c:f>
+              <c:numCache>
+                <c:formatCode>_(* #,##0_);_(* \(#,##0\);_(* "-"_);_(@_)</c:formatCode>
+                <c:ptCount val="8"/>
+                <c:pt idx="0">
+                  <c:v>38881.998</c:v>
+                </c:pt>
+                <c:pt idx="1">
+                  <c:v>320145.103</c:v>
+                </c:pt>
+                <c:pt idx="2">
+                  <c:v>605724.48499999999</c:v>
+                </c:pt>
+                <c:pt idx="3">
+                  <c:v>4052534.9989999998</c:v>
+                </c:pt>
+                <c:pt idx="4">
+                  <c:v>1659772.3689999999</c:v>
+                </c:pt>
+                <c:pt idx="5">
+                  <c:v>2972117.568</c:v>
+                </c:pt>
+                <c:pt idx="6">
+                  <c:v>189375.399</c:v>
+                </c:pt>
+                <c:pt idx="7">
+                  <c:v>17093.252</c:v>
+                </c:pt>
+              </c:numCache>
+            </c:numRef>
+          </c:val>
+        </c:ser>
+        <c:ser>
+          <c:idx val="1"/>
+          <c:order val="1"/>
+          <c:tx>
+            <c:strRef>
+              <c:f>Sheet1!$C$1</c:f>
+              <c:strCache>
+                <c:ptCount val="1"/>
+                <c:pt idx="0">
+                  <c:v>총 쥐업자수</c:v>
+                </c:pt>
+              </c:strCache>
+            </c:strRef>
+          </c:tx>
+          <c:spPr>
+            <a:noFill/>
+            <a:ln>
+              <a:solidFill>
+                <a:schemeClr val="tx1"/>
+              </a:solidFill>
+              <a:prstDash val="dash"/>
+            </a:ln>
+          </c:spPr>
+          <c:invertIfNegative val="0"/>
+          <c:cat>
+            <c:strRef>
+              <c:f>Sheet1!$A$2:$A$9</c:f>
+              <c:strCache>
+                <c:ptCount val="8"/>
+                <c:pt idx="0">
+                  <c:v>무학</c:v>
+                </c:pt>
+                <c:pt idx="1">
+                  <c:v>초등학교</c:v>
+                </c:pt>
+                <c:pt idx="2">
+                  <c:v>중학교</c:v>
+                </c:pt>
+                <c:pt idx="3">
+                  <c:v>고등학교</c:v>
+                </c:pt>
+                <c:pt idx="4">
+                  <c:v>전문대</c:v>
+                </c:pt>
+                <c:pt idx="5">
+                  <c:v>대학교</c:v>
+                </c:pt>
+                <c:pt idx="6">
+                  <c:v>대학원(석사)</c:v>
+                </c:pt>
+                <c:pt idx="7">
+                  <c:v>대학원(박사)</c:v>
+                </c:pt>
+              </c:strCache>
+            </c:strRef>
+          </c:cat>
+          <c:val>
+            <c:numRef>
+              <c:f>Sheet1!$C$2:$C$9</c:f>
+              <c:numCache>
+                <c:formatCode>_(* #,##0_);_(* \(#,##0\);_(* "-"_);_(@_)</c:formatCode>
+                <c:ptCount val="8"/>
+                <c:pt idx="0">
+                  <c:v>313105.56200000003</c:v>
+                </c:pt>
+                <c:pt idx="1">
+                  <c:v>1599995.051</c:v>
+                </c:pt>
+                <c:pt idx="2">
+                  <c:v>2095333.2140000002</c:v>
+                </c:pt>
+                <c:pt idx="3">
+                  <c:v>9169751.5120000001</c:v>
+                </c:pt>
+                <c:pt idx="4">
+                  <c:v>3816559.5949999997</c:v>
+                </c:pt>
+                <c:pt idx="5">
+                  <c:v>8154592.6860000007</c:v>
+                </c:pt>
+                <c:pt idx="6">
+                  <c:v>1136332.2550000001</c:v>
+                </c:pt>
+                <c:pt idx="7">
+                  <c:v>291051.16899999999</c:v>
+                </c:pt>
+              </c:numCache>
+            </c:numRef>
+          </c:val>
+        </c:ser>
+        <c:dLbls>
+          <c:showLegendKey val="0"/>
+          <c:showVal val="0"/>
+          <c:showCatName val="0"/>
+          <c:showSerName val="0"/>
+          <c:showPercent val="0"/>
+          <c:showBubbleSize val="0"/>
+        </c:dLbls>
+        <c:gapWidth val="24"/>
+        <c:overlap val="100"/>
+        <c:axId val="134931456"/>
+        <c:axId val="133191296"/>
+      </c:barChart>
+      <c:barChart>
+        <c:barDir val="col"/>
+        <c:grouping val="clustered"/>
+        <c:varyColors val="0"/>
+        <c:ser>
+          <c:idx val="2"/>
+          <c:order val="2"/>
+          <c:tx>
+            <c:strRef>
+              <c:f>Sheet1!$D$1</c:f>
+              <c:strCache>
+                <c:ptCount val="1"/>
+                <c:pt idx="0">
+                  <c:v>고위험 취업자 비중</c:v>
+                </c:pt>
+              </c:strCache>
+            </c:strRef>
+          </c:tx>
+          <c:spPr>
+            <a:noFill/>
+            <a:ln>
+              <a:noFill/>
+            </a:ln>
+          </c:spPr>
+          <c:invertIfNegative val="0"/>
+          <c:dLbls>
+            <c:txPr>
+              <a:bodyPr/>
+              <a:lstStyle/>
+              <a:p>
+                <a:pPr>
+                  <a:defRPr sz="1400"/>
+                </a:pPr>
+                <a:endParaRPr lang="ko-KR"/>
+              </a:p>
+            </c:txPr>
+            <c:dLblPos val="outEnd"/>
+            <c:showLegendKey val="0"/>
+            <c:showVal val="1"/>
+            <c:showCatName val="0"/>
+            <c:showSerName val="0"/>
+            <c:showPercent val="0"/>
+            <c:showBubbleSize val="0"/>
+            <c:showLeaderLines val="0"/>
+          </c:dLbls>
+          <c:cat>
+            <c:strRef>
+              <c:f>Sheet1!$A$2:$A$9</c:f>
+              <c:strCache>
+                <c:ptCount val="8"/>
+                <c:pt idx="0">
+                  <c:v>무학</c:v>
+                </c:pt>
+                <c:pt idx="1">
+                  <c:v>초등학교</c:v>
+                </c:pt>
+                <c:pt idx="2">
+                  <c:v>중학교</c:v>
+                </c:pt>
+                <c:pt idx="3">
+                  <c:v>고등학교</c:v>
+                </c:pt>
+                <c:pt idx="4">
+                  <c:v>전문대</c:v>
+                </c:pt>
+                <c:pt idx="5">
+                  <c:v>대학교</c:v>
+                </c:pt>
+                <c:pt idx="6">
+                  <c:v>대학원(석사)</c:v>
+                </c:pt>
+                <c:pt idx="7">
+                  <c:v>대학원(박사)</c:v>
+                </c:pt>
+              </c:strCache>
+            </c:strRef>
+          </c:cat>
+          <c:val>
+            <c:numRef>
+              <c:f>Sheet1!$D$2:$D$9</c:f>
+              <c:numCache>
+                <c:formatCode>0%</c:formatCode>
+                <c:ptCount val="8"/>
+                <c:pt idx="0">
+                  <c:v>0.12418175439502412</c:v>
+                </c:pt>
+                <c:pt idx="1">
+                  <c:v>0.20009130828242794</c:v>
+                </c:pt>
+                <c:pt idx="2">
+                  <c:v>0.28908265327578581</c:v>
+                </c:pt>
+                <c:pt idx="3">
+                  <c:v>0.44194599970311604</c:v>
+                </c:pt>
+                <c:pt idx="4">
+                  <c:v>0.43488705670270034</c:v>
+                </c:pt>
+                <c:pt idx="5">
+                  <c:v>0.36447161525340221</c:v>
+                </c:pt>
+                <c:pt idx="6">
+                  <c:v>0.166654953396531</c:v>
+                </c:pt>
+                <c:pt idx="7">
+                  <c:v>5.8729370710756366E-2</c:v>
+                </c:pt>
+              </c:numCache>
+            </c:numRef>
+          </c:val>
+        </c:ser>
+        <c:dLbls>
+          <c:showLegendKey val="0"/>
+          <c:showVal val="0"/>
+          <c:showCatName val="0"/>
+          <c:showSerName val="0"/>
+          <c:showPercent val="0"/>
+          <c:showBubbleSize val="0"/>
+        </c:dLbls>
+        <c:gapWidth val="150"/>
+        <c:overlap val="100"/>
+        <c:axId val="135291392"/>
+        <c:axId val="133191872"/>
+      </c:barChart>
+      <c:catAx>
+        <c:axId val="134931456"/>
+        <c:scaling>
+          <c:orientation val="minMax"/>
+        </c:scaling>
+        <c:delete val="0"/>
+        <c:axPos val="b"/>
+        <c:majorTickMark val="out"/>
+        <c:minorTickMark val="none"/>
+        <c:tickLblPos val="nextTo"/>
+        <c:crossAx val="133191296"/>
+        <c:crosses val="autoZero"/>
+        <c:auto val="1"/>
+        <c:lblAlgn val="ctr"/>
+        <c:lblOffset val="100"/>
+        <c:noMultiLvlLbl val="0"/>
+      </c:catAx>
+      <c:valAx>
+        <c:axId val="133191296"/>
+        <c:scaling>
+          <c:orientation val="minMax"/>
+        </c:scaling>
+        <c:delete val="0"/>
+        <c:axPos val="l"/>
+        <c:numFmt formatCode="#,##0_);[Red]\(#,##0\)" sourceLinked="0"/>
+        <c:majorTickMark val="out"/>
+        <c:minorTickMark val="none"/>
+        <c:tickLblPos val="nextTo"/>
+        <c:crossAx val="134931456"/>
+        <c:crosses val="autoZero"/>
+        <c:crossBetween val="between"/>
+        <c:dispUnits>
+          <c:builtInUnit val="tenThousands"/>
+          <c:dispUnitsLbl>
+            <c:layout/>
+            <c:tx>
+              <c:rich>
+                <a:bodyPr/>
+                <a:lstStyle/>
+                <a:p>
+                  <a:pPr>
+                    <a:defRPr/>
+                  </a:pPr>
+                  <a:r>
+                    <a:rPr lang="ko-KR" altLang="en-US" dirty="0" err="1" smtClean="0"/>
+                    <a:t>만명</a:t>
+                  </a:r>
+                  <a:endParaRPr lang="en-US" altLang="en-US" dirty="0"/>
+                </a:p>
+              </c:rich>
+            </c:tx>
+          </c:dispUnitsLbl>
+        </c:dispUnits>
+      </c:valAx>
+      <c:valAx>
+        <c:axId val="133191872"/>
+        <c:scaling>
+          <c:orientation val="minMax"/>
+        </c:scaling>
+        <c:delete val="1"/>
+        <c:axPos val="r"/>
+        <c:numFmt formatCode="0%" sourceLinked="1"/>
+        <c:majorTickMark val="out"/>
+        <c:minorTickMark val="none"/>
+        <c:tickLblPos val="nextTo"/>
+        <c:crossAx val="135291392"/>
+        <c:crosses val="max"/>
+        <c:crossBetween val="between"/>
+      </c:valAx>
+      <c:catAx>
+        <c:axId val="135291392"/>
+        <c:scaling>
+          <c:orientation val="minMax"/>
+        </c:scaling>
+        <c:delete val="1"/>
+        <c:axPos val="b"/>
+        <c:majorTickMark val="out"/>
+        <c:minorTickMark val="none"/>
+        <c:tickLblPos val="nextTo"/>
+        <c:crossAx val="133191872"/>
+        <c:crosses val="autoZero"/>
+        <c:auto val="1"/>
+        <c:lblAlgn val="ctr"/>
+        <c:lblOffset val="100"/>
+        <c:noMultiLvlLbl val="0"/>
+      </c:catAx>
+    </c:plotArea>
+    <c:legend>
+      <c:legendPos val="t"/>
+      <c:layout/>
+      <c:overlay val="0"/>
+    </c:legend>
+    <c:plotVisOnly val="1"/>
+    <c:dispBlanksAs val="gap"/>
+    <c:showDLblsOverMax val="0"/>
+  </c:chart>
+  <c:txPr>
+    <a:bodyPr/>
+    <a:lstStyle/>
+    <a:p>
+      <a:pPr>
+        <a:defRPr sz="1800"/>
+      </a:pPr>
+      <a:endParaRPr lang="ko-KR"/>
+    </a:p>
+  </c:txPr>
+  <c:externalData r:id="rId1">
+    <c:autoUpdate val="0"/>
+  </c:externalData>
+</c:chartSpace>
 </file>
 
 <file path=ppt/slideLayouts/slideLayout1.xml><?xml version="1.0" encoding="utf-8"?>
@@ -293,7 +2506,7 @@
           <a:p>
             <a:fld id="{BBC1A0B8-A07A-4DB1-838F-6160FE5F0D98}" type="datetimeFigureOut">
               <a:rPr lang="ko-KR" altLang="en-US" smtClean="0"/>
-              <a:t>2018-04-18</a:t>
+              <a:t>2018-04-19</a:t>
             </a:fld>
             <a:endParaRPr lang="ko-KR" altLang="en-US"/>
           </a:p>
@@ -463,7 +2676,7 @@
           <a:p>
             <a:fld id="{BBC1A0B8-A07A-4DB1-838F-6160FE5F0D98}" type="datetimeFigureOut">
               <a:rPr lang="ko-KR" altLang="en-US" smtClean="0"/>
-              <a:t>2018-04-18</a:t>
+              <a:t>2018-04-19</a:t>
             </a:fld>
             <a:endParaRPr lang="ko-KR" altLang="en-US"/>
           </a:p>
@@ -643,7 +2856,7 @@
           <a:p>
             <a:fld id="{BBC1A0B8-A07A-4DB1-838F-6160FE5F0D98}" type="datetimeFigureOut">
               <a:rPr lang="ko-KR" altLang="en-US" smtClean="0"/>
-              <a:t>2018-04-18</a:t>
+              <a:t>2018-04-19</a:t>
             </a:fld>
             <a:endParaRPr lang="ko-KR" altLang="en-US"/>
           </a:p>
@@ -813,7 +3026,7 @@
           <a:p>
             <a:fld id="{BBC1A0B8-A07A-4DB1-838F-6160FE5F0D98}" type="datetimeFigureOut">
               <a:rPr lang="ko-KR" altLang="en-US" smtClean="0"/>
-              <a:t>2018-04-18</a:t>
+              <a:t>2018-04-19</a:t>
             </a:fld>
             <a:endParaRPr lang="ko-KR" altLang="en-US"/>
           </a:p>
@@ -1059,7 +3272,7 @@
           <a:p>
             <a:fld id="{BBC1A0B8-A07A-4DB1-838F-6160FE5F0D98}" type="datetimeFigureOut">
               <a:rPr lang="ko-KR" altLang="en-US" smtClean="0"/>
-              <a:t>2018-04-18</a:t>
+              <a:t>2018-04-19</a:t>
             </a:fld>
             <a:endParaRPr lang="ko-KR" altLang="en-US"/>
           </a:p>
@@ -1347,7 +3560,7 @@
           <a:p>
             <a:fld id="{BBC1A0B8-A07A-4DB1-838F-6160FE5F0D98}" type="datetimeFigureOut">
               <a:rPr lang="ko-KR" altLang="en-US" smtClean="0"/>
-              <a:t>2018-04-18</a:t>
+              <a:t>2018-04-19</a:t>
             </a:fld>
             <a:endParaRPr lang="ko-KR" altLang="en-US"/>
           </a:p>
@@ -1769,7 +3982,7 @@
           <a:p>
             <a:fld id="{BBC1A0B8-A07A-4DB1-838F-6160FE5F0D98}" type="datetimeFigureOut">
               <a:rPr lang="ko-KR" altLang="en-US" smtClean="0"/>
-              <a:t>2018-04-18</a:t>
+              <a:t>2018-04-19</a:t>
             </a:fld>
             <a:endParaRPr lang="ko-KR" altLang="en-US"/>
           </a:p>
@@ -1887,7 +4100,7 @@
           <a:p>
             <a:fld id="{BBC1A0B8-A07A-4DB1-838F-6160FE5F0D98}" type="datetimeFigureOut">
               <a:rPr lang="ko-KR" altLang="en-US" smtClean="0"/>
-              <a:t>2018-04-18</a:t>
+              <a:t>2018-04-19</a:t>
             </a:fld>
             <a:endParaRPr lang="ko-KR" altLang="en-US"/>
           </a:p>
@@ -1982,7 +4195,7 @@
           <a:p>
             <a:fld id="{BBC1A0B8-A07A-4DB1-838F-6160FE5F0D98}" type="datetimeFigureOut">
               <a:rPr lang="ko-KR" altLang="en-US" smtClean="0"/>
-              <a:t>2018-04-18</a:t>
+              <a:t>2018-04-19</a:t>
             </a:fld>
             <a:endParaRPr lang="ko-KR" altLang="en-US"/>
           </a:p>
@@ -2259,7 +4472,7 @@
           <a:p>
             <a:fld id="{BBC1A0B8-A07A-4DB1-838F-6160FE5F0D98}" type="datetimeFigureOut">
               <a:rPr lang="ko-KR" altLang="en-US" smtClean="0"/>
-              <a:t>2018-04-18</a:t>
+              <a:t>2018-04-19</a:t>
             </a:fld>
             <a:endParaRPr lang="ko-KR" altLang="en-US"/>
           </a:p>
@@ -2512,7 +4725,7 @@
           <a:p>
             <a:fld id="{BBC1A0B8-A07A-4DB1-838F-6160FE5F0D98}" type="datetimeFigureOut">
               <a:rPr lang="ko-KR" altLang="en-US" smtClean="0"/>
-              <a:t>2018-04-18</a:t>
+              <a:t>2018-04-19</a:t>
             </a:fld>
             <a:endParaRPr lang="ko-KR" altLang="en-US"/>
           </a:p>
@@ -2725,7 +4938,7 @@
           <a:p>
             <a:fld id="{BBC1A0B8-A07A-4DB1-838F-6160FE5F0D98}" type="datetimeFigureOut">
               <a:rPr lang="ko-KR" altLang="en-US" smtClean="0"/>
-              <a:t>2018-04-18</a:t>
+              <a:t>2018-04-19</a:t>
             </a:fld>
             <a:endParaRPr lang="ko-KR" altLang="en-US"/>
           </a:p>
@@ -3132,6 +5345,1259 @@
 </p:sld>
 </file>
 
+<file path=ppt/slides/slide10.xml><?xml version="1.0" encoding="utf-8"?>
+<p:sld xmlns:a="http://schemas.openxmlformats.org/drawingml/2006/main" xmlns:r="http://schemas.openxmlformats.org/officeDocument/2006/relationships" xmlns:p="http://schemas.openxmlformats.org/presentationml/2006/main">
+  <p:cSld>
+    <p:spTree>
+      <p:nvGrpSpPr>
+        <p:cNvPr id="1" name=""/>
+        <p:cNvGrpSpPr/>
+        <p:nvPr/>
+      </p:nvGrpSpPr>
+      <p:grpSpPr>
+        <a:xfrm>
+          <a:off x="0" y="0"/>
+          <a:ext cx="0" cy="0"/>
+          <a:chOff x="0" y="0"/>
+          <a:chExt cx="0" cy="0"/>
+        </a:xfrm>
+      </p:grpSpPr>
+      <p:sp>
+        <p:nvSpPr>
+          <p:cNvPr id="2" name="제목 1"/>
+          <p:cNvSpPr>
+            <a:spLocks noGrp="1"/>
+          </p:cNvSpPr>
+          <p:nvPr>
+            <p:ph type="title"/>
+          </p:nvPr>
+        </p:nvSpPr>
+        <p:spPr/>
+        <p:txBody>
+          <a:bodyPr/>
+          <a:lstStyle/>
+          <a:p>
+            <a:endParaRPr lang="ko-KR" altLang="en-US"/>
+          </a:p>
+        </p:txBody>
+      </p:sp>
+      <p:graphicFrame>
+        <p:nvGraphicFramePr>
+          <p:cNvPr id="4" name="내용 개체 틀 3"/>
+          <p:cNvGraphicFramePr>
+            <a:graphicFrameLocks noGrp="1"/>
+          </p:cNvGraphicFramePr>
+          <p:nvPr>
+            <p:ph idx="1"/>
+            <p:extLst>
+              <p:ext uri="{D42A27DB-BD31-4B8C-83A1-F6EECF244321}">
+                <p14:modId xmlns:p14="http://schemas.microsoft.com/office/powerpoint/2010/main" val="3576837507"/>
+              </p:ext>
+            </p:extLst>
+          </p:nvPr>
+        </p:nvGraphicFramePr>
+        <p:xfrm>
+          <a:off x="457200" y="1600200"/>
+          <a:ext cx="8229600" cy="4525963"/>
+        </p:xfrm>
+        <a:graphic>
+          <a:graphicData uri="http://schemas.openxmlformats.org/drawingml/2006/chart">
+            <c:chart xmlns:c="http://schemas.openxmlformats.org/drawingml/2006/chart" xmlns:r="http://schemas.openxmlformats.org/officeDocument/2006/relationships" r:id="rId2"/>
+          </a:graphicData>
+        </a:graphic>
+      </p:graphicFrame>
+    </p:spTree>
+    <p:extLst>
+      <p:ext uri="{BB962C8B-B14F-4D97-AF65-F5344CB8AC3E}">
+        <p14:creationId xmlns:p14="http://schemas.microsoft.com/office/powerpoint/2010/main" val="2119539304"/>
+      </p:ext>
+    </p:extLst>
+  </p:cSld>
+  <p:clrMapOvr>
+    <a:masterClrMapping/>
+  </p:clrMapOvr>
+</p:sld>
+</file>
+
+<file path=ppt/slides/slide11.xml><?xml version="1.0" encoding="utf-8"?>
+<p:sld xmlns:a="http://schemas.openxmlformats.org/drawingml/2006/main" xmlns:r="http://schemas.openxmlformats.org/officeDocument/2006/relationships" xmlns:p="http://schemas.openxmlformats.org/presentationml/2006/main">
+  <p:cSld>
+    <p:spTree>
+      <p:nvGrpSpPr>
+        <p:cNvPr id="1" name=""/>
+        <p:cNvGrpSpPr/>
+        <p:nvPr/>
+      </p:nvGrpSpPr>
+      <p:grpSpPr>
+        <a:xfrm>
+          <a:off x="0" y="0"/>
+          <a:ext cx="0" cy="0"/>
+          <a:chOff x="0" y="0"/>
+          <a:chExt cx="0" cy="0"/>
+        </a:xfrm>
+      </p:grpSpPr>
+      <p:sp>
+        <p:nvSpPr>
+          <p:cNvPr id="2" name="제목 1"/>
+          <p:cNvSpPr>
+            <a:spLocks noGrp="1"/>
+          </p:cNvSpPr>
+          <p:nvPr>
+            <p:ph type="title"/>
+          </p:nvPr>
+        </p:nvSpPr>
+        <p:spPr/>
+        <p:txBody>
+          <a:bodyPr/>
+          <a:lstStyle/>
+          <a:p>
+            <a:endParaRPr lang="ko-KR" altLang="en-US"/>
+          </a:p>
+        </p:txBody>
+      </p:sp>
+      <p:graphicFrame>
+        <p:nvGraphicFramePr>
+          <p:cNvPr id="4" name="내용 개체 틀 3"/>
+          <p:cNvGraphicFramePr>
+            <a:graphicFrameLocks noGrp="1"/>
+          </p:cNvGraphicFramePr>
+          <p:nvPr>
+            <p:ph idx="1"/>
+            <p:extLst>
+              <p:ext uri="{D42A27DB-BD31-4B8C-83A1-F6EECF244321}">
+                <p14:modId xmlns:p14="http://schemas.microsoft.com/office/powerpoint/2010/main" val="2858966175"/>
+              </p:ext>
+            </p:extLst>
+          </p:nvPr>
+        </p:nvGraphicFramePr>
+        <p:xfrm>
+          <a:off x="457200" y="1600200"/>
+          <a:ext cx="8229600" cy="4525963"/>
+        </p:xfrm>
+        <a:graphic>
+          <a:graphicData uri="http://schemas.openxmlformats.org/drawingml/2006/chart">
+            <c:chart xmlns:c="http://schemas.openxmlformats.org/drawingml/2006/chart" xmlns:r="http://schemas.openxmlformats.org/officeDocument/2006/relationships" r:id="rId2"/>
+          </a:graphicData>
+        </a:graphic>
+      </p:graphicFrame>
+    </p:spTree>
+    <p:extLst>
+      <p:ext uri="{BB962C8B-B14F-4D97-AF65-F5344CB8AC3E}">
+        <p14:creationId xmlns:p14="http://schemas.microsoft.com/office/powerpoint/2010/main" val="3104751120"/>
+      </p:ext>
+    </p:extLst>
+  </p:cSld>
+  <p:clrMapOvr>
+    <a:masterClrMapping/>
+  </p:clrMapOvr>
+</p:sld>
+</file>
+
+<file path=ppt/slides/slide12.xml><?xml version="1.0" encoding="utf-8"?>
+<p:sld xmlns:a="http://schemas.openxmlformats.org/drawingml/2006/main" xmlns:r="http://schemas.openxmlformats.org/officeDocument/2006/relationships" xmlns:p="http://schemas.openxmlformats.org/presentationml/2006/main">
+  <p:cSld>
+    <p:spTree>
+      <p:nvGrpSpPr>
+        <p:cNvPr id="1" name=""/>
+        <p:cNvGrpSpPr/>
+        <p:nvPr/>
+      </p:nvGrpSpPr>
+      <p:grpSpPr>
+        <a:xfrm>
+          <a:off x="0" y="0"/>
+          <a:ext cx="0" cy="0"/>
+          <a:chOff x="0" y="0"/>
+          <a:chExt cx="0" cy="0"/>
+        </a:xfrm>
+      </p:grpSpPr>
+      <p:sp>
+        <p:nvSpPr>
+          <p:cNvPr id="2" name="제목 1"/>
+          <p:cNvSpPr>
+            <a:spLocks noGrp="1"/>
+          </p:cNvSpPr>
+          <p:nvPr>
+            <p:ph type="title"/>
+          </p:nvPr>
+        </p:nvSpPr>
+        <p:spPr/>
+        <p:txBody>
+          <a:bodyPr/>
+          <a:lstStyle/>
+          <a:p>
+            <a:endParaRPr lang="ko-KR" altLang="en-US"/>
+          </a:p>
+        </p:txBody>
+      </p:sp>
+      <p:sp>
+        <p:nvSpPr>
+          <p:cNvPr id="3" name="내용 개체 틀 2"/>
+          <p:cNvSpPr>
+            <a:spLocks noGrp="1"/>
+          </p:cNvSpPr>
+          <p:nvPr>
+            <p:ph idx="1"/>
+          </p:nvPr>
+        </p:nvSpPr>
+        <p:spPr/>
+        <p:txBody>
+          <a:bodyPr/>
+          <a:lstStyle/>
+          <a:p>
+            <a:endParaRPr lang="ko-KR" altLang="en-US" dirty="0"/>
+          </a:p>
+        </p:txBody>
+      </p:sp>
+    </p:spTree>
+    <p:extLst>
+      <p:ext uri="{BB962C8B-B14F-4D97-AF65-F5344CB8AC3E}">
+        <p14:creationId xmlns:p14="http://schemas.microsoft.com/office/powerpoint/2010/main" val="653369403"/>
+      </p:ext>
+    </p:extLst>
+  </p:cSld>
+  <p:clrMapOvr>
+    <a:masterClrMapping/>
+  </p:clrMapOvr>
+</p:sld>
+</file>
+
+<file path=ppt/slides/slide13.xml><?xml version="1.0" encoding="utf-8"?>
+<p:sld xmlns:a="http://schemas.openxmlformats.org/drawingml/2006/main" xmlns:r="http://schemas.openxmlformats.org/officeDocument/2006/relationships" xmlns:p="http://schemas.openxmlformats.org/presentationml/2006/main">
+  <p:cSld>
+    <p:spTree>
+      <p:nvGrpSpPr>
+        <p:cNvPr id="1" name=""/>
+        <p:cNvGrpSpPr/>
+        <p:nvPr/>
+      </p:nvGrpSpPr>
+      <p:grpSpPr>
+        <a:xfrm>
+          <a:off x="0" y="0"/>
+          <a:ext cx="0" cy="0"/>
+          <a:chOff x="0" y="0"/>
+          <a:chExt cx="0" cy="0"/>
+        </a:xfrm>
+      </p:grpSpPr>
+      <p:sp>
+        <p:nvSpPr>
+          <p:cNvPr id="2" name="제목 1"/>
+          <p:cNvSpPr>
+            <a:spLocks noGrp="1"/>
+          </p:cNvSpPr>
+          <p:nvPr>
+            <p:ph type="title"/>
+          </p:nvPr>
+        </p:nvSpPr>
+        <p:spPr/>
+        <p:txBody>
+          <a:bodyPr/>
+          <a:lstStyle/>
+          <a:p>
+            <a:pPr algn="l"/>
+            <a:r>
+              <a:rPr lang="en-US" altLang="ko-KR" dirty="0" smtClean="0"/>
+              <a:t>a</a:t>
+            </a:r>
+            <a:endParaRPr lang="ko-KR" altLang="en-US" dirty="0"/>
+          </a:p>
+        </p:txBody>
+      </p:sp>
+      <p:sp>
+        <p:nvSpPr>
+          <p:cNvPr id="19" name="타원 18"/>
+          <p:cNvSpPr/>
+          <p:nvPr/>
+        </p:nvSpPr>
+        <p:spPr>
+          <a:xfrm>
+            <a:off x="5985976" y="4983805"/>
+            <a:ext cx="1322328" cy="749451"/>
+          </a:xfrm>
+          <a:prstGeom prst="ellipse">
+            <a:avLst/>
+          </a:prstGeom>
+        </p:spPr>
+        <p:style>
+          <a:lnRef idx="2">
+            <a:schemeClr val="dk1"/>
+          </a:lnRef>
+          <a:fillRef idx="1">
+            <a:schemeClr val="lt1"/>
+          </a:fillRef>
+          <a:effectRef idx="0">
+            <a:schemeClr val="dk1"/>
+          </a:effectRef>
+          <a:fontRef idx="minor">
+            <a:schemeClr val="dk1"/>
+          </a:fontRef>
+        </p:style>
+        <p:txBody>
+          <a:bodyPr rtlCol="0" anchor="ctr"/>
+          <a:lstStyle/>
+          <a:p>
+            <a:pPr algn="ctr"/>
+            <a:r>
+              <a:rPr lang="ko-KR" altLang="en-US" sz="1400" dirty="0" smtClean="0"/>
+              <a:t>입력</a:t>
+            </a:r>
+            <a:endParaRPr lang="ko-KR" altLang="en-US" sz="1400" dirty="0"/>
+          </a:p>
+        </p:txBody>
+      </p:sp>
+      <p:sp>
+        <p:nvSpPr>
+          <p:cNvPr id="20" name="직사각형 19"/>
+          <p:cNvSpPr/>
+          <p:nvPr/>
+        </p:nvSpPr>
+        <p:spPr>
+          <a:xfrm>
+            <a:off x="5985976" y="3950898"/>
+            <a:ext cx="1322328" cy="749451"/>
+          </a:xfrm>
+          <a:prstGeom prst="rect">
+            <a:avLst/>
+          </a:prstGeom>
+          <a:solidFill>
+            <a:schemeClr val="bg1">
+              <a:lumMod val="75000"/>
+            </a:schemeClr>
+          </a:solidFill>
+        </p:spPr>
+        <p:style>
+          <a:lnRef idx="2">
+            <a:schemeClr val="dk1"/>
+          </a:lnRef>
+          <a:fillRef idx="1">
+            <a:schemeClr val="lt1"/>
+          </a:fillRef>
+          <a:effectRef idx="0">
+            <a:schemeClr val="dk1"/>
+          </a:effectRef>
+          <a:fontRef idx="minor">
+            <a:schemeClr val="dk1"/>
+          </a:fontRef>
+        </p:style>
+        <p:txBody>
+          <a:bodyPr rtlCol="0" anchor="ctr"/>
+          <a:lstStyle/>
+          <a:p>
+            <a:pPr algn="ctr"/>
+            <a:r>
+              <a:rPr lang="en-US" altLang="ko-KR" sz="1400" dirty="0" smtClean="0"/>
+              <a:t>Simplest features</a:t>
+            </a:r>
+            <a:endParaRPr lang="ko-KR" altLang="en-US" sz="1400" dirty="0"/>
+          </a:p>
+        </p:txBody>
+      </p:sp>
+      <p:sp>
+        <p:nvSpPr>
+          <p:cNvPr id="21" name="직사각형 20"/>
+          <p:cNvSpPr/>
+          <p:nvPr/>
+        </p:nvSpPr>
+        <p:spPr>
+          <a:xfrm>
+            <a:off x="5985976" y="2917995"/>
+            <a:ext cx="1322328" cy="749451"/>
+          </a:xfrm>
+          <a:prstGeom prst="rect">
+            <a:avLst/>
+          </a:prstGeom>
+          <a:solidFill>
+            <a:schemeClr val="bg1">
+              <a:lumMod val="75000"/>
+            </a:schemeClr>
+          </a:solidFill>
+        </p:spPr>
+        <p:style>
+          <a:lnRef idx="2">
+            <a:schemeClr val="dk1"/>
+          </a:lnRef>
+          <a:fillRef idx="1">
+            <a:schemeClr val="lt1"/>
+          </a:fillRef>
+          <a:effectRef idx="0">
+            <a:schemeClr val="dk1"/>
+          </a:effectRef>
+          <a:fontRef idx="minor">
+            <a:schemeClr val="dk1"/>
+          </a:fontRef>
+        </p:style>
+        <p:txBody>
+          <a:bodyPr rtlCol="0" anchor="ctr"/>
+          <a:lstStyle/>
+          <a:p>
+            <a:pPr algn="ctr"/>
+            <a:r>
+              <a:rPr lang="en-US" altLang="ko-KR" sz="1400" dirty="0" smtClean="0"/>
+              <a:t>Most complex </a:t>
+            </a:r>
+            <a:r>
+              <a:rPr lang="en-US" altLang="ko-KR" sz="1400" dirty="0"/>
+              <a:t>features</a:t>
+            </a:r>
+            <a:endParaRPr lang="ko-KR" altLang="en-US" sz="1400" dirty="0"/>
+          </a:p>
+        </p:txBody>
+      </p:sp>
+      <p:sp>
+        <p:nvSpPr>
+          <p:cNvPr id="22" name="직사각형 21"/>
+          <p:cNvSpPr/>
+          <p:nvPr/>
+        </p:nvSpPr>
+        <p:spPr>
+          <a:xfrm>
+            <a:off x="5985976" y="1885091"/>
+            <a:ext cx="1322328" cy="749451"/>
+          </a:xfrm>
+          <a:prstGeom prst="rect">
+            <a:avLst/>
+          </a:prstGeom>
+          <a:solidFill>
+            <a:schemeClr val="bg1">
+              <a:lumMod val="75000"/>
+            </a:schemeClr>
+          </a:solidFill>
+        </p:spPr>
+        <p:style>
+          <a:lnRef idx="2">
+            <a:schemeClr val="dk1"/>
+          </a:lnRef>
+          <a:fillRef idx="1">
+            <a:schemeClr val="lt1"/>
+          </a:fillRef>
+          <a:effectRef idx="0">
+            <a:schemeClr val="dk1"/>
+          </a:effectRef>
+          <a:fontRef idx="minor">
+            <a:schemeClr val="dk1"/>
+          </a:fontRef>
+        </p:style>
+        <p:txBody>
+          <a:bodyPr rtlCol="0" anchor="ctr"/>
+          <a:lstStyle/>
+          <a:p>
+            <a:pPr algn="ctr"/>
+            <a:r>
+              <a:rPr lang="en-US" altLang="ko-KR" sz="1400" dirty="0"/>
+              <a:t>Mapping from features</a:t>
+            </a:r>
+            <a:endParaRPr lang="ko-KR" altLang="en-US" sz="1400" dirty="0"/>
+          </a:p>
+        </p:txBody>
+      </p:sp>
+      <p:cxnSp>
+        <p:nvCxnSpPr>
+          <p:cNvPr id="25" name="직선 화살표 연결선 24"/>
+          <p:cNvCxnSpPr/>
+          <p:nvPr/>
+        </p:nvCxnSpPr>
+        <p:spPr>
+          <a:xfrm flipV="1">
+            <a:off x="6647139" y="2682597"/>
+            <a:ext cx="0" cy="187343"/>
+          </a:xfrm>
+          <a:prstGeom prst="straightConnector1">
+            <a:avLst/>
+          </a:prstGeom>
+          <a:ln>
+            <a:headEnd type="none" w="med" len="med"/>
+            <a:tailEnd type="triangle" w="med" len="med"/>
+          </a:ln>
+        </p:spPr>
+        <p:style>
+          <a:lnRef idx="1">
+            <a:schemeClr val="dk1"/>
+          </a:lnRef>
+          <a:fillRef idx="0">
+            <a:schemeClr val="dk1"/>
+          </a:fillRef>
+          <a:effectRef idx="0">
+            <a:schemeClr val="dk1"/>
+          </a:effectRef>
+          <a:fontRef idx="minor">
+            <a:schemeClr val="tx1"/>
+          </a:fontRef>
+        </p:style>
+      </p:cxnSp>
+      <p:cxnSp>
+        <p:nvCxnSpPr>
+          <p:cNvPr id="29" name="직선 화살표 연결선 28"/>
+          <p:cNvCxnSpPr/>
+          <p:nvPr/>
+        </p:nvCxnSpPr>
+        <p:spPr>
+          <a:xfrm flipV="1">
+            <a:off x="6647139" y="3715501"/>
+            <a:ext cx="0" cy="187343"/>
+          </a:xfrm>
+          <a:prstGeom prst="straightConnector1">
+            <a:avLst/>
+          </a:prstGeom>
+          <a:ln>
+            <a:headEnd type="none" w="med" len="med"/>
+            <a:tailEnd type="triangle" w="med" len="med"/>
+          </a:ln>
+        </p:spPr>
+        <p:style>
+          <a:lnRef idx="1">
+            <a:schemeClr val="dk1"/>
+          </a:lnRef>
+          <a:fillRef idx="0">
+            <a:schemeClr val="dk1"/>
+          </a:fillRef>
+          <a:effectRef idx="0">
+            <a:schemeClr val="dk1"/>
+          </a:effectRef>
+          <a:fontRef idx="minor">
+            <a:schemeClr val="tx1"/>
+          </a:fontRef>
+        </p:style>
+      </p:cxnSp>
+      <p:cxnSp>
+        <p:nvCxnSpPr>
+          <p:cNvPr id="33" name="직선 화살표 연결선 32"/>
+          <p:cNvCxnSpPr/>
+          <p:nvPr/>
+        </p:nvCxnSpPr>
+        <p:spPr>
+          <a:xfrm flipV="1">
+            <a:off x="6647139" y="4748405"/>
+            <a:ext cx="0" cy="187343"/>
+          </a:xfrm>
+          <a:prstGeom prst="straightConnector1">
+            <a:avLst/>
+          </a:prstGeom>
+          <a:ln>
+            <a:headEnd type="none" w="med" len="med"/>
+            <a:tailEnd type="triangle" w="med" len="med"/>
+          </a:ln>
+        </p:spPr>
+        <p:style>
+          <a:lnRef idx="1">
+            <a:schemeClr val="dk1"/>
+          </a:lnRef>
+          <a:fillRef idx="0">
+            <a:schemeClr val="dk1"/>
+          </a:fillRef>
+          <a:effectRef idx="0">
+            <a:schemeClr val="dk1"/>
+          </a:effectRef>
+          <a:fontRef idx="minor">
+            <a:schemeClr val="tx1"/>
+          </a:fontRef>
+        </p:style>
+      </p:cxnSp>
+      <p:sp>
+        <p:nvSpPr>
+          <p:cNvPr id="60" name="타원 59"/>
+          <p:cNvSpPr/>
+          <p:nvPr/>
+        </p:nvSpPr>
+        <p:spPr>
+          <a:xfrm>
+            <a:off x="5985976" y="852187"/>
+            <a:ext cx="1322328" cy="749451"/>
+          </a:xfrm>
+          <a:prstGeom prst="ellipse">
+            <a:avLst/>
+          </a:prstGeom>
+        </p:spPr>
+        <p:style>
+          <a:lnRef idx="2">
+            <a:schemeClr val="dk1"/>
+          </a:lnRef>
+          <a:fillRef idx="1">
+            <a:schemeClr val="lt1"/>
+          </a:fillRef>
+          <a:effectRef idx="0">
+            <a:schemeClr val="dk1"/>
+          </a:effectRef>
+          <a:fontRef idx="minor">
+            <a:schemeClr val="dk1"/>
+          </a:fontRef>
+        </p:style>
+        <p:txBody>
+          <a:bodyPr rtlCol="0" anchor="ctr"/>
+          <a:lstStyle/>
+          <a:p>
+            <a:pPr algn="ctr"/>
+            <a:r>
+              <a:rPr lang="ko-KR" altLang="en-US" sz="1400" dirty="0" smtClean="0"/>
+              <a:t>출력</a:t>
+            </a:r>
+            <a:endParaRPr lang="ko-KR" altLang="en-US" sz="1400" dirty="0"/>
+          </a:p>
+        </p:txBody>
+      </p:sp>
+      <p:cxnSp>
+        <p:nvCxnSpPr>
+          <p:cNvPr id="61" name="직선 화살표 연결선 60"/>
+          <p:cNvCxnSpPr/>
+          <p:nvPr/>
+        </p:nvCxnSpPr>
+        <p:spPr>
+          <a:xfrm flipV="1">
+            <a:off x="6647139" y="1649693"/>
+            <a:ext cx="0" cy="187343"/>
+          </a:xfrm>
+          <a:prstGeom prst="straightConnector1">
+            <a:avLst/>
+          </a:prstGeom>
+          <a:ln>
+            <a:headEnd type="none" w="med" len="med"/>
+            <a:tailEnd type="triangle" w="med" len="med"/>
+          </a:ln>
+        </p:spPr>
+        <p:style>
+          <a:lnRef idx="1">
+            <a:schemeClr val="dk1"/>
+          </a:lnRef>
+          <a:fillRef idx="0">
+            <a:schemeClr val="dk1"/>
+          </a:fillRef>
+          <a:effectRef idx="0">
+            <a:schemeClr val="dk1"/>
+          </a:effectRef>
+          <a:fontRef idx="minor">
+            <a:schemeClr val="tx1"/>
+          </a:fontRef>
+        </p:style>
+      </p:cxnSp>
+      <p:sp>
+        <p:nvSpPr>
+          <p:cNvPr id="64" name="타원 63"/>
+          <p:cNvSpPr/>
+          <p:nvPr/>
+        </p:nvSpPr>
+        <p:spPr>
+          <a:xfrm>
+            <a:off x="4414892" y="4983804"/>
+            <a:ext cx="1322328" cy="749451"/>
+          </a:xfrm>
+          <a:prstGeom prst="ellipse">
+            <a:avLst/>
+          </a:prstGeom>
+        </p:spPr>
+        <p:style>
+          <a:lnRef idx="2">
+            <a:schemeClr val="dk1"/>
+          </a:lnRef>
+          <a:fillRef idx="1">
+            <a:schemeClr val="lt1"/>
+          </a:fillRef>
+          <a:effectRef idx="0">
+            <a:schemeClr val="dk1"/>
+          </a:effectRef>
+          <a:fontRef idx="minor">
+            <a:schemeClr val="dk1"/>
+          </a:fontRef>
+        </p:style>
+        <p:txBody>
+          <a:bodyPr rtlCol="0" anchor="ctr"/>
+          <a:lstStyle/>
+          <a:p>
+            <a:pPr algn="ctr"/>
+            <a:r>
+              <a:rPr lang="ko-KR" altLang="en-US" sz="1400" dirty="0" smtClean="0"/>
+              <a:t>입력</a:t>
+            </a:r>
+            <a:endParaRPr lang="ko-KR" altLang="en-US" sz="1400" dirty="0"/>
+          </a:p>
+        </p:txBody>
+      </p:sp>
+      <p:sp>
+        <p:nvSpPr>
+          <p:cNvPr id="65" name="직사각형 64"/>
+          <p:cNvSpPr/>
+          <p:nvPr/>
+        </p:nvSpPr>
+        <p:spPr>
+          <a:xfrm>
+            <a:off x="4414892" y="3950898"/>
+            <a:ext cx="1322328" cy="749451"/>
+          </a:xfrm>
+          <a:prstGeom prst="rect">
+            <a:avLst/>
+          </a:prstGeom>
+        </p:spPr>
+        <p:style>
+          <a:lnRef idx="2">
+            <a:schemeClr val="dk1"/>
+          </a:lnRef>
+          <a:fillRef idx="1">
+            <a:schemeClr val="lt1"/>
+          </a:fillRef>
+          <a:effectRef idx="0">
+            <a:schemeClr val="dk1"/>
+          </a:effectRef>
+          <a:fontRef idx="minor">
+            <a:schemeClr val="dk1"/>
+          </a:fontRef>
+        </p:style>
+        <p:txBody>
+          <a:bodyPr rtlCol="0" anchor="ctr"/>
+          <a:lstStyle/>
+          <a:p>
+            <a:pPr algn="ctr"/>
+            <a:r>
+              <a:rPr lang="en-US" altLang="ko-KR" sz="1400" dirty="0"/>
+              <a:t>Hand-designed </a:t>
+            </a:r>
+            <a:r>
+              <a:rPr lang="en-US" altLang="ko-KR" sz="1400" dirty="0" smtClean="0"/>
+              <a:t>features</a:t>
+            </a:r>
+            <a:endParaRPr lang="ko-KR" altLang="en-US" sz="1400" dirty="0"/>
+          </a:p>
+        </p:txBody>
+      </p:sp>
+      <p:sp>
+        <p:nvSpPr>
+          <p:cNvPr id="66" name="직사각형 65"/>
+          <p:cNvSpPr/>
+          <p:nvPr/>
+        </p:nvSpPr>
+        <p:spPr>
+          <a:xfrm>
+            <a:off x="4414892" y="2917994"/>
+            <a:ext cx="1322328" cy="749451"/>
+          </a:xfrm>
+          <a:prstGeom prst="rect">
+            <a:avLst/>
+          </a:prstGeom>
+          <a:solidFill>
+            <a:schemeClr val="bg1">
+              <a:lumMod val="75000"/>
+            </a:schemeClr>
+          </a:solidFill>
+        </p:spPr>
+        <p:style>
+          <a:lnRef idx="2">
+            <a:schemeClr val="dk1"/>
+          </a:lnRef>
+          <a:fillRef idx="1">
+            <a:schemeClr val="lt1"/>
+          </a:fillRef>
+          <a:effectRef idx="0">
+            <a:schemeClr val="dk1"/>
+          </a:effectRef>
+          <a:fontRef idx="minor">
+            <a:schemeClr val="dk1"/>
+          </a:fontRef>
+        </p:style>
+        <p:txBody>
+          <a:bodyPr rtlCol="0" anchor="ctr"/>
+          <a:lstStyle/>
+          <a:p>
+            <a:pPr algn="ctr"/>
+            <a:r>
+              <a:rPr lang="en-US" altLang="ko-KR" sz="1400" dirty="0" smtClean="0"/>
+              <a:t>Mapping from features</a:t>
+            </a:r>
+            <a:endParaRPr lang="ko-KR" altLang="en-US" sz="1400" dirty="0"/>
+          </a:p>
+        </p:txBody>
+      </p:sp>
+      <p:sp>
+        <p:nvSpPr>
+          <p:cNvPr id="67" name="타원 66"/>
+          <p:cNvSpPr/>
+          <p:nvPr/>
+        </p:nvSpPr>
+        <p:spPr>
+          <a:xfrm>
+            <a:off x="4414892" y="1885090"/>
+            <a:ext cx="1322328" cy="749451"/>
+          </a:xfrm>
+          <a:prstGeom prst="ellipse">
+            <a:avLst/>
+          </a:prstGeom>
+        </p:spPr>
+        <p:style>
+          <a:lnRef idx="2">
+            <a:schemeClr val="dk1"/>
+          </a:lnRef>
+          <a:fillRef idx="1">
+            <a:schemeClr val="lt1"/>
+          </a:fillRef>
+          <a:effectRef idx="0">
+            <a:schemeClr val="dk1"/>
+          </a:effectRef>
+          <a:fontRef idx="minor">
+            <a:schemeClr val="dk1"/>
+          </a:fontRef>
+        </p:style>
+        <p:txBody>
+          <a:bodyPr rtlCol="0" anchor="ctr"/>
+          <a:lstStyle/>
+          <a:p>
+            <a:pPr algn="ctr"/>
+            <a:r>
+              <a:rPr lang="ko-KR" altLang="en-US" sz="1400" dirty="0" smtClean="0"/>
+              <a:t>출력</a:t>
+            </a:r>
+            <a:endParaRPr lang="ko-KR" altLang="en-US" sz="1400" dirty="0"/>
+          </a:p>
+        </p:txBody>
+      </p:sp>
+      <p:cxnSp>
+        <p:nvCxnSpPr>
+          <p:cNvPr id="68" name="직선 화살표 연결선 67"/>
+          <p:cNvCxnSpPr/>
+          <p:nvPr/>
+        </p:nvCxnSpPr>
+        <p:spPr>
+          <a:xfrm flipV="1">
+            <a:off x="5076055" y="2682596"/>
+            <a:ext cx="0" cy="187342"/>
+          </a:xfrm>
+          <a:prstGeom prst="straightConnector1">
+            <a:avLst/>
+          </a:prstGeom>
+          <a:ln>
+            <a:headEnd type="none" w="med" len="med"/>
+            <a:tailEnd type="triangle" w="med" len="med"/>
+          </a:ln>
+        </p:spPr>
+        <p:style>
+          <a:lnRef idx="1">
+            <a:schemeClr val="dk1"/>
+          </a:lnRef>
+          <a:fillRef idx="0">
+            <a:schemeClr val="dk1"/>
+          </a:fillRef>
+          <a:effectRef idx="0">
+            <a:schemeClr val="dk1"/>
+          </a:effectRef>
+          <a:fontRef idx="minor">
+            <a:schemeClr val="tx1"/>
+          </a:fontRef>
+        </p:style>
+      </p:cxnSp>
+      <p:cxnSp>
+        <p:nvCxnSpPr>
+          <p:cNvPr id="69" name="직선 화살표 연결선 68"/>
+          <p:cNvCxnSpPr/>
+          <p:nvPr/>
+        </p:nvCxnSpPr>
+        <p:spPr>
+          <a:xfrm flipV="1">
+            <a:off x="5076055" y="3715500"/>
+            <a:ext cx="0" cy="187342"/>
+          </a:xfrm>
+          <a:prstGeom prst="straightConnector1">
+            <a:avLst/>
+          </a:prstGeom>
+          <a:ln>
+            <a:headEnd type="none" w="med" len="med"/>
+            <a:tailEnd type="triangle" w="med" len="med"/>
+          </a:ln>
+        </p:spPr>
+        <p:style>
+          <a:lnRef idx="1">
+            <a:schemeClr val="dk1"/>
+          </a:lnRef>
+          <a:fillRef idx="0">
+            <a:schemeClr val="dk1"/>
+          </a:fillRef>
+          <a:effectRef idx="0">
+            <a:schemeClr val="dk1"/>
+          </a:effectRef>
+          <a:fontRef idx="minor">
+            <a:schemeClr val="tx1"/>
+          </a:fontRef>
+        </p:style>
+      </p:cxnSp>
+      <p:cxnSp>
+        <p:nvCxnSpPr>
+          <p:cNvPr id="70" name="직선 화살표 연결선 69"/>
+          <p:cNvCxnSpPr/>
+          <p:nvPr/>
+        </p:nvCxnSpPr>
+        <p:spPr>
+          <a:xfrm flipV="1">
+            <a:off x="5076055" y="4748404"/>
+            <a:ext cx="0" cy="187342"/>
+          </a:xfrm>
+          <a:prstGeom prst="straightConnector1">
+            <a:avLst/>
+          </a:prstGeom>
+          <a:ln>
+            <a:headEnd type="none" w="med" len="med"/>
+            <a:tailEnd type="triangle" w="med" len="med"/>
+          </a:ln>
+        </p:spPr>
+        <p:style>
+          <a:lnRef idx="1">
+            <a:schemeClr val="dk1"/>
+          </a:lnRef>
+          <a:fillRef idx="0">
+            <a:schemeClr val="dk1"/>
+          </a:fillRef>
+          <a:effectRef idx="0">
+            <a:schemeClr val="dk1"/>
+          </a:effectRef>
+          <a:fontRef idx="minor">
+            <a:schemeClr val="tx1"/>
+          </a:fontRef>
+        </p:style>
+      </p:cxnSp>
+      <p:sp>
+        <p:nvSpPr>
+          <p:cNvPr id="74" name="타원 73"/>
+          <p:cNvSpPr/>
+          <p:nvPr/>
+        </p:nvSpPr>
+        <p:spPr>
+          <a:xfrm>
+            <a:off x="2843808" y="4983804"/>
+            <a:ext cx="1322328" cy="749451"/>
+          </a:xfrm>
+          <a:prstGeom prst="ellipse">
+            <a:avLst/>
+          </a:prstGeom>
+        </p:spPr>
+        <p:style>
+          <a:lnRef idx="2">
+            <a:schemeClr val="dk1"/>
+          </a:lnRef>
+          <a:fillRef idx="1">
+            <a:schemeClr val="lt1"/>
+          </a:fillRef>
+          <a:effectRef idx="0">
+            <a:schemeClr val="dk1"/>
+          </a:effectRef>
+          <a:fontRef idx="minor">
+            <a:schemeClr val="dk1"/>
+          </a:fontRef>
+        </p:style>
+        <p:txBody>
+          <a:bodyPr rtlCol="0" anchor="ctr"/>
+          <a:lstStyle/>
+          <a:p>
+            <a:pPr algn="ctr"/>
+            <a:r>
+              <a:rPr lang="ko-KR" altLang="en-US" sz="1400" dirty="0" smtClean="0"/>
+              <a:t>입</a:t>
+            </a:r>
+            <a:r>
+              <a:rPr lang="ko-KR" altLang="en-US" sz="1400" dirty="0"/>
+              <a:t>력</a:t>
+            </a:r>
+          </a:p>
+        </p:txBody>
+      </p:sp>
+      <p:sp>
+        <p:nvSpPr>
+          <p:cNvPr id="75" name="직사각형 74"/>
+          <p:cNvSpPr/>
+          <p:nvPr/>
+        </p:nvSpPr>
+        <p:spPr>
+          <a:xfrm>
+            <a:off x="2843808" y="3950898"/>
+            <a:ext cx="1322328" cy="749451"/>
+          </a:xfrm>
+          <a:prstGeom prst="rect">
+            <a:avLst/>
+          </a:prstGeom>
+        </p:spPr>
+        <p:style>
+          <a:lnRef idx="2">
+            <a:schemeClr val="dk1"/>
+          </a:lnRef>
+          <a:fillRef idx="1">
+            <a:schemeClr val="lt1"/>
+          </a:fillRef>
+          <a:effectRef idx="0">
+            <a:schemeClr val="dk1"/>
+          </a:effectRef>
+          <a:fontRef idx="minor">
+            <a:schemeClr val="dk1"/>
+          </a:fontRef>
+        </p:style>
+        <p:txBody>
+          <a:bodyPr rtlCol="0" anchor="ctr"/>
+          <a:lstStyle/>
+          <a:p>
+            <a:pPr algn="ctr"/>
+            <a:r>
+              <a:rPr lang="en-US" altLang="ko-KR" sz="1400" dirty="0" smtClean="0"/>
+              <a:t>Hand-designed program</a:t>
+            </a:r>
+            <a:endParaRPr lang="ko-KR" altLang="en-US" sz="1400" dirty="0"/>
+          </a:p>
+        </p:txBody>
+      </p:sp>
+      <p:sp>
+        <p:nvSpPr>
+          <p:cNvPr id="76" name="타원 75"/>
+          <p:cNvSpPr/>
+          <p:nvPr/>
+        </p:nvSpPr>
+        <p:spPr>
+          <a:xfrm>
+            <a:off x="2843808" y="2917994"/>
+            <a:ext cx="1322328" cy="749451"/>
+          </a:xfrm>
+          <a:prstGeom prst="ellipse">
+            <a:avLst/>
+          </a:prstGeom>
+        </p:spPr>
+        <p:style>
+          <a:lnRef idx="2">
+            <a:schemeClr val="dk1"/>
+          </a:lnRef>
+          <a:fillRef idx="1">
+            <a:schemeClr val="lt1"/>
+          </a:fillRef>
+          <a:effectRef idx="0">
+            <a:schemeClr val="dk1"/>
+          </a:effectRef>
+          <a:fontRef idx="minor">
+            <a:schemeClr val="dk1"/>
+          </a:fontRef>
+        </p:style>
+        <p:txBody>
+          <a:bodyPr rtlCol="0" anchor="ctr"/>
+          <a:lstStyle/>
+          <a:p>
+            <a:pPr algn="ctr"/>
+            <a:r>
+              <a:rPr lang="ko-KR" altLang="en-US" sz="1400" dirty="0" smtClean="0"/>
+              <a:t>출력</a:t>
+            </a:r>
+            <a:endParaRPr lang="ko-KR" altLang="en-US" sz="1400" dirty="0"/>
+          </a:p>
+        </p:txBody>
+      </p:sp>
+      <p:cxnSp>
+        <p:nvCxnSpPr>
+          <p:cNvPr id="79" name="직선 화살표 연결선 78"/>
+          <p:cNvCxnSpPr/>
+          <p:nvPr/>
+        </p:nvCxnSpPr>
+        <p:spPr>
+          <a:xfrm flipV="1">
+            <a:off x="3504971" y="3715500"/>
+            <a:ext cx="0" cy="187342"/>
+          </a:xfrm>
+          <a:prstGeom prst="straightConnector1">
+            <a:avLst/>
+          </a:prstGeom>
+          <a:ln>
+            <a:headEnd type="none" w="med" len="med"/>
+            <a:tailEnd type="triangle" w="med" len="med"/>
+          </a:ln>
+        </p:spPr>
+        <p:style>
+          <a:lnRef idx="1">
+            <a:schemeClr val="dk1"/>
+          </a:lnRef>
+          <a:fillRef idx="0">
+            <a:schemeClr val="dk1"/>
+          </a:fillRef>
+          <a:effectRef idx="0">
+            <a:schemeClr val="dk1"/>
+          </a:effectRef>
+          <a:fontRef idx="minor">
+            <a:schemeClr val="tx1"/>
+          </a:fontRef>
+        </p:style>
+      </p:cxnSp>
+      <p:cxnSp>
+        <p:nvCxnSpPr>
+          <p:cNvPr id="80" name="직선 화살표 연결선 79"/>
+          <p:cNvCxnSpPr/>
+          <p:nvPr/>
+        </p:nvCxnSpPr>
+        <p:spPr>
+          <a:xfrm flipV="1">
+            <a:off x="3504971" y="4748404"/>
+            <a:ext cx="0" cy="187342"/>
+          </a:xfrm>
+          <a:prstGeom prst="straightConnector1">
+            <a:avLst/>
+          </a:prstGeom>
+          <a:ln>
+            <a:headEnd type="none" w="med" len="med"/>
+            <a:tailEnd type="triangle" w="med" len="med"/>
+          </a:ln>
+        </p:spPr>
+        <p:style>
+          <a:lnRef idx="1">
+            <a:schemeClr val="dk1"/>
+          </a:lnRef>
+          <a:fillRef idx="0">
+            <a:schemeClr val="dk1"/>
+          </a:fillRef>
+          <a:effectRef idx="0">
+            <a:schemeClr val="dk1"/>
+          </a:effectRef>
+          <a:fontRef idx="minor">
+            <a:schemeClr val="tx1"/>
+          </a:fontRef>
+        </p:style>
+      </p:cxnSp>
+      <p:sp>
+        <p:nvSpPr>
+          <p:cNvPr id="83" name="TextBox 82"/>
+          <p:cNvSpPr txBox="1"/>
+          <p:nvPr/>
+        </p:nvSpPr>
+        <p:spPr>
+          <a:xfrm>
+            <a:off x="2843808" y="5805264"/>
+            <a:ext cx="1322328" cy="646331"/>
+          </a:xfrm>
+          <a:prstGeom prst="rect">
+            <a:avLst/>
+          </a:prstGeom>
+          <a:noFill/>
+        </p:spPr>
+        <p:txBody>
+          <a:bodyPr wrap="square" rtlCol="0">
+            <a:spAutoFit/>
+          </a:bodyPr>
+          <a:lstStyle/>
+          <a:p>
+            <a:pPr algn="ctr"/>
+            <a:r>
+              <a:rPr lang="ko-KR" altLang="en-US" dirty="0" smtClean="0"/>
+              <a:t>규칙기반 인공지능</a:t>
+            </a:r>
+            <a:endParaRPr lang="ko-KR" altLang="en-US" dirty="0"/>
+          </a:p>
+        </p:txBody>
+      </p:sp>
+      <p:sp>
+        <p:nvSpPr>
+          <p:cNvPr id="84" name="TextBox 83"/>
+          <p:cNvSpPr txBox="1"/>
+          <p:nvPr/>
+        </p:nvSpPr>
+        <p:spPr>
+          <a:xfrm>
+            <a:off x="4427984" y="5835469"/>
+            <a:ext cx="1322328" cy="646331"/>
+          </a:xfrm>
+          <a:prstGeom prst="rect">
+            <a:avLst/>
+          </a:prstGeom>
+          <a:noFill/>
+        </p:spPr>
+        <p:txBody>
+          <a:bodyPr wrap="square" rtlCol="0">
+            <a:spAutoFit/>
+          </a:bodyPr>
+          <a:lstStyle/>
+          <a:p>
+            <a:pPr algn="ctr"/>
+            <a:r>
+              <a:rPr lang="ko-KR" altLang="en-US" dirty="0" smtClean="0"/>
+              <a:t>과</a:t>
+            </a:r>
+            <a:r>
+              <a:rPr lang="ko-KR" altLang="en-US" dirty="0"/>
+              <a:t>거</a:t>
+            </a:r>
+            <a:r>
+              <a:rPr lang="ko-KR" altLang="en-US" dirty="0" smtClean="0"/>
+              <a:t> </a:t>
+            </a:r>
+            <a:r>
+              <a:rPr lang="en-US" altLang="ko-KR" dirty="0" smtClean="0"/>
+              <a:t/>
+            </a:r>
+            <a:br>
+              <a:rPr lang="en-US" altLang="ko-KR" dirty="0" smtClean="0"/>
+            </a:br>
+            <a:r>
+              <a:rPr lang="ko-KR" altLang="en-US" dirty="0" smtClean="0"/>
+              <a:t>기계학습</a:t>
+            </a:r>
+            <a:endParaRPr lang="ko-KR" altLang="en-US" dirty="0"/>
+          </a:p>
+        </p:txBody>
+      </p:sp>
+      <p:sp>
+        <p:nvSpPr>
+          <p:cNvPr id="85" name="TextBox 84"/>
+          <p:cNvSpPr txBox="1"/>
+          <p:nvPr/>
+        </p:nvSpPr>
+        <p:spPr>
+          <a:xfrm>
+            <a:off x="5976713" y="5835469"/>
+            <a:ext cx="1322328" cy="923330"/>
+          </a:xfrm>
+          <a:prstGeom prst="rect">
+            <a:avLst/>
+          </a:prstGeom>
+          <a:noFill/>
+        </p:spPr>
+        <p:txBody>
+          <a:bodyPr wrap="square" rtlCol="0">
+            <a:spAutoFit/>
+          </a:bodyPr>
+          <a:lstStyle/>
+          <a:p>
+            <a:pPr algn="ctr"/>
+            <a:r>
+              <a:rPr lang="ko-KR" altLang="en-US" dirty="0" smtClean="0"/>
+              <a:t>현재 </a:t>
+            </a:r>
+            <a:r>
+              <a:rPr lang="en-US" altLang="ko-KR" dirty="0" smtClean="0"/>
+              <a:t/>
+            </a:r>
+            <a:br>
+              <a:rPr lang="en-US" altLang="ko-KR" dirty="0" smtClean="0"/>
+            </a:br>
+            <a:r>
+              <a:rPr lang="ko-KR" altLang="en-US" dirty="0" smtClean="0"/>
+              <a:t>기계학습</a:t>
+            </a:r>
+            <a:r>
+              <a:rPr lang="en-US" altLang="ko-KR" dirty="0" smtClean="0"/>
+              <a:t/>
+            </a:r>
+            <a:br>
+              <a:rPr lang="en-US" altLang="ko-KR" dirty="0" smtClean="0"/>
+            </a:br>
+            <a:r>
+              <a:rPr lang="en-US" altLang="ko-KR" dirty="0" smtClean="0"/>
+              <a:t>(</a:t>
+            </a:r>
+            <a:r>
+              <a:rPr lang="ko-KR" altLang="en-US" dirty="0" err="1" smtClean="0"/>
+              <a:t>딥러닝</a:t>
+            </a:r>
+            <a:r>
+              <a:rPr lang="en-US" altLang="ko-KR" dirty="0" smtClean="0"/>
+              <a:t>)</a:t>
+            </a:r>
+            <a:endParaRPr lang="ko-KR" altLang="en-US" dirty="0"/>
+          </a:p>
+        </p:txBody>
+      </p:sp>
+    </p:spTree>
+    <p:extLst>
+      <p:ext uri="{BB962C8B-B14F-4D97-AF65-F5344CB8AC3E}">
+        <p14:creationId xmlns:p14="http://schemas.microsoft.com/office/powerpoint/2010/main" val="2447747882"/>
+      </p:ext>
+    </p:extLst>
+  </p:cSld>
+  <p:clrMapOvr>
+    <a:masterClrMapping/>
+  </p:clrMapOvr>
+</p:sld>
+</file>
+
 <file path=ppt/slides/slide2.xml><?xml version="1.0" encoding="utf-8"?>
 <p:sld xmlns:a="http://schemas.openxmlformats.org/drawingml/2006/main" xmlns:r="http://schemas.openxmlformats.org/officeDocument/2006/relationships" xmlns:p="http://schemas.openxmlformats.org/presentationml/2006/main">
   <p:cSld>
@@ -3151,335 +6617,6 @@
       </p:grpSpPr>
       <p:graphicFrame>
         <p:nvGraphicFramePr>
-          <p:cNvPr id="4" name="표 3"/>
-          <p:cNvGraphicFramePr>
-            <a:graphicFrameLocks noGrp="1"/>
-          </p:cNvGraphicFramePr>
-          <p:nvPr>
-            <p:extLst>
-              <p:ext uri="{D42A27DB-BD31-4B8C-83A1-F6EECF244321}">
-                <p14:modId xmlns:p14="http://schemas.microsoft.com/office/powerpoint/2010/main" val="2595361181"/>
-              </p:ext>
-            </p:extLst>
-          </p:nvPr>
-        </p:nvGraphicFramePr>
-        <p:xfrm>
-          <a:off x="1187624" y="1484784"/>
-          <a:ext cx="2880000" cy="2880000"/>
-        </p:xfrm>
-        <a:graphic>
-          <a:graphicData uri="http://schemas.openxmlformats.org/drawingml/2006/table">
-            <a:tbl>
-              <a:tblPr>
-                <a:tableStyleId>{5C22544A-7EE6-4342-B048-85BDC9FD1C3A}</a:tableStyleId>
-              </a:tblPr>
-              <a:tblGrid>
-                <a:gridCol w="1440000"/>
-                <a:gridCol w="1440000"/>
-              </a:tblGrid>
-              <a:tr h="1440000">
-                <a:tc>
-                  <a:txBody>
-                    <a:bodyPr/>
-                    <a:lstStyle/>
-                    <a:p>
-                      <a:pPr latinLnBrk="1"/>
-                      <a:endParaRPr lang="ko-KR" altLang="en-US" dirty="0"/>
-                    </a:p>
-                  </a:txBody>
-                  <a:tcPr/>
-                </a:tc>
-                <a:tc>
-                  <a:txBody>
-                    <a:bodyPr/>
-                    <a:lstStyle/>
-                    <a:p>
-                      <a:pPr latinLnBrk="1"/>
-                      <a:endParaRPr lang="ko-KR" altLang="en-US" dirty="0"/>
-                    </a:p>
-                  </a:txBody>
-                  <a:tcPr/>
-                </a:tc>
-              </a:tr>
-              <a:tr h="1440000">
-                <a:tc>
-                  <a:txBody>
-                    <a:bodyPr/>
-                    <a:lstStyle/>
-                    <a:p>
-                      <a:pPr latinLnBrk="1"/>
-                      <a:endParaRPr lang="ko-KR" altLang="en-US"/>
-                    </a:p>
-                  </a:txBody>
-                  <a:tcPr/>
-                </a:tc>
-                <a:tc>
-                  <a:txBody>
-                    <a:bodyPr/>
-                    <a:lstStyle/>
-                    <a:p>
-                      <a:pPr latinLnBrk="1"/>
-                      <a:endParaRPr lang="ko-KR" altLang="en-US" dirty="0"/>
-                    </a:p>
-                  </a:txBody>
-                  <a:tcPr/>
-                </a:tc>
-              </a:tr>
-            </a:tbl>
-          </a:graphicData>
-        </a:graphic>
-      </p:graphicFrame>
-      <p:sp>
-        <p:nvSpPr>
-          <p:cNvPr id="6" name="TextBox 5"/>
-          <p:cNvSpPr txBox="1"/>
-          <p:nvPr/>
-        </p:nvSpPr>
-        <p:spPr>
-          <a:xfrm>
-            <a:off x="1511660" y="959970"/>
-            <a:ext cx="828092" cy="369332"/>
-          </a:xfrm>
-          <a:prstGeom prst="rect">
-            <a:avLst/>
-          </a:prstGeom>
-          <a:noFill/>
-        </p:spPr>
-        <p:txBody>
-          <a:bodyPr wrap="square" rtlCol="0">
-            <a:spAutoFit/>
-          </a:bodyPr>
-          <a:lstStyle/>
-          <a:p>
-            <a:pPr algn="ctr"/>
-            <a:r>
-              <a:rPr lang="ko-KR" altLang="en-US" dirty="0" smtClean="0"/>
-              <a:t>정형</a:t>
-            </a:r>
-            <a:endParaRPr lang="ko-KR" altLang="en-US" dirty="0"/>
-          </a:p>
-        </p:txBody>
-      </p:sp>
-      <p:sp>
-        <p:nvSpPr>
-          <p:cNvPr id="7" name="TextBox 6"/>
-          <p:cNvSpPr txBox="1"/>
-          <p:nvPr/>
-        </p:nvSpPr>
-        <p:spPr>
-          <a:xfrm>
-            <a:off x="2843808" y="959970"/>
-            <a:ext cx="1008112" cy="369332"/>
-          </a:xfrm>
-          <a:prstGeom prst="rect">
-            <a:avLst/>
-          </a:prstGeom>
-          <a:noFill/>
-        </p:spPr>
-        <p:txBody>
-          <a:bodyPr wrap="square" rtlCol="0">
-            <a:spAutoFit/>
-          </a:bodyPr>
-          <a:lstStyle/>
-          <a:p>
-            <a:pPr algn="ctr"/>
-            <a:r>
-              <a:rPr lang="ko-KR" altLang="en-US" dirty="0" smtClean="0"/>
-              <a:t>비정형</a:t>
-            </a:r>
-            <a:endParaRPr lang="ko-KR" altLang="en-US" dirty="0"/>
-          </a:p>
-        </p:txBody>
-      </p:sp>
-      <p:sp>
-        <p:nvSpPr>
-          <p:cNvPr id="8" name="TextBox 7"/>
-          <p:cNvSpPr txBox="1"/>
-          <p:nvPr/>
-        </p:nvSpPr>
-        <p:spPr>
-          <a:xfrm>
-            <a:off x="251520" y="1988840"/>
-            <a:ext cx="936104" cy="369332"/>
-          </a:xfrm>
-          <a:prstGeom prst="rect">
-            <a:avLst/>
-          </a:prstGeom>
-          <a:noFill/>
-        </p:spPr>
-        <p:txBody>
-          <a:bodyPr wrap="square" rtlCol="0">
-            <a:spAutoFit/>
-          </a:bodyPr>
-          <a:lstStyle/>
-          <a:p>
-            <a:pPr algn="ctr"/>
-            <a:r>
-              <a:rPr lang="ko-KR" altLang="en-US" dirty="0" smtClean="0"/>
-              <a:t>인지적</a:t>
-            </a:r>
-            <a:endParaRPr lang="ko-KR" altLang="en-US" dirty="0"/>
-          </a:p>
-        </p:txBody>
-      </p:sp>
-      <p:sp>
-        <p:nvSpPr>
-          <p:cNvPr id="9" name="TextBox 8"/>
-          <p:cNvSpPr txBox="1"/>
-          <p:nvPr/>
-        </p:nvSpPr>
-        <p:spPr>
-          <a:xfrm>
-            <a:off x="251520" y="3429000"/>
-            <a:ext cx="936104" cy="369332"/>
-          </a:xfrm>
-          <a:prstGeom prst="rect">
-            <a:avLst/>
-          </a:prstGeom>
-          <a:noFill/>
-        </p:spPr>
-        <p:txBody>
-          <a:bodyPr wrap="square" rtlCol="0">
-            <a:spAutoFit/>
-          </a:bodyPr>
-          <a:lstStyle/>
-          <a:p>
-            <a:pPr algn="ctr"/>
-            <a:r>
-              <a:rPr lang="ko-KR" altLang="en-US" smtClean="0"/>
-              <a:t>육체적</a:t>
-            </a:r>
-            <a:endParaRPr lang="ko-KR" altLang="en-US" dirty="0"/>
-          </a:p>
-        </p:txBody>
-      </p:sp>
-      <p:sp>
-        <p:nvSpPr>
-          <p:cNvPr id="10" name="직사각형 9"/>
-          <p:cNvSpPr/>
-          <p:nvPr/>
-        </p:nvSpPr>
-        <p:spPr>
-          <a:xfrm>
-            <a:off x="1187624" y="1463012"/>
-            <a:ext cx="1440160" cy="2952328"/>
-          </a:xfrm>
-          <a:prstGeom prst="rect">
-            <a:avLst/>
-          </a:prstGeom>
-          <a:noFill/>
-          <a:ln>
-            <a:solidFill>
-              <a:srgbClr val="C00000"/>
-            </a:solidFill>
-            <a:prstDash val="dash"/>
-          </a:ln>
-        </p:spPr>
-        <p:style>
-          <a:lnRef idx="2">
-            <a:schemeClr val="accent1">
-              <a:shade val="50000"/>
-            </a:schemeClr>
-          </a:lnRef>
-          <a:fillRef idx="1">
-            <a:schemeClr val="accent1"/>
-          </a:fillRef>
-          <a:effectRef idx="0">
-            <a:schemeClr val="accent1"/>
-          </a:effectRef>
-          <a:fontRef idx="minor">
-            <a:schemeClr val="lt1"/>
-          </a:fontRef>
-        </p:style>
-        <p:txBody>
-          <a:bodyPr rtlCol="0" anchor="ctr"/>
-          <a:lstStyle/>
-          <a:p>
-            <a:pPr algn="ctr"/>
-            <a:endParaRPr lang="ko-KR" altLang="en-US"/>
-          </a:p>
-        </p:txBody>
-      </p:sp>
-      <p:sp>
-        <p:nvSpPr>
-          <p:cNvPr id="11" name="TextBox 10"/>
-          <p:cNvSpPr txBox="1"/>
-          <p:nvPr/>
-        </p:nvSpPr>
-        <p:spPr>
-          <a:xfrm>
-            <a:off x="467544" y="4563405"/>
-            <a:ext cx="3168352" cy="646331"/>
-          </a:xfrm>
-          <a:prstGeom prst="rect">
-            <a:avLst/>
-          </a:prstGeom>
-          <a:noFill/>
-        </p:spPr>
-        <p:txBody>
-          <a:bodyPr wrap="square" rtlCol="0">
-            <a:spAutoFit/>
-          </a:bodyPr>
-          <a:lstStyle/>
-          <a:p>
-            <a:pPr algn="ctr"/>
-            <a:r>
-              <a:rPr lang="ko-KR" altLang="en-US" dirty="0" smtClean="0">
-                <a:solidFill>
-                  <a:srgbClr val="C00000"/>
-                </a:solidFill>
-              </a:rPr>
-              <a:t>컴퓨터 대체 가능영역</a:t>
-            </a:r>
-            <a:r>
-              <a:rPr lang="en-US" altLang="ko-KR" dirty="0" smtClean="0">
-                <a:solidFill>
-                  <a:srgbClr val="C00000"/>
-                </a:solidFill>
-              </a:rPr>
-              <a:t/>
-            </a:r>
-            <a:br>
-              <a:rPr lang="en-US" altLang="ko-KR" dirty="0" smtClean="0">
-                <a:solidFill>
-                  <a:srgbClr val="C00000"/>
-                </a:solidFill>
-              </a:rPr>
-            </a:br>
-            <a:r>
-              <a:rPr lang="en-US" altLang="ko-KR" dirty="0" smtClean="0">
-                <a:solidFill>
-                  <a:srgbClr val="C00000"/>
-                </a:solidFill>
-              </a:rPr>
-              <a:t>(</a:t>
-            </a:r>
-            <a:r>
-              <a:rPr lang="ko-KR" altLang="en-US" dirty="0" smtClean="0">
-                <a:solidFill>
-                  <a:srgbClr val="C00000"/>
-                </a:solidFill>
-              </a:rPr>
-              <a:t>정형화된 업무에 국한</a:t>
-            </a:r>
-            <a:r>
-              <a:rPr lang="en-US" altLang="ko-KR" dirty="0" smtClean="0">
-                <a:solidFill>
-                  <a:srgbClr val="C00000"/>
-                </a:solidFill>
-              </a:rPr>
-              <a:t>)</a:t>
-            </a:r>
-            <a:endParaRPr lang="ko-KR" altLang="en-US" dirty="0">
-              <a:solidFill>
-                <a:srgbClr val="C00000"/>
-              </a:solidFill>
-            </a:endParaRPr>
-          </a:p>
-        </p:txBody>
-      </p:sp>
-      <p:graphicFrame>
-        <p:nvGraphicFramePr>
           <p:cNvPr id="19" name="표 18"/>
           <p:cNvGraphicFramePr>
             <a:graphicFrameLocks noGrp="1"/>
@@ -3487,13 +6624,13 @@
           <p:nvPr>
             <p:extLst>
               <p:ext uri="{D42A27DB-BD31-4B8C-83A1-F6EECF244321}">
-                <p14:modId xmlns:p14="http://schemas.microsoft.com/office/powerpoint/2010/main" val="232350964"/>
+                <p14:modId xmlns:p14="http://schemas.microsoft.com/office/powerpoint/2010/main" val="4023469169"/>
               </p:ext>
             </p:extLst>
           </p:nvPr>
         </p:nvGraphicFramePr>
         <p:xfrm>
-          <a:off x="5472100" y="1484784"/>
+          <a:off x="5400092" y="2915698"/>
           <a:ext cx="2880000" cy="2880000"/>
         </p:xfrm>
         <a:graphic>
@@ -3558,15 +6695,95 @@
           </a:graphicData>
         </a:graphic>
       </p:graphicFrame>
-      <p:sp>
-        <p:nvSpPr>
-          <p:cNvPr id="20" name="TextBox 19"/>
+      <p:graphicFrame>
+        <p:nvGraphicFramePr>
+          <p:cNvPr id="4" name="표 3"/>
+          <p:cNvGraphicFramePr>
+            <a:graphicFrameLocks noGrp="1"/>
+          </p:cNvGraphicFramePr>
+          <p:nvPr>
+            <p:extLst>
+              <p:ext uri="{D42A27DB-BD31-4B8C-83A1-F6EECF244321}">
+                <p14:modId xmlns:p14="http://schemas.microsoft.com/office/powerpoint/2010/main" val="2014515996"/>
+              </p:ext>
+            </p:extLst>
+          </p:nvPr>
+        </p:nvGraphicFramePr>
+        <p:xfrm>
+          <a:off x="1115616" y="2915698"/>
+          <a:ext cx="2880000" cy="2880000"/>
+        </p:xfrm>
+        <a:graphic>
+          <a:graphicData uri="http://schemas.openxmlformats.org/drawingml/2006/table">
+            <a:tbl>
+              <a:tblPr>
+                <a:tableStyleId>{5C22544A-7EE6-4342-B048-85BDC9FD1C3A}</a:tableStyleId>
+              </a:tblPr>
+              <a:tblGrid>
+                <a:gridCol w="1440000"/>
+                <a:gridCol w="1440000"/>
+              </a:tblGrid>
+              <a:tr h="1440000">
+                <a:tc>
+                  <a:txBody>
+                    <a:bodyPr/>
+                    <a:lstStyle/>
+                    <a:p>
+                      <a:pPr latinLnBrk="1"/>
+                      <a:endParaRPr lang="ko-KR" altLang="en-US" dirty="0"/>
+                    </a:p>
+                  </a:txBody>
+                  <a:tcPr/>
+                </a:tc>
+                <a:tc>
+                  <a:txBody>
+                    <a:bodyPr/>
+                    <a:lstStyle/>
+                    <a:p>
+                      <a:pPr latinLnBrk="1"/>
+                      <a:endParaRPr lang="ko-KR" altLang="en-US" dirty="0"/>
+                    </a:p>
+                  </a:txBody>
+                  <a:tcPr/>
+                </a:tc>
+              </a:tr>
+              <a:tr h="1440000">
+                <a:tc>
+                  <a:txBody>
+                    <a:bodyPr/>
+                    <a:lstStyle/>
+                    <a:p>
+                      <a:pPr latinLnBrk="1"/>
+                      <a:endParaRPr lang="ko-KR" altLang="en-US" dirty="0"/>
+                    </a:p>
+                  </a:txBody>
+                  <a:tcPr/>
+                </a:tc>
+                <a:tc>
+                  <a:txBody>
+                    <a:bodyPr/>
+                    <a:lstStyle/>
+                    <a:p>
+                      <a:pPr latinLnBrk="1"/>
+                      <a:endParaRPr lang="ko-KR" altLang="en-US" dirty="0"/>
+                    </a:p>
+                  </a:txBody>
+                  <a:tcPr/>
+                </a:tc>
+              </a:tr>
+            </a:tbl>
+          </a:graphicData>
+        </a:graphic>
+      </p:graphicFrame>
+      <p:sp>
+        <p:nvSpPr>
+          <p:cNvPr id="6" name="TextBox 5"/>
           <p:cNvSpPr txBox="1"/>
           <p:nvPr/>
         </p:nvSpPr>
         <p:spPr>
           <a:xfrm>
-            <a:off x="5796136" y="959970"/>
+            <a:off x="1439652" y="2390884"/>
             <a:ext cx="828092" cy="369332"/>
           </a:xfrm>
           <a:prstGeom prst="rect">
@@ -3591,13 +6808,13 @@
       </p:sp>
       <p:sp>
         <p:nvSpPr>
-          <p:cNvPr id="21" name="TextBox 20"/>
+          <p:cNvPr id="7" name="TextBox 6"/>
           <p:cNvSpPr txBox="1"/>
           <p:nvPr/>
         </p:nvSpPr>
         <p:spPr>
           <a:xfrm>
-            <a:off x="7128284" y="959970"/>
+            <a:off x="2771800" y="2390884"/>
             <a:ext cx="1008112" cy="369332"/>
           </a:xfrm>
           <a:prstGeom prst="rect">
@@ -3622,13 +6839,13 @@
       </p:sp>
       <p:sp>
         <p:nvSpPr>
-          <p:cNvPr id="22" name="TextBox 21"/>
+          <p:cNvPr id="8" name="TextBox 7"/>
           <p:cNvSpPr txBox="1"/>
           <p:nvPr/>
         </p:nvSpPr>
         <p:spPr>
           <a:xfrm>
-            <a:off x="4535996" y="1988840"/>
+            <a:off x="179512" y="3419754"/>
             <a:ext cx="936104" cy="369332"/>
           </a:xfrm>
           <a:prstGeom prst="rect">
@@ -3653,13 +6870,13 @@
       </p:sp>
       <p:sp>
         <p:nvSpPr>
-          <p:cNvPr id="23" name="TextBox 22"/>
+          <p:cNvPr id="9" name="TextBox 8"/>
           <p:cNvSpPr txBox="1"/>
           <p:nvPr/>
         </p:nvSpPr>
         <p:spPr>
           <a:xfrm>
-            <a:off x="4535996" y="3429000"/>
+            <a:off x="179512" y="4859914"/>
             <a:ext cx="936104" cy="369332"/>
           </a:xfrm>
           <a:prstGeom prst="rect">
@@ -3684,14 +6901,14 @@
       </p:sp>
       <p:sp>
         <p:nvSpPr>
-          <p:cNvPr id="24" name="직사각형 23"/>
+          <p:cNvPr id="10" name="직사각형 9"/>
           <p:cNvSpPr/>
           <p:nvPr/>
         </p:nvSpPr>
         <p:spPr>
           <a:xfrm>
-            <a:off x="5472100" y="1463012"/>
-            <a:ext cx="2844316" cy="2952328"/>
+            <a:off x="1115616" y="2893926"/>
+            <a:ext cx="1440160" cy="2916000"/>
           </a:xfrm>
           <a:prstGeom prst="rect">
             <a:avLst/>
@@ -3731,13 +6948,13 @@
       </p:sp>
       <p:sp>
         <p:nvSpPr>
-          <p:cNvPr id="25" name="TextBox 24"/>
+          <p:cNvPr id="11" name="TextBox 10"/>
           <p:cNvSpPr txBox="1"/>
           <p:nvPr/>
         </p:nvSpPr>
         <p:spPr>
           <a:xfrm>
-            <a:off x="5292080" y="4578588"/>
+            <a:off x="395536" y="5994319"/>
             <a:ext cx="3168352" cy="646331"/>
           </a:xfrm>
           <a:prstGeom prst="rect">
@@ -3758,16 +6975,31 @@
                   <a:srgbClr val="C00000"/>
                 </a:solidFill>
               </a:rPr>
-              <a:t>컴퓨터 대체 가능영역</a:t>
-            </a:r>
-            <a:endParaRPr lang="en-US" altLang="ko-KR" dirty="0" smtClean="0">
-              <a:solidFill>
-                <a:srgbClr val="C00000"/>
-              </a:solidFill>
-            </a:endParaRPr>
-          </a:p>
-          <a:p>
-            <a:pPr algn="ctr"/>
+              <a:t>자동화 </a:t>
+            </a:r>
+            <a:r>
+              <a:rPr lang="ko-KR" altLang="en-US" dirty="0" smtClean="0">
+                <a:solidFill>
+                  <a:srgbClr val="C00000"/>
+                </a:solidFill>
+              </a:rPr>
+              <a:t>가능영역</a:t>
+            </a:r>
+            <a:r>
+              <a:rPr lang="en-US" altLang="ko-KR" dirty="0" smtClean="0">
+                <a:solidFill>
+                  <a:srgbClr val="C00000"/>
+                </a:solidFill>
+              </a:rPr>
+              <a:t/>
+            </a:r>
+            <a:br>
+              <a:rPr lang="en-US" altLang="ko-KR" dirty="0" smtClean="0">
+                <a:solidFill>
+                  <a:srgbClr val="C00000"/>
+                </a:solidFill>
+              </a:rPr>
+            </a:br>
             <a:r>
               <a:rPr lang="en-US" altLang="ko-KR" dirty="0" smtClean="0">
                 <a:solidFill>
@@ -3782,6 +7014,256 @@
                   <a:srgbClr val="C00000"/>
                 </a:solidFill>
               </a:rPr>
+              <a:t>정형화된 업무에 국한</a:t>
+            </a:r>
+            <a:r>
+              <a:rPr lang="en-US" altLang="ko-KR" dirty="0" smtClean="0">
+                <a:solidFill>
+                  <a:srgbClr val="C00000"/>
+                </a:solidFill>
+              </a:rPr>
+              <a:t>)</a:t>
+            </a:r>
+            <a:endParaRPr lang="ko-KR" altLang="en-US" dirty="0">
+              <a:solidFill>
+                <a:srgbClr val="C00000"/>
+              </a:solidFill>
+            </a:endParaRPr>
+          </a:p>
+        </p:txBody>
+      </p:sp>
+      <p:sp>
+        <p:nvSpPr>
+          <p:cNvPr id="20" name="TextBox 19"/>
+          <p:cNvSpPr txBox="1"/>
+          <p:nvPr/>
+        </p:nvSpPr>
+        <p:spPr>
+          <a:xfrm>
+            <a:off x="5724128" y="2390884"/>
+            <a:ext cx="828092" cy="369332"/>
+          </a:xfrm>
+          <a:prstGeom prst="rect">
+            <a:avLst/>
+          </a:prstGeom>
+          <a:noFill/>
+        </p:spPr>
+        <p:txBody>
+          <a:bodyPr wrap="square" rtlCol="0">
+            <a:spAutoFit/>
+          </a:bodyPr>
+          <a:lstStyle/>
+          <a:p>
+            <a:pPr algn="ctr"/>
+            <a:r>
+              <a:rPr lang="ko-KR" altLang="en-US" dirty="0" smtClean="0"/>
+              <a:t>정형</a:t>
+            </a:r>
+            <a:endParaRPr lang="ko-KR" altLang="en-US" dirty="0"/>
+          </a:p>
+        </p:txBody>
+      </p:sp>
+      <p:sp>
+        <p:nvSpPr>
+          <p:cNvPr id="21" name="TextBox 20"/>
+          <p:cNvSpPr txBox="1"/>
+          <p:nvPr/>
+        </p:nvSpPr>
+        <p:spPr>
+          <a:xfrm>
+            <a:off x="7056276" y="2390884"/>
+            <a:ext cx="1008112" cy="369332"/>
+          </a:xfrm>
+          <a:prstGeom prst="rect">
+            <a:avLst/>
+          </a:prstGeom>
+          <a:noFill/>
+        </p:spPr>
+        <p:txBody>
+          <a:bodyPr wrap="square" rtlCol="0">
+            <a:spAutoFit/>
+          </a:bodyPr>
+          <a:lstStyle/>
+          <a:p>
+            <a:pPr algn="ctr"/>
+            <a:r>
+              <a:rPr lang="ko-KR" altLang="en-US" dirty="0" smtClean="0"/>
+              <a:t>비정형</a:t>
+            </a:r>
+            <a:endParaRPr lang="ko-KR" altLang="en-US" dirty="0"/>
+          </a:p>
+        </p:txBody>
+      </p:sp>
+      <p:sp>
+        <p:nvSpPr>
+          <p:cNvPr id="22" name="TextBox 21"/>
+          <p:cNvSpPr txBox="1"/>
+          <p:nvPr/>
+        </p:nvSpPr>
+        <p:spPr>
+          <a:xfrm>
+            <a:off x="4463988" y="3419754"/>
+            <a:ext cx="936104" cy="369332"/>
+          </a:xfrm>
+          <a:prstGeom prst="rect">
+            <a:avLst/>
+          </a:prstGeom>
+          <a:noFill/>
+        </p:spPr>
+        <p:txBody>
+          <a:bodyPr wrap="square" rtlCol="0">
+            <a:spAutoFit/>
+          </a:bodyPr>
+          <a:lstStyle/>
+          <a:p>
+            <a:pPr algn="ctr"/>
+            <a:r>
+              <a:rPr lang="ko-KR" altLang="en-US" dirty="0" smtClean="0"/>
+              <a:t>인지적</a:t>
+            </a:r>
+            <a:endParaRPr lang="ko-KR" altLang="en-US" dirty="0"/>
+          </a:p>
+        </p:txBody>
+      </p:sp>
+      <p:sp>
+        <p:nvSpPr>
+          <p:cNvPr id="23" name="TextBox 22"/>
+          <p:cNvSpPr txBox="1"/>
+          <p:nvPr/>
+        </p:nvSpPr>
+        <p:spPr>
+          <a:xfrm>
+            <a:off x="4463988" y="4859914"/>
+            <a:ext cx="936104" cy="369332"/>
+          </a:xfrm>
+          <a:prstGeom prst="rect">
+            <a:avLst/>
+          </a:prstGeom>
+          <a:noFill/>
+        </p:spPr>
+        <p:txBody>
+          <a:bodyPr wrap="square" rtlCol="0">
+            <a:spAutoFit/>
+          </a:bodyPr>
+          <a:lstStyle/>
+          <a:p>
+            <a:pPr algn="ctr"/>
+            <a:r>
+              <a:rPr lang="ko-KR" altLang="en-US" smtClean="0"/>
+              <a:t>육체적</a:t>
+            </a:r>
+            <a:endParaRPr lang="ko-KR" altLang="en-US" dirty="0"/>
+          </a:p>
+        </p:txBody>
+      </p:sp>
+      <p:sp>
+        <p:nvSpPr>
+          <p:cNvPr id="24" name="직사각형 23"/>
+          <p:cNvSpPr/>
+          <p:nvPr/>
+        </p:nvSpPr>
+        <p:spPr>
+          <a:xfrm>
+            <a:off x="5400092" y="2893926"/>
+            <a:ext cx="2844316" cy="2916000"/>
+          </a:xfrm>
+          <a:prstGeom prst="rect">
+            <a:avLst/>
+          </a:prstGeom>
+          <a:noFill/>
+          <a:ln>
+            <a:solidFill>
+              <a:srgbClr val="C00000"/>
+            </a:solidFill>
+            <a:prstDash val="dash"/>
+          </a:ln>
+        </p:spPr>
+        <p:style>
+          <a:lnRef idx="2">
+            <a:schemeClr val="accent1">
+              <a:shade val="50000"/>
+            </a:schemeClr>
+          </a:lnRef>
+          <a:fillRef idx="1">
+            <a:schemeClr val="accent1"/>
+          </a:fillRef>
+          <a:effectRef idx="0">
+            <a:schemeClr val="accent1"/>
+          </a:effectRef>
+          <a:fontRef idx="minor">
+            <a:schemeClr val="lt1"/>
+          </a:fontRef>
+        </p:style>
+        <p:txBody>
+          <a:bodyPr rtlCol="0" anchor="ctr"/>
+          <a:lstStyle/>
+          <a:p>
+            <a:pPr algn="ctr"/>
+            <a:endParaRPr lang="ko-KR" altLang="en-US"/>
+          </a:p>
+        </p:txBody>
+      </p:sp>
+      <p:sp>
+        <p:nvSpPr>
+          <p:cNvPr id="25" name="TextBox 24"/>
+          <p:cNvSpPr txBox="1"/>
+          <p:nvPr/>
+        </p:nvSpPr>
+        <p:spPr>
+          <a:xfrm>
+            <a:off x="5220072" y="6009502"/>
+            <a:ext cx="3168352" cy="646331"/>
+          </a:xfrm>
+          <a:prstGeom prst="rect">
+            <a:avLst/>
+          </a:prstGeom>
+          <a:noFill/>
+        </p:spPr>
+        <p:txBody>
+          <a:bodyPr wrap="square" rtlCol="0">
+            <a:spAutoFit/>
+          </a:bodyPr>
+          <a:lstStyle/>
+          <a:p>
+            <a:pPr algn="ctr"/>
+            <a:r>
+              <a:rPr lang="ko-KR" altLang="en-US" dirty="0" smtClean="0">
+                <a:solidFill>
+                  <a:srgbClr val="C00000"/>
+                </a:solidFill>
+              </a:rPr>
+              <a:t>자동화 </a:t>
+            </a:r>
+            <a:r>
+              <a:rPr lang="ko-KR" altLang="en-US" dirty="0" smtClean="0">
+                <a:solidFill>
+                  <a:srgbClr val="C00000"/>
+                </a:solidFill>
+              </a:rPr>
+              <a:t>가능영역</a:t>
+            </a:r>
+            <a:endParaRPr lang="en-US" altLang="ko-KR" dirty="0" smtClean="0">
+              <a:solidFill>
+                <a:srgbClr val="C00000"/>
+              </a:solidFill>
+            </a:endParaRPr>
+          </a:p>
+          <a:p>
+            <a:pPr algn="ctr"/>
+            <a:r>
+              <a:rPr lang="en-US" altLang="ko-KR" dirty="0" smtClean="0">
+                <a:solidFill>
+                  <a:srgbClr val="C00000"/>
+                </a:solidFill>
+              </a:rPr>
+              <a:t>(</a:t>
+            </a:r>
+            <a:r>
+              <a:rPr lang="ko-KR" altLang="en-US" dirty="0" smtClean="0">
+                <a:solidFill>
+                  <a:srgbClr val="C00000"/>
+                </a:solidFill>
+              </a:rPr>
               <a:t>일부 </a:t>
             </a:r>
             <a:r>
@@ -3824,7 +7306,7 @@
         </p:nvSpPr>
         <p:spPr>
           <a:xfrm>
-            <a:off x="1184378" y="341902"/>
+            <a:off x="1112370" y="1772816"/>
             <a:ext cx="2880320" cy="369332"/>
           </a:xfrm>
           <a:prstGeom prst="rect">
@@ -3863,7 +7345,7 @@
         </p:nvSpPr>
         <p:spPr>
           <a:xfrm>
-            <a:off x="5472100" y="341902"/>
+            <a:off x="5400092" y="1772816"/>
             <a:ext cx="2880320" cy="369332"/>
           </a:xfrm>
           <a:prstGeom prst="rect">
@@ -3888,13 +7370,59 @@
       </p:sp>
       <p:sp>
         <p:nvSpPr>
+          <p:cNvPr id="29" name="제목 1"/>
+          <p:cNvSpPr txBox="1">
+            <a:spLocks/>
+          </p:cNvSpPr>
+          <p:nvPr/>
+        </p:nvSpPr>
+        <p:spPr>
+          <a:xfrm>
+            <a:off x="457200" y="274638"/>
+            <a:ext cx="8229600" cy="1143000"/>
+          </a:xfrm>
+          <a:prstGeom prst="rect">
+            <a:avLst/>
+          </a:prstGeom>
+        </p:spPr>
+        <p:txBody>
+          <a:bodyPr vert="horz" lIns="91440" tIns="45720" rIns="91440" bIns="45720" rtlCol="0" anchor="ctr">
+            <a:normAutofit/>
+          </a:bodyPr>
+          <a:lstStyle>
+            <a:lvl1pPr algn="ctr" defTabSz="914400" rtl="0" eaLnBrk="1" latinLnBrk="1" hangingPunct="1">
+              <a:spcBef>
+                <a:spcPct val="0"/>
+              </a:spcBef>
+              <a:buNone/>
+              <a:defRPr sz="4400" kern="1200">
+                <a:solidFill>
+                  <a:schemeClr val="tx1"/>
+                </a:solidFill>
+                <a:latin typeface="+mj-lt"/>
+                <a:ea typeface="+mj-ea"/>
+                <a:cs typeface="+mj-cs"/>
+              </a:defRPr>
+            </a:lvl1pPr>
+          </a:lstStyle>
+          <a:p>
+            <a:r>
+              <a:rPr lang="ko-KR" altLang="en-US" dirty="0" smtClean="0"/>
+              <a:t>자동화 가능영역의 확장</a:t>
+            </a:r>
+            <a:endParaRPr lang="ko-KR" altLang="en-US" dirty="0"/>
+          </a:p>
+        </p:txBody>
+      </p:sp>
+      <p:sp>
+        <p:nvSpPr>
           <p:cNvPr id="28" name="직사각형 27"/>
           <p:cNvSpPr/>
           <p:nvPr/>
         </p:nvSpPr>
         <p:spPr>
           <a:xfrm>
-            <a:off x="7621454" y="2636912"/>
+            <a:off x="7549446" y="4067826"/>
             <a:ext cx="684076" cy="597836"/>
           </a:xfrm>
           <a:prstGeom prst="rect">
@@ -3941,8 +7469,8 @@
         </p:nvSpPr>
         <p:spPr>
           <a:xfrm>
-            <a:off x="7649918" y="2640258"/>
-            <a:ext cx="702502" cy="576000"/>
+            <a:off x="7577910" y="4091364"/>
+            <a:ext cx="702502" cy="558000"/>
           </a:xfrm>
           <a:prstGeom prst="rect">
             <a:avLst/>
@@ -3987,8 +7515,8 @@
         </p:nvSpPr>
         <p:spPr>
           <a:xfrm>
-            <a:off x="7700158" y="2687318"/>
-            <a:ext cx="588639" cy="475253"/>
+            <a:off x="7607222" y="4101680"/>
+            <a:ext cx="612000" cy="540000"/>
           </a:xfrm>
           <a:prstGeom prst="roundRect">
             <a:avLst/>
@@ -4049,93 +7577,1281 @@
           <a:chExt cx="0" cy="0"/>
         </a:xfrm>
       </p:grpSpPr>
-      <p:graphicFrame>
-        <p:nvGraphicFramePr>
-          <p:cNvPr id="4" name="개체 3"/>
-          <p:cNvGraphicFramePr>
-            <a:graphicFrameLocks noChangeAspect="1"/>
-          </p:cNvGraphicFramePr>
+      <p:sp>
+        <p:nvSpPr>
+          <p:cNvPr id="2" name="제목 1"/>
+          <p:cNvSpPr>
+            <a:spLocks noGrp="1"/>
+          </p:cNvSpPr>
           <p:nvPr>
-            <p:extLst>
-              <p:ext uri="{D42A27DB-BD31-4B8C-83A1-F6EECF244321}">
-                <p14:modId xmlns:p14="http://schemas.microsoft.com/office/powerpoint/2010/main" val="2367909509"/>
-              </p:ext>
-            </p:extLst>
+            <p:ph type="title"/>
           </p:nvPr>
-        </p:nvGraphicFramePr>
-        <p:xfrm>
-          <a:off x="974725" y="1195388"/>
-          <a:ext cx="7596188" cy="4181475"/>
-        </p:xfrm>
-        <a:graphic>
-          <a:graphicData uri="http://schemas.openxmlformats.org/presentationml/2006/ole">
-            <mc:AlternateContent xmlns:mc="http://schemas.openxmlformats.org/markup-compatibility/2006">
-              <mc:Choice xmlns:v="urn:schemas-microsoft-com:vml" Requires="v">
-                <p:oleObj spid="_x0000_s2064" name="차트" r:id="rId3" imgW="7324830" imgH="4029033" progId="Excel.Sheet.8">
-                  <p:embed followColorScheme="full"/>
-                </p:oleObj>
-              </mc:Choice>
-              <mc:Fallback>
-                <p:oleObj name="차트" r:id="rId3" imgW="7324830" imgH="4029033" progId="Excel.Sheet.8">
-                  <p:embed followColorScheme="full"/>
-                  <p:pic>
-                    <p:nvPicPr>
-                      <p:cNvPr id="0" name="개체 3"/>
-                      <p:cNvPicPr>
-                        <a:picLocks noChangeAspect="1" noChangeArrowheads="1"/>
-                      </p:cNvPicPr>
-                      <p:nvPr/>
-                    </p:nvPicPr>
-                    <p:blipFill>
-                      <a:blip r:embed="rId4"/>
-                      <a:srcRect/>
-                      <a:stretch>
-                        <a:fillRect/>
-                      </a:stretch>
-                    </p:blipFill>
-                    <p:spPr bwMode="auto">
-                      <a:xfrm>
-                        <a:off x="974725" y="1195388"/>
-                        <a:ext cx="7596188" cy="4181475"/>
-                      </a:xfrm>
-                      <a:prstGeom prst="rect">
-                        <a:avLst/>
-                      </a:prstGeom>
-                      <a:noFill/>
-                      <a:ln>
-                        <a:noFill/>
-                      </a:ln>
-                      <a:extLst>
-                        <a:ext uri="{909E8E84-426E-40DD-AFC4-6F175D3DCCD1}">
-                          <a14:hiddenFill xmlns:a14="http://schemas.microsoft.com/office/drawing/2010/main">
-                            <a:solidFill>
-                              <a:srgbClr val="FFFFFF"/>
-                            </a:solidFill>
-                          </a14:hiddenFill>
-                        </a:ext>
-                        <a:ext uri="{91240B29-F687-4F45-9708-019B960494DF}">
-                          <a14:hiddenLine xmlns:a14="http://schemas.microsoft.com/office/drawing/2010/main" w="9525">
-                            <a:solidFill>
-                              <a:srgbClr val="000000"/>
-                            </a:solidFill>
-                            <a:miter lim="800000"/>
-                            <a:headEnd/>
-                            <a:tailEnd/>
-                          </a14:hiddenLine>
-                        </a:ext>
-                      </a:extLst>
-                    </p:spPr>
-                  </p:pic>
-                </p:oleObj>
-              </mc:Fallback>
-            </mc:AlternateContent>
-          </a:graphicData>
-        </a:graphic>
-      </p:graphicFrame>
+        </p:nvSpPr>
+        <p:spPr/>
+        <p:txBody>
+          <a:bodyPr/>
+          <a:lstStyle/>
+          <a:p>
+            <a:pPr algn="l"/>
+            <a:r>
+              <a:rPr lang="ko-KR" altLang="en-US" dirty="0" smtClean="0"/>
+              <a:t>인공지능의 발전</a:t>
+            </a:r>
+            <a:endParaRPr lang="ko-KR" altLang="en-US" dirty="0"/>
+          </a:p>
+        </p:txBody>
+      </p:sp>
+      <p:grpSp>
+        <p:nvGrpSpPr>
+          <p:cNvPr id="3" name="그룹 2"/>
+          <p:cNvGrpSpPr/>
+          <p:nvPr/>
+        </p:nvGrpSpPr>
+        <p:grpSpPr>
+          <a:xfrm>
+            <a:off x="1763688" y="852187"/>
+            <a:ext cx="4464496" cy="5906612"/>
+            <a:chOff x="2267744" y="852187"/>
+            <a:chExt cx="4464496" cy="5906612"/>
+          </a:xfrm>
+        </p:grpSpPr>
+        <p:sp>
+          <p:nvSpPr>
+            <p:cNvPr id="19" name="타원 18"/>
+            <p:cNvSpPr/>
+            <p:nvPr/>
+          </p:nvSpPr>
+          <p:spPr>
+            <a:xfrm>
+              <a:off x="5409912" y="4983805"/>
+              <a:ext cx="1322328" cy="749451"/>
+            </a:xfrm>
+            <a:prstGeom prst="ellipse">
+              <a:avLst/>
+            </a:prstGeom>
+          </p:spPr>
+          <p:style>
+            <a:lnRef idx="2">
+              <a:schemeClr val="dk1"/>
+            </a:lnRef>
+            <a:fillRef idx="1">
+              <a:schemeClr val="lt1"/>
+            </a:fillRef>
+            <a:effectRef idx="0">
+              <a:schemeClr val="dk1"/>
+            </a:effectRef>
+            <a:fontRef idx="minor">
+              <a:schemeClr val="dk1"/>
+            </a:fontRef>
+          </p:style>
+          <p:txBody>
+            <a:bodyPr rtlCol="0" anchor="ctr"/>
+            <a:lstStyle/>
+            <a:p>
+              <a:pPr algn="ctr"/>
+              <a:r>
+                <a:rPr lang="ko-KR" altLang="en-US" sz="1400" dirty="0" smtClean="0"/>
+                <a:t>입력</a:t>
+              </a:r>
+              <a:endParaRPr lang="ko-KR" altLang="en-US" sz="1400" dirty="0"/>
+            </a:p>
+          </p:txBody>
+        </p:sp>
+        <p:sp>
+          <p:nvSpPr>
+            <p:cNvPr id="20" name="직사각형 19"/>
+            <p:cNvSpPr/>
+            <p:nvPr/>
+          </p:nvSpPr>
+          <p:spPr>
+            <a:xfrm>
+              <a:off x="5409912" y="3950898"/>
+              <a:ext cx="1322328" cy="749451"/>
+            </a:xfrm>
+            <a:prstGeom prst="rect">
+              <a:avLst/>
+            </a:prstGeom>
+            <a:solidFill>
+              <a:schemeClr val="bg1">
+                <a:lumMod val="75000"/>
+              </a:schemeClr>
+            </a:solidFill>
+          </p:spPr>
+          <p:style>
+            <a:lnRef idx="2">
+              <a:schemeClr val="dk1"/>
+            </a:lnRef>
+            <a:fillRef idx="1">
+              <a:schemeClr val="lt1"/>
+            </a:fillRef>
+            <a:effectRef idx="0">
+              <a:schemeClr val="dk1"/>
+            </a:effectRef>
+            <a:fontRef idx="minor">
+              <a:schemeClr val="dk1"/>
+            </a:fontRef>
+          </p:style>
+          <p:txBody>
+            <a:bodyPr rtlCol="0" anchor="ctr"/>
+            <a:lstStyle/>
+            <a:p>
+              <a:pPr algn="ctr"/>
+              <a:r>
+                <a:rPr lang="ko-KR" altLang="en-US" sz="1400" dirty="0" err="1" smtClean="0"/>
+                <a:t>저수준</a:t>
+              </a:r>
+              <a:r>
+                <a:rPr lang="ko-KR" altLang="en-US" sz="1400" dirty="0" smtClean="0"/>
+                <a:t> 특성</a:t>
+              </a:r>
+              <a:r>
+                <a:rPr lang="en-US" altLang="ko-KR" sz="1400" dirty="0" smtClean="0"/>
+                <a:t/>
+              </a:r>
+              <a:br>
+                <a:rPr lang="en-US" altLang="ko-KR" sz="1400" dirty="0" smtClean="0"/>
+              </a:br>
+              <a:r>
+                <a:rPr lang="ko-KR" altLang="en-US" sz="1400" dirty="0" smtClean="0"/>
+                <a:t> 추출</a:t>
+              </a:r>
+              <a:r>
+                <a:rPr lang="en-US" altLang="ko-KR" sz="1400" b="1" u="sng" dirty="0">
+                  <a:solidFill>
+                    <a:srgbClr val="C00000"/>
+                  </a:solidFill>
+                </a:rPr>
+                <a:t>(</a:t>
+              </a:r>
+              <a:r>
+                <a:rPr lang="ko-KR" altLang="en-US" sz="1400" b="1" u="sng" dirty="0">
+                  <a:solidFill>
+                    <a:srgbClr val="C00000"/>
+                  </a:solidFill>
+                </a:rPr>
+                <a:t>컴퓨터</a:t>
+              </a:r>
+              <a:r>
+                <a:rPr lang="en-US" altLang="ko-KR" sz="1400" b="1" u="sng" dirty="0">
+                  <a:solidFill>
+                    <a:srgbClr val="C00000"/>
+                  </a:solidFill>
+                </a:rPr>
+                <a:t>)</a:t>
+              </a:r>
+              <a:endParaRPr lang="ko-KR" altLang="en-US" sz="1400" b="1" u="sng" dirty="0">
+                <a:solidFill>
+                  <a:srgbClr val="C00000"/>
+                </a:solidFill>
+              </a:endParaRPr>
+            </a:p>
+          </p:txBody>
+        </p:sp>
+        <p:sp>
+          <p:nvSpPr>
+            <p:cNvPr id="21" name="직사각형 20"/>
+            <p:cNvSpPr/>
+            <p:nvPr/>
+          </p:nvSpPr>
+          <p:spPr>
+            <a:xfrm>
+              <a:off x="5409912" y="2917995"/>
+              <a:ext cx="1322328" cy="749451"/>
+            </a:xfrm>
+            <a:prstGeom prst="rect">
+              <a:avLst/>
+            </a:prstGeom>
+            <a:solidFill>
+              <a:schemeClr val="bg1">
+                <a:lumMod val="75000"/>
+              </a:schemeClr>
+            </a:solidFill>
+          </p:spPr>
+          <p:style>
+            <a:lnRef idx="2">
+              <a:schemeClr val="dk1"/>
+            </a:lnRef>
+            <a:fillRef idx="1">
+              <a:schemeClr val="lt1"/>
+            </a:fillRef>
+            <a:effectRef idx="0">
+              <a:schemeClr val="dk1"/>
+            </a:effectRef>
+            <a:fontRef idx="minor">
+              <a:schemeClr val="dk1"/>
+            </a:fontRef>
+          </p:style>
+          <p:txBody>
+            <a:bodyPr rtlCol="0" anchor="ctr"/>
+            <a:lstStyle/>
+            <a:p>
+              <a:pPr algn="ctr"/>
+              <a:r>
+                <a:rPr lang="ko-KR" altLang="en-US" sz="1400" dirty="0" smtClean="0"/>
+                <a:t>고수준 특성 추출</a:t>
+              </a:r>
+              <a:r>
+                <a:rPr lang="en-US" altLang="ko-KR" sz="1400" b="1" u="sng" dirty="0">
+                  <a:solidFill>
+                    <a:srgbClr val="C00000"/>
+                  </a:solidFill>
+                </a:rPr>
+                <a:t>(</a:t>
+              </a:r>
+              <a:r>
+                <a:rPr lang="ko-KR" altLang="en-US" sz="1400" b="1" u="sng" dirty="0">
+                  <a:solidFill>
+                    <a:srgbClr val="C00000"/>
+                  </a:solidFill>
+                </a:rPr>
+                <a:t>컴퓨터</a:t>
+              </a:r>
+              <a:r>
+                <a:rPr lang="en-US" altLang="ko-KR" sz="1400" b="1" u="sng" dirty="0">
+                  <a:solidFill>
+                    <a:srgbClr val="C00000"/>
+                  </a:solidFill>
+                </a:rPr>
+                <a:t>)</a:t>
+              </a:r>
+              <a:endParaRPr lang="ko-KR" altLang="en-US" sz="1400" b="1" u="sng" dirty="0">
+                <a:solidFill>
+                  <a:srgbClr val="C00000"/>
+                </a:solidFill>
+              </a:endParaRPr>
+            </a:p>
+          </p:txBody>
+        </p:sp>
+        <p:sp>
+          <p:nvSpPr>
+            <p:cNvPr id="22" name="직사각형 21"/>
+            <p:cNvSpPr/>
+            <p:nvPr/>
+          </p:nvSpPr>
+          <p:spPr>
+            <a:xfrm>
+              <a:off x="5409912" y="1885091"/>
+              <a:ext cx="1322328" cy="749451"/>
+            </a:xfrm>
+            <a:prstGeom prst="rect">
+              <a:avLst/>
+            </a:prstGeom>
+            <a:solidFill>
+              <a:schemeClr val="bg1">
+                <a:lumMod val="75000"/>
+              </a:schemeClr>
+            </a:solidFill>
+          </p:spPr>
+          <p:style>
+            <a:lnRef idx="2">
+              <a:schemeClr val="dk1"/>
+            </a:lnRef>
+            <a:fillRef idx="1">
+              <a:schemeClr val="lt1"/>
+            </a:fillRef>
+            <a:effectRef idx="0">
+              <a:schemeClr val="dk1"/>
+            </a:effectRef>
+            <a:fontRef idx="minor">
+              <a:schemeClr val="dk1"/>
+            </a:fontRef>
+          </p:style>
+          <p:txBody>
+            <a:bodyPr rtlCol="0" anchor="ctr"/>
+            <a:lstStyle/>
+            <a:p>
+              <a:pPr algn="ctr"/>
+              <a:r>
+                <a:rPr lang="ko-KR" altLang="en-US" sz="1400" dirty="0"/>
+                <a:t>모델 학습</a:t>
+              </a:r>
+              <a:r>
+                <a:rPr lang="en-US" altLang="ko-KR" sz="1400" dirty="0"/>
+                <a:t/>
+              </a:r>
+              <a:br>
+                <a:rPr lang="en-US" altLang="ko-KR" sz="1400" dirty="0"/>
+              </a:br>
+              <a:r>
+                <a:rPr lang="en-US" altLang="ko-KR" sz="1400" dirty="0"/>
+                <a:t>(</a:t>
+              </a:r>
+              <a:r>
+                <a:rPr lang="ko-KR" altLang="en-US" sz="1400" dirty="0"/>
+                <a:t>특성 </a:t>
+              </a:r>
+              <a:r>
+                <a:rPr lang="ko-KR" altLang="en-US" sz="1400" dirty="0" err="1"/>
+                <a:t>매핑</a:t>
+              </a:r>
+              <a:r>
+                <a:rPr lang="en-US" altLang="ko-KR" sz="1400" dirty="0"/>
+                <a:t>)</a:t>
+              </a:r>
+              <a:br>
+                <a:rPr lang="en-US" altLang="ko-KR" sz="1400" dirty="0"/>
+              </a:br>
+              <a:r>
+                <a:rPr lang="en-US" altLang="ko-KR" sz="1400" b="1" u="sng" dirty="0">
+                  <a:solidFill>
+                    <a:srgbClr val="C00000"/>
+                  </a:solidFill>
+                </a:rPr>
+                <a:t>(</a:t>
+              </a:r>
+              <a:r>
+                <a:rPr lang="ko-KR" altLang="en-US" sz="1400" b="1" u="sng" dirty="0">
+                  <a:solidFill>
+                    <a:srgbClr val="C00000"/>
+                  </a:solidFill>
+                </a:rPr>
+                <a:t>컴퓨터</a:t>
+              </a:r>
+              <a:r>
+                <a:rPr lang="en-US" altLang="ko-KR" sz="1400" b="1" u="sng" dirty="0">
+                  <a:solidFill>
+                    <a:srgbClr val="C00000"/>
+                  </a:solidFill>
+                </a:rPr>
+                <a:t>)</a:t>
+              </a:r>
+              <a:endParaRPr lang="ko-KR" altLang="en-US" sz="1400" b="1" u="sng" dirty="0">
+                <a:solidFill>
+                  <a:srgbClr val="C00000"/>
+                </a:solidFill>
+              </a:endParaRPr>
+            </a:p>
+          </p:txBody>
+        </p:sp>
+        <p:cxnSp>
+          <p:nvCxnSpPr>
+            <p:cNvPr id="25" name="직선 화살표 연결선 24"/>
+            <p:cNvCxnSpPr/>
+            <p:nvPr/>
+          </p:nvCxnSpPr>
+          <p:spPr>
+            <a:xfrm flipV="1">
+              <a:off x="6071075" y="2682597"/>
+              <a:ext cx="0" cy="187343"/>
+            </a:xfrm>
+            <a:prstGeom prst="straightConnector1">
+              <a:avLst/>
+            </a:prstGeom>
+            <a:ln>
+              <a:headEnd type="none" w="med" len="med"/>
+              <a:tailEnd type="triangle" w="med" len="med"/>
+            </a:ln>
+          </p:spPr>
+          <p:style>
+            <a:lnRef idx="1">
+              <a:schemeClr val="dk1"/>
+            </a:lnRef>
+            <a:fillRef idx="0">
+              <a:schemeClr val="dk1"/>
+            </a:fillRef>
+            <a:effectRef idx="0">
+              <a:schemeClr val="dk1"/>
+            </a:effectRef>
+            <a:fontRef idx="minor">
+              <a:schemeClr val="tx1"/>
+            </a:fontRef>
+          </p:style>
+        </p:cxnSp>
+        <p:cxnSp>
+          <p:nvCxnSpPr>
+            <p:cNvPr id="29" name="직선 화살표 연결선 28"/>
+            <p:cNvCxnSpPr/>
+            <p:nvPr/>
+          </p:nvCxnSpPr>
+          <p:spPr>
+            <a:xfrm flipV="1">
+              <a:off x="6071075" y="3715501"/>
+              <a:ext cx="0" cy="187343"/>
+            </a:xfrm>
+            <a:prstGeom prst="straightConnector1">
+              <a:avLst/>
+            </a:prstGeom>
+            <a:ln>
+              <a:headEnd type="none" w="med" len="med"/>
+              <a:tailEnd type="triangle" w="med" len="med"/>
+            </a:ln>
+          </p:spPr>
+          <p:style>
+            <a:lnRef idx="1">
+              <a:schemeClr val="dk1"/>
+            </a:lnRef>
+            <a:fillRef idx="0">
+              <a:schemeClr val="dk1"/>
+            </a:fillRef>
+            <a:effectRef idx="0">
+              <a:schemeClr val="dk1"/>
+            </a:effectRef>
+            <a:fontRef idx="minor">
+              <a:schemeClr val="tx1"/>
+            </a:fontRef>
+          </p:style>
+        </p:cxnSp>
+        <p:cxnSp>
+          <p:nvCxnSpPr>
+            <p:cNvPr id="33" name="직선 화살표 연결선 32"/>
+            <p:cNvCxnSpPr/>
+            <p:nvPr/>
+          </p:nvCxnSpPr>
+          <p:spPr>
+            <a:xfrm flipV="1">
+              <a:off x="6071075" y="4748405"/>
+              <a:ext cx="0" cy="187343"/>
+            </a:xfrm>
+            <a:prstGeom prst="straightConnector1">
+              <a:avLst/>
+            </a:prstGeom>
+            <a:ln>
+              <a:headEnd type="none" w="med" len="med"/>
+              <a:tailEnd type="triangle" w="med" len="med"/>
+            </a:ln>
+          </p:spPr>
+          <p:style>
+            <a:lnRef idx="1">
+              <a:schemeClr val="dk1"/>
+            </a:lnRef>
+            <a:fillRef idx="0">
+              <a:schemeClr val="dk1"/>
+            </a:fillRef>
+            <a:effectRef idx="0">
+              <a:schemeClr val="dk1"/>
+            </a:effectRef>
+            <a:fontRef idx="minor">
+              <a:schemeClr val="tx1"/>
+            </a:fontRef>
+          </p:style>
+        </p:cxnSp>
+        <p:sp>
+          <p:nvSpPr>
+            <p:cNvPr id="60" name="타원 59"/>
+            <p:cNvSpPr/>
+            <p:nvPr/>
+          </p:nvSpPr>
+          <p:spPr>
+            <a:xfrm>
+              <a:off x="5409912" y="852187"/>
+              <a:ext cx="1322328" cy="749451"/>
+            </a:xfrm>
+            <a:prstGeom prst="ellipse">
+              <a:avLst/>
+            </a:prstGeom>
+          </p:spPr>
+          <p:style>
+            <a:lnRef idx="2">
+              <a:schemeClr val="dk1"/>
+            </a:lnRef>
+            <a:fillRef idx="1">
+              <a:schemeClr val="lt1"/>
+            </a:fillRef>
+            <a:effectRef idx="0">
+              <a:schemeClr val="dk1"/>
+            </a:effectRef>
+            <a:fontRef idx="minor">
+              <a:schemeClr val="dk1"/>
+            </a:fontRef>
+          </p:style>
+          <p:txBody>
+            <a:bodyPr rtlCol="0" anchor="ctr"/>
+            <a:lstStyle/>
+            <a:p>
+              <a:pPr algn="ctr"/>
+              <a:r>
+                <a:rPr lang="ko-KR" altLang="en-US" sz="1400" dirty="0" smtClean="0"/>
+                <a:t>출력</a:t>
+              </a:r>
+              <a:endParaRPr lang="ko-KR" altLang="en-US" sz="1400" dirty="0"/>
+            </a:p>
+          </p:txBody>
+        </p:sp>
+        <p:cxnSp>
+          <p:nvCxnSpPr>
+            <p:cNvPr id="61" name="직선 화살표 연결선 60"/>
+            <p:cNvCxnSpPr/>
+            <p:nvPr/>
+          </p:nvCxnSpPr>
+          <p:spPr>
+            <a:xfrm flipV="1">
+              <a:off x="6071075" y="1649693"/>
+              <a:ext cx="0" cy="187343"/>
+            </a:xfrm>
+            <a:prstGeom prst="straightConnector1">
+              <a:avLst/>
+            </a:prstGeom>
+            <a:ln>
+              <a:headEnd type="none" w="med" len="med"/>
+              <a:tailEnd type="triangle" w="med" len="med"/>
+            </a:ln>
+          </p:spPr>
+          <p:style>
+            <a:lnRef idx="1">
+              <a:schemeClr val="dk1"/>
+            </a:lnRef>
+            <a:fillRef idx="0">
+              <a:schemeClr val="dk1"/>
+            </a:fillRef>
+            <a:effectRef idx="0">
+              <a:schemeClr val="dk1"/>
+            </a:effectRef>
+            <a:fontRef idx="minor">
+              <a:schemeClr val="tx1"/>
+            </a:fontRef>
+          </p:style>
+        </p:cxnSp>
+        <p:sp>
+          <p:nvSpPr>
+            <p:cNvPr id="64" name="타원 63"/>
+            <p:cNvSpPr/>
+            <p:nvPr/>
+          </p:nvSpPr>
+          <p:spPr>
+            <a:xfrm>
+              <a:off x="3838828" y="4983804"/>
+              <a:ext cx="1322328" cy="749451"/>
+            </a:xfrm>
+            <a:prstGeom prst="ellipse">
+              <a:avLst/>
+            </a:prstGeom>
+          </p:spPr>
+          <p:style>
+            <a:lnRef idx="2">
+              <a:schemeClr val="dk1"/>
+            </a:lnRef>
+            <a:fillRef idx="1">
+              <a:schemeClr val="lt1"/>
+            </a:fillRef>
+            <a:effectRef idx="0">
+              <a:schemeClr val="dk1"/>
+            </a:effectRef>
+            <a:fontRef idx="minor">
+              <a:schemeClr val="dk1"/>
+            </a:fontRef>
+          </p:style>
+          <p:txBody>
+            <a:bodyPr rtlCol="0" anchor="ctr"/>
+            <a:lstStyle/>
+            <a:p>
+              <a:pPr algn="ctr"/>
+              <a:r>
+                <a:rPr lang="ko-KR" altLang="en-US" sz="1400" dirty="0" smtClean="0"/>
+                <a:t>입력</a:t>
+              </a:r>
+              <a:endParaRPr lang="ko-KR" altLang="en-US" sz="1400" dirty="0"/>
+            </a:p>
+          </p:txBody>
+        </p:sp>
+        <p:sp>
+          <p:nvSpPr>
+            <p:cNvPr id="65" name="직사각형 64"/>
+            <p:cNvSpPr/>
+            <p:nvPr/>
+          </p:nvSpPr>
+          <p:spPr>
+            <a:xfrm>
+              <a:off x="3838828" y="3950898"/>
+              <a:ext cx="1322328" cy="749451"/>
+            </a:xfrm>
+            <a:prstGeom prst="rect">
+              <a:avLst/>
+            </a:prstGeom>
+          </p:spPr>
+          <p:style>
+            <a:lnRef idx="2">
+              <a:schemeClr val="dk1"/>
+            </a:lnRef>
+            <a:fillRef idx="1">
+              <a:schemeClr val="lt1"/>
+            </a:fillRef>
+            <a:effectRef idx="0">
+              <a:schemeClr val="dk1"/>
+            </a:effectRef>
+            <a:fontRef idx="minor">
+              <a:schemeClr val="dk1"/>
+            </a:fontRef>
+          </p:style>
+          <p:txBody>
+            <a:bodyPr rtlCol="0" anchor="ctr"/>
+            <a:lstStyle/>
+            <a:p>
+              <a:pPr algn="ctr"/>
+              <a:r>
+                <a:rPr lang="ko-KR" altLang="en-US" sz="1400" dirty="0" smtClean="0"/>
+                <a:t>특성 추출</a:t>
+              </a:r>
+              <a:r>
+                <a:rPr lang="en-US" altLang="ko-KR" sz="1400" dirty="0" smtClean="0"/>
+                <a:t/>
+              </a:r>
+              <a:br>
+                <a:rPr lang="en-US" altLang="ko-KR" sz="1400" dirty="0" smtClean="0"/>
+              </a:br>
+              <a:r>
+                <a:rPr lang="en-US" altLang="ko-KR" sz="1400" b="1" u="sng" dirty="0" smtClean="0">
+                  <a:solidFill>
+                    <a:srgbClr val="C00000"/>
+                  </a:solidFill>
+                </a:rPr>
+                <a:t>(</a:t>
+              </a:r>
+              <a:r>
+                <a:rPr lang="ko-KR" altLang="en-US" sz="1400" b="1" u="sng" dirty="0" smtClean="0">
+                  <a:solidFill>
+                    <a:srgbClr val="C00000"/>
+                  </a:solidFill>
+                </a:rPr>
+                <a:t>사람</a:t>
+              </a:r>
+              <a:r>
+                <a:rPr lang="en-US" altLang="ko-KR" sz="1400" b="1" u="sng" dirty="0" smtClean="0">
+                  <a:solidFill>
+                    <a:srgbClr val="C00000"/>
+                  </a:solidFill>
+                </a:rPr>
+                <a:t>)</a:t>
+              </a:r>
+              <a:endParaRPr lang="ko-KR" altLang="en-US" sz="1400" b="1" u="sng" dirty="0">
+                <a:solidFill>
+                  <a:srgbClr val="C00000"/>
+                </a:solidFill>
+              </a:endParaRPr>
+            </a:p>
+          </p:txBody>
+        </p:sp>
+        <p:sp>
+          <p:nvSpPr>
+            <p:cNvPr id="66" name="직사각형 65"/>
+            <p:cNvSpPr/>
+            <p:nvPr/>
+          </p:nvSpPr>
+          <p:spPr>
+            <a:xfrm>
+              <a:off x="3838828" y="2917994"/>
+              <a:ext cx="1322328" cy="749451"/>
+            </a:xfrm>
+            <a:prstGeom prst="rect">
+              <a:avLst/>
+            </a:prstGeom>
+            <a:solidFill>
+              <a:schemeClr val="bg1">
+                <a:lumMod val="75000"/>
+              </a:schemeClr>
+            </a:solidFill>
+          </p:spPr>
+          <p:style>
+            <a:lnRef idx="2">
+              <a:schemeClr val="dk1"/>
+            </a:lnRef>
+            <a:fillRef idx="1">
+              <a:schemeClr val="lt1"/>
+            </a:fillRef>
+            <a:effectRef idx="0">
+              <a:schemeClr val="dk1"/>
+            </a:effectRef>
+            <a:fontRef idx="minor">
+              <a:schemeClr val="dk1"/>
+            </a:fontRef>
+          </p:style>
+          <p:txBody>
+            <a:bodyPr rtlCol="0" anchor="ctr"/>
+            <a:lstStyle/>
+            <a:p>
+              <a:pPr algn="ctr"/>
+              <a:r>
+                <a:rPr lang="ko-KR" altLang="en-US" sz="1400" dirty="0" smtClean="0"/>
+                <a:t>모델 학습</a:t>
+              </a:r>
+              <a:r>
+                <a:rPr lang="en-US" altLang="ko-KR" sz="1400" dirty="0" smtClean="0"/>
+                <a:t/>
+              </a:r>
+              <a:br>
+                <a:rPr lang="en-US" altLang="ko-KR" sz="1400" dirty="0" smtClean="0"/>
+              </a:br>
+              <a:r>
+                <a:rPr lang="en-US" altLang="ko-KR" sz="1400" dirty="0" smtClean="0"/>
+                <a:t>(</a:t>
+              </a:r>
+              <a:r>
+                <a:rPr lang="ko-KR" altLang="en-US" sz="1400" dirty="0" smtClean="0"/>
+                <a:t>특성 </a:t>
+              </a:r>
+              <a:r>
+                <a:rPr lang="ko-KR" altLang="en-US" sz="1400" dirty="0" err="1" smtClean="0"/>
+                <a:t>매핑</a:t>
+              </a:r>
+              <a:r>
+                <a:rPr lang="en-US" altLang="ko-KR" sz="1400" dirty="0" smtClean="0"/>
+                <a:t>)</a:t>
+              </a:r>
+              <a:br>
+                <a:rPr lang="en-US" altLang="ko-KR" sz="1400" dirty="0" smtClean="0"/>
+              </a:br>
+              <a:r>
+                <a:rPr lang="en-US" altLang="ko-KR" sz="1400" b="1" u="sng" dirty="0">
+                  <a:solidFill>
+                    <a:srgbClr val="C00000"/>
+                  </a:solidFill>
+                </a:rPr>
+                <a:t>(</a:t>
+              </a:r>
+              <a:r>
+                <a:rPr lang="ko-KR" altLang="en-US" sz="1400" b="1" u="sng" dirty="0">
+                  <a:solidFill>
+                    <a:srgbClr val="C00000"/>
+                  </a:solidFill>
+                </a:rPr>
+                <a:t>컴퓨터</a:t>
+              </a:r>
+              <a:r>
+                <a:rPr lang="en-US" altLang="ko-KR" sz="1400" b="1" u="sng" dirty="0">
+                  <a:solidFill>
+                    <a:srgbClr val="C00000"/>
+                  </a:solidFill>
+                </a:rPr>
+                <a:t>)</a:t>
+              </a:r>
+              <a:endParaRPr lang="ko-KR" altLang="en-US" sz="1400" b="1" u="sng" dirty="0">
+                <a:solidFill>
+                  <a:srgbClr val="C00000"/>
+                </a:solidFill>
+              </a:endParaRPr>
+            </a:p>
+          </p:txBody>
+        </p:sp>
+        <p:sp>
+          <p:nvSpPr>
+            <p:cNvPr id="67" name="타원 66"/>
+            <p:cNvSpPr/>
+            <p:nvPr/>
+          </p:nvSpPr>
+          <p:spPr>
+            <a:xfrm>
+              <a:off x="3838828" y="1885090"/>
+              <a:ext cx="1322328" cy="749451"/>
+            </a:xfrm>
+            <a:prstGeom prst="ellipse">
+              <a:avLst/>
+            </a:prstGeom>
+          </p:spPr>
+          <p:style>
+            <a:lnRef idx="2">
+              <a:schemeClr val="dk1"/>
+            </a:lnRef>
+            <a:fillRef idx="1">
+              <a:schemeClr val="lt1"/>
+            </a:fillRef>
+            <a:effectRef idx="0">
+              <a:schemeClr val="dk1"/>
+            </a:effectRef>
+            <a:fontRef idx="minor">
+              <a:schemeClr val="dk1"/>
+            </a:fontRef>
+          </p:style>
+          <p:txBody>
+            <a:bodyPr rtlCol="0" anchor="ctr"/>
+            <a:lstStyle/>
+            <a:p>
+              <a:pPr algn="ctr"/>
+              <a:r>
+                <a:rPr lang="ko-KR" altLang="en-US" sz="1400" dirty="0" smtClean="0"/>
+                <a:t>출력</a:t>
+              </a:r>
+              <a:endParaRPr lang="ko-KR" altLang="en-US" sz="1400" dirty="0"/>
+            </a:p>
+          </p:txBody>
+        </p:sp>
+        <p:cxnSp>
+          <p:nvCxnSpPr>
+            <p:cNvPr id="68" name="직선 화살표 연결선 67"/>
+            <p:cNvCxnSpPr/>
+            <p:nvPr/>
+          </p:nvCxnSpPr>
+          <p:spPr>
+            <a:xfrm flipV="1">
+              <a:off x="4499991" y="2682596"/>
+              <a:ext cx="0" cy="187342"/>
+            </a:xfrm>
+            <a:prstGeom prst="straightConnector1">
+              <a:avLst/>
+            </a:prstGeom>
+            <a:ln>
+              <a:headEnd type="none" w="med" len="med"/>
+              <a:tailEnd type="triangle" w="med" len="med"/>
+            </a:ln>
+          </p:spPr>
+          <p:style>
+            <a:lnRef idx="1">
+              <a:schemeClr val="dk1"/>
+            </a:lnRef>
+            <a:fillRef idx="0">
+              <a:schemeClr val="dk1"/>
+            </a:fillRef>
+            <a:effectRef idx="0">
+              <a:schemeClr val="dk1"/>
+            </a:effectRef>
+            <a:fontRef idx="minor">
+              <a:schemeClr val="tx1"/>
+            </a:fontRef>
+          </p:style>
+        </p:cxnSp>
+        <p:cxnSp>
+          <p:nvCxnSpPr>
+            <p:cNvPr id="69" name="직선 화살표 연결선 68"/>
+            <p:cNvCxnSpPr/>
+            <p:nvPr/>
+          </p:nvCxnSpPr>
+          <p:spPr>
+            <a:xfrm flipV="1">
+              <a:off x="4499991" y="3715500"/>
+              <a:ext cx="0" cy="187342"/>
+            </a:xfrm>
+            <a:prstGeom prst="straightConnector1">
+              <a:avLst/>
+            </a:prstGeom>
+            <a:ln>
+              <a:headEnd type="none" w="med" len="med"/>
+              <a:tailEnd type="triangle" w="med" len="med"/>
+            </a:ln>
+          </p:spPr>
+          <p:style>
+            <a:lnRef idx="1">
+              <a:schemeClr val="dk1"/>
+            </a:lnRef>
+            <a:fillRef idx="0">
+              <a:schemeClr val="dk1"/>
+            </a:fillRef>
+            <a:effectRef idx="0">
+              <a:schemeClr val="dk1"/>
+            </a:effectRef>
+            <a:fontRef idx="minor">
+              <a:schemeClr val="tx1"/>
+            </a:fontRef>
+          </p:style>
+        </p:cxnSp>
+        <p:cxnSp>
+          <p:nvCxnSpPr>
+            <p:cNvPr id="70" name="직선 화살표 연결선 69"/>
+            <p:cNvCxnSpPr/>
+            <p:nvPr/>
+          </p:nvCxnSpPr>
+          <p:spPr>
+            <a:xfrm flipV="1">
+              <a:off x="4499991" y="4748404"/>
+              <a:ext cx="0" cy="187342"/>
+            </a:xfrm>
+            <a:prstGeom prst="straightConnector1">
+              <a:avLst/>
+            </a:prstGeom>
+            <a:ln>
+              <a:headEnd type="none" w="med" len="med"/>
+              <a:tailEnd type="triangle" w="med" len="med"/>
+            </a:ln>
+          </p:spPr>
+          <p:style>
+            <a:lnRef idx="1">
+              <a:schemeClr val="dk1"/>
+            </a:lnRef>
+            <a:fillRef idx="0">
+              <a:schemeClr val="dk1"/>
+            </a:fillRef>
+            <a:effectRef idx="0">
+              <a:schemeClr val="dk1"/>
+            </a:effectRef>
+            <a:fontRef idx="minor">
+              <a:schemeClr val="tx1"/>
+            </a:fontRef>
+          </p:style>
+        </p:cxnSp>
+        <p:sp>
+          <p:nvSpPr>
+            <p:cNvPr id="74" name="타원 73"/>
+            <p:cNvSpPr/>
+            <p:nvPr/>
+          </p:nvSpPr>
+          <p:spPr>
+            <a:xfrm>
+              <a:off x="2267744" y="4983804"/>
+              <a:ext cx="1322328" cy="749451"/>
+            </a:xfrm>
+            <a:prstGeom prst="ellipse">
+              <a:avLst/>
+            </a:prstGeom>
+          </p:spPr>
+          <p:style>
+            <a:lnRef idx="2">
+              <a:schemeClr val="dk1"/>
+            </a:lnRef>
+            <a:fillRef idx="1">
+              <a:schemeClr val="lt1"/>
+            </a:fillRef>
+            <a:effectRef idx="0">
+              <a:schemeClr val="dk1"/>
+            </a:effectRef>
+            <a:fontRef idx="minor">
+              <a:schemeClr val="dk1"/>
+            </a:fontRef>
+          </p:style>
+          <p:txBody>
+            <a:bodyPr rtlCol="0" anchor="ctr"/>
+            <a:lstStyle/>
+            <a:p>
+              <a:pPr algn="ctr"/>
+              <a:r>
+                <a:rPr lang="ko-KR" altLang="en-US" sz="1400" dirty="0" smtClean="0"/>
+                <a:t>입</a:t>
+              </a:r>
+              <a:r>
+                <a:rPr lang="ko-KR" altLang="en-US" sz="1400" dirty="0"/>
+                <a:t>력</a:t>
+              </a:r>
+            </a:p>
+          </p:txBody>
+        </p:sp>
+        <p:sp>
+          <p:nvSpPr>
+            <p:cNvPr id="75" name="직사각형 74"/>
+            <p:cNvSpPr/>
+            <p:nvPr/>
+          </p:nvSpPr>
+          <p:spPr>
+            <a:xfrm>
+              <a:off x="2267744" y="3950898"/>
+              <a:ext cx="1322328" cy="749451"/>
+            </a:xfrm>
+            <a:prstGeom prst="rect">
+              <a:avLst/>
+            </a:prstGeom>
+          </p:spPr>
+          <p:style>
+            <a:lnRef idx="2">
+              <a:schemeClr val="dk1"/>
+            </a:lnRef>
+            <a:fillRef idx="1">
+              <a:schemeClr val="lt1"/>
+            </a:fillRef>
+            <a:effectRef idx="0">
+              <a:schemeClr val="dk1"/>
+            </a:effectRef>
+            <a:fontRef idx="minor">
+              <a:schemeClr val="dk1"/>
+            </a:fontRef>
+          </p:style>
+          <p:txBody>
+            <a:bodyPr rtlCol="0" anchor="ctr"/>
+            <a:lstStyle/>
+            <a:p>
+              <a:pPr algn="ctr"/>
+              <a:r>
+                <a:rPr lang="ko-KR" altLang="en-US" sz="1400" dirty="0" smtClean="0"/>
+                <a:t>프로그램 작성</a:t>
+              </a:r>
+              <a:r>
+                <a:rPr lang="en-US" altLang="ko-KR" sz="1400" dirty="0" smtClean="0"/>
+                <a:t/>
+              </a:r>
+              <a:br>
+                <a:rPr lang="en-US" altLang="ko-KR" sz="1400" dirty="0" smtClean="0"/>
+              </a:br>
+              <a:r>
+                <a:rPr lang="en-US" altLang="ko-KR" sz="1400" b="1" u="sng" dirty="0" smtClean="0">
+                  <a:solidFill>
+                    <a:srgbClr val="C00000"/>
+                  </a:solidFill>
+                </a:rPr>
+                <a:t>(</a:t>
+              </a:r>
+              <a:r>
+                <a:rPr lang="ko-KR" altLang="en-US" sz="1400" b="1" u="sng" dirty="0" smtClean="0">
+                  <a:solidFill>
+                    <a:srgbClr val="C00000"/>
+                  </a:solidFill>
+                </a:rPr>
+                <a:t>사람</a:t>
+              </a:r>
+              <a:r>
+                <a:rPr lang="en-US" altLang="ko-KR" sz="1400" b="1" u="sng" dirty="0" smtClean="0">
+                  <a:solidFill>
+                    <a:srgbClr val="C00000"/>
+                  </a:solidFill>
+                </a:rPr>
+                <a:t>)</a:t>
+              </a:r>
+              <a:endParaRPr lang="ko-KR" altLang="en-US" sz="1400" b="1" u="sng" dirty="0">
+                <a:solidFill>
+                  <a:srgbClr val="C00000"/>
+                </a:solidFill>
+              </a:endParaRPr>
+            </a:p>
+          </p:txBody>
+        </p:sp>
+        <p:sp>
+          <p:nvSpPr>
+            <p:cNvPr id="76" name="타원 75"/>
+            <p:cNvSpPr/>
+            <p:nvPr/>
+          </p:nvSpPr>
+          <p:spPr>
+            <a:xfrm>
+              <a:off x="2267744" y="2917994"/>
+              <a:ext cx="1322328" cy="749451"/>
+            </a:xfrm>
+            <a:prstGeom prst="ellipse">
+              <a:avLst/>
+            </a:prstGeom>
+          </p:spPr>
+          <p:style>
+            <a:lnRef idx="2">
+              <a:schemeClr val="dk1"/>
+            </a:lnRef>
+            <a:fillRef idx="1">
+              <a:schemeClr val="lt1"/>
+            </a:fillRef>
+            <a:effectRef idx="0">
+              <a:schemeClr val="dk1"/>
+            </a:effectRef>
+            <a:fontRef idx="minor">
+              <a:schemeClr val="dk1"/>
+            </a:fontRef>
+          </p:style>
+          <p:txBody>
+            <a:bodyPr rtlCol="0" anchor="ctr"/>
+            <a:lstStyle/>
+            <a:p>
+              <a:pPr algn="ctr"/>
+              <a:r>
+                <a:rPr lang="ko-KR" altLang="en-US" sz="1400" dirty="0" smtClean="0"/>
+                <a:t>출력</a:t>
+              </a:r>
+              <a:endParaRPr lang="ko-KR" altLang="en-US" sz="1400" dirty="0"/>
+            </a:p>
+          </p:txBody>
+        </p:sp>
+        <p:cxnSp>
+          <p:nvCxnSpPr>
+            <p:cNvPr id="79" name="직선 화살표 연결선 78"/>
+            <p:cNvCxnSpPr/>
+            <p:nvPr/>
+          </p:nvCxnSpPr>
+          <p:spPr>
+            <a:xfrm flipV="1">
+              <a:off x="2928907" y="3715500"/>
+              <a:ext cx="0" cy="187342"/>
+            </a:xfrm>
+            <a:prstGeom prst="straightConnector1">
+              <a:avLst/>
+            </a:prstGeom>
+            <a:ln>
+              <a:headEnd type="none" w="med" len="med"/>
+              <a:tailEnd type="triangle" w="med" len="med"/>
+            </a:ln>
+          </p:spPr>
+          <p:style>
+            <a:lnRef idx="1">
+              <a:schemeClr val="dk1"/>
+            </a:lnRef>
+            <a:fillRef idx="0">
+              <a:schemeClr val="dk1"/>
+            </a:fillRef>
+            <a:effectRef idx="0">
+              <a:schemeClr val="dk1"/>
+            </a:effectRef>
+            <a:fontRef idx="minor">
+              <a:schemeClr val="tx1"/>
+            </a:fontRef>
+          </p:style>
+        </p:cxnSp>
+        <p:cxnSp>
+          <p:nvCxnSpPr>
+            <p:cNvPr id="80" name="직선 화살표 연결선 79"/>
+            <p:cNvCxnSpPr/>
+            <p:nvPr/>
+          </p:nvCxnSpPr>
+          <p:spPr>
+            <a:xfrm flipV="1">
+              <a:off x="2928907" y="4748404"/>
+              <a:ext cx="0" cy="187342"/>
+            </a:xfrm>
+            <a:prstGeom prst="straightConnector1">
+              <a:avLst/>
+            </a:prstGeom>
+            <a:ln>
+              <a:headEnd type="none" w="med" len="med"/>
+              <a:tailEnd type="triangle" w="med" len="med"/>
+            </a:ln>
+          </p:spPr>
+          <p:style>
+            <a:lnRef idx="1">
+              <a:schemeClr val="dk1"/>
+            </a:lnRef>
+            <a:fillRef idx="0">
+              <a:schemeClr val="dk1"/>
+            </a:fillRef>
+            <a:effectRef idx="0">
+              <a:schemeClr val="dk1"/>
+            </a:effectRef>
+            <a:fontRef idx="minor">
+              <a:schemeClr val="tx1"/>
+            </a:fontRef>
+          </p:style>
+        </p:cxnSp>
+        <p:sp>
+          <p:nvSpPr>
+            <p:cNvPr id="83" name="TextBox 82"/>
+            <p:cNvSpPr txBox="1"/>
+            <p:nvPr/>
+          </p:nvSpPr>
+          <p:spPr>
+            <a:xfrm>
+              <a:off x="2267744" y="5805264"/>
+              <a:ext cx="1322328" cy="646331"/>
+            </a:xfrm>
+            <a:prstGeom prst="rect">
+              <a:avLst/>
+            </a:prstGeom>
+            <a:noFill/>
+          </p:spPr>
+          <p:txBody>
+            <a:bodyPr wrap="square" rtlCol="0">
+              <a:spAutoFit/>
+            </a:bodyPr>
+            <a:lstStyle/>
+            <a:p>
+              <a:pPr algn="ctr"/>
+              <a:r>
+                <a:rPr lang="ko-KR" altLang="en-US" dirty="0" smtClean="0"/>
+                <a:t>규칙기반 인공지능</a:t>
+              </a:r>
+              <a:endParaRPr lang="ko-KR" altLang="en-US" dirty="0"/>
+            </a:p>
+          </p:txBody>
+        </p:sp>
+        <p:sp>
+          <p:nvSpPr>
+            <p:cNvPr id="84" name="TextBox 83"/>
+            <p:cNvSpPr txBox="1"/>
+            <p:nvPr/>
+          </p:nvSpPr>
+          <p:spPr>
+            <a:xfrm>
+              <a:off x="3851920" y="5835469"/>
+              <a:ext cx="1322328" cy="646331"/>
+            </a:xfrm>
+            <a:prstGeom prst="rect">
+              <a:avLst/>
+            </a:prstGeom>
+            <a:noFill/>
+          </p:spPr>
+          <p:txBody>
+            <a:bodyPr wrap="square" rtlCol="0">
+              <a:spAutoFit/>
+            </a:bodyPr>
+            <a:lstStyle/>
+            <a:p>
+              <a:pPr algn="ctr"/>
+              <a:r>
+                <a:rPr lang="ko-KR" altLang="en-US" dirty="0" smtClean="0"/>
+                <a:t>과</a:t>
+              </a:r>
+              <a:r>
+                <a:rPr lang="ko-KR" altLang="en-US" dirty="0"/>
+                <a:t>거</a:t>
+              </a:r>
+              <a:r>
+                <a:rPr lang="ko-KR" altLang="en-US" dirty="0" smtClean="0"/>
+                <a:t> </a:t>
+              </a:r>
+              <a:r>
+                <a:rPr lang="en-US" altLang="ko-KR" dirty="0" smtClean="0"/>
+                <a:t/>
+              </a:r>
+              <a:br>
+                <a:rPr lang="en-US" altLang="ko-KR" dirty="0" smtClean="0"/>
+              </a:br>
+              <a:r>
+                <a:rPr lang="ko-KR" altLang="en-US" dirty="0" smtClean="0"/>
+                <a:t>기계학습</a:t>
+              </a:r>
+              <a:endParaRPr lang="ko-KR" altLang="en-US" dirty="0"/>
+            </a:p>
+          </p:txBody>
+        </p:sp>
+        <p:sp>
+          <p:nvSpPr>
+            <p:cNvPr id="85" name="TextBox 84"/>
+            <p:cNvSpPr txBox="1"/>
+            <p:nvPr/>
+          </p:nvSpPr>
+          <p:spPr>
+            <a:xfrm>
+              <a:off x="5400649" y="5835469"/>
+              <a:ext cx="1322328" cy="923330"/>
+            </a:xfrm>
+            <a:prstGeom prst="rect">
+              <a:avLst/>
+            </a:prstGeom>
+            <a:noFill/>
+          </p:spPr>
+          <p:txBody>
+            <a:bodyPr wrap="square" rtlCol="0">
+              <a:spAutoFit/>
+            </a:bodyPr>
+            <a:lstStyle/>
+            <a:p>
+              <a:pPr algn="ctr"/>
+              <a:r>
+                <a:rPr lang="ko-KR" altLang="en-US" dirty="0" smtClean="0"/>
+                <a:t>현재 </a:t>
+              </a:r>
+              <a:r>
+                <a:rPr lang="en-US" altLang="ko-KR" dirty="0" smtClean="0"/>
+                <a:t/>
+              </a:r>
+              <a:br>
+                <a:rPr lang="en-US" altLang="ko-KR" dirty="0" smtClean="0"/>
+              </a:br>
+              <a:r>
+                <a:rPr lang="ko-KR" altLang="en-US" dirty="0" smtClean="0"/>
+                <a:t>기계학습</a:t>
+              </a:r>
+              <a:r>
+                <a:rPr lang="en-US" altLang="ko-KR" dirty="0" smtClean="0"/>
+                <a:t/>
+              </a:r>
+              <a:br>
+                <a:rPr lang="en-US" altLang="ko-KR" dirty="0" smtClean="0"/>
+              </a:br>
+              <a:r>
+                <a:rPr lang="en-US" altLang="ko-KR" dirty="0" smtClean="0"/>
+                <a:t>(</a:t>
+              </a:r>
+              <a:r>
+                <a:rPr lang="ko-KR" altLang="en-US" dirty="0" smtClean="0"/>
+                <a:t>예</a:t>
+              </a:r>
+              <a:r>
+                <a:rPr lang="en-US" altLang="ko-KR" dirty="0" smtClean="0"/>
+                <a:t>: </a:t>
+              </a:r>
+              <a:r>
+                <a:rPr lang="ko-KR" altLang="en-US" dirty="0" err="1" smtClean="0"/>
+                <a:t>딥러닝</a:t>
+              </a:r>
+              <a:r>
+                <a:rPr lang="en-US" altLang="ko-KR" dirty="0" smtClean="0"/>
+                <a:t>)</a:t>
+              </a:r>
+              <a:endParaRPr lang="ko-KR" altLang="en-US" dirty="0"/>
+            </a:p>
+          </p:txBody>
+        </p:sp>
+      </p:grpSp>
     </p:spTree>
     <p:extLst>
       <p:ext uri="{BB962C8B-B14F-4D97-AF65-F5344CB8AC3E}">
-        <p14:creationId xmlns:p14="http://schemas.microsoft.com/office/powerpoint/2010/main" val="4178591911"/>
+        <p14:creationId xmlns:p14="http://schemas.microsoft.com/office/powerpoint/2010/main" val="1550238724"/>
       </p:ext>
     </p:extLst>
   </p:cSld>
@@ -4162,93 +8878,64 @@
           <a:chExt cx="0" cy="0"/>
         </a:xfrm>
       </p:grpSpPr>
+      <p:sp>
+        <p:nvSpPr>
+          <p:cNvPr id="2" name="제목 1"/>
+          <p:cNvSpPr>
+            <a:spLocks noGrp="1"/>
+          </p:cNvSpPr>
+          <p:nvPr>
+            <p:ph type="title"/>
+          </p:nvPr>
+        </p:nvSpPr>
+        <p:spPr/>
+        <p:txBody>
+          <a:bodyPr>
+            <a:normAutofit/>
+          </a:bodyPr>
+          <a:lstStyle/>
+          <a:p>
+            <a:r>
+              <a:rPr lang="ko-KR" altLang="en-US" dirty="0"/>
+              <a:t>자동화 고위험군 일자리 </a:t>
+            </a:r>
+            <a:r>
+              <a:rPr lang="ko-KR" altLang="en-US" dirty="0" smtClean="0"/>
+              <a:t>비중</a:t>
+            </a:r>
+            <a:endParaRPr lang="ko-KR" altLang="en-US" dirty="0"/>
+          </a:p>
+        </p:txBody>
+      </p:sp>
       <p:graphicFrame>
         <p:nvGraphicFramePr>
-          <p:cNvPr id="4" name="개체 3"/>
+          <p:cNvPr id="4" name="내용 개체 틀 3"/>
           <p:cNvGraphicFramePr>
-            <a:graphicFrameLocks noChangeAspect="1"/>
+            <a:graphicFrameLocks noGrp="1"/>
           </p:cNvGraphicFramePr>
           <p:nvPr>
+            <p:ph idx="1"/>
             <p:extLst>
               <p:ext uri="{D42A27DB-BD31-4B8C-83A1-F6EECF244321}">
-                <p14:modId xmlns:p14="http://schemas.microsoft.com/office/powerpoint/2010/main" val="4174570579"/>
+                <p14:modId xmlns:p14="http://schemas.microsoft.com/office/powerpoint/2010/main" val="2196200119"/>
               </p:ext>
             </p:extLst>
           </p:nvPr>
         </p:nvGraphicFramePr>
         <p:xfrm>
-          <a:off x="974725" y="1195388"/>
-          <a:ext cx="7450138" cy="4157662"/>
+          <a:off x="457200" y="1600200"/>
+          <a:ext cx="8229600" cy="4525963"/>
         </p:xfrm>
         <a:graphic>
-          <a:graphicData uri="http://schemas.openxmlformats.org/presentationml/2006/ole">
-            <mc:AlternateContent xmlns:mc="http://schemas.openxmlformats.org/markup-compatibility/2006">
-              <mc:Choice xmlns:v="urn:schemas-microsoft-com:vml" Requires="v">
-                <p:oleObj spid="_x0000_s3086" name="차트" r:id="rId3" imgW="7362900" imgH="4095756" progId="Excel.Sheet.8">
-                  <p:embed followColorScheme="full"/>
-                </p:oleObj>
-              </mc:Choice>
-              <mc:Fallback>
-                <p:oleObj name="차트" r:id="rId3" imgW="7362900" imgH="4095756" progId="Excel.Sheet.8">
-                  <p:embed followColorScheme="full"/>
-                  <p:pic>
-                    <p:nvPicPr>
-                      <p:cNvPr id="0" name=""/>
-                      <p:cNvPicPr>
-                        <a:picLocks noChangeAspect="1" noChangeArrowheads="1"/>
-                      </p:cNvPicPr>
-                      <p:nvPr/>
-                    </p:nvPicPr>
-                    <p:blipFill>
-                      <a:blip r:embed="rId4"/>
-                      <a:srcRect/>
-                      <a:stretch>
-                        <a:fillRect/>
-                      </a:stretch>
-                    </p:blipFill>
-                    <p:spPr bwMode="auto">
-                      <a:xfrm>
-                        <a:off x="974725" y="1195388"/>
-                        <a:ext cx="7450138" cy="4157662"/>
-                      </a:xfrm>
-                      <a:prstGeom prst="rect">
-                        <a:avLst/>
-                      </a:prstGeom>
-                      <a:noFill/>
-                      <a:ln>
-                        <a:noFill/>
-                      </a:ln>
-                      <a:extLst>
-                        <a:ext uri="{909E8E84-426E-40DD-AFC4-6F175D3DCCD1}">
-                          <a14:hiddenFill xmlns:a14="http://schemas.microsoft.com/office/drawing/2010/main">
-                            <a:solidFill>
-                              <a:srgbClr val="FFFFFF"/>
-                            </a:solidFill>
-                          </a14:hiddenFill>
-                        </a:ext>
-                        <a:ext uri="{91240B29-F687-4F45-9708-019B960494DF}">
-                          <a14:hiddenLine xmlns:a14="http://schemas.microsoft.com/office/drawing/2010/main" w="9525">
-                            <a:solidFill>
-                              <a:srgbClr val="000000"/>
-                            </a:solidFill>
-                            <a:miter lim="800000"/>
-                            <a:headEnd/>
-                            <a:tailEnd/>
-                          </a14:hiddenLine>
-                        </a:ext>
-                      </a:extLst>
-                    </p:spPr>
-                  </p:pic>
-                </p:oleObj>
-              </mc:Fallback>
-            </mc:AlternateContent>
+          <a:graphicData uri="http://schemas.openxmlformats.org/drawingml/2006/chart">
+            <c:chart xmlns:c="http://schemas.openxmlformats.org/drawingml/2006/chart" xmlns:r="http://schemas.openxmlformats.org/officeDocument/2006/relationships" r:id="rId2"/>
           </a:graphicData>
         </a:graphic>
       </p:graphicFrame>
     </p:spTree>
     <p:extLst>
       <p:ext uri="{BB962C8B-B14F-4D97-AF65-F5344CB8AC3E}">
-        <p14:creationId xmlns:p14="http://schemas.microsoft.com/office/powerpoint/2010/main" val="1938454134"/>
+        <p14:creationId xmlns:p14="http://schemas.microsoft.com/office/powerpoint/2010/main" val="4156568112"/>
       </p:ext>
     </p:extLst>
   </p:cSld>
@@ -4275,6 +8962,202 @@
           <a:chExt cx="0" cy="0"/>
         </a:xfrm>
       </p:grpSpPr>
+      <p:sp>
+        <p:nvSpPr>
+          <p:cNvPr id="2" name="제목 1"/>
+          <p:cNvSpPr>
+            <a:spLocks noGrp="1"/>
+          </p:cNvSpPr>
+          <p:nvPr>
+            <p:ph type="title"/>
+          </p:nvPr>
+        </p:nvSpPr>
+        <p:spPr/>
+        <p:txBody>
+          <a:bodyPr>
+            <a:noAutofit/>
+          </a:bodyPr>
+          <a:lstStyle/>
+          <a:p>
+            <a:r>
+              <a:rPr lang="en-US" altLang="ko-KR" sz="2400" b="1" dirty="0"/>
+              <a:t>&lt;</a:t>
+            </a:r>
+            <a:r>
+              <a:rPr lang="ko-KR" altLang="ko-KR" sz="2400" b="1" dirty="0"/>
+              <a:t>연구 방법론에 따른 </a:t>
+            </a:r>
+            <a:r>
+              <a:rPr lang="ko-KR" altLang="ko-KR" sz="2400" b="1" dirty="0" err="1"/>
+              <a:t>고위험</a:t>
+            </a:r>
+            <a:r>
+              <a:rPr lang="ko-KR" altLang="ko-KR" sz="2400" b="1" dirty="0"/>
+              <a:t> </a:t>
+            </a:r>
+            <a:r>
+              <a:rPr lang="ko-KR" altLang="en-US" sz="2400" b="1" dirty="0" smtClean="0"/>
+              <a:t>일자리</a:t>
+            </a:r>
+            <a:r>
+              <a:rPr lang="ko-KR" altLang="ko-KR" sz="2400" b="1" dirty="0" smtClean="0"/>
+              <a:t> </a:t>
+            </a:r>
+            <a:r>
+              <a:rPr lang="ko-KR" altLang="ko-KR" sz="2400" b="1" dirty="0"/>
+              <a:t>비중</a:t>
+            </a:r>
+            <a:r>
+              <a:rPr lang="en-US" altLang="ko-KR" sz="2400" b="1" dirty="0"/>
+              <a:t>&gt;</a:t>
+            </a:r>
+            <a:endParaRPr lang="ko-KR" altLang="ko-KR" sz="2400" dirty="0"/>
+          </a:p>
+        </p:txBody>
+      </p:sp>
+      <p:graphicFrame>
+        <p:nvGraphicFramePr>
+          <p:cNvPr id="4" name="내용 개체 틀 3"/>
+          <p:cNvGraphicFramePr>
+            <a:graphicFrameLocks noGrp="1"/>
+          </p:cNvGraphicFramePr>
+          <p:nvPr>
+            <p:ph idx="1"/>
+            <p:extLst>
+              <p:ext uri="{D42A27DB-BD31-4B8C-83A1-F6EECF244321}">
+                <p14:modId xmlns:p14="http://schemas.microsoft.com/office/powerpoint/2010/main" val="1805786361"/>
+              </p:ext>
+            </p:extLst>
+          </p:nvPr>
+        </p:nvGraphicFramePr>
+        <p:xfrm>
+          <a:off x="457200" y="1124744"/>
+          <a:ext cx="8229600" cy="5001419"/>
+        </p:xfrm>
+        <a:graphic>
+          <a:graphicData uri="http://schemas.openxmlformats.org/drawingml/2006/chart">
+            <c:chart xmlns:c="http://schemas.openxmlformats.org/drawingml/2006/chart" xmlns:r="http://schemas.openxmlformats.org/officeDocument/2006/relationships" r:id="rId2"/>
+          </a:graphicData>
+        </a:graphic>
+      </p:graphicFrame>
+    </p:spTree>
+    <p:extLst>
+      <p:ext uri="{BB962C8B-B14F-4D97-AF65-F5344CB8AC3E}">
+        <p14:creationId xmlns:p14="http://schemas.microsoft.com/office/powerpoint/2010/main" val="564660511"/>
+      </p:ext>
+    </p:extLst>
+  </p:cSld>
+  <p:clrMapOvr>
+    <a:masterClrMapping/>
+  </p:clrMapOvr>
+</p:sld>
+</file>
+
+<file path=ppt/slides/slide6.xml><?xml version="1.0" encoding="utf-8"?>
+<p:sld xmlns:a="http://schemas.openxmlformats.org/drawingml/2006/main" xmlns:r="http://schemas.openxmlformats.org/officeDocument/2006/relationships" xmlns:p="http://schemas.openxmlformats.org/presentationml/2006/main">
+  <p:cSld>
+    <p:spTree>
+      <p:nvGrpSpPr>
+        <p:cNvPr id="1" name=""/>
+        <p:cNvGrpSpPr/>
+        <p:nvPr/>
+      </p:nvGrpSpPr>
+      <p:grpSpPr>
+        <a:xfrm>
+          <a:off x="0" y="0"/>
+          <a:ext cx="0" cy="0"/>
+          <a:chOff x="0" y="0"/>
+          <a:chExt cx="0" cy="0"/>
+        </a:xfrm>
+      </p:grpSpPr>
+      <p:sp>
+        <p:nvSpPr>
+          <p:cNvPr id="2" name="제목 1"/>
+          <p:cNvSpPr>
+            <a:spLocks noGrp="1"/>
+          </p:cNvSpPr>
+          <p:nvPr>
+            <p:ph type="title"/>
+          </p:nvPr>
+        </p:nvSpPr>
+        <p:spPr/>
+        <p:txBody>
+          <a:bodyPr>
+            <a:normAutofit fontScale="90000"/>
+          </a:bodyPr>
+          <a:lstStyle/>
+          <a:p>
+            <a:r>
+              <a:rPr lang="en-US" altLang="ko-KR" b="1" dirty="0"/>
+              <a:t>&lt;OECD(2016)</a:t>
+            </a:r>
+            <a:r>
+              <a:rPr lang="ko-KR" altLang="ko-KR" b="1" dirty="0"/>
+              <a:t>의 과업기반 접근에 따른 취업자 비중</a:t>
+            </a:r>
+            <a:r>
+              <a:rPr lang="en-US" altLang="ko-KR" b="1" dirty="0"/>
+              <a:t>&gt;</a:t>
+            </a:r>
+            <a:endParaRPr lang="ko-KR" altLang="en-US" dirty="0"/>
+          </a:p>
+        </p:txBody>
+      </p:sp>
+      <p:graphicFrame>
+        <p:nvGraphicFramePr>
+          <p:cNvPr id="4" name="내용 개체 틀 3"/>
+          <p:cNvGraphicFramePr>
+            <a:graphicFrameLocks noGrp="1"/>
+          </p:cNvGraphicFramePr>
+          <p:nvPr>
+            <p:ph idx="1"/>
+            <p:extLst>
+              <p:ext uri="{D42A27DB-BD31-4B8C-83A1-F6EECF244321}">
+                <p14:modId xmlns:p14="http://schemas.microsoft.com/office/powerpoint/2010/main" val="651315661"/>
+              </p:ext>
+            </p:extLst>
+          </p:nvPr>
+        </p:nvGraphicFramePr>
+        <p:xfrm>
+          <a:off x="457200" y="1600200"/>
+          <a:ext cx="8229600" cy="4525963"/>
+        </p:xfrm>
+        <a:graphic>
+          <a:graphicData uri="http://schemas.openxmlformats.org/drawingml/2006/chart">
+            <c:chart xmlns:c="http://schemas.openxmlformats.org/drawingml/2006/chart" xmlns:r="http://schemas.openxmlformats.org/officeDocument/2006/relationships" r:id="rId2"/>
+          </a:graphicData>
+        </a:graphic>
+      </p:graphicFrame>
+    </p:spTree>
+    <p:extLst>
+      <p:ext uri="{BB962C8B-B14F-4D97-AF65-F5344CB8AC3E}">
+        <p14:creationId xmlns:p14="http://schemas.microsoft.com/office/powerpoint/2010/main" val="1860041906"/>
+      </p:ext>
+    </p:extLst>
+  </p:cSld>
+  <p:clrMapOvr>
+    <a:masterClrMapping/>
+  </p:clrMapOvr>
+</p:sld>
+</file>
+
+<file path=ppt/slides/slide7.xml><?xml version="1.0" encoding="utf-8"?>
+<p:sld xmlns:a="http://schemas.openxmlformats.org/drawingml/2006/main" xmlns:r="http://schemas.openxmlformats.org/officeDocument/2006/relationships" xmlns:p="http://schemas.openxmlformats.org/presentationml/2006/main">
+  <p:cSld>
+    <p:spTree>
+      <p:nvGrpSpPr>
+        <p:cNvPr id="1" name=""/>
+        <p:cNvGrpSpPr/>
+        <p:nvPr/>
+      </p:nvGrpSpPr>
+      <p:grpSpPr>
+        <a:xfrm>
+          <a:off x="0" y="0"/>
+          <a:ext cx="0" cy="0"/>
+          <a:chOff x="0" y="0"/>
+          <a:chExt cx="0" cy="0"/>
+        </a:xfrm>
+      </p:grpSpPr>
       <p:graphicFrame>
         <p:nvGraphicFramePr>
           <p:cNvPr id="4" name="개체 3"/>
@@ -4284,25 +9167,25 @@
           <p:nvPr>
             <p:extLst>
               <p:ext uri="{D42A27DB-BD31-4B8C-83A1-F6EECF244321}">
-                <p14:modId xmlns:p14="http://schemas.microsoft.com/office/powerpoint/2010/main" val="1245939916"/>
+                <p14:modId xmlns:p14="http://schemas.microsoft.com/office/powerpoint/2010/main" val="331637425"/>
               </p:ext>
             </p:extLst>
           </p:nvPr>
         </p:nvGraphicFramePr>
         <p:xfrm>
-          <a:off x="683568" y="548680"/>
-          <a:ext cx="7596188" cy="4181475"/>
+          <a:off x="684213" y="549275"/>
+          <a:ext cx="7596187" cy="4181475"/>
         </p:xfrm>
         <a:graphic>
           <a:graphicData uri="http://schemas.openxmlformats.org/presentationml/2006/ole">
             <mc:AlternateContent xmlns:mc="http://schemas.openxmlformats.org/markup-compatibility/2006">
               <mc:Choice xmlns:v="urn:schemas-microsoft-com:vml" Requires="v">
-                <p:oleObj spid="_x0000_s4112" name="차트" r:id="rId3" imgW="7324830" imgH="4029033" progId="Excel.Sheet.8">
+                <p:oleObj spid="_x0000_s4116" name="워크시트" r:id="rId3" imgW="7324830" imgH="4029033" progId="Excel.Sheet.8">
                   <p:embed followColorScheme="full"/>
                 </p:oleObj>
               </mc:Choice>
               <mc:Fallback>
-                <p:oleObj name="차트" r:id="rId3" imgW="7324830" imgH="4029033" progId="Excel.Sheet.8">
+                <p:oleObj name="워크시트" r:id="rId3" imgW="7324830" imgH="4029033" progId="Excel.Sheet.8">
                   <p:embed followColorScheme="full"/>
                   <p:pic>
                     <p:nvPicPr>
@@ -4321,8 +9204,8 @@
                     </p:blipFill>
                     <p:spPr bwMode="auto">
                       <a:xfrm>
-                        <a:off x="683568" y="548680"/>
-                        <a:ext cx="7596188" cy="4181475"/>
+                        <a:off x="684213" y="549275"/>
+                        <a:ext cx="7596187" cy="4181475"/>
                       </a:xfrm>
                       <a:prstGeom prst="rect">
                         <a:avLst/>
@@ -4371,7 +9254,62 @@
 </p:sld>
 </file>
 
-<file path=ppt/slides/slide6.xml><?xml version="1.0" encoding="utf-8"?>
+<file path=ppt/slides/slide8.xml><?xml version="1.0" encoding="utf-8"?>
+<p:sld xmlns:a="http://schemas.openxmlformats.org/drawingml/2006/main" xmlns:r="http://schemas.openxmlformats.org/officeDocument/2006/relationships" xmlns:p="http://schemas.openxmlformats.org/presentationml/2006/main">
+  <p:cSld>
+    <p:spTree>
+      <p:nvGrpSpPr>
+        <p:cNvPr id="1" name=""/>
+        <p:cNvGrpSpPr/>
+        <p:nvPr/>
+      </p:nvGrpSpPr>
+      <p:grpSpPr>
+        <a:xfrm>
+          <a:off x="0" y="0"/>
+          <a:ext cx="0" cy="0"/>
+          <a:chOff x="0" y="0"/>
+          <a:chExt cx="0" cy="0"/>
+        </a:xfrm>
+      </p:grpSpPr>
+      <p:graphicFrame>
+        <p:nvGraphicFramePr>
+          <p:cNvPr id="4" name="내용 개체 틀 3"/>
+          <p:cNvGraphicFramePr>
+            <a:graphicFrameLocks noGrp="1"/>
+          </p:cNvGraphicFramePr>
+          <p:nvPr>
+            <p:ph idx="1"/>
+            <p:extLst>
+              <p:ext uri="{D42A27DB-BD31-4B8C-83A1-F6EECF244321}">
+                <p14:modId xmlns:p14="http://schemas.microsoft.com/office/powerpoint/2010/main" val="739318052"/>
+              </p:ext>
+            </p:extLst>
+          </p:nvPr>
+        </p:nvGraphicFramePr>
+        <p:xfrm>
+          <a:off x="457200" y="692696"/>
+          <a:ext cx="8229600" cy="5433467"/>
+        </p:xfrm>
+        <a:graphic>
+          <a:graphicData uri="http://schemas.openxmlformats.org/drawingml/2006/chart">
+            <c:chart xmlns:c="http://schemas.openxmlformats.org/drawingml/2006/chart" xmlns:r="http://schemas.openxmlformats.org/officeDocument/2006/relationships" r:id="rId2"/>
+          </a:graphicData>
+        </a:graphic>
+      </p:graphicFrame>
+    </p:spTree>
+    <p:extLst>
+      <p:ext uri="{BB962C8B-B14F-4D97-AF65-F5344CB8AC3E}">
+        <p14:creationId xmlns:p14="http://schemas.microsoft.com/office/powerpoint/2010/main" val="2591201676"/>
+      </p:ext>
+    </p:extLst>
+  </p:cSld>
+  <p:clrMapOvr>
+    <a:masterClrMapping/>
+  </p:clrMapOvr>
+</p:sld>
+</file>
+
+<file path=ppt/slides/slide9.xml><?xml version="1.0" encoding="utf-8"?>
 <p:sld xmlns:a="http://schemas.openxmlformats.org/drawingml/2006/main" xmlns:r="http://schemas.openxmlformats.org/officeDocument/2006/relationships" xmlns:p="http://schemas.openxmlformats.org/presentationml/2006/main">
   <p:cSld>
     <p:spTree>
@@ -4430,7 +9368,7 @@
           <a:graphicData uri="http://schemas.openxmlformats.org/presentationml/2006/ole">
             <mc:AlternateContent xmlns:mc="http://schemas.openxmlformats.org/markup-compatibility/2006">
               <mc:Choice xmlns:v="urn:schemas-microsoft-com:vml" Requires="v">
-                <p:oleObj spid="_x0000_s5130" name="워크시트" r:id="rId3" imgW="11182320" imgH="4448279" progId="Excel.Sheet.12">
+                <p:oleObj spid="_x0000_s5133" name="워크시트" r:id="rId3" imgW="11182320" imgH="4448279" progId="Excel.Sheet.12">
                   <p:embed/>
                 </p:oleObj>
               </mc:Choice>

--- a/ppt/차트.pptx
+++ b/ppt/차트.pptx
@@ -6,18 +6,20 @@
   </p:sldMasterIdLst>
   <p:sldIdLst>
     <p:sldId id="256" r:id="rId2"/>
-    <p:sldId id="261" r:id="rId3"/>
-    <p:sldId id="270" r:id="rId4"/>
-    <p:sldId id="266" r:id="rId5"/>
-    <p:sldId id="268" r:id="rId6"/>
-    <p:sldId id="267" r:id="rId7"/>
-    <p:sldId id="259" r:id="rId8"/>
-    <p:sldId id="265" r:id="rId9"/>
-    <p:sldId id="260" r:id="rId10"/>
-    <p:sldId id="262" r:id="rId11"/>
-    <p:sldId id="264" r:id="rId12"/>
-    <p:sldId id="263" r:id="rId13"/>
-    <p:sldId id="271" r:id="rId14"/>
+    <p:sldId id="272" r:id="rId3"/>
+    <p:sldId id="261" r:id="rId4"/>
+    <p:sldId id="270" r:id="rId5"/>
+    <p:sldId id="266" r:id="rId6"/>
+    <p:sldId id="268" r:id="rId7"/>
+    <p:sldId id="267" r:id="rId8"/>
+    <p:sldId id="259" r:id="rId9"/>
+    <p:sldId id="265" r:id="rId10"/>
+    <p:sldId id="260" r:id="rId11"/>
+    <p:sldId id="262" r:id="rId12"/>
+    <p:sldId id="264" r:id="rId13"/>
+    <p:sldId id="263" r:id="rId14"/>
+    <p:sldId id="271" r:id="rId15"/>
+    <p:sldId id="273" r:id="rId16"/>
   </p:sldIdLst>
   <p:sldSz cx="9144000" cy="6858000" type="screen4x3"/>
   <p:notesSz cx="6858000" cy="9144000"/>
@@ -122,6 +124,7 @@
         <p14:section name="기본 구역" id="{EBEAC0E7-7E96-485F-AC0E-DDE0B87529D2}">
           <p14:sldIdLst>
             <p14:sldId id="256"/>
+            <p14:sldId id="272"/>
             <p14:sldId id="261"/>
             <p14:sldId id="270"/>
             <p14:sldId id="266"/>
@@ -138,6 +141,7 @@
             <p14:sldId id="264"/>
             <p14:sldId id="263"/>
             <p14:sldId id="271"/>
+            <p14:sldId id="273"/>
           </p14:sldIdLst>
         </p14:section>
       </p14:sectionLst>
@@ -275,11 +279,11 @@
           <c:showBubbleSize val="0"/>
         </c:dLbls>
         <c:gapWidth val="150"/>
-        <c:axId val="89515008"/>
-        <c:axId val="170074112"/>
+        <c:axId val="147296768"/>
+        <c:axId val="52002112"/>
       </c:barChart>
       <c:catAx>
-        <c:axId val="89515008"/>
+        <c:axId val="147296768"/>
         <c:scaling>
           <c:orientation val="minMax"/>
         </c:scaling>
@@ -288,7 +292,7 @@
         <c:majorTickMark val="out"/>
         <c:minorTickMark val="none"/>
         <c:tickLblPos val="nextTo"/>
-        <c:crossAx val="170074112"/>
+        <c:crossAx val="52002112"/>
         <c:crosses val="autoZero"/>
         <c:auto val="1"/>
         <c:lblAlgn val="ctr"/>
@@ -296,7 +300,7 @@
         <c:noMultiLvlLbl val="0"/>
       </c:catAx>
       <c:valAx>
-        <c:axId val="170074112"/>
+        <c:axId val="52002112"/>
         <c:scaling>
           <c:orientation val="minMax"/>
         </c:scaling>
@@ -306,7 +310,7 @@
         <c:majorTickMark val="out"/>
         <c:minorTickMark val="none"/>
         <c:tickLblPos val="nextTo"/>
-        <c:crossAx val="89515008"/>
+        <c:crossAx val="147296768"/>
         <c:crosses val="autoZero"/>
         <c:crossBetween val="between"/>
       </c:valAx>
@@ -646,11 +650,11 @@
           <c:showBubbleSize val="0"/>
         </c:dLbls>
         <c:gapWidth val="150"/>
-        <c:axId val="134933504"/>
-        <c:axId val="175227456"/>
+        <c:axId val="147296256"/>
+        <c:axId val="97414528"/>
       </c:barChart>
       <c:catAx>
-        <c:axId val="134933504"/>
+        <c:axId val="147296256"/>
         <c:scaling>
           <c:orientation val="minMax"/>
         </c:scaling>
@@ -659,7 +663,7 @@
         <c:majorTickMark val="out"/>
         <c:minorTickMark val="none"/>
         <c:tickLblPos val="nextTo"/>
-        <c:crossAx val="175227456"/>
+        <c:crossAx val="97414528"/>
         <c:crosses val="autoZero"/>
         <c:auto val="1"/>
         <c:lblAlgn val="ctr"/>
@@ -667,7 +671,7 @@
         <c:noMultiLvlLbl val="0"/>
       </c:catAx>
       <c:valAx>
-        <c:axId val="175227456"/>
+        <c:axId val="97414528"/>
         <c:scaling>
           <c:orientation val="minMax"/>
         </c:scaling>
@@ -677,7 +681,7 @@
         <c:majorTickMark val="out"/>
         <c:minorTickMark val="none"/>
         <c:tickLblPos val="nextTo"/>
-        <c:crossAx val="134933504"/>
+        <c:crossAx val="147296256"/>
         <c:crosses val="autoZero"/>
         <c:crossBetween val="between"/>
       </c:valAx>
@@ -968,11 +972,11 @@
         </c:dLbls>
         <c:gapWidth val="88"/>
         <c:overlap val="100"/>
-        <c:axId val="151198208"/>
-        <c:axId val="170076416"/>
+        <c:axId val="147297280"/>
+        <c:axId val="141186688"/>
       </c:barChart>
       <c:catAx>
-        <c:axId val="151198208"/>
+        <c:axId val="147297280"/>
         <c:scaling>
           <c:orientation val="minMax"/>
         </c:scaling>
@@ -981,7 +985,7 @@
         <c:majorTickMark val="out"/>
         <c:minorTickMark val="none"/>
         <c:tickLblPos val="nextTo"/>
-        <c:crossAx val="170076416"/>
+        <c:crossAx val="141186688"/>
         <c:crosses val="autoZero"/>
         <c:auto val="1"/>
         <c:lblAlgn val="ctr"/>
@@ -989,7 +993,7 @@
         <c:noMultiLvlLbl val="0"/>
       </c:catAx>
       <c:valAx>
-        <c:axId val="170076416"/>
+        <c:axId val="141186688"/>
         <c:scaling>
           <c:orientation val="minMax"/>
         </c:scaling>
@@ -999,7 +1003,7 @@
         <c:majorTickMark val="out"/>
         <c:minorTickMark val="none"/>
         <c:tickLblPos val="nextTo"/>
-        <c:crossAx val="151198208"/>
+        <c:crossAx val="147297280"/>
         <c:crosses val="autoZero"/>
         <c:crossBetween val="between"/>
       </c:valAx>
@@ -1142,7 +1146,7 @@
             <c:numRef>
               <c:f>Sheet1!$B$2:$B$10</c:f>
               <c:numCache>
-                <c:formatCode>General</c:formatCode>
+                <c:formatCode>_(* #,##0_);_(* \(#,##0\);_(* "-"_);_(@_)</c:formatCode>
                 <c:ptCount val="9"/>
                 <c:pt idx="0">
                   <c:v>0</c:v>
@@ -1236,7 +1240,7 @@
             <c:numRef>
               <c:f>Sheet1!$C$2:$C$10</c:f>
               <c:numCache>
-                <c:formatCode>General</c:formatCode>
+                <c:formatCode>_(* #,##0_);_(* \(#,##0\);_(* "-"_);_(@_)</c:formatCode>
                 <c:ptCount val="9"/>
                 <c:pt idx="0">
                   <c:v>41126.751000000004</c:v>
@@ -1333,7 +1337,7 @@
             <c:numRef>
               <c:f>Sheet1!$D$2:$D$10</c:f>
               <c:numCache>
-                <c:formatCode>General</c:formatCode>
+                <c:formatCode>_(* #,##0_);_(* \(#,##0\);_(* "-"_);_(@_)</c:formatCode>
                 <c:ptCount val="9"/>
                 <c:pt idx="0">
                   <c:v>262319.7</c:v>
@@ -1346,6 +1350,93 @@
                 </c:pt>
                 <c:pt idx="4">
                   <c:v>201502.02400000009</c:v>
+                </c:pt>
+              </c:numCache>
+            </c:numRef>
+          </c:val>
+        </c:ser>
+        <c:ser>
+          <c:idx val="3"/>
+          <c:order val="3"/>
+          <c:tx>
+            <c:strRef>
+              <c:f>Sheet1!$E$1</c:f>
+              <c:strCache>
+                <c:ptCount val="1"/>
+                <c:pt idx="0">
+                  <c:v>열1</c:v>
+                </c:pt>
+              </c:strCache>
+            </c:strRef>
+          </c:tx>
+          <c:invertIfNegative val="0"/>
+          <c:cat>
+            <c:strRef>
+              <c:f>Sheet1!$A$2:$A$10</c:f>
+              <c:strCache>
+                <c:ptCount val="9"/>
+                <c:pt idx="0">
+                  <c:v>관리자</c:v>
+                </c:pt>
+                <c:pt idx="1">
+                  <c:v>전문가 및 관련 종사자</c:v>
+                </c:pt>
+                <c:pt idx="2">
+                  <c:v>농림어업 숙련  종사자</c:v>
+                </c:pt>
+                <c:pt idx="3">
+                  <c:v>서비스 종사자</c:v>
+                </c:pt>
+                <c:pt idx="4">
+                  <c:v>기능원 및 관련 기능 종사자</c:v>
+                </c:pt>
+                <c:pt idx="5">
+                  <c:v>단순노무 종사자</c:v>
+                </c:pt>
+                <c:pt idx="6">
+                  <c:v>장치,기계조작 및 조립종사자</c:v>
+                </c:pt>
+                <c:pt idx="7">
+                  <c:v>판매 종사자</c:v>
+                </c:pt>
+                <c:pt idx="8">
+                  <c:v>사무 종사자</c:v>
+                </c:pt>
+              </c:strCache>
+            </c:strRef>
+          </c:cat>
+          <c:val>
+            <c:numRef>
+              <c:f>Sheet1!$E$2:$E$10</c:f>
+              <c:numCache>
+                <c:formatCode>0.0%</c:formatCode>
+                <c:ptCount val="9"/>
+                <c:pt idx="0" formatCode="_(* #,##0_);_(* \(#,##0\);_(* &quot;-&quot;_);_(@_)">
+                  <c:v>0</c:v>
+                </c:pt>
+                <c:pt idx="1">
+                  <c:v>0.85663067608576027</c:v>
+                </c:pt>
+                <c:pt idx="2" formatCode="_(* #,##0_);_(* \(#,##0\);_(* &quot;-&quot;_);_(@_)">
+                  <c:v>0</c:v>
+                </c:pt>
+                <c:pt idx="3" formatCode="_(* #,##0_);_(* \(#,##0\);_(* &quot;-&quot;_);_(@_)">
+                  <c:v>0</c:v>
+                </c:pt>
+                <c:pt idx="4" formatCode="_(* #,##0_);_(* \(#,##0\);_(* &quot;-&quot;_);_(@_)">
+                  <c:v>0</c:v>
+                </c:pt>
+                <c:pt idx="5" formatCode="_(* #,##0_);_(* \(#,##0\);_(* &quot;-&quot;_);_(@_)">
+                  <c:v>0</c:v>
+                </c:pt>
+                <c:pt idx="6" formatCode="_(* #,##0_);_(* \(#,##0\);_(* &quot;-&quot;_);_(@_)">
+                  <c:v>0</c:v>
+                </c:pt>
+                <c:pt idx="7" formatCode="_(* #,##0_);_(* \(#,##0\);_(* &quot;-&quot;_);_(@_)">
+                  <c:v>0</c:v>
+                </c:pt>
+                <c:pt idx="8" formatCode="_(* #,##0_);_(* \(#,##0\);_(* &quot;-&quot;_);_(@_)">
+                  <c:v>0</c:v>
                 </c:pt>
               </c:numCache>
             </c:numRef>
@@ -1361,11 +1452,11 @@
         </c:dLbls>
         <c:gapWidth val="0"/>
         <c:overlap val="100"/>
-        <c:axId val="125756416"/>
-        <c:axId val="170096256"/>
+        <c:axId val="147299840"/>
+        <c:axId val="147612224"/>
       </c:barChart>
       <c:catAx>
-        <c:axId val="125756416"/>
+        <c:axId val="147299840"/>
         <c:scaling>
           <c:orientation val="minMax"/>
         </c:scaling>
@@ -1374,7 +1465,7 @@
         <c:majorTickMark val="out"/>
         <c:minorTickMark val="none"/>
         <c:tickLblPos val="nextTo"/>
-        <c:crossAx val="170096256"/>
+        <c:crossAx val="147612224"/>
         <c:crosses val="autoZero"/>
         <c:auto val="1"/>
         <c:lblAlgn val="ctr"/>
@@ -1382,17 +1473,17 @@
         <c:noMultiLvlLbl val="0"/>
       </c:catAx>
       <c:valAx>
-        <c:axId val="170096256"/>
+        <c:axId val="147612224"/>
         <c:scaling>
           <c:orientation val="minMax"/>
         </c:scaling>
         <c:delete val="0"/>
         <c:axPos val="b"/>
-        <c:numFmt formatCode="General" sourceLinked="1"/>
+        <c:numFmt formatCode="_(* #,##0_);_(* \(#,##0\);_(* &quot;-&quot;_);_(@_)" sourceLinked="1"/>
         <c:majorTickMark val="out"/>
         <c:minorTickMark val="none"/>
         <c:tickLblPos val="nextTo"/>
-        <c:crossAx val="125756416"/>
+        <c:crossAx val="147299840"/>
         <c:crosses val="autoZero"/>
         <c:crossBetween val="between"/>
         <c:dispUnits>
@@ -1646,8 +1737,8 @@
         </c:dLbls>
         <c:gapWidth val="24"/>
         <c:overlap val="100"/>
-        <c:axId val="86702080"/>
-        <c:axId val="144229504"/>
+        <c:axId val="147334656"/>
+        <c:axId val="147614528"/>
       </c:barChart>
       <c:barChart>
         <c:barDir val="col"/>
@@ -1770,11 +1861,11 @@
         </c:dLbls>
         <c:gapWidth val="150"/>
         <c:overlap val="100"/>
-        <c:axId val="134932992"/>
-        <c:axId val="144230080"/>
+        <c:axId val="147336192"/>
+        <c:axId val="147615104"/>
       </c:barChart>
       <c:catAx>
-        <c:axId val="86702080"/>
+        <c:axId val="147334656"/>
         <c:scaling>
           <c:orientation val="minMax"/>
         </c:scaling>
@@ -1783,7 +1874,7 @@
         <c:majorTickMark val="out"/>
         <c:minorTickMark val="none"/>
         <c:tickLblPos val="nextTo"/>
-        <c:crossAx val="144229504"/>
+        <c:crossAx val="147614528"/>
         <c:crosses val="autoZero"/>
         <c:auto val="1"/>
         <c:lblAlgn val="ctr"/>
@@ -1791,7 +1882,7 @@
         <c:noMultiLvlLbl val="0"/>
       </c:catAx>
       <c:valAx>
-        <c:axId val="144229504"/>
+        <c:axId val="147614528"/>
         <c:scaling>
           <c:orientation val="minMax"/>
         </c:scaling>
@@ -1801,7 +1892,7 @@
         <c:majorTickMark val="out"/>
         <c:minorTickMark val="none"/>
         <c:tickLblPos val="nextTo"/>
-        <c:crossAx val="86702080"/>
+        <c:crossAx val="147334656"/>
         <c:crosses val="autoZero"/>
         <c:crossBetween val="between"/>
         <c:dispUnits>
@@ -1828,7 +1919,7 @@
         </c:dispUnits>
       </c:valAx>
       <c:valAx>
-        <c:axId val="144230080"/>
+        <c:axId val="147615104"/>
         <c:scaling>
           <c:orientation val="minMax"/>
         </c:scaling>
@@ -1838,12 +1929,12 @@
         <c:majorTickMark val="out"/>
         <c:minorTickMark val="none"/>
         <c:tickLblPos val="nextTo"/>
-        <c:crossAx val="134932992"/>
+        <c:crossAx val="147336192"/>
         <c:crosses val="max"/>
         <c:crossBetween val="between"/>
       </c:valAx>
       <c:catAx>
-        <c:axId val="134932992"/>
+        <c:axId val="147336192"/>
         <c:scaling>
           <c:orientation val="minMax"/>
         </c:scaling>
@@ -1852,7 +1943,8 @@
         <c:majorTickMark val="out"/>
         <c:minorTickMark val="none"/>
         <c:tickLblPos val="nextTo"/>
-        <c:crossAx val="144230080"/>
+        <c:crossAx val="147615104"/>
+        <c:crosses val="autoZero"/>
         <c:auto val="1"/>
         <c:lblAlgn val="ctr"/>
         <c:lblOffset val="100"/>
@@ -2086,8 +2178,8 @@
         </c:dLbls>
         <c:gapWidth val="24"/>
         <c:overlap val="100"/>
-        <c:axId val="134931456"/>
-        <c:axId val="133191296"/>
+        <c:axId val="147333120"/>
+        <c:axId val="147616832"/>
       </c:barChart>
       <c:barChart>
         <c:barDir val="col"/>
@@ -2210,11 +2302,11 @@
         </c:dLbls>
         <c:gapWidth val="150"/>
         <c:overlap val="100"/>
-        <c:axId val="135291392"/>
-        <c:axId val="133191872"/>
+        <c:axId val="147345920"/>
+        <c:axId val="147616256"/>
       </c:barChart>
       <c:catAx>
-        <c:axId val="134931456"/>
+        <c:axId val="147333120"/>
         <c:scaling>
           <c:orientation val="minMax"/>
         </c:scaling>
@@ -2223,7 +2315,7 @@
         <c:majorTickMark val="out"/>
         <c:minorTickMark val="none"/>
         <c:tickLblPos val="nextTo"/>
-        <c:crossAx val="133191296"/>
+        <c:crossAx val="147616832"/>
         <c:crosses val="autoZero"/>
         <c:auto val="1"/>
         <c:lblAlgn val="ctr"/>
@@ -2231,7 +2323,7 @@
         <c:noMultiLvlLbl val="0"/>
       </c:catAx>
       <c:valAx>
-        <c:axId val="133191296"/>
+        <c:axId val="147616832"/>
         <c:scaling>
           <c:orientation val="minMax"/>
         </c:scaling>
@@ -2241,7 +2333,7 @@
         <c:majorTickMark val="out"/>
         <c:minorTickMark val="none"/>
         <c:tickLblPos val="nextTo"/>
-        <c:crossAx val="134931456"/>
+        <c:crossAx val="147333120"/>
         <c:crosses val="autoZero"/>
         <c:crossBetween val="between"/>
         <c:dispUnits>
@@ -2268,7 +2360,7 @@
         </c:dispUnits>
       </c:valAx>
       <c:valAx>
-        <c:axId val="133191872"/>
+        <c:axId val="147616256"/>
         <c:scaling>
           <c:orientation val="minMax"/>
         </c:scaling>
@@ -2278,12 +2370,12 @@
         <c:majorTickMark val="out"/>
         <c:minorTickMark val="none"/>
         <c:tickLblPos val="nextTo"/>
-        <c:crossAx val="135291392"/>
+        <c:crossAx val="147345920"/>
         <c:crosses val="max"/>
         <c:crossBetween val="between"/>
       </c:valAx>
       <c:catAx>
-        <c:axId val="135291392"/>
+        <c:axId val="147345920"/>
         <c:scaling>
           <c:orientation val="minMax"/>
         </c:scaling>
@@ -2292,7 +2384,7 @@
         <c:majorTickMark val="out"/>
         <c:minorTickMark val="none"/>
         <c:tickLblPos val="nextTo"/>
-        <c:crossAx val="133191872"/>
+        <c:crossAx val="147616256"/>
         <c:crosses val="autoZero"/>
         <c:auto val="1"/>
         <c:lblAlgn val="ctr"/>
@@ -2506,7 +2598,7 @@
           <a:p>
             <a:fld id="{BBC1A0B8-A07A-4DB1-838F-6160FE5F0D98}" type="datetimeFigureOut">
               <a:rPr lang="ko-KR" altLang="en-US" smtClean="0"/>
-              <a:t>2018-04-19</a:t>
+              <a:t>2018-04-20</a:t>
             </a:fld>
             <a:endParaRPr lang="ko-KR" altLang="en-US"/>
           </a:p>
@@ -2676,7 +2768,7 @@
           <a:p>
             <a:fld id="{BBC1A0B8-A07A-4DB1-838F-6160FE5F0D98}" type="datetimeFigureOut">
               <a:rPr lang="ko-KR" altLang="en-US" smtClean="0"/>
-              <a:t>2018-04-19</a:t>
+              <a:t>2018-04-20</a:t>
             </a:fld>
             <a:endParaRPr lang="ko-KR" altLang="en-US"/>
           </a:p>
@@ -2856,7 +2948,7 @@
           <a:p>
             <a:fld id="{BBC1A0B8-A07A-4DB1-838F-6160FE5F0D98}" type="datetimeFigureOut">
               <a:rPr lang="ko-KR" altLang="en-US" smtClean="0"/>
-              <a:t>2018-04-19</a:t>
+              <a:t>2018-04-20</a:t>
             </a:fld>
             <a:endParaRPr lang="ko-KR" altLang="en-US"/>
           </a:p>
@@ -3026,7 +3118,7 @@
           <a:p>
             <a:fld id="{BBC1A0B8-A07A-4DB1-838F-6160FE5F0D98}" type="datetimeFigureOut">
               <a:rPr lang="ko-KR" altLang="en-US" smtClean="0"/>
-              <a:t>2018-04-19</a:t>
+              <a:t>2018-04-20</a:t>
             </a:fld>
             <a:endParaRPr lang="ko-KR" altLang="en-US"/>
           </a:p>
@@ -3272,7 +3364,7 @@
           <a:p>
             <a:fld id="{BBC1A0B8-A07A-4DB1-838F-6160FE5F0D98}" type="datetimeFigureOut">
               <a:rPr lang="ko-KR" altLang="en-US" smtClean="0"/>
-              <a:t>2018-04-19</a:t>
+              <a:t>2018-04-20</a:t>
             </a:fld>
             <a:endParaRPr lang="ko-KR" altLang="en-US"/>
           </a:p>
@@ -3560,7 +3652,7 @@
           <a:p>
             <a:fld id="{BBC1A0B8-A07A-4DB1-838F-6160FE5F0D98}" type="datetimeFigureOut">
               <a:rPr lang="ko-KR" altLang="en-US" smtClean="0"/>
-              <a:t>2018-04-19</a:t>
+              <a:t>2018-04-20</a:t>
             </a:fld>
             <a:endParaRPr lang="ko-KR" altLang="en-US"/>
           </a:p>
@@ -3982,7 +4074,7 @@
           <a:p>
             <a:fld id="{BBC1A0B8-A07A-4DB1-838F-6160FE5F0D98}" type="datetimeFigureOut">
               <a:rPr lang="ko-KR" altLang="en-US" smtClean="0"/>
-              <a:t>2018-04-19</a:t>
+              <a:t>2018-04-20</a:t>
             </a:fld>
             <a:endParaRPr lang="ko-KR" altLang="en-US"/>
           </a:p>
@@ -4100,7 +4192,7 @@
           <a:p>
             <a:fld id="{BBC1A0B8-A07A-4DB1-838F-6160FE5F0D98}" type="datetimeFigureOut">
               <a:rPr lang="ko-KR" altLang="en-US" smtClean="0"/>
-              <a:t>2018-04-19</a:t>
+              <a:t>2018-04-20</a:t>
             </a:fld>
             <a:endParaRPr lang="ko-KR" altLang="en-US"/>
           </a:p>
@@ -4195,7 +4287,7 @@
           <a:p>
             <a:fld id="{BBC1A0B8-A07A-4DB1-838F-6160FE5F0D98}" type="datetimeFigureOut">
               <a:rPr lang="ko-KR" altLang="en-US" smtClean="0"/>
-              <a:t>2018-04-19</a:t>
+              <a:t>2018-04-20</a:t>
             </a:fld>
             <a:endParaRPr lang="ko-KR" altLang="en-US"/>
           </a:p>
@@ -4472,7 +4564,7 @@
           <a:p>
             <a:fld id="{BBC1A0B8-A07A-4DB1-838F-6160FE5F0D98}" type="datetimeFigureOut">
               <a:rPr lang="ko-KR" altLang="en-US" smtClean="0"/>
-              <a:t>2018-04-19</a:t>
+              <a:t>2018-04-20</a:t>
             </a:fld>
             <a:endParaRPr lang="ko-KR" altLang="en-US"/>
           </a:p>
@@ -4725,7 +4817,7 @@
           <a:p>
             <a:fld id="{BBC1A0B8-A07A-4DB1-838F-6160FE5F0D98}" type="datetimeFigureOut">
               <a:rPr lang="ko-KR" altLang="en-US" smtClean="0"/>
-              <a:t>2018-04-19</a:t>
+              <a:t>2018-04-20</a:t>
             </a:fld>
             <a:endParaRPr lang="ko-KR" altLang="en-US"/>
           </a:p>
@@ -4938,7 +5030,7 @@
           <a:p>
             <a:fld id="{BBC1A0B8-A07A-4DB1-838F-6160FE5F0D98}" type="datetimeFigureOut">
               <a:rPr lang="ko-KR" altLang="en-US" smtClean="0"/>
-              <a:t>2018-04-19</a:t>
+              <a:t>2018-04-20</a:t>
             </a:fld>
             <a:endParaRPr lang="ko-KR" altLang="en-US"/>
           </a:p>
@@ -5385,6 +5477,113 @@
         <p:nvGraphicFramePr>
           <p:cNvPr id="4" name="내용 개체 틀 3"/>
           <p:cNvGraphicFramePr>
+            <a:graphicFrameLocks noGrp="1" noChangeAspect="1"/>
+          </p:cNvGraphicFramePr>
+          <p:nvPr>
+            <p:ph idx="1"/>
+            <p:extLst>
+              <p:ext uri="{D42A27DB-BD31-4B8C-83A1-F6EECF244321}">
+                <p14:modId xmlns:p14="http://schemas.microsoft.com/office/powerpoint/2010/main" val="1449407695"/>
+              </p:ext>
+            </p:extLst>
+          </p:nvPr>
+        </p:nvGraphicFramePr>
+        <p:xfrm>
+          <a:off x="457200" y="1817688"/>
+          <a:ext cx="8281988" cy="3294062"/>
+        </p:xfrm>
+        <a:graphic>
+          <a:graphicData uri="http://schemas.openxmlformats.org/presentationml/2006/ole">
+            <mc:AlternateContent xmlns:mc="http://schemas.openxmlformats.org/markup-compatibility/2006">
+              <mc:Choice xmlns:v="urn:schemas-microsoft-com:vml" Requires="v">
+                <p:oleObj spid="_x0000_s5135" name="워크시트" r:id="rId3" imgW="11182320" imgH="4448279" progId="Excel.Sheet.12">
+                  <p:embed/>
+                </p:oleObj>
+              </mc:Choice>
+              <mc:Fallback>
+                <p:oleObj name="워크시트" r:id="rId3" imgW="11182320" imgH="4448279" progId="Excel.Sheet.12">
+                  <p:embed/>
+                  <p:pic>
+                    <p:nvPicPr>
+                      <p:cNvPr id="0" name=""/>
+                      <p:cNvPicPr/>
+                      <p:nvPr/>
+                    </p:nvPicPr>
+                    <p:blipFill>
+                      <a:blip r:embed="rId4"/>
+                      <a:stretch>
+                        <a:fillRect/>
+                      </a:stretch>
+                    </p:blipFill>
+                    <p:spPr>
+                      <a:xfrm>
+                        <a:off x="457200" y="1817688"/>
+                        <a:ext cx="8281988" cy="3294062"/>
+                      </a:xfrm>
+                      <a:prstGeom prst="rect">
+                        <a:avLst/>
+                      </a:prstGeom>
+                    </p:spPr>
+                  </p:pic>
+                </p:oleObj>
+              </mc:Fallback>
+            </mc:AlternateContent>
+          </a:graphicData>
+        </a:graphic>
+      </p:graphicFrame>
+    </p:spTree>
+    <p:extLst>
+      <p:ext uri="{BB962C8B-B14F-4D97-AF65-F5344CB8AC3E}">
+        <p14:creationId xmlns:p14="http://schemas.microsoft.com/office/powerpoint/2010/main" val="2587353076"/>
+      </p:ext>
+    </p:extLst>
+  </p:cSld>
+  <p:clrMapOvr>
+    <a:masterClrMapping/>
+  </p:clrMapOvr>
+</p:sld>
+</file>
+
+<file path=ppt/slides/slide11.xml><?xml version="1.0" encoding="utf-8"?>
+<p:sld xmlns:a="http://schemas.openxmlformats.org/drawingml/2006/main" xmlns:r="http://schemas.openxmlformats.org/officeDocument/2006/relationships" xmlns:p="http://schemas.openxmlformats.org/presentationml/2006/main">
+  <p:cSld>
+    <p:spTree>
+      <p:nvGrpSpPr>
+        <p:cNvPr id="1" name=""/>
+        <p:cNvGrpSpPr/>
+        <p:nvPr/>
+      </p:nvGrpSpPr>
+      <p:grpSpPr>
+        <a:xfrm>
+          <a:off x="0" y="0"/>
+          <a:ext cx="0" cy="0"/>
+          <a:chOff x="0" y="0"/>
+          <a:chExt cx="0" cy="0"/>
+        </a:xfrm>
+      </p:grpSpPr>
+      <p:sp>
+        <p:nvSpPr>
+          <p:cNvPr id="2" name="제목 1"/>
+          <p:cNvSpPr>
+            <a:spLocks noGrp="1"/>
+          </p:cNvSpPr>
+          <p:nvPr>
+            <p:ph type="title"/>
+          </p:nvPr>
+        </p:nvSpPr>
+        <p:spPr/>
+        <p:txBody>
+          <a:bodyPr/>
+          <a:lstStyle/>
+          <a:p>
+            <a:endParaRPr lang="ko-KR" altLang="en-US"/>
+          </a:p>
+        </p:txBody>
+      </p:sp>
+      <p:graphicFrame>
+        <p:nvGraphicFramePr>
+          <p:cNvPr id="4" name="내용 개체 틀 3"/>
+          <p:cNvGraphicFramePr>
             <a:graphicFrameLocks noGrp="1"/>
           </p:cNvGraphicFramePr>
           <p:nvPr>
@@ -5419,7 +5618,7 @@
 </p:sld>
 </file>
 
-<file path=ppt/slides/slide11.xml><?xml version="1.0" encoding="utf-8"?>
+<file path=ppt/slides/slide12.xml><?xml version="1.0" encoding="utf-8"?>
 <p:sld xmlns:a="http://schemas.openxmlformats.org/drawingml/2006/main" xmlns:r="http://schemas.openxmlformats.org/officeDocument/2006/relationships" xmlns:p="http://schemas.openxmlformats.org/presentationml/2006/main">
   <p:cSld>
     <p:spTree>
@@ -5493,7 +5692,7 @@
 </p:sld>
 </file>
 
-<file path=ppt/slides/slide12.xml><?xml version="1.0" encoding="utf-8"?>
+<file path=ppt/slides/slide13.xml><?xml version="1.0" encoding="utf-8"?>
 <p:sld xmlns:a="http://schemas.openxmlformats.org/drawingml/2006/main" xmlns:r="http://schemas.openxmlformats.org/officeDocument/2006/relationships" xmlns:p="http://schemas.openxmlformats.org/presentationml/2006/main">
   <p:cSld>
     <p:spTree>
@@ -5548,6 +5747,52 @@
           </a:p>
         </p:txBody>
       </p:sp>
+      <p:sp>
+        <p:nvSpPr>
+          <p:cNvPr id="4" name="직사각형 3"/>
+          <p:cNvSpPr/>
+          <p:nvPr/>
+        </p:nvSpPr>
+        <p:spPr>
+          <a:xfrm>
+            <a:off x="2286000" y="2828836"/>
+            <a:ext cx="4572000" cy="1200329"/>
+          </a:xfrm>
+          <a:prstGeom prst="rect">
+            <a:avLst/>
+          </a:prstGeom>
+        </p:spPr>
+        <p:txBody>
+          <a:bodyPr>
+            <a:spAutoFit/>
+          </a:bodyPr>
+          <a:lstStyle/>
+          <a:p>
+            <a:r>
+              <a:rPr lang="ko-KR" altLang="ko-KR" dirty="0"/>
+              <a:t>장기 계획</a:t>
+            </a:r>
+          </a:p>
+          <a:p>
+            <a:r>
+              <a:rPr lang="ko-KR" altLang="ko-KR" dirty="0"/>
+              <a:t>적극적 노동시장 정책</a:t>
+            </a:r>
+          </a:p>
+          <a:p>
+            <a:r>
+              <a:rPr lang="ko-KR" altLang="ko-KR" dirty="0"/>
+              <a:t>포용성장</a:t>
+            </a:r>
+          </a:p>
+          <a:p>
+            <a:r>
+              <a:rPr lang="ko-KR" altLang="ko-KR"/>
+              <a:t>교육개혁</a:t>
+            </a:r>
+          </a:p>
+        </p:txBody>
+      </p:sp>
     </p:spTree>
     <p:extLst>
       <p:ext uri="{BB962C8B-B14F-4D97-AF65-F5344CB8AC3E}">
@@ -5561,7 +5806,7 @@
 </p:sld>
 </file>
 
-<file path=ppt/slides/slide13.xml><?xml version="1.0" encoding="utf-8"?>
+<file path=ppt/slides/slide14.xml><?xml version="1.0" encoding="utf-8"?>
 <p:sld xmlns:a="http://schemas.openxmlformats.org/drawingml/2006/main" xmlns:r="http://schemas.openxmlformats.org/officeDocument/2006/relationships" xmlns:p="http://schemas.openxmlformats.org/presentationml/2006/main">
   <p:cSld>
     <p:spTree>
@@ -6598,7 +6843,1025 @@
 </p:sld>
 </file>
 
+<file path=ppt/slides/slide15.xml><?xml version="1.0" encoding="utf-8"?>
+<p:sld xmlns:a="http://schemas.openxmlformats.org/drawingml/2006/main" xmlns:r="http://schemas.openxmlformats.org/officeDocument/2006/relationships" xmlns:p="http://schemas.openxmlformats.org/presentationml/2006/main">
+  <p:cSld>
+    <p:spTree>
+      <p:nvGrpSpPr>
+        <p:cNvPr id="1" name=""/>
+        <p:cNvGrpSpPr/>
+        <p:nvPr/>
+      </p:nvGrpSpPr>
+      <p:grpSpPr>
+        <a:xfrm>
+          <a:off x="0" y="0"/>
+          <a:ext cx="0" cy="0"/>
+          <a:chOff x="0" y="0"/>
+          <a:chExt cx="0" cy="0"/>
+        </a:xfrm>
+      </p:grpSpPr>
+      <p:sp>
+        <p:nvSpPr>
+          <p:cNvPr id="2" name="제목 1"/>
+          <p:cNvSpPr>
+            <a:spLocks noGrp="1"/>
+          </p:cNvSpPr>
+          <p:nvPr>
+            <p:ph type="title"/>
+          </p:nvPr>
+        </p:nvSpPr>
+        <p:spPr/>
+        <p:txBody>
+          <a:bodyPr/>
+          <a:lstStyle/>
+          <a:p>
+            <a:endParaRPr lang="ko-KR" altLang="en-US"/>
+          </a:p>
+        </p:txBody>
+      </p:sp>
+      <p:sp>
+        <p:nvSpPr>
+          <p:cNvPr id="3" name="내용 개체 틀 2"/>
+          <p:cNvSpPr>
+            <a:spLocks noGrp="1"/>
+          </p:cNvSpPr>
+          <p:nvPr>
+            <p:ph idx="1"/>
+          </p:nvPr>
+        </p:nvSpPr>
+        <p:spPr/>
+        <p:txBody>
+          <a:bodyPr/>
+          <a:lstStyle/>
+          <a:p>
+            <a:endParaRPr lang="ko-KR" altLang="en-US"/>
+          </a:p>
+        </p:txBody>
+      </p:sp>
+      <p:pic>
+        <p:nvPicPr>
+          <p:cNvPr id="4" name="그림 3"/>
+          <p:cNvPicPr/>
+          <p:nvPr/>
+        </p:nvPicPr>
+        <p:blipFill>
+          <a:blip r:embed="rId2"/>
+          <a:stretch>
+            <a:fillRect/>
+          </a:stretch>
+        </p:blipFill>
+        <p:spPr>
+          <a:xfrm>
+            <a:off x="1936750" y="2118677"/>
+            <a:ext cx="5270500" cy="2620645"/>
+          </a:xfrm>
+          <a:prstGeom prst="rect">
+            <a:avLst/>
+          </a:prstGeom>
+        </p:spPr>
+      </p:pic>
+    </p:spTree>
+    <p:extLst>
+      <p:ext uri="{BB962C8B-B14F-4D97-AF65-F5344CB8AC3E}">
+        <p14:creationId xmlns:p14="http://schemas.microsoft.com/office/powerpoint/2010/main" val="1420082360"/>
+      </p:ext>
+    </p:extLst>
+  </p:cSld>
+  <p:clrMapOvr>
+    <a:masterClrMapping/>
+  </p:clrMapOvr>
+</p:sld>
+</file>
+
 <file path=ppt/slides/slide2.xml><?xml version="1.0" encoding="utf-8"?>
+<p:sld xmlns:a="http://schemas.openxmlformats.org/drawingml/2006/main" xmlns:r="http://schemas.openxmlformats.org/officeDocument/2006/relationships" xmlns:p="http://schemas.openxmlformats.org/presentationml/2006/main">
+  <p:cSld>
+    <p:spTree>
+      <p:nvGrpSpPr>
+        <p:cNvPr id="1" name=""/>
+        <p:cNvGrpSpPr/>
+        <p:nvPr/>
+      </p:nvGrpSpPr>
+      <p:grpSpPr>
+        <a:xfrm>
+          <a:off x="0" y="0"/>
+          <a:ext cx="0" cy="0"/>
+          <a:chOff x="0" y="0"/>
+          <a:chExt cx="0" cy="0"/>
+        </a:xfrm>
+      </p:grpSpPr>
+      <p:sp>
+        <p:nvSpPr>
+          <p:cNvPr id="2" name="제목 1"/>
+          <p:cNvSpPr>
+            <a:spLocks noGrp="1"/>
+          </p:cNvSpPr>
+          <p:nvPr>
+            <p:ph type="title"/>
+          </p:nvPr>
+        </p:nvSpPr>
+        <p:spPr/>
+        <p:txBody>
+          <a:bodyPr>
+            <a:normAutofit/>
+          </a:bodyPr>
+          <a:lstStyle/>
+          <a:p>
+            <a:r>
+              <a:rPr lang="ko-KR" altLang="en-US" dirty="0" smtClean="0"/>
+              <a:t>인공지능과 사람의 대결</a:t>
+            </a:r>
+            <a:endParaRPr lang="ko-KR" altLang="en-US" dirty="0"/>
+          </a:p>
+        </p:txBody>
+      </p:sp>
+      <p:grpSp>
+        <p:nvGrpSpPr>
+          <p:cNvPr id="15" name="그룹 14"/>
+          <p:cNvGrpSpPr/>
+          <p:nvPr/>
+        </p:nvGrpSpPr>
+        <p:grpSpPr>
+          <a:xfrm>
+            <a:off x="395536" y="1916832"/>
+            <a:ext cx="8136904" cy="864096"/>
+            <a:chOff x="395536" y="2492896"/>
+            <a:chExt cx="8136904" cy="864096"/>
+          </a:xfrm>
+        </p:grpSpPr>
+        <p:cxnSp>
+          <p:nvCxnSpPr>
+            <p:cNvPr id="5" name="직선 화살표 연결선 4"/>
+            <p:cNvCxnSpPr/>
+            <p:nvPr/>
+          </p:nvCxnSpPr>
+          <p:spPr>
+            <a:xfrm>
+              <a:off x="1101101" y="3039932"/>
+              <a:ext cx="6768000" cy="0"/>
+            </a:xfrm>
+            <a:prstGeom prst="straightConnector1">
+              <a:avLst/>
+            </a:prstGeom>
+            <a:ln>
+              <a:headEnd type="oval" w="med" len="med"/>
+              <a:tailEnd type="oval" w="med" len="med"/>
+            </a:ln>
+          </p:spPr>
+          <p:style>
+            <a:lnRef idx="2">
+              <a:schemeClr val="dk1"/>
+            </a:lnRef>
+            <a:fillRef idx="0">
+              <a:schemeClr val="dk1"/>
+            </a:fillRef>
+            <a:effectRef idx="1">
+              <a:schemeClr val="dk1"/>
+            </a:effectRef>
+            <a:fontRef idx="minor">
+              <a:schemeClr val="tx1"/>
+            </a:fontRef>
+          </p:style>
+        </p:cxnSp>
+        <p:sp>
+          <p:nvSpPr>
+            <p:cNvPr id="6" name="타원 5"/>
+            <p:cNvSpPr/>
+            <p:nvPr/>
+          </p:nvSpPr>
+          <p:spPr>
+            <a:xfrm>
+              <a:off x="2815342" y="2982438"/>
+              <a:ext cx="108000" cy="108000"/>
+            </a:xfrm>
+            <a:prstGeom prst="ellipse">
+              <a:avLst/>
+            </a:prstGeom>
+          </p:spPr>
+          <p:style>
+            <a:lnRef idx="2">
+              <a:schemeClr val="dk1">
+                <a:shade val="50000"/>
+              </a:schemeClr>
+            </a:lnRef>
+            <a:fillRef idx="1">
+              <a:schemeClr val="dk1"/>
+            </a:fillRef>
+            <a:effectRef idx="0">
+              <a:schemeClr val="dk1"/>
+            </a:effectRef>
+            <a:fontRef idx="minor">
+              <a:schemeClr val="lt1"/>
+            </a:fontRef>
+          </p:style>
+          <p:txBody>
+            <a:bodyPr rtlCol="0" anchor="ctr"/>
+            <a:lstStyle/>
+            <a:p>
+              <a:pPr algn="ctr"/>
+              <a:endParaRPr lang="ko-KR" altLang="en-US"/>
+            </a:p>
+          </p:txBody>
+        </p:sp>
+        <p:sp>
+          <p:nvSpPr>
+            <p:cNvPr id="9" name="TextBox 8"/>
+            <p:cNvSpPr txBox="1"/>
+            <p:nvPr/>
+          </p:nvSpPr>
+          <p:spPr>
+            <a:xfrm>
+              <a:off x="424564" y="2492896"/>
+              <a:ext cx="1296144" cy="461665"/>
+            </a:xfrm>
+            <a:prstGeom prst="rect">
+              <a:avLst/>
+            </a:prstGeom>
+            <a:noFill/>
+          </p:spPr>
+          <p:txBody>
+            <a:bodyPr wrap="square" rtlCol="0">
+              <a:spAutoFit/>
+            </a:bodyPr>
+            <a:lstStyle/>
+            <a:p>
+              <a:pPr algn="ctr"/>
+              <a:r>
+                <a:rPr lang="ko-KR" altLang="en-US" sz="1200" dirty="0" err="1" smtClean="0"/>
+                <a:t>오델로</a:t>
+              </a:r>
+              <a:r>
+                <a:rPr lang="en-US" altLang="ko-KR" sz="1200" dirty="0" smtClean="0"/>
+                <a:t/>
+              </a:r>
+              <a:br>
+                <a:rPr lang="en-US" altLang="ko-KR" sz="1200" dirty="0" smtClean="0"/>
+              </a:br>
+              <a:r>
+                <a:rPr lang="en-US" altLang="ko-KR" sz="1200" dirty="0" smtClean="0"/>
+                <a:t>(</a:t>
+              </a:r>
+              <a:r>
+                <a:rPr lang="ko-KR" altLang="en-US" sz="1200" dirty="0" smtClean="0"/>
+                <a:t>보드게임</a:t>
+              </a:r>
+              <a:r>
+                <a:rPr lang="en-US" altLang="ko-KR" sz="1200" dirty="0" smtClean="0"/>
+                <a:t>)</a:t>
+              </a:r>
+              <a:endParaRPr lang="ko-KR" altLang="en-US" sz="1200" dirty="0"/>
+            </a:p>
+          </p:txBody>
+        </p:sp>
+        <p:sp>
+          <p:nvSpPr>
+            <p:cNvPr id="16" name="타원 15"/>
+            <p:cNvSpPr/>
+            <p:nvPr/>
+          </p:nvSpPr>
+          <p:spPr>
+            <a:xfrm>
+              <a:off x="3541848" y="2982438"/>
+              <a:ext cx="108000" cy="108000"/>
+            </a:xfrm>
+            <a:prstGeom prst="ellipse">
+              <a:avLst/>
+            </a:prstGeom>
+          </p:spPr>
+          <p:style>
+            <a:lnRef idx="2">
+              <a:schemeClr val="dk1">
+                <a:shade val="50000"/>
+              </a:schemeClr>
+            </a:lnRef>
+            <a:fillRef idx="1">
+              <a:schemeClr val="dk1"/>
+            </a:fillRef>
+            <a:effectRef idx="0">
+              <a:schemeClr val="dk1"/>
+            </a:effectRef>
+            <a:fontRef idx="minor">
+              <a:schemeClr val="lt1"/>
+            </a:fontRef>
+          </p:style>
+          <p:txBody>
+            <a:bodyPr rtlCol="0" anchor="ctr"/>
+            <a:lstStyle/>
+            <a:p>
+              <a:pPr algn="ctr"/>
+              <a:endParaRPr lang="ko-KR" altLang="en-US"/>
+            </a:p>
+          </p:txBody>
+        </p:sp>
+        <p:sp>
+          <p:nvSpPr>
+            <p:cNvPr id="17" name="타원 16"/>
+            <p:cNvSpPr/>
+            <p:nvPr/>
+          </p:nvSpPr>
+          <p:spPr>
+            <a:xfrm>
+              <a:off x="1029094" y="2982438"/>
+              <a:ext cx="108000" cy="108000"/>
+            </a:xfrm>
+            <a:prstGeom prst="ellipse">
+              <a:avLst/>
+            </a:prstGeom>
+          </p:spPr>
+          <p:style>
+            <a:lnRef idx="2">
+              <a:schemeClr val="dk1">
+                <a:shade val="50000"/>
+              </a:schemeClr>
+            </a:lnRef>
+            <a:fillRef idx="1">
+              <a:schemeClr val="dk1"/>
+            </a:fillRef>
+            <a:effectRef idx="0">
+              <a:schemeClr val="dk1"/>
+            </a:effectRef>
+            <a:fontRef idx="minor">
+              <a:schemeClr val="lt1"/>
+            </a:fontRef>
+          </p:style>
+          <p:txBody>
+            <a:bodyPr rtlCol="0" anchor="ctr"/>
+            <a:lstStyle/>
+            <a:p>
+              <a:pPr algn="ctr"/>
+              <a:endParaRPr lang="ko-KR" altLang="en-US"/>
+            </a:p>
+          </p:txBody>
+        </p:sp>
+        <p:sp>
+          <p:nvSpPr>
+            <p:cNvPr id="18" name="타원 17"/>
+            <p:cNvSpPr/>
+            <p:nvPr/>
+          </p:nvSpPr>
+          <p:spPr>
+            <a:xfrm>
+              <a:off x="5241574" y="2967924"/>
+              <a:ext cx="108000" cy="108000"/>
+            </a:xfrm>
+            <a:prstGeom prst="ellipse">
+              <a:avLst/>
+            </a:prstGeom>
+          </p:spPr>
+          <p:style>
+            <a:lnRef idx="2">
+              <a:schemeClr val="dk1">
+                <a:shade val="50000"/>
+              </a:schemeClr>
+            </a:lnRef>
+            <a:fillRef idx="1">
+              <a:schemeClr val="dk1"/>
+            </a:fillRef>
+            <a:effectRef idx="0">
+              <a:schemeClr val="dk1"/>
+            </a:effectRef>
+            <a:fontRef idx="minor">
+              <a:schemeClr val="lt1"/>
+            </a:fontRef>
+          </p:style>
+          <p:txBody>
+            <a:bodyPr rtlCol="0" anchor="ctr"/>
+            <a:lstStyle/>
+            <a:p>
+              <a:pPr algn="ctr"/>
+              <a:endParaRPr lang="ko-KR" altLang="en-US"/>
+            </a:p>
+          </p:txBody>
+        </p:sp>
+        <p:sp>
+          <p:nvSpPr>
+            <p:cNvPr id="19" name="타원 18"/>
+            <p:cNvSpPr/>
+            <p:nvPr/>
+          </p:nvSpPr>
+          <p:spPr>
+            <a:xfrm>
+              <a:off x="6365236" y="2967924"/>
+              <a:ext cx="108000" cy="108000"/>
+            </a:xfrm>
+            <a:prstGeom prst="ellipse">
+              <a:avLst/>
+            </a:prstGeom>
+          </p:spPr>
+          <p:style>
+            <a:lnRef idx="2">
+              <a:schemeClr val="dk1">
+                <a:shade val="50000"/>
+              </a:schemeClr>
+            </a:lnRef>
+            <a:fillRef idx="1">
+              <a:schemeClr val="dk1"/>
+            </a:fillRef>
+            <a:effectRef idx="0">
+              <a:schemeClr val="dk1"/>
+            </a:effectRef>
+            <a:fontRef idx="minor">
+              <a:schemeClr val="lt1"/>
+            </a:fontRef>
+          </p:style>
+          <p:txBody>
+            <a:bodyPr rtlCol="0" anchor="ctr"/>
+            <a:lstStyle/>
+            <a:p>
+              <a:pPr algn="ctr"/>
+              <a:endParaRPr lang="ko-KR" altLang="en-US"/>
+            </a:p>
+          </p:txBody>
+        </p:sp>
+        <p:sp>
+          <p:nvSpPr>
+            <p:cNvPr id="20" name="타원 19"/>
+            <p:cNvSpPr/>
+            <p:nvPr/>
+          </p:nvSpPr>
+          <p:spPr>
+            <a:xfrm>
+              <a:off x="7085316" y="2967924"/>
+              <a:ext cx="108000" cy="108000"/>
+            </a:xfrm>
+            <a:prstGeom prst="ellipse">
+              <a:avLst/>
+            </a:prstGeom>
+          </p:spPr>
+          <p:style>
+            <a:lnRef idx="2">
+              <a:schemeClr val="dk1">
+                <a:shade val="50000"/>
+              </a:schemeClr>
+            </a:lnRef>
+            <a:fillRef idx="1">
+              <a:schemeClr val="dk1"/>
+            </a:fillRef>
+            <a:effectRef idx="0">
+              <a:schemeClr val="dk1"/>
+            </a:effectRef>
+            <a:fontRef idx="minor">
+              <a:schemeClr val="lt1"/>
+            </a:fontRef>
+          </p:style>
+          <p:txBody>
+            <a:bodyPr rtlCol="0" anchor="ctr"/>
+            <a:lstStyle/>
+            <a:p>
+              <a:pPr algn="ctr"/>
+              <a:endParaRPr lang="ko-KR" altLang="en-US"/>
+            </a:p>
+          </p:txBody>
+        </p:sp>
+        <p:sp>
+          <p:nvSpPr>
+            <p:cNvPr id="21" name="타원 20"/>
+            <p:cNvSpPr/>
+            <p:nvPr/>
+          </p:nvSpPr>
+          <p:spPr>
+            <a:xfrm>
+              <a:off x="7812360" y="2975474"/>
+              <a:ext cx="108000" cy="108000"/>
+            </a:xfrm>
+            <a:prstGeom prst="ellipse">
+              <a:avLst/>
+            </a:prstGeom>
+          </p:spPr>
+          <p:style>
+            <a:lnRef idx="2">
+              <a:schemeClr val="dk1">
+                <a:shade val="50000"/>
+              </a:schemeClr>
+            </a:lnRef>
+            <a:fillRef idx="1">
+              <a:schemeClr val="dk1"/>
+            </a:fillRef>
+            <a:effectRef idx="0">
+              <a:schemeClr val="dk1"/>
+            </a:effectRef>
+            <a:fontRef idx="minor">
+              <a:schemeClr val="lt1"/>
+            </a:fontRef>
+          </p:style>
+          <p:txBody>
+            <a:bodyPr rtlCol="0" anchor="ctr"/>
+            <a:lstStyle/>
+            <a:p>
+              <a:pPr algn="ctr"/>
+              <a:endParaRPr lang="ko-KR" altLang="en-US"/>
+            </a:p>
+          </p:txBody>
+        </p:sp>
+        <p:sp>
+          <p:nvSpPr>
+            <p:cNvPr id="22" name="TextBox 21"/>
+            <p:cNvSpPr txBox="1"/>
+            <p:nvPr/>
+          </p:nvSpPr>
+          <p:spPr>
+            <a:xfrm>
+              <a:off x="395536" y="3079993"/>
+              <a:ext cx="1296144" cy="276999"/>
+            </a:xfrm>
+            <a:prstGeom prst="rect">
+              <a:avLst/>
+            </a:prstGeom>
+            <a:noFill/>
+          </p:spPr>
+          <p:txBody>
+            <a:bodyPr wrap="square" rtlCol="0">
+              <a:spAutoFit/>
+            </a:bodyPr>
+            <a:lstStyle/>
+            <a:p>
+              <a:pPr algn="ctr"/>
+              <a:r>
+                <a:rPr lang="en-US" altLang="ko-KR" sz="1200" dirty="0" smtClean="0"/>
+                <a:t>1980</a:t>
+              </a:r>
+              <a:endParaRPr lang="ko-KR" altLang="en-US" sz="1200" dirty="0"/>
+            </a:p>
+          </p:txBody>
+        </p:sp>
+        <p:sp>
+          <p:nvSpPr>
+            <p:cNvPr id="23" name="TextBox 22"/>
+            <p:cNvSpPr txBox="1"/>
+            <p:nvPr/>
+          </p:nvSpPr>
+          <p:spPr>
+            <a:xfrm>
+              <a:off x="2210250" y="2492896"/>
+              <a:ext cx="1296144" cy="461665"/>
+            </a:xfrm>
+            <a:prstGeom prst="rect">
+              <a:avLst/>
+            </a:prstGeom>
+            <a:noFill/>
+          </p:spPr>
+          <p:txBody>
+            <a:bodyPr wrap="square" rtlCol="0">
+              <a:spAutoFit/>
+            </a:bodyPr>
+            <a:lstStyle/>
+            <a:p>
+              <a:pPr algn="ctr"/>
+              <a:r>
+                <a:rPr lang="ko-KR" altLang="en-US" sz="1200" dirty="0" err="1" smtClean="0"/>
+                <a:t>체커</a:t>
+              </a:r>
+              <a:r>
+                <a:rPr lang="en-US" altLang="ko-KR" sz="1200" dirty="0" smtClean="0"/>
+                <a:t/>
+              </a:r>
+              <a:br>
+                <a:rPr lang="en-US" altLang="ko-KR" sz="1200" dirty="0" smtClean="0"/>
+              </a:br>
+              <a:r>
+                <a:rPr lang="en-US" altLang="ko-KR" sz="1200" dirty="0" smtClean="0"/>
+                <a:t>(</a:t>
+              </a:r>
+              <a:r>
+                <a:rPr lang="ko-KR" altLang="en-US" sz="1200" dirty="0" smtClean="0"/>
+                <a:t>보드게임</a:t>
+              </a:r>
+              <a:r>
+                <a:rPr lang="en-US" altLang="ko-KR" sz="1200" dirty="0" smtClean="0"/>
+                <a:t>)</a:t>
+              </a:r>
+              <a:endParaRPr lang="ko-KR" altLang="en-US" sz="1200" dirty="0"/>
+            </a:p>
+          </p:txBody>
+        </p:sp>
+        <p:sp>
+          <p:nvSpPr>
+            <p:cNvPr id="24" name="TextBox 23"/>
+            <p:cNvSpPr txBox="1"/>
+            <p:nvPr/>
+          </p:nvSpPr>
+          <p:spPr>
+            <a:xfrm>
+              <a:off x="2195736" y="3079993"/>
+              <a:ext cx="1296144" cy="276999"/>
+            </a:xfrm>
+            <a:prstGeom prst="rect">
+              <a:avLst/>
+            </a:prstGeom>
+            <a:noFill/>
+          </p:spPr>
+          <p:txBody>
+            <a:bodyPr wrap="square" rtlCol="0">
+              <a:spAutoFit/>
+            </a:bodyPr>
+            <a:lstStyle/>
+            <a:p>
+              <a:pPr algn="ctr"/>
+              <a:r>
+                <a:rPr lang="en-US" altLang="ko-KR" sz="1200" dirty="0" smtClean="0"/>
+                <a:t>1995</a:t>
+              </a:r>
+              <a:endParaRPr lang="ko-KR" altLang="en-US" sz="1200" dirty="0"/>
+            </a:p>
+          </p:txBody>
+        </p:sp>
+        <p:sp>
+          <p:nvSpPr>
+            <p:cNvPr id="25" name="TextBox 24"/>
+            <p:cNvSpPr txBox="1"/>
+            <p:nvPr/>
+          </p:nvSpPr>
+          <p:spPr>
+            <a:xfrm>
+              <a:off x="2944282" y="2585229"/>
+              <a:ext cx="1296144" cy="276999"/>
+            </a:xfrm>
+            <a:prstGeom prst="rect">
+              <a:avLst/>
+            </a:prstGeom>
+            <a:noFill/>
+          </p:spPr>
+          <p:txBody>
+            <a:bodyPr wrap="square" rtlCol="0">
+              <a:spAutoFit/>
+            </a:bodyPr>
+            <a:lstStyle/>
+            <a:p>
+              <a:pPr algn="ctr"/>
+              <a:r>
+                <a:rPr lang="ko-KR" altLang="en-US" sz="1200" dirty="0" smtClean="0"/>
+                <a:t>체스</a:t>
+              </a:r>
+              <a:endParaRPr lang="ko-KR" altLang="en-US" sz="1200" dirty="0"/>
+            </a:p>
+          </p:txBody>
+        </p:sp>
+        <p:sp>
+          <p:nvSpPr>
+            <p:cNvPr id="26" name="TextBox 25"/>
+            <p:cNvSpPr txBox="1"/>
+            <p:nvPr/>
+          </p:nvSpPr>
+          <p:spPr>
+            <a:xfrm>
+              <a:off x="4644008" y="2492896"/>
+              <a:ext cx="1296144" cy="461665"/>
+            </a:xfrm>
+            <a:prstGeom prst="rect">
+              <a:avLst/>
+            </a:prstGeom>
+            <a:noFill/>
+          </p:spPr>
+          <p:txBody>
+            <a:bodyPr wrap="square" rtlCol="0">
+              <a:spAutoFit/>
+            </a:bodyPr>
+            <a:lstStyle/>
+            <a:p>
+              <a:pPr algn="ctr"/>
+              <a:r>
+                <a:rPr lang="ko-KR" altLang="en-US" sz="1200" dirty="0" err="1" smtClean="0"/>
+                <a:t>제퍼디</a:t>
+              </a:r>
+              <a:r>
+                <a:rPr lang="en-US" altLang="ko-KR" sz="1200" dirty="0" smtClean="0"/>
+                <a:t>!</a:t>
+              </a:r>
+              <a:br>
+                <a:rPr lang="en-US" altLang="ko-KR" sz="1200" dirty="0" smtClean="0"/>
+              </a:br>
+              <a:r>
+                <a:rPr lang="en-US" altLang="ko-KR" sz="1200" dirty="0" smtClean="0"/>
+                <a:t>(</a:t>
+              </a:r>
+              <a:r>
+                <a:rPr lang="ko-KR" altLang="en-US" sz="1200" dirty="0" err="1" smtClean="0"/>
+                <a:t>퀴즈쇼</a:t>
+              </a:r>
+              <a:r>
+                <a:rPr lang="en-US" altLang="ko-KR" sz="1200" dirty="0" smtClean="0"/>
+                <a:t>)</a:t>
+              </a:r>
+              <a:endParaRPr lang="ko-KR" altLang="en-US" sz="1200" dirty="0"/>
+            </a:p>
+          </p:txBody>
+        </p:sp>
+        <p:sp>
+          <p:nvSpPr>
+            <p:cNvPr id="27" name="TextBox 26"/>
+            <p:cNvSpPr txBox="1"/>
+            <p:nvPr/>
+          </p:nvSpPr>
+          <p:spPr>
+            <a:xfrm>
+              <a:off x="5767670" y="2492896"/>
+              <a:ext cx="1296144" cy="461665"/>
+            </a:xfrm>
+            <a:prstGeom prst="rect">
+              <a:avLst/>
+            </a:prstGeom>
+            <a:noFill/>
+          </p:spPr>
+          <p:txBody>
+            <a:bodyPr wrap="square" rtlCol="0">
+              <a:spAutoFit/>
+            </a:bodyPr>
+            <a:lstStyle/>
+            <a:p>
+              <a:pPr algn="ctr"/>
+              <a:r>
+                <a:rPr lang="ko-KR" altLang="en-US" sz="1200" dirty="0" err="1" smtClean="0"/>
+                <a:t>아타리</a:t>
+              </a:r>
+              <a:endParaRPr lang="en-US" altLang="ko-KR" sz="1200" dirty="0" smtClean="0"/>
+            </a:p>
+            <a:p>
+              <a:pPr algn="ctr"/>
+              <a:r>
+                <a:rPr lang="en-US" altLang="ko-KR" sz="1200" dirty="0" smtClean="0"/>
+                <a:t>(</a:t>
+              </a:r>
+              <a:r>
+                <a:rPr lang="ko-KR" altLang="en-US" sz="1200" dirty="0" smtClean="0"/>
+                <a:t>비디오 게임</a:t>
+              </a:r>
+              <a:r>
+                <a:rPr lang="en-US" altLang="ko-KR" sz="1200" dirty="0" smtClean="0"/>
+                <a:t>)</a:t>
+              </a:r>
+              <a:endParaRPr lang="ko-KR" altLang="en-US" sz="1200" dirty="0"/>
+            </a:p>
+          </p:txBody>
+        </p:sp>
+        <p:sp>
+          <p:nvSpPr>
+            <p:cNvPr id="28" name="TextBox 27"/>
+            <p:cNvSpPr txBox="1"/>
+            <p:nvPr/>
+          </p:nvSpPr>
+          <p:spPr>
+            <a:xfrm>
+              <a:off x="6516216" y="2585229"/>
+              <a:ext cx="1296144" cy="276999"/>
+            </a:xfrm>
+            <a:prstGeom prst="rect">
+              <a:avLst/>
+            </a:prstGeom>
+            <a:noFill/>
+          </p:spPr>
+          <p:txBody>
+            <a:bodyPr wrap="square" rtlCol="0">
+              <a:spAutoFit/>
+            </a:bodyPr>
+            <a:lstStyle/>
+            <a:p>
+              <a:pPr algn="ctr"/>
+              <a:r>
+                <a:rPr lang="ko-KR" altLang="en-US" sz="1200" dirty="0" smtClean="0"/>
+                <a:t>바둑</a:t>
+              </a:r>
+              <a:endParaRPr lang="ko-KR" altLang="en-US" sz="1200" dirty="0"/>
+            </a:p>
+          </p:txBody>
+        </p:sp>
+        <p:sp>
+          <p:nvSpPr>
+            <p:cNvPr id="29" name="TextBox 28"/>
+            <p:cNvSpPr txBox="1"/>
+            <p:nvPr/>
+          </p:nvSpPr>
+          <p:spPr>
+            <a:xfrm>
+              <a:off x="7207268" y="2585229"/>
+              <a:ext cx="1296144" cy="276999"/>
+            </a:xfrm>
+            <a:prstGeom prst="rect">
+              <a:avLst/>
+            </a:prstGeom>
+            <a:noFill/>
+          </p:spPr>
+          <p:txBody>
+            <a:bodyPr wrap="square" rtlCol="0">
+              <a:spAutoFit/>
+            </a:bodyPr>
+            <a:lstStyle/>
+            <a:p>
+              <a:pPr algn="ctr"/>
+              <a:r>
+                <a:rPr lang="ko-KR" altLang="en-US" sz="1200" dirty="0" smtClean="0"/>
+                <a:t>포커</a:t>
+              </a:r>
+              <a:endParaRPr lang="ko-KR" altLang="en-US" sz="1200" dirty="0"/>
+            </a:p>
+          </p:txBody>
+        </p:sp>
+        <p:sp>
+          <p:nvSpPr>
+            <p:cNvPr id="30" name="TextBox 29"/>
+            <p:cNvSpPr txBox="1"/>
+            <p:nvPr/>
+          </p:nvSpPr>
+          <p:spPr>
+            <a:xfrm>
+              <a:off x="2944844" y="3079993"/>
+              <a:ext cx="1296144" cy="276999"/>
+            </a:xfrm>
+            <a:prstGeom prst="rect">
+              <a:avLst/>
+            </a:prstGeom>
+            <a:noFill/>
+          </p:spPr>
+          <p:txBody>
+            <a:bodyPr wrap="square" rtlCol="0">
+              <a:spAutoFit/>
+            </a:bodyPr>
+            <a:lstStyle/>
+            <a:p>
+              <a:pPr algn="ctr"/>
+              <a:r>
+                <a:rPr lang="en-US" altLang="ko-KR" sz="1200" dirty="0" smtClean="0"/>
+                <a:t>1997</a:t>
+              </a:r>
+              <a:endParaRPr lang="ko-KR" altLang="en-US" sz="1200" dirty="0"/>
+            </a:p>
+          </p:txBody>
+        </p:sp>
+        <p:sp>
+          <p:nvSpPr>
+            <p:cNvPr id="31" name="TextBox 30"/>
+            <p:cNvSpPr txBox="1"/>
+            <p:nvPr/>
+          </p:nvSpPr>
+          <p:spPr>
+            <a:xfrm>
+              <a:off x="4644008" y="3079993"/>
+              <a:ext cx="1296144" cy="276999"/>
+            </a:xfrm>
+            <a:prstGeom prst="rect">
+              <a:avLst/>
+            </a:prstGeom>
+            <a:noFill/>
+          </p:spPr>
+          <p:txBody>
+            <a:bodyPr wrap="square" rtlCol="0">
+              <a:spAutoFit/>
+            </a:bodyPr>
+            <a:lstStyle/>
+            <a:p>
+              <a:pPr algn="ctr"/>
+              <a:r>
+                <a:rPr lang="en-US" altLang="ko-KR" sz="1200" dirty="0" smtClean="0"/>
+                <a:t>2011</a:t>
+              </a:r>
+              <a:endParaRPr lang="ko-KR" altLang="en-US" sz="1200" dirty="0"/>
+            </a:p>
+          </p:txBody>
+        </p:sp>
+        <p:sp>
+          <p:nvSpPr>
+            <p:cNvPr id="32" name="TextBox 31"/>
+            <p:cNvSpPr txBox="1"/>
+            <p:nvPr/>
+          </p:nvSpPr>
+          <p:spPr>
+            <a:xfrm>
+              <a:off x="5767108" y="3079993"/>
+              <a:ext cx="1296144" cy="276999"/>
+            </a:xfrm>
+            <a:prstGeom prst="rect">
+              <a:avLst/>
+            </a:prstGeom>
+            <a:noFill/>
+          </p:spPr>
+          <p:txBody>
+            <a:bodyPr wrap="square" rtlCol="0">
+              <a:spAutoFit/>
+            </a:bodyPr>
+            <a:lstStyle/>
+            <a:p>
+              <a:pPr algn="ctr"/>
+              <a:r>
+                <a:rPr lang="en-US" altLang="ko-KR" sz="1200" dirty="0" smtClean="0"/>
+                <a:t>2015</a:t>
+              </a:r>
+              <a:endParaRPr lang="ko-KR" altLang="en-US" sz="1200" dirty="0"/>
+            </a:p>
+          </p:txBody>
+        </p:sp>
+        <p:sp>
+          <p:nvSpPr>
+            <p:cNvPr id="33" name="TextBox 32"/>
+            <p:cNvSpPr txBox="1"/>
+            <p:nvPr/>
+          </p:nvSpPr>
+          <p:spPr>
+            <a:xfrm>
+              <a:off x="6513827" y="3079993"/>
+              <a:ext cx="1296144" cy="276999"/>
+            </a:xfrm>
+            <a:prstGeom prst="rect">
+              <a:avLst/>
+            </a:prstGeom>
+            <a:noFill/>
+          </p:spPr>
+          <p:txBody>
+            <a:bodyPr wrap="square" rtlCol="0">
+              <a:spAutoFit/>
+            </a:bodyPr>
+            <a:lstStyle/>
+            <a:p>
+              <a:pPr algn="ctr"/>
+              <a:r>
+                <a:rPr lang="en-US" altLang="ko-KR" sz="1200" dirty="0" smtClean="0"/>
+                <a:t>2016</a:t>
+              </a:r>
+              <a:endParaRPr lang="ko-KR" altLang="en-US" sz="1200" dirty="0"/>
+            </a:p>
+          </p:txBody>
+        </p:sp>
+        <p:sp>
+          <p:nvSpPr>
+            <p:cNvPr id="34" name="TextBox 33"/>
+            <p:cNvSpPr txBox="1"/>
+            <p:nvPr/>
+          </p:nvSpPr>
+          <p:spPr>
+            <a:xfrm>
+              <a:off x="7236296" y="3079993"/>
+              <a:ext cx="1296144" cy="276999"/>
+            </a:xfrm>
+            <a:prstGeom prst="rect">
+              <a:avLst/>
+            </a:prstGeom>
+            <a:noFill/>
+          </p:spPr>
+          <p:txBody>
+            <a:bodyPr wrap="square" rtlCol="0">
+              <a:spAutoFit/>
+            </a:bodyPr>
+            <a:lstStyle/>
+            <a:p>
+              <a:pPr algn="ctr"/>
+              <a:r>
+                <a:rPr lang="en-US" altLang="ko-KR" sz="1200" dirty="0" smtClean="0"/>
+                <a:t>2017</a:t>
+              </a:r>
+            </a:p>
+          </p:txBody>
+        </p:sp>
+      </p:grpSp>
+      <p:sp>
+        <p:nvSpPr>
+          <p:cNvPr id="36" name="TextBox 35"/>
+          <p:cNvSpPr txBox="1"/>
+          <p:nvPr/>
+        </p:nvSpPr>
+        <p:spPr>
+          <a:xfrm>
+            <a:off x="860106" y="3007985"/>
+            <a:ext cx="2631774" cy="276999"/>
+          </a:xfrm>
+          <a:prstGeom prst="rect">
+            <a:avLst/>
+          </a:prstGeom>
+          <a:noFill/>
+        </p:spPr>
+        <p:txBody>
+          <a:bodyPr wrap="square" rtlCol="0">
+            <a:spAutoFit/>
+          </a:bodyPr>
+          <a:lstStyle/>
+          <a:p>
+            <a:r>
+              <a:rPr lang="ko-KR" altLang="en-US" sz="1200" dirty="0" smtClean="0"/>
+              <a:t>주</a:t>
+            </a:r>
+            <a:r>
+              <a:rPr lang="en-US" altLang="ko-KR" sz="1200" dirty="0" smtClean="0"/>
+              <a:t>: </a:t>
+            </a:r>
+            <a:r>
+              <a:rPr lang="ko-KR" altLang="en-US" sz="1200" dirty="0" smtClean="0"/>
+              <a:t>인간 고수와의 대결 승리 시점</a:t>
+            </a:r>
+            <a:endParaRPr lang="ko-KR" altLang="en-US" sz="1200" dirty="0"/>
+          </a:p>
+        </p:txBody>
+      </p:sp>
+    </p:spTree>
+    <p:extLst>
+      <p:ext uri="{BB962C8B-B14F-4D97-AF65-F5344CB8AC3E}">
+        <p14:creationId xmlns:p14="http://schemas.microsoft.com/office/powerpoint/2010/main" val="3903938774"/>
+      </p:ext>
+    </p:extLst>
+  </p:cSld>
+  <p:clrMapOvr>
+    <a:masterClrMapping/>
+  </p:clrMapOvr>
+</p:sld>
+</file>
+
+<file path=ppt/slides/slide3.xml><?xml version="1.0" encoding="utf-8"?>
 <p:sld xmlns:a="http://schemas.openxmlformats.org/drawingml/2006/main" xmlns:r="http://schemas.openxmlformats.org/officeDocument/2006/relationships" xmlns:p="http://schemas.openxmlformats.org/presentationml/2006/main">
   <p:cSld>
     <p:spTree>
@@ -6975,15 +8238,7 @@
                   <a:srgbClr val="C00000"/>
                 </a:solidFill>
               </a:rPr>
-              <a:t>자동화 </a:t>
-            </a:r>
-            <a:r>
-              <a:rPr lang="ko-KR" altLang="en-US" dirty="0" smtClean="0">
-                <a:solidFill>
-                  <a:srgbClr val="C00000"/>
-                </a:solidFill>
-              </a:rPr>
-              <a:t>가능영역</a:t>
+              <a:t>자동화 가능영역</a:t>
             </a:r>
             <a:r>
               <a:rPr lang="en-US" altLang="ko-KR" dirty="0" smtClean="0">
@@ -7232,15 +8487,7 @@
                   <a:srgbClr val="C00000"/>
                 </a:solidFill>
               </a:rPr>
-              <a:t>자동화 </a:t>
-            </a:r>
-            <a:r>
-              <a:rPr lang="ko-KR" altLang="en-US" dirty="0" smtClean="0">
-                <a:solidFill>
-                  <a:srgbClr val="C00000"/>
-                </a:solidFill>
-              </a:rPr>
-              <a:t>가능영역</a:t>
+              <a:t>자동화 가능영역</a:t>
             </a:r>
             <a:endParaRPr lang="en-US" altLang="ko-KR" dirty="0" smtClean="0">
               <a:solidFill>
@@ -7547,6 +8794,70 @@
           </a:p>
         </p:txBody>
       </p:sp>
+      <p:pic>
+        <p:nvPicPr>
+          <p:cNvPr id="7170" name="Picture 2"/>
+          <p:cNvPicPr>
+            <a:picLocks noChangeAspect="1" noChangeArrowheads="1"/>
+          </p:cNvPicPr>
+          <p:nvPr/>
+        </p:nvPicPr>
+        <p:blipFill>
+          <a:blip r:embed="rId2">
+            <a:extLst>
+              <a:ext uri="{28A0092B-C50C-407E-A947-70E740481C1C}">
+                <a14:useLocalDpi xmlns:a14="http://schemas.microsoft.com/office/drawing/2010/main" val="0"/>
+              </a:ext>
+            </a:extLst>
+          </a:blip>
+          <a:srcRect/>
+          <a:stretch>
+            <a:fillRect/>
+          </a:stretch>
+        </p:blipFill>
+        <p:spPr bwMode="auto">
+          <a:xfrm>
+            <a:off x="573009" y="6992564"/>
+            <a:ext cx="8235950" cy="5005388"/>
+          </a:xfrm>
+          <a:prstGeom prst="rect">
+            <a:avLst/>
+          </a:prstGeom>
+          <a:noFill/>
+          <a:ln>
+            <a:noFill/>
+          </a:ln>
+          <a:effectLst/>
+          <a:extLst>
+            <a:ext uri="{909E8E84-426E-40DD-AFC4-6F175D3DCCD1}">
+              <a14:hiddenFill xmlns:a14="http://schemas.microsoft.com/office/drawing/2010/main">
+                <a:solidFill>
+                  <a:schemeClr val="accent1"/>
+                </a:solidFill>
+              </a14:hiddenFill>
+            </a:ext>
+            <a:ext uri="{91240B29-F687-4F45-9708-019B960494DF}">
+              <a14:hiddenLine xmlns:a14="http://schemas.microsoft.com/office/drawing/2010/main" w="9525">
+                <a:solidFill>
+                  <a:schemeClr val="tx1"/>
+                </a:solidFill>
+                <a:miter lim="800000"/>
+                <a:headEnd/>
+                <a:tailEnd/>
+              </a14:hiddenLine>
+            </a:ext>
+            <a:ext uri="{AF507438-7753-43E0-B8FC-AC1667EBCBE1}">
+              <a14:hiddenEffects xmlns:a14="http://schemas.microsoft.com/office/drawing/2010/main">
+                <a:effectLst>
+                  <a:outerShdw dist="35921" dir="2700000" algn="ctr" rotWithShape="0">
+                    <a:schemeClr val="bg2"/>
+                  </a:outerShdw>
+                </a:effectLst>
+              </a14:hiddenEffects>
+            </a:ext>
+          </a:extLst>
+        </p:spPr>
+      </p:pic>
     </p:spTree>
     <p:extLst>
       <p:ext uri="{BB962C8B-B14F-4D97-AF65-F5344CB8AC3E}">
@@ -7560,7 +8871,7 @@
 </p:sld>
 </file>
 
-<file path=ppt/slides/slide3.xml><?xml version="1.0" encoding="utf-8"?>
+<file path=ppt/slides/slide4.xml><?xml version="1.0" encoding="utf-8"?>
 <p:sld xmlns:a="http://schemas.openxmlformats.org/drawingml/2006/main" xmlns:r="http://schemas.openxmlformats.org/officeDocument/2006/relationships" xmlns:p="http://schemas.openxmlformats.org/presentationml/2006/main">
   <p:cSld>
     <p:spTree>
@@ -8861,7 +10172,7 @@
 </p:sld>
 </file>
 
-<file path=ppt/slides/slide4.xml><?xml version="1.0" encoding="utf-8"?>
+<file path=ppt/slides/slide5.xml><?xml version="1.0" encoding="utf-8"?>
 <p:sld xmlns:a="http://schemas.openxmlformats.org/drawingml/2006/main" xmlns:r="http://schemas.openxmlformats.org/officeDocument/2006/relationships" xmlns:p="http://schemas.openxmlformats.org/presentationml/2006/main">
   <p:cSld>
     <p:spTree>
@@ -8945,7 +10256,7 @@
 </p:sld>
 </file>
 
-<file path=ppt/slides/slide5.xml><?xml version="1.0" encoding="utf-8"?>
+<file path=ppt/slides/slide6.xml><?xml version="1.0" encoding="utf-8"?>
 <p:sld xmlns:a="http://schemas.openxmlformats.org/drawingml/2006/main" xmlns:r="http://schemas.openxmlformats.org/officeDocument/2006/relationships" xmlns:p="http://schemas.openxmlformats.org/presentationml/2006/main">
   <p:cSld>
     <p:spTree>
@@ -9053,7 +10364,7 @@
 </p:sld>
 </file>
 
-<file path=ppt/slides/slide6.xml><?xml version="1.0" encoding="utf-8"?>
+<file path=ppt/slides/slide7.xml><?xml version="1.0" encoding="utf-8"?>
 <p:sld xmlns:a="http://schemas.openxmlformats.org/drawingml/2006/main" xmlns:r="http://schemas.openxmlformats.org/officeDocument/2006/relationships" xmlns:p="http://schemas.openxmlformats.org/presentationml/2006/main">
   <p:cSld>
     <p:spTree>
@@ -9141,7 +10452,7 @@
 </p:sld>
 </file>
 
-<file path=ppt/slides/slide7.xml><?xml version="1.0" encoding="utf-8"?>
+<file path=ppt/slides/slide8.xml><?xml version="1.0" encoding="utf-8"?>
 <p:sld xmlns:a="http://schemas.openxmlformats.org/drawingml/2006/main" xmlns:r="http://schemas.openxmlformats.org/officeDocument/2006/relationships" xmlns:p="http://schemas.openxmlformats.org/presentationml/2006/main">
   <p:cSld>
     <p:spTree>
@@ -9180,7 +10491,7 @@
           <a:graphicData uri="http://schemas.openxmlformats.org/presentationml/2006/ole">
             <mc:AlternateContent xmlns:mc="http://schemas.openxmlformats.org/markup-compatibility/2006">
               <mc:Choice xmlns:v="urn:schemas-microsoft-com:vml" Requires="v">
-                <p:oleObj spid="_x0000_s4116" name="워크시트" r:id="rId3" imgW="7324830" imgH="4029033" progId="Excel.Sheet.8">
+                <p:oleObj spid="_x0000_s4118" name="워크시트" r:id="rId3" imgW="7324830" imgH="4029033" progId="Excel.Sheet.8">
                   <p:embed followColorScheme="full"/>
                 </p:oleObj>
               </mc:Choice>
@@ -9254,7 +10565,7 @@
 </p:sld>
 </file>
 
-<file path=ppt/slides/slide8.xml><?xml version="1.0" encoding="utf-8"?>
+<file path=ppt/slides/slide9.xml><?xml version="1.0" encoding="utf-8"?>
 <p:sld xmlns:a="http://schemas.openxmlformats.org/drawingml/2006/main" xmlns:r="http://schemas.openxmlformats.org/officeDocument/2006/relationships" xmlns:p="http://schemas.openxmlformats.org/presentationml/2006/main">
   <p:cSld>
     <p:spTree>
@@ -9281,7 +10592,7 @@
             <p:ph idx="1"/>
             <p:extLst>
               <p:ext uri="{D42A27DB-BD31-4B8C-83A1-F6EECF244321}">
-                <p14:modId xmlns:p14="http://schemas.microsoft.com/office/powerpoint/2010/main" val="739318052"/>
+                <p14:modId xmlns:p14="http://schemas.microsoft.com/office/powerpoint/2010/main" val="2267532127"/>
               </p:ext>
             </p:extLst>
           </p:nvPr>
@@ -9300,113 +10611,6 @@
     <p:extLst>
       <p:ext uri="{BB962C8B-B14F-4D97-AF65-F5344CB8AC3E}">
         <p14:creationId xmlns:p14="http://schemas.microsoft.com/office/powerpoint/2010/main" val="2591201676"/>
-      </p:ext>
-    </p:extLst>
-  </p:cSld>
-  <p:clrMapOvr>
-    <a:masterClrMapping/>
-  </p:clrMapOvr>
-</p:sld>
-</file>
-
-<file path=ppt/slides/slide9.xml><?xml version="1.0" encoding="utf-8"?>
-<p:sld xmlns:a="http://schemas.openxmlformats.org/drawingml/2006/main" xmlns:r="http://schemas.openxmlformats.org/officeDocument/2006/relationships" xmlns:p="http://schemas.openxmlformats.org/presentationml/2006/main">
-  <p:cSld>
-    <p:spTree>
-      <p:nvGrpSpPr>
-        <p:cNvPr id="1" name=""/>
-        <p:cNvGrpSpPr/>
-        <p:nvPr/>
-      </p:nvGrpSpPr>
-      <p:grpSpPr>
-        <a:xfrm>
-          <a:off x="0" y="0"/>
-          <a:ext cx="0" cy="0"/>
-          <a:chOff x="0" y="0"/>
-          <a:chExt cx="0" cy="0"/>
-        </a:xfrm>
-      </p:grpSpPr>
-      <p:sp>
-        <p:nvSpPr>
-          <p:cNvPr id="2" name="제목 1"/>
-          <p:cNvSpPr>
-            <a:spLocks noGrp="1"/>
-          </p:cNvSpPr>
-          <p:nvPr>
-            <p:ph type="title"/>
-          </p:nvPr>
-        </p:nvSpPr>
-        <p:spPr/>
-        <p:txBody>
-          <a:bodyPr/>
-          <a:lstStyle/>
-          <a:p>
-            <a:endParaRPr lang="ko-KR" altLang="en-US"/>
-          </a:p>
-        </p:txBody>
-      </p:sp>
-      <p:graphicFrame>
-        <p:nvGraphicFramePr>
-          <p:cNvPr id="4" name="내용 개체 틀 3"/>
-          <p:cNvGraphicFramePr>
-            <a:graphicFrameLocks noGrp="1" noChangeAspect="1"/>
-          </p:cNvGraphicFramePr>
-          <p:nvPr>
-            <p:ph idx="1"/>
-            <p:extLst>
-              <p:ext uri="{D42A27DB-BD31-4B8C-83A1-F6EECF244321}">
-                <p14:modId xmlns:p14="http://schemas.microsoft.com/office/powerpoint/2010/main" val="1449407695"/>
-              </p:ext>
-            </p:extLst>
-          </p:nvPr>
-        </p:nvGraphicFramePr>
-        <p:xfrm>
-          <a:off x="457200" y="1817688"/>
-          <a:ext cx="8281988" cy="3294062"/>
-        </p:xfrm>
-        <a:graphic>
-          <a:graphicData uri="http://schemas.openxmlformats.org/presentationml/2006/ole">
-            <mc:AlternateContent xmlns:mc="http://schemas.openxmlformats.org/markup-compatibility/2006">
-              <mc:Choice xmlns:v="urn:schemas-microsoft-com:vml" Requires="v">
-                <p:oleObj spid="_x0000_s5133" name="워크시트" r:id="rId3" imgW="11182320" imgH="4448279" progId="Excel.Sheet.12">
-                  <p:embed/>
-                </p:oleObj>
-              </mc:Choice>
-              <mc:Fallback>
-                <p:oleObj name="워크시트" r:id="rId3" imgW="11182320" imgH="4448279" progId="Excel.Sheet.12">
-                  <p:embed/>
-                  <p:pic>
-                    <p:nvPicPr>
-                      <p:cNvPr id="0" name=""/>
-                      <p:cNvPicPr/>
-                      <p:nvPr/>
-                    </p:nvPicPr>
-                    <p:blipFill>
-                      <a:blip r:embed="rId4"/>
-                      <a:stretch>
-                        <a:fillRect/>
-                      </a:stretch>
-                    </p:blipFill>
-                    <p:spPr>
-                      <a:xfrm>
-                        <a:off x="457200" y="1817688"/>
-                        <a:ext cx="8281988" cy="3294062"/>
-                      </a:xfrm>
-                      <a:prstGeom prst="rect">
-                        <a:avLst/>
-                      </a:prstGeom>
-                    </p:spPr>
-                  </p:pic>
-                </p:oleObj>
-              </mc:Fallback>
-            </mc:AlternateContent>
-          </a:graphicData>
-        </a:graphic>
-      </p:graphicFrame>
-    </p:spTree>
-    <p:extLst>
-      <p:ext uri="{BB962C8B-B14F-4D97-AF65-F5344CB8AC3E}">
-        <p14:creationId xmlns:p14="http://schemas.microsoft.com/office/powerpoint/2010/main" val="2587353076"/>
       </p:ext>
     </p:extLst>
   </p:cSld>

--- a/ppt/차트.pptx
+++ b/ppt/차트.pptx
@@ -20,6 +20,8 @@
     <p:sldId id="263" r:id="rId14"/>
     <p:sldId id="271" r:id="rId15"/>
     <p:sldId id="273" r:id="rId16"/>
+    <p:sldId id="274" r:id="rId17"/>
+    <p:sldId id="275" r:id="rId18"/>
   </p:sldIdLst>
   <p:sldSz cx="9144000" cy="6858000" type="screen4x3"/>
   <p:notesSz cx="6858000" cy="9144000"/>
@@ -142,6 +144,8 @@
             <p14:sldId id="263"/>
             <p14:sldId id="271"/>
             <p14:sldId id="273"/>
+            <p14:sldId id="274"/>
+            <p14:sldId id="275"/>
           </p14:sldIdLst>
         </p14:section>
       </p14:sectionLst>
@@ -279,11 +283,11 @@
           <c:showBubbleSize val="0"/>
         </c:dLbls>
         <c:gapWidth val="150"/>
-        <c:axId val="147296768"/>
-        <c:axId val="52002112"/>
+        <c:axId val="87971840"/>
+        <c:axId val="69005824"/>
       </c:barChart>
       <c:catAx>
-        <c:axId val="147296768"/>
+        <c:axId val="87971840"/>
         <c:scaling>
           <c:orientation val="minMax"/>
         </c:scaling>
@@ -292,7 +296,7 @@
         <c:majorTickMark val="out"/>
         <c:minorTickMark val="none"/>
         <c:tickLblPos val="nextTo"/>
-        <c:crossAx val="52002112"/>
+        <c:crossAx val="69005824"/>
         <c:crosses val="autoZero"/>
         <c:auto val="1"/>
         <c:lblAlgn val="ctr"/>
@@ -300,7 +304,7 @@
         <c:noMultiLvlLbl val="0"/>
       </c:catAx>
       <c:valAx>
-        <c:axId val="52002112"/>
+        <c:axId val="69005824"/>
         <c:scaling>
           <c:orientation val="minMax"/>
         </c:scaling>
@@ -310,7 +314,7 @@
         <c:majorTickMark val="out"/>
         <c:minorTickMark val="none"/>
         <c:tickLblPos val="nextTo"/>
-        <c:crossAx val="147296768"/>
+        <c:crossAx val="87971840"/>
         <c:crosses val="autoZero"/>
         <c:crossBetween val="between"/>
       </c:valAx>
@@ -650,11 +654,11 @@
           <c:showBubbleSize val="0"/>
         </c:dLbls>
         <c:gapWidth val="150"/>
-        <c:axId val="147296256"/>
-        <c:axId val="97414528"/>
+        <c:axId val="87919104"/>
+        <c:axId val="69006400"/>
       </c:barChart>
       <c:catAx>
-        <c:axId val="147296256"/>
+        <c:axId val="87919104"/>
         <c:scaling>
           <c:orientation val="minMax"/>
         </c:scaling>
@@ -663,7 +667,7 @@
         <c:majorTickMark val="out"/>
         <c:minorTickMark val="none"/>
         <c:tickLblPos val="nextTo"/>
-        <c:crossAx val="97414528"/>
+        <c:crossAx val="69006400"/>
         <c:crosses val="autoZero"/>
         <c:auto val="1"/>
         <c:lblAlgn val="ctr"/>
@@ -671,7 +675,7 @@
         <c:noMultiLvlLbl val="0"/>
       </c:catAx>
       <c:valAx>
-        <c:axId val="97414528"/>
+        <c:axId val="69006400"/>
         <c:scaling>
           <c:orientation val="minMax"/>
         </c:scaling>
@@ -681,7 +685,7 @@
         <c:majorTickMark val="out"/>
         <c:minorTickMark val="none"/>
         <c:tickLblPos val="nextTo"/>
-        <c:crossAx val="147296256"/>
+        <c:crossAx val="87919104"/>
         <c:crosses val="autoZero"/>
         <c:crossBetween val="between"/>
       </c:valAx>
@@ -972,11 +976,11 @@
         </c:dLbls>
         <c:gapWidth val="88"/>
         <c:overlap val="100"/>
-        <c:axId val="147297280"/>
-        <c:axId val="141186688"/>
+        <c:axId val="87970816"/>
+        <c:axId val="69008704"/>
       </c:barChart>
       <c:catAx>
-        <c:axId val="147297280"/>
+        <c:axId val="87970816"/>
         <c:scaling>
           <c:orientation val="minMax"/>
         </c:scaling>
@@ -985,7 +989,7 @@
         <c:majorTickMark val="out"/>
         <c:minorTickMark val="none"/>
         <c:tickLblPos val="nextTo"/>
-        <c:crossAx val="141186688"/>
+        <c:crossAx val="69008704"/>
         <c:crosses val="autoZero"/>
         <c:auto val="1"/>
         <c:lblAlgn val="ctr"/>
@@ -993,7 +997,7 @@
         <c:noMultiLvlLbl val="0"/>
       </c:catAx>
       <c:valAx>
-        <c:axId val="141186688"/>
+        <c:axId val="69008704"/>
         <c:scaling>
           <c:orientation val="minMax"/>
         </c:scaling>
@@ -1003,7 +1007,7 @@
         <c:majorTickMark val="out"/>
         <c:minorTickMark val="none"/>
         <c:tickLblPos val="nextTo"/>
-        <c:crossAx val="147297280"/>
+        <c:crossAx val="87970816"/>
         <c:crosses val="autoZero"/>
         <c:crossBetween val="between"/>
       </c:valAx>
@@ -1452,11 +1456,11 @@
         </c:dLbls>
         <c:gapWidth val="0"/>
         <c:overlap val="100"/>
-        <c:axId val="147299840"/>
-        <c:axId val="147612224"/>
+        <c:axId val="91677184"/>
+        <c:axId val="124519552"/>
       </c:barChart>
       <c:catAx>
-        <c:axId val="147299840"/>
+        <c:axId val="91677184"/>
         <c:scaling>
           <c:orientation val="minMax"/>
         </c:scaling>
@@ -1465,7 +1469,7 @@
         <c:majorTickMark val="out"/>
         <c:minorTickMark val="none"/>
         <c:tickLblPos val="nextTo"/>
-        <c:crossAx val="147612224"/>
+        <c:crossAx val="124519552"/>
         <c:crosses val="autoZero"/>
         <c:auto val="1"/>
         <c:lblAlgn val="ctr"/>
@@ -1473,7 +1477,7 @@
         <c:noMultiLvlLbl val="0"/>
       </c:catAx>
       <c:valAx>
-        <c:axId val="147612224"/>
+        <c:axId val="124519552"/>
         <c:scaling>
           <c:orientation val="minMax"/>
         </c:scaling>
@@ -1483,7 +1487,7 @@
         <c:majorTickMark val="out"/>
         <c:minorTickMark val="none"/>
         <c:tickLblPos val="nextTo"/>
-        <c:crossAx val="147299840"/>
+        <c:crossAx val="91677184"/>
         <c:crosses val="autoZero"/>
         <c:crossBetween val="between"/>
         <c:dispUnits>
@@ -1737,8 +1741,8 @@
         </c:dLbls>
         <c:gapWidth val="24"/>
         <c:overlap val="100"/>
-        <c:axId val="147334656"/>
-        <c:axId val="147614528"/>
+        <c:axId val="97432064"/>
+        <c:axId val="124525888"/>
       </c:barChart>
       <c:barChart>
         <c:barDir val="col"/>
@@ -1861,11 +1865,11 @@
         </c:dLbls>
         <c:gapWidth val="150"/>
         <c:overlap val="100"/>
-        <c:axId val="147336192"/>
-        <c:axId val="147615104"/>
+        <c:axId val="97434112"/>
+        <c:axId val="124521280"/>
       </c:barChart>
       <c:catAx>
-        <c:axId val="147334656"/>
+        <c:axId val="97432064"/>
         <c:scaling>
           <c:orientation val="minMax"/>
         </c:scaling>
@@ -1874,7 +1878,7 @@
         <c:majorTickMark val="out"/>
         <c:minorTickMark val="none"/>
         <c:tickLblPos val="nextTo"/>
-        <c:crossAx val="147614528"/>
+        <c:crossAx val="124525888"/>
         <c:crosses val="autoZero"/>
         <c:auto val="1"/>
         <c:lblAlgn val="ctr"/>
@@ -1882,7 +1886,7 @@
         <c:noMultiLvlLbl val="0"/>
       </c:catAx>
       <c:valAx>
-        <c:axId val="147614528"/>
+        <c:axId val="124525888"/>
         <c:scaling>
           <c:orientation val="minMax"/>
         </c:scaling>
@@ -1892,7 +1896,7 @@
         <c:majorTickMark val="out"/>
         <c:minorTickMark val="none"/>
         <c:tickLblPos val="nextTo"/>
-        <c:crossAx val="147334656"/>
+        <c:crossAx val="97432064"/>
         <c:crosses val="autoZero"/>
         <c:crossBetween val="between"/>
         <c:dispUnits>
@@ -1919,7 +1923,7 @@
         </c:dispUnits>
       </c:valAx>
       <c:valAx>
-        <c:axId val="147615104"/>
+        <c:axId val="124521280"/>
         <c:scaling>
           <c:orientation val="minMax"/>
         </c:scaling>
@@ -1929,12 +1933,12 @@
         <c:majorTickMark val="out"/>
         <c:minorTickMark val="none"/>
         <c:tickLblPos val="nextTo"/>
-        <c:crossAx val="147336192"/>
+        <c:crossAx val="97434112"/>
         <c:crosses val="max"/>
         <c:crossBetween val="between"/>
       </c:valAx>
       <c:catAx>
-        <c:axId val="147336192"/>
+        <c:axId val="97434112"/>
         <c:scaling>
           <c:orientation val="minMax"/>
         </c:scaling>
@@ -1943,7 +1947,7 @@
         <c:majorTickMark val="out"/>
         <c:minorTickMark val="none"/>
         <c:tickLblPos val="nextTo"/>
-        <c:crossAx val="147615104"/>
+        <c:crossAx val="124521280"/>
         <c:crosses val="autoZero"/>
         <c:auto val="1"/>
         <c:lblAlgn val="ctr"/>
@@ -2178,8 +2182,8 @@
         </c:dLbls>
         <c:gapWidth val="24"/>
         <c:overlap val="100"/>
-        <c:axId val="147333120"/>
-        <c:axId val="147616832"/>
+        <c:axId val="91679232"/>
+        <c:axId val="124524736"/>
       </c:barChart>
       <c:barChart>
         <c:barDir val="col"/>
@@ -2302,11 +2306,11 @@
         </c:dLbls>
         <c:gapWidth val="150"/>
         <c:overlap val="100"/>
-        <c:axId val="147345920"/>
-        <c:axId val="147616256"/>
+        <c:axId val="97435136"/>
+        <c:axId val="124523008"/>
       </c:barChart>
       <c:catAx>
-        <c:axId val="147333120"/>
+        <c:axId val="91679232"/>
         <c:scaling>
           <c:orientation val="minMax"/>
         </c:scaling>
@@ -2315,7 +2319,7 @@
         <c:majorTickMark val="out"/>
         <c:minorTickMark val="none"/>
         <c:tickLblPos val="nextTo"/>
-        <c:crossAx val="147616832"/>
+        <c:crossAx val="124524736"/>
         <c:crosses val="autoZero"/>
         <c:auto val="1"/>
         <c:lblAlgn val="ctr"/>
@@ -2323,7 +2327,7 @@
         <c:noMultiLvlLbl val="0"/>
       </c:catAx>
       <c:valAx>
-        <c:axId val="147616832"/>
+        <c:axId val="124524736"/>
         <c:scaling>
           <c:orientation val="minMax"/>
         </c:scaling>
@@ -2333,7 +2337,7 @@
         <c:majorTickMark val="out"/>
         <c:minorTickMark val="none"/>
         <c:tickLblPos val="nextTo"/>
-        <c:crossAx val="147333120"/>
+        <c:crossAx val="91679232"/>
         <c:crosses val="autoZero"/>
         <c:crossBetween val="between"/>
         <c:dispUnits>
@@ -2360,7 +2364,7 @@
         </c:dispUnits>
       </c:valAx>
       <c:valAx>
-        <c:axId val="147616256"/>
+        <c:axId val="124523008"/>
         <c:scaling>
           <c:orientation val="minMax"/>
         </c:scaling>
@@ -2370,12 +2374,12 @@
         <c:majorTickMark val="out"/>
         <c:minorTickMark val="none"/>
         <c:tickLblPos val="nextTo"/>
-        <c:crossAx val="147345920"/>
+        <c:crossAx val="97435136"/>
         <c:crosses val="max"/>
         <c:crossBetween val="between"/>
       </c:valAx>
       <c:catAx>
-        <c:axId val="147345920"/>
+        <c:axId val="97435136"/>
         <c:scaling>
           <c:orientation val="minMax"/>
         </c:scaling>
@@ -2384,7 +2388,7 @@
         <c:majorTickMark val="out"/>
         <c:minorTickMark val="none"/>
         <c:tickLblPos val="nextTo"/>
-        <c:crossAx val="147616256"/>
+        <c:crossAx val="124523008"/>
         <c:crosses val="autoZero"/>
         <c:auto val="1"/>
         <c:lblAlgn val="ctr"/>
@@ -2397,6 +2401,2721 @@
       <c:layout/>
       <c:overlay val="0"/>
     </c:legend>
+    <c:plotVisOnly val="1"/>
+    <c:dispBlanksAs val="gap"/>
+    <c:showDLblsOverMax val="0"/>
+  </c:chart>
+  <c:txPr>
+    <a:bodyPr/>
+    <a:lstStyle/>
+    <a:p>
+      <a:pPr>
+        <a:defRPr sz="1800"/>
+      </a:pPr>
+      <a:endParaRPr lang="ko-KR"/>
+    </a:p>
+  </c:txPr>
+  <c:externalData r:id="rId1">
+    <c:autoUpdate val="0"/>
+  </c:externalData>
+</c:chartSpace>
+</file>
+
+<file path=ppt/charts/chart7.xml><?xml version="1.0" encoding="utf-8"?>
+<c:chartSpace xmlns:c="http://schemas.openxmlformats.org/drawingml/2006/chart" xmlns:a="http://schemas.openxmlformats.org/drawingml/2006/main" xmlns:r="http://schemas.openxmlformats.org/officeDocument/2006/relationships">
+  <c:date1904 val="0"/>
+  <c:lang val="ko-KR"/>
+  <c:roundedCorners val="0"/>
+  <mc:AlternateContent xmlns:mc="http://schemas.openxmlformats.org/markup-compatibility/2006">
+    <mc:Choice xmlns:c14="http://schemas.microsoft.com/office/drawing/2007/8/2/chart" Requires="c14">
+      <c14:style val="102"/>
+    </mc:Choice>
+    <mc:Fallback>
+      <c:style val="2"/>
+    </mc:Fallback>
+  </mc:AlternateContent>
+  <c:chart>
+    <c:autoTitleDeleted val="1"/>
+    <c:plotArea>
+      <c:layout/>
+      <c:scatterChart>
+        <c:scatterStyle val="lineMarker"/>
+        <c:varyColors val="0"/>
+        <c:ser>
+          <c:idx val="0"/>
+          <c:order val="0"/>
+          <c:tx>
+            <c:strRef>
+              <c:f>Sheet1!$B$1</c:f>
+              <c:strCache>
+                <c:ptCount val="1"/>
+                <c:pt idx="0">
+                  <c:v>확률</c:v>
+                </c:pt>
+              </c:strCache>
+            </c:strRef>
+          </c:tx>
+          <c:spPr>
+            <a:ln w="28575">
+              <a:noFill/>
+            </a:ln>
+          </c:spPr>
+          <c:xVal>
+            <c:numRef>
+              <c:f>Sheet1!$A$2:$A$424</c:f>
+              <c:numCache>
+                <c:formatCode>General</c:formatCode>
+                <c:ptCount val="423"/>
+                <c:pt idx="0">
+                  <c:v>1110</c:v>
+                </c:pt>
+                <c:pt idx="1">
+                  <c:v>1120</c:v>
+                </c:pt>
+                <c:pt idx="2">
+                  <c:v>1201</c:v>
+                </c:pt>
+                <c:pt idx="3">
+                  <c:v>1202</c:v>
+                </c:pt>
+                <c:pt idx="4">
+                  <c:v>1209</c:v>
+                </c:pt>
+                <c:pt idx="5">
+                  <c:v>1311</c:v>
+                </c:pt>
+                <c:pt idx="6">
+                  <c:v>1312</c:v>
+                </c:pt>
+                <c:pt idx="7">
+                  <c:v>1313</c:v>
+                </c:pt>
+                <c:pt idx="8">
+                  <c:v>1320</c:v>
+                </c:pt>
+                <c:pt idx="9">
+                  <c:v>1331</c:v>
+                </c:pt>
+                <c:pt idx="10">
+                  <c:v>1332</c:v>
+                </c:pt>
+                <c:pt idx="11">
+                  <c:v>1340</c:v>
+                </c:pt>
+                <c:pt idx="12">
+                  <c:v>1350</c:v>
+                </c:pt>
+                <c:pt idx="13">
+                  <c:v>1390</c:v>
+                </c:pt>
+                <c:pt idx="14">
+                  <c:v>1411</c:v>
+                </c:pt>
+                <c:pt idx="15">
+                  <c:v>1412</c:v>
+                </c:pt>
+                <c:pt idx="16">
+                  <c:v>1413</c:v>
+                </c:pt>
+                <c:pt idx="17">
+                  <c:v>1490</c:v>
+                </c:pt>
+                <c:pt idx="18">
+                  <c:v>1511</c:v>
+                </c:pt>
+                <c:pt idx="19">
+                  <c:v>1512</c:v>
+                </c:pt>
+                <c:pt idx="20">
+                  <c:v>1521</c:v>
+                </c:pt>
+                <c:pt idx="21">
+                  <c:v>1522</c:v>
+                </c:pt>
+                <c:pt idx="22">
+                  <c:v>1530</c:v>
+                </c:pt>
+                <c:pt idx="23">
+                  <c:v>1590</c:v>
+                </c:pt>
+                <c:pt idx="24">
+                  <c:v>2111</c:v>
+                </c:pt>
+                <c:pt idx="25">
+                  <c:v>2112</c:v>
+                </c:pt>
+                <c:pt idx="26">
+                  <c:v>2121</c:v>
+                </c:pt>
+                <c:pt idx="27">
+                  <c:v>2122</c:v>
+                </c:pt>
+                <c:pt idx="28">
+                  <c:v>2131</c:v>
+                </c:pt>
+                <c:pt idx="29">
+                  <c:v>2132</c:v>
+                </c:pt>
+                <c:pt idx="30">
+                  <c:v>2133</c:v>
+                </c:pt>
+                <c:pt idx="31">
+                  <c:v>2211</c:v>
+                </c:pt>
+                <c:pt idx="32">
+                  <c:v>2212</c:v>
+                </c:pt>
+                <c:pt idx="33">
+                  <c:v>2221</c:v>
+                </c:pt>
+                <c:pt idx="34">
+                  <c:v>2222</c:v>
+                </c:pt>
+                <c:pt idx="35">
+                  <c:v>2223</c:v>
+                </c:pt>
+                <c:pt idx="36">
+                  <c:v>2224</c:v>
+                </c:pt>
+                <c:pt idx="37">
+                  <c:v>2225</c:v>
+                </c:pt>
+                <c:pt idx="38">
+                  <c:v>2226</c:v>
+                </c:pt>
+                <c:pt idx="39">
+                  <c:v>2227</c:v>
+                </c:pt>
+                <c:pt idx="40">
+                  <c:v>2228</c:v>
+                </c:pt>
+                <c:pt idx="41">
+                  <c:v>2230</c:v>
+                </c:pt>
+                <c:pt idx="42">
+                  <c:v>2240</c:v>
+                </c:pt>
+                <c:pt idx="43">
+                  <c:v>2311</c:v>
+                </c:pt>
+                <c:pt idx="44">
+                  <c:v>2312</c:v>
+                </c:pt>
+                <c:pt idx="45">
+                  <c:v>2313</c:v>
+                </c:pt>
+                <c:pt idx="46">
+                  <c:v>2314</c:v>
+                </c:pt>
+                <c:pt idx="47">
+                  <c:v>2315</c:v>
+                </c:pt>
+                <c:pt idx="48">
+                  <c:v>2316</c:v>
+                </c:pt>
+                <c:pt idx="49">
+                  <c:v>2321</c:v>
+                </c:pt>
+                <c:pt idx="50">
+                  <c:v>2322</c:v>
+                </c:pt>
+                <c:pt idx="51">
+                  <c:v>2331</c:v>
+                </c:pt>
+                <c:pt idx="52">
+                  <c:v>2332</c:v>
+                </c:pt>
+                <c:pt idx="53">
+                  <c:v>2341</c:v>
+                </c:pt>
+                <c:pt idx="54">
+                  <c:v>2342</c:v>
+                </c:pt>
+                <c:pt idx="55">
+                  <c:v>2351</c:v>
+                </c:pt>
+                <c:pt idx="56">
+                  <c:v>2352</c:v>
+                </c:pt>
+                <c:pt idx="57">
+                  <c:v>2353</c:v>
+                </c:pt>
+                <c:pt idx="58">
+                  <c:v>2354</c:v>
+                </c:pt>
+                <c:pt idx="59">
+                  <c:v>2361</c:v>
+                </c:pt>
+                <c:pt idx="60">
+                  <c:v>2362</c:v>
+                </c:pt>
+                <c:pt idx="61">
+                  <c:v>2363</c:v>
+                </c:pt>
+                <c:pt idx="62">
+                  <c:v>2371</c:v>
+                </c:pt>
+                <c:pt idx="63">
+                  <c:v>2372</c:v>
+                </c:pt>
+                <c:pt idx="64">
+                  <c:v>2373</c:v>
+                </c:pt>
+                <c:pt idx="65">
+                  <c:v>2391</c:v>
+                </c:pt>
+                <c:pt idx="66">
+                  <c:v>2392</c:v>
+                </c:pt>
+                <c:pt idx="67">
+                  <c:v>2393</c:v>
+                </c:pt>
+                <c:pt idx="68">
+                  <c:v>2394</c:v>
+                </c:pt>
+                <c:pt idx="69">
+                  <c:v>2395</c:v>
+                </c:pt>
+                <c:pt idx="70">
+                  <c:v>2396</c:v>
+                </c:pt>
+                <c:pt idx="71">
+                  <c:v>2399</c:v>
+                </c:pt>
+                <c:pt idx="72">
+                  <c:v>2411</c:v>
+                </c:pt>
+                <c:pt idx="73">
+                  <c:v>2412</c:v>
+                </c:pt>
+                <c:pt idx="74">
+                  <c:v>2413</c:v>
+                </c:pt>
+                <c:pt idx="75">
+                  <c:v>2414</c:v>
+                </c:pt>
+                <c:pt idx="76">
+                  <c:v>2415</c:v>
+                </c:pt>
+                <c:pt idx="77">
+                  <c:v>2420</c:v>
+                </c:pt>
+                <c:pt idx="78">
+                  <c:v>2430</c:v>
+                </c:pt>
+                <c:pt idx="79">
+                  <c:v>2440</c:v>
+                </c:pt>
+                <c:pt idx="80">
+                  <c:v>2451</c:v>
+                </c:pt>
+                <c:pt idx="81">
+                  <c:v>2452</c:v>
+                </c:pt>
+                <c:pt idx="82">
+                  <c:v>2453</c:v>
+                </c:pt>
+                <c:pt idx="83">
+                  <c:v>2454</c:v>
+                </c:pt>
+                <c:pt idx="84">
+                  <c:v>2455</c:v>
+                </c:pt>
+                <c:pt idx="85">
+                  <c:v>2456</c:v>
+                </c:pt>
+                <c:pt idx="86">
+                  <c:v>2459</c:v>
+                </c:pt>
+                <c:pt idx="87">
+                  <c:v>2461</c:v>
+                </c:pt>
+                <c:pt idx="88">
+                  <c:v>2462</c:v>
+                </c:pt>
+                <c:pt idx="89">
+                  <c:v>2463</c:v>
+                </c:pt>
+                <c:pt idx="90">
+                  <c:v>2464</c:v>
+                </c:pt>
+                <c:pt idx="91">
+                  <c:v>2465</c:v>
+                </c:pt>
+                <c:pt idx="92">
+                  <c:v>2466</c:v>
+                </c:pt>
+                <c:pt idx="93">
+                  <c:v>2471</c:v>
+                </c:pt>
+                <c:pt idx="94">
+                  <c:v>2472</c:v>
+                </c:pt>
+                <c:pt idx="95">
+                  <c:v>2473</c:v>
+                </c:pt>
+                <c:pt idx="96">
+                  <c:v>2474</c:v>
+                </c:pt>
+                <c:pt idx="97">
+                  <c:v>2475</c:v>
+                </c:pt>
+                <c:pt idx="98">
+                  <c:v>2479</c:v>
+                </c:pt>
+                <c:pt idx="99">
+                  <c:v>2481</c:v>
+                </c:pt>
+                <c:pt idx="100">
+                  <c:v>2489</c:v>
+                </c:pt>
+                <c:pt idx="101">
+                  <c:v>2511</c:v>
+                </c:pt>
+                <c:pt idx="102">
+                  <c:v>2512</c:v>
+                </c:pt>
+                <c:pt idx="103">
+                  <c:v>2521</c:v>
+                </c:pt>
+                <c:pt idx="104">
+                  <c:v>2522</c:v>
+                </c:pt>
+                <c:pt idx="105">
+                  <c:v>2523</c:v>
+                </c:pt>
+                <c:pt idx="106">
+                  <c:v>2530</c:v>
+                </c:pt>
+                <c:pt idx="107">
+                  <c:v>2541</c:v>
+                </c:pt>
+                <c:pt idx="108">
+                  <c:v>2542</c:v>
+                </c:pt>
+                <c:pt idx="109">
+                  <c:v>2543</c:v>
+                </c:pt>
+                <c:pt idx="110">
+                  <c:v>2544</c:v>
+                </c:pt>
+                <c:pt idx="111">
+                  <c:v>2545</c:v>
+                </c:pt>
+                <c:pt idx="112">
+                  <c:v>2549</c:v>
+                </c:pt>
+                <c:pt idx="113">
+                  <c:v>2591</c:v>
+                </c:pt>
+                <c:pt idx="114">
+                  <c:v>2592</c:v>
+                </c:pt>
+                <c:pt idx="115">
+                  <c:v>2599</c:v>
+                </c:pt>
+                <c:pt idx="116">
+                  <c:v>2611</c:v>
+                </c:pt>
+                <c:pt idx="117">
+                  <c:v>2612</c:v>
+                </c:pt>
+                <c:pt idx="118">
+                  <c:v>2613</c:v>
+                </c:pt>
+                <c:pt idx="119">
+                  <c:v>2614</c:v>
+                </c:pt>
+                <c:pt idx="120">
+                  <c:v>2620</c:v>
+                </c:pt>
+                <c:pt idx="121">
+                  <c:v>2711</c:v>
+                </c:pt>
+                <c:pt idx="122">
+                  <c:v>2712</c:v>
+                </c:pt>
+                <c:pt idx="123">
+                  <c:v>2713</c:v>
+                </c:pt>
+                <c:pt idx="124">
+                  <c:v>2714</c:v>
+                </c:pt>
+                <c:pt idx="125">
+                  <c:v>2715</c:v>
+                </c:pt>
+                <c:pt idx="126">
+                  <c:v>2721</c:v>
+                </c:pt>
+                <c:pt idx="127">
+                  <c:v>2722</c:v>
+                </c:pt>
+                <c:pt idx="128">
+                  <c:v>2723</c:v>
+                </c:pt>
+                <c:pt idx="129">
+                  <c:v>2724</c:v>
+                </c:pt>
+                <c:pt idx="130">
+                  <c:v>2725</c:v>
+                </c:pt>
+                <c:pt idx="131">
+                  <c:v>2729</c:v>
+                </c:pt>
+                <c:pt idx="132">
+                  <c:v>2731</c:v>
+                </c:pt>
+                <c:pt idx="133">
+                  <c:v>2732</c:v>
+                </c:pt>
+                <c:pt idx="134">
+                  <c:v>2733</c:v>
+                </c:pt>
+                <c:pt idx="135">
+                  <c:v>2734</c:v>
+                </c:pt>
+                <c:pt idx="136">
+                  <c:v>2735</c:v>
+                </c:pt>
+                <c:pt idx="137">
+                  <c:v>2741</c:v>
+                </c:pt>
+                <c:pt idx="138">
+                  <c:v>2742</c:v>
+                </c:pt>
+                <c:pt idx="139">
+                  <c:v>2743</c:v>
+                </c:pt>
+                <c:pt idx="140">
+                  <c:v>2744</c:v>
+                </c:pt>
+                <c:pt idx="141">
+                  <c:v>2745</c:v>
+                </c:pt>
+                <c:pt idx="142">
+                  <c:v>2749</c:v>
+                </c:pt>
+                <c:pt idx="143">
+                  <c:v>2811</c:v>
+                </c:pt>
+                <c:pt idx="144">
+                  <c:v>2812</c:v>
+                </c:pt>
+                <c:pt idx="145">
+                  <c:v>2813</c:v>
+                </c:pt>
+                <c:pt idx="146">
+                  <c:v>2814</c:v>
+                </c:pt>
+                <c:pt idx="147">
+                  <c:v>2815</c:v>
+                </c:pt>
+                <c:pt idx="148">
+                  <c:v>2821</c:v>
+                </c:pt>
+                <c:pt idx="149">
+                  <c:v>2822</c:v>
+                </c:pt>
+                <c:pt idx="150">
+                  <c:v>2831</c:v>
+                </c:pt>
+                <c:pt idx="151">
+                  <c:v>2832</c:v>
+                </c:pt>
+                <c:pt idx="152">
+                  <c:v>2833</c:v>
+                </c:pt>
+                <c:pt idx="153">
+                  <c:v>2834</c:v>
+                </c:pt>
+                <c:pt idx="154">
+                  <c:v>2835</c:v>
+                </c:pt>
+                <c:pt idx="155">
+                  <c:v>2836</c:v>
+                </c:pt>
+                <c:pt idx="156">
+                  <c:v>2837</c:v>
+                </c:pt>
+                <c:pt idx="157">
+                  <c:v>2839</c:v>
+                </c:pt>
+                <c:pt idx="158">
+                  <c:v>2841</c:v>
+                </c:pt>
+                <c:pt idx="159">
+                  <c:v>2842</c:v>
+                </c:pt>
+                <c:pt idx="160">
+                  <c:v>2843</c:v>
+                </c:pt>
+                <c:pt idx="161">
+                  <c:v>2844</c:v>
+                </c:pt>
+                <c:pt idx="162">
+                  <c:v>2845</c:v>
+                </c:pt>
+                <c:pt idx="163">
+                  <c:v>2846</c:v>
+                </c:pt>
+                <c:pt idx="164">
+                  <c:v>2847</c:v>
+                </c:pt>
+                <c:pt idx="165">
+                  <c:v>2851</c:v>
+                </c:pt>
+                <c:pt idx="166">
+                  <c:v>2852</c:v>
+                </c:pt>
+                <c:pt idx="167">
+                  <c:v>2853</c:v>
+                </c:pt>
+                <c:pt idx="168">
+                  <c:v>2854</c:v>
+                </c:pt>
+                <c:pt idx="169">
+                  <c:v>2855</c:v>
+                </c:pt>
+                <c:pt idx="170">
+                  <c:v>2861</c:v>
+                </c:pt>
+                <c:pt idx="171">
+                  <c:v>2862</c:v>
+                </c:pt>
+                <c:pt idx="172">
+                  <c:v>2863</c:v>
+                </c:pt>
+                <c:pt idx="173">
+                  <c:v>2864</c:v>
+                </c:pt>
+                <c:pt idx="174">
+                  <c:v>2869</c:v>
+                </c:pt>
+                <c:pt idx="175">
+                  <c:v>2891</c:v>
+                </c:pt>
+                <c:pt idx="176">
+                  <c:v>2899</c:v>
+                </c:pt>
+                <c:pt idx="177">
+                  <c:v>3111</c:v>
+                </c:pt>
+                <c:pt idx="178">
+                  <c:v>3112</c:v>
+                </c:pt>
+                <c:pt idx="179">
+                  <c:v>3113</c:v>
+                </c:pt>
+                <c:pt idx="180">
+                  <c:v>3114</c:v>
+                </c:pt>
+                <c:pt idx="181">
+                  <c:v>3121</c:v>
+                </c:pt>
+                <c:pt idx="182">
+                  <c:v>3122</c:v>
+                </c:pt>
+                <c:pt idx="183">
+                  <c:v>3123</c:v>
+                </c:pt>
+                <c:pt idx="184">
+                  <c:v>3124</c:v>
+                </c:pt>
+                <c:pt idx="185">
+                  <c:v>3125</c:v>
+                </c:pt>
+                <c:pt idx="186">
+                  <c:v>3126</c:v>
+                </c:pt>
+                <c:pt idx="187">
+                  <c:v>3127</c:v>
+                </c:pt>
+                <c:pt idx="188">
+                  <c:v>3131</c:v>
+                </c:pt>
+                <c:pt idx="189">
+                  <c:v>3132</c:v>
+                </c:pt>
+                <c:pt idx="190">
+                  <c:v>3141</c:v>
+                </c:pt>
+                <c:pt idx="191">
+                  <c:v>3142</c:v>
+                </c:pt>
+                <c:pt idx="192">
+                  <c:v>3201</c:v>
+                </c:pt>
+                <c:pt idx="193">
+                  <c:v>3202</c:v>
+                </c:pt>
+                <c:pt idx="194">
+                  <c:v>3203</c:v>
+                </c:pt>
+                <c:pt idx="195">
+                  <c:v>3204</c:v>
+                </c:pt>
+                <c:pt idx="196">
+                  <c:v>3301</c:v>
+                </c:pt>
+                <c:pt idx="197">
+                  <c:v>3302</c:v>
+                </c:pt>
+                <c:pt idx="198">
+                  <c:v>3910</c:v>
+                </c:pt>
+                <c:pt idx="199">
+                  <c:v>3921</c:v>
+                </c:pt>
+                <c:pt idx="200">
+                  <c:v>3922</c:v>
+                </c:pt>
+                <c:pt idx="201">
+                  <c:v>3991</c:v>
+                </c:pt>
+                <c:pt idx="202">
+                  <c:v>3999</c:v>
+                </c:pt>
+                <c:pt idx="203">
+                  <c:v>4111</c:v>
+                </c:pt>
+                <c:pt idx="204">
+                  <c:v>4112</c:v>
+                </c:pt>
+                <c:pt idx="205">
+                  <c:v>4113</c:v>
+                </c:pt>
+                <c:pt idx="206">
+                  <c:v>4121</c:v>
+                </c:pt>
+                <c:pt idx="207">
+                  <c:v>4122</c:v>
+                </c:pt>
+                <c:pt idx="208">
+                  <c:v>4123</c:v>
+                </c:pt>
+                <c:pt idx="209">
+                  <c:v>4129</c:v>
+                </c:pt>
+                <c:pt idx="210">
+                  <c:v>4211</c:v>
+                </c:pt>
+                <c:pt idx="211">
+                  <c:v>4219</c:v>
+                </c:pt>
+                <c:pt idx="212">
+                  <c:v>4221</c:v>
+                </c:pt>
+                <c:pt idx="213">
+                  <c:v>4222</c:v>
+                </c:pt>
+                <c:pt idx="214">
+                  <c:v>4223</c:v>
+                </c:pt>
+                <c:pt idx="215">
+                  <c:v>4224</c:v>
+                </c:pt>
+                <c:pt idx="216">
+                  <c:v>4225</c:v>
+                </c:pt>
+                <c:pt idx="217">
+                  <c:v>4229</c:v>
+                </c:pt>
+                <c:pt idx="218">
+                  <c:v>4231</c:v>
+                </c:pt>
+                <c:pt idx="219">
+                  <c:v>4232</c:v>
+                </c:pt>
+                <c:pt idx="220">
+                  <c:v>4233</c:v>
+                </c:pt>
+                <c:pt idx="221">
+                  <c:v>4290</c:v>
+                </c:pt>
+                <c:pt idx="222">
+                  <c:v>4311</c:v>
+                </c:pt>
+                <c:pt idx="223">
+                  <c:v>4312</c:v>
+                </c:pt>
+                <c:pt idx="224">
+                  <c:v>4321</c:v>
+                </c:pt>
+                <c:pt idx="225">
+                  <c:v>4322</c:v>
+                </c:pt>
+                <c:pt idx="226">
+                  <c:v>4323</c:v>
+                </c:pt>
+                <c:pt idx="227">
+                  <c:v>4329</c:v>
+                </c:pt>
+                <c:pt idx="228">
+                  <c:v>4411</c:v>
+                </c:pt>
+                <c:pt idx="229">
+                  <c:v>4412</c:v>
+                </c:pt>
+                <c:pt idx="230">
+                  <c:v>4413</c:v>
+                </c:pt>
+                <c:pt idx="231">
+                  <c:v>4414</c:v>
+                </c:pt>
+                <c:pt idx="232">
+                  <c:v>4419</c:v>
+                </c:pt>
+                <c:pt idx="233">
+                  <c:v>4421</c:v>
+                </c:pt>
+                <c:pt idx="234">
+                  <c:v>4422</c:v>
+                </c:pt>
+                <c:pt idx="235">
+                  <c:v>4429</c:v>
+                </c:pt>
+                <c:pt idx="236">
+                  <c:v>5101</c:v>
+                </c:pt>
+                <c:pt idx="237">
+                  <c:v>5102</c:v>
+                </c:pt>
+                <c:pt idx="238">
+                  <c:v>5103</c:v>
+                </c:pt>
+                <c:pt idx="239">
+                  <c:v>5211</c:v>
+                </c:pt>
+                <c:pt idx="240">
+                  <c:v>5212</c:v>
+                </c:pt>
+                <c:pt idx="241">
+                  <c:v>5213</c:v>
+                </c:pt>
+                <c:pt idx="242">
+                  <c:v>5220</c:v>
+                </c:pt>
+                <c:pt idx="243">
+                  <c:v>5301</c:v>
+                </c:pt>
+                <c:pt idx="244">
+                  <c:v>5302</c:v>
+                </c:pt>
+                <c:pt idx="245">
+                  <c:v>5303</c:v>
+                </c:pt>
+                <c:pt idx="246">
+                  <c:v>5304</c:v>
+                </c:pt>
+                <c:pt idx="247">
+                  <c:v>5305</c:v>
+                </c:pt>
+                <c:pt idx="248">
+                  <c:v>5306</c:v>
+                </c:pt>
+                <c:pt idx="249">
+                  <c:v>6111</c:v>
+                </c:pt>
+                <c:pt idx="250">
+                  <c:v>6112</c:v>
+                </c:pt>
+                <c:pt idx="251">
+                  <c:v>6113</c:v>
+                </c:pt>
+                <c:pt idx="252">
+                  <c:v>6121</c:v>
+                </c:pt>
+                <c:pt idx="253">
+                  <c:v>6122</c:v>
+                </c:pt>
+                <c:pt idx="254">
+                  <c:v>6131</c:v>
+                </c:pt>
+                <c:pt idx="255">
+                  <c:v>6132</c:v>
+                </c:pt>
+                <c:pt idx="256">
+                  <c:v>6139</c:v>
+                </c:pt>
+                <c:pt idx="257">
+                  <c:v>6201</c:v>
+                </c:pt>
+                <c:pt idx="258">
+                  <c:v>6209</c:v>
+                </c:pt>
+                <c:pt idx="259">
+                  <c:v>6301</c:v>
+                </c:pt>
+                <c:pt idx="260">
+                  <c:v>6302</c:v>
+                </c:pt>
+                <c:pt idx="261">
+                  <c:v>7101</c:v>
+                </c:pt>
+                <c:pt idx="262">
+                  <c:v>7102</c:v>
+                </c:pt>
+                <c:pt idx="263">
+                  <c:v>7103</c:v>
+                </c:pt>
+                <c:pt idx="264">
+                  <c:v>7104</c:v>
+                </c:pt>
+                <c:pt idx="265">
+                  <c:v>7105</c:v>
+                </c:pt>
+                <c:pt idx="266">
+                  <c:v>7109</c:v>
+                </c:pt>
+                <c:pt idx="267">
+                  <c:v>7211</c:v>
+                </c:pt>
+                <c:pt idx="268">
+                  <c:v>7212</c:v>
+                </c:pt>
+                <c:pt idx="269">
+                  <c:v>7213</c:v>
+                </c:pt>
+                <c:pt idx="270">
+                  <c:v>7214</c:v>
+                </c:pt>
+                <c:pt idx="271">
+                  <c:v>7219</c:v>
+                </c:pt>
+                <c:pt idx="272">
+                  <c:v>7221</c:v>
+                </c:pt>
+                <c:pt idx="273">
+                  <c:v>7222</c:v>
+                </c:pt>
+                <c:pt idx="274">
+                  <c:v>7223</c:v>
+                </c:pt>
+                <c:pt idx="275">
+                  <c:v>7224</c:v>
+                </c:pt>
+                <c:pt idx="276">
+                  <c:v>7229</c:v>
+                </c:pt>
+                <c:pt idx="277">
+                  <c:v>7301</c:v>
+                </c:pt>
+                <c:pt idx="278">
+                  <c:v>7302</c:v>
+                </c:pt>
+                <c:pt idx="279">
+                  <c:v>7303</c:v>
+                </c:pt>
+                <c:pt idx="280">
+                  <c:v>7304</c:v>
+                </c:pt>
+                <c:pt idx="281">
+                  <c:v>7411</c:v>
+                </c:pt>
+                <c:pt idx="282">
+                  <c:v>7412</c:v>
+                </c:pt>
+                <c:pt idx="283">
+                  <c:v>7413</c:v>
+                </c:pt>
+                <c:pt idx="284">
+                  <c:v>7421</c:v>
+                </c:pt>
+                <c:pt idx="285">
+                  <c:v>7422</c:v>
+                </c:pt>
+                <c:pt idx="286">
+                  <c:v>7430</c:v>
+                </c:pt>
+                <c:pt idx="287">
+                  <c:v>7510</c:v>
+                </c:pt>
+                <c:pt idx="288">
+                  <c:v>7521</c:v>
+                </c:pt>
+                <c:pt idx="289">
+                  <c:v>7522</c:v>
+                </c:pt>
+                <c:pt idx="290">
+                  <c:v>7523</c:v>
+                </c:pt>
+                <c:pt idx="291">
+                  <c:v>7529</c:v>
+                </c:pt>
+                <c:pt idx="292">
+                  <c:v>7531</c:v>
+                </c:pt>
+                <c:pt idx="293">
+                  <c:v>7532</c:v>
+                </c:pt>
+                <c:pt idx="294">
+                  <c:v>7533</c:v>
+                </c:pt>
+                <c:pt idx="295">
+                  <c:v>7534</c:v>
+                </c:pt>
+                <c:pt idx="296">
+                  <c:v>7535</c:v>
+                </c:pt>
+                <c:pt idx="297">
+                  <c:v>7536</c:v>
+                </c:pt>
+                <c:pt idx="298">
+                  <c:v>7539</c:v>
+                </c:pt>
+                <c:pt idx="299">
+                  <c:v>7611</c:v>
+                </c:pt>
+                <c:pt idx="300">
+                  <c:v>7612</c:v>
+                </c:pt>
+                <c:pt idx="301">
+                  <c:v>7619</c:v>
+                </c:pt>
+                <c:pt idx="302">
+                  <c:v>7621</c:v>
+                </c:pt>
+                <c:pt idx="303">
+                  <c:v>7622</c:v>
+                </c:pt>
+                <c:pt idx="304">
+                  <c:v>7623</c:v>
+                </c:pt>
+                <c:pt idx="305">
+                  <c:v>7711</c:v>
+                </c:pt>
+                <c:pt idx="306">
+                  <c:v>7712</c:v>
+                </c:pt>
+                <c:pt idx="307">
+                  <c:v>7721</c:v>
+                </c:pt>
+                <c:pt idx="308">
+                  <c:v>7722</c:v>
+                </c:pt>
+                <c:pt idx="309">
+                  <c:v>7723</c:v>
+                </c:pt>
+                <c:pt idx="310">
+                  <c:v>7724</c:v>
+                </c:pt>
+                <c:pt idx="311">
+                  <c:v>7725</c:v>
+                </c:pt>
+                <c:pt idx="312">
+                  <c:v>7729</c:v>
+                </c:pt>
+                <c:pt idx="313">
+                  <c:v>7731</c:v>
+                </c:pt>
+                <c:pt idx="314">
+                  <c:v>7732</c:v>
+                </c:pt>
+                <c:pt idx="315">
+                  <c:v>7733</c:v>
+                </c:pt>
+                <c:pt idx="316">
+                  <c:v>7734</c:v>
+                </c:pt>
+                <c:pt idx="317">
+                  <c:v>7735</c:v>
+                </c:pt>
+                <c:pt idx="318">
+                  <c:v>7736</c:v>
+                </c:pt>
+                <c:pt idx="319">
+                  <c:v>7737</c:v>
+                </c:pt>
+                <c:pt idx="320">
+                  <c:v>7739</c:v>
+                </c:pt>
+                <c:pt idx="321">
+                  <c:v>7741</c:v>
+                </c:pt>
+                <c:pt idx="322">
+                  <c:v>7742</c:v>
+                </c:pt>
+                <c:pt idx="323">
+                  <c:v>7749</c:v>
+                </c:pt>
+                <c:pt idx="324">
+                  <c:v>7801</c:v>
+                </c:pt>
+                <c:pt idx="325">
+                  <c:v>7802</c:v>
+                </c:pt>
+                <c:pt idx="326">
+                  <c:v>7803</c:v>
+                </c:pt>
+                <c:pt idx="327">
+                  <c:v>7911</c:v>
+                </c:pt>
+                <c:pt idx="328">
+                  <c:v>7912</c:v>
+                </c:pt>
+                <c:pt idx="329">
+                  <c:v>7921</c:v>
+                </c:pt>
+                <c:pt idx="330">
+                  <c:v>7922</c:v>
+                </c:pt>
+                <c:pt idx="331">
+                  <c:v>7929</c:v>
+                </c:pt>
+                <c:pt idx="332">
+                  <c:v>7991</c:v>
+                </c:pt>
+                <c:pt idx="333">
+                  <c:v>7999</c:v>
+                </c:pt>
+                <c:pt idx="334">
+                  <c:v>8111</c:v>
+                </c:pt>
+                <c:pt idx="335">
+                  <c:v>8112</c:v>
+                </c:pt>
+                <c:pt idx="336">
+                  <c:v>8113</c:v>
+                </c:pt>
+                <c:pt idx="337">
+                  <c:v>8114</c:v>
+                </c:pt>
+                <c:pt idx="338">
+                  <c:v>8120</c:v>
+                </c:pt>
+                <c:pt idx="339">
+                  <c:v>8190</c:v>
+                </c:pt>
+                <c:pt idx="340">
+                  <c:v>8211</c:v>
+                </c:pt>
+                <c:pt idx="341">
+                  <c:v>8212</c:v>
+                </c:pt>
+                <c:pt idx="342">
+                  <c:v>8221</c:v>
+                </c:pt>
+                <c:pt idx="343">
+                  <c:v>8222</c:v>
+                </c:pt>
+                <c:pt idx="344">
+                  <c:v>8229</c:v>
+                </c:pt>
+                <c:pt idx="345">
+                  <c:v>8230</c:v>
+                </c:pt>
+                <c:pt idx="346">
+                  <c:v>8311</c:v>
+                </c:pt>
+                <c:pt idx="347">
+                  <c:v>8312</c:v>
+                </c:pt>
+                <c:pt idx="348">
+                  <c:v>8319</c:v>
+                </c:pt>
+                <c:pt idx="349">
+                  <c:v>8321</c:v>
+                </c:pt>
+                <c:pt idx="350">
+                  <c:v>8322</c:v>
+                </c:pt>
+                <c:pt idx="351">
+                  <c:v>8323</c:v>
+                </c:pt>
+                <c:pt idx="352">
+                  <c:v>8324</c:v>
+                </c:pt>
+                <c:pt idx="353">
+                  <c:v>8411</c:v>
+                </c:pt>
+                <c:pt idx="354">
+                  <c:v>8412</c:v>
+                </c:pt>
+                <c:pt idx="355">
+                  <c:v>8413</c:v>
+                </c:pt>
+                <c:pt idx="356">
+                  <c:v>8414</c:v>
+                </c:pt>
+                <c:pt idx="357">
+                  <c:v>8415</c:v>
+                </c:pt>
+                <c:pt idx="358">
+                  <c:v>8416</c:v>
+                </c:pt>
+                <c:pt idx="359">
+                  <c:v>8417</c:v>
+                </c:pt>
+                <c:pt idx="360">
+                  <c:v>8421</c:v>
+                </c:pt>
+                <c:pt idx="361">
+                  <c:v>8422</c:v>
+                </c:pt>
+                <c:pt idx="362">
+                  <c:v>8431</c:v>
+                </c:pt>
+                <c:pt idx="363">
+                  <c:v>8432</c:v>
+                </c:pt>
+                <c:pt idx="364">
+                  <c:v>8433</c:v>
+                </c:pt>
+                <c:pt idx="365">
+                  <c:v>8434</c:v>
+                </c:pt>
+                <c:pt idx="366">
+                  <c:v>8439</c:v>
+                </c:pt>
+                <c:pt idx="367">
+                  <c:v>8510</c:v>
+                </c:pt>
+                <c:pt idx="368">
+                  <c:v>8520</c:v>
+                </c:pt>
+                <c:pt idx="369">
+                  <c:v>8530</c:v>
+                </c:pt>
+                <c:pt idx="370">
+                  <c:v>8541</c:v>
+                </c:pt>
+                <c:pt idx="371">
+                  <c:v>8542</c:v>
+                </c:pt>
+                <c:pt idx="372">
+                  <c:v>8543</c:v>
+                </c:pt>
+                <c:pt idx="373">
+                  <c:v>8544</c:v>
+                </c:pt>
+                <c:pt idx="374">
+                  <c:v>8550</c:v>
+                </c:pt>
+                <c:pt idx="375">
+                  <c:v>8610</c:v>
+                </c:pt>
+                <c:pt idx="376">
+                  <c:v>8620</c:v>
+                </c:pt>
+                <c:pt idx="377">
+                  <c:v>8631</c:v>
+                </c:pt>
+                <c:pt idx="378">
+                  <c:v>8632</c:v>
+                </c:pt>
+                <c:pt idx="379">
+                  <c:v>8640</c:v>
+                </c:pt>
+                <c:pt idx="380">
+                  <c:v>8710</c:v>
+                </c:pt>
+                <c:pt idx="381">
+                  <c:v>8720</c:v>
+                </c:pt>
+                <c:pt idx="382">
+                  <c:v>8731</c:v>
+                </c:pt>
+                <c:pt idx="383">
+                  <c:v>8732</c:v>
+                </c:pt>
+                <c:pt idx="384">
+                  <c:v>8733</c:v>
+                </c:pt>
+                <c:pt idx="385">
+                  <c:v>8739</c:v>
+                </c:pt>
+                <c:pt idx="386">
+                  <c:v>8740</c:v>
+                </c:pt>
+                <c:pt idx="387">
+                  <c:v>8750</c:v>
+                </c:pt>
+                <c:pt idx="388">
+                  <c:v>8760</c:v>
+                </c:pt>
+                <c:pt idx="389">
+                  <c:v>8810</c:v>
+                </c:pt>
+                <c:pt idx="390">
+                  <c:v>8820</c:v>
+                </c:pt>
+                <c:pt idx="391">
+                  <c:v>8911</c:v>
+                </c:pt>
+                <c:pt idx="392">
+                  <c:v>8912</c:v>
+                </c:pt>
+                <c:pt idx="393">
+                  <c:v>8913</c:v>
+                </c:pt>
+                <c:pt idx="394">
+                  <c:v>8914</c:v>
+                </c:pt>
+                <c:pt idx="395">
+                  <c:v>8919</c:v>
+                </c:pt>
+                <c:pt idx="396">
+                  <c:v>8921</c:v>
+                </c:pt>
+                <c:pt idx="397">
+                  <c:v>8922</c:v>
+                </c:pt>
+                <c:pt idx="398">
+                  <c:v>8990</c:v>
+                </c:pt>
+                <c:pt idx="399">
+                  <c:v>9100</c:v>
+                </c:pt>
+                <c:pt idx="400">
+                  <c:v>9210</c:v>
+                </c:pt>
+                <c:pt idx="401">
+                  <c:v>9221</c:v>
+                </c:pt>
+                <c:pt idx="402">
+                  <c:v>9222</c:v>
+                </c:pt>
+                <c:pt idx="403">
+                  <c:v>9223</c:v>
+                </c:pt>
+                <c:pt idx="404">
+                  <c:v>9229</c:v>
+                </c:pt>
+                <c:pt idx="405">
+                  <c:v>9300</c:v>
+                </c:pt>
+                <c:pt idx="406">
+                  <c:v>9411</c:v>
+                </c:pt>
+                <c:pt idx="407">
+                  <c:v>9412</c:v>
+                </c:pt>
+                <c:pt idx="408">
+                  <c:v>9421</c:v>
+                </c:pt>
+                <c:pt idx="409">
+                  <c:v>9422</c:v>
+                </c:pt>
+                <c:pt idx="410">
+                  <c:v>9511</c:v>
+                </c:pt>
+                <c:pt idx="411">
+                  <c:v>9512</c:v>
+                </c:pt>
+                <c:pt idx="412">
+                  <c:v>9521</c:v>
+                </c:pt>
+                <c:pt idx="413">
+                  <c:v>9522</c:v>
+                </c:pt>
+                <c:pt idx="414">
+                  <c:v>9531</c:v>
+                </c:pt>
+                <c:pt idx="415">
+                  <c:v>9539</c:v>
+                </c:pt>
+                <c:pt idx="416">
+                  <c:v>9910</c:v>
+                </c:pt>
+                <c:pt idx="417">
+                  <c:v>9921</c:v>
+                </c:pt>
+                <c:pt idx="418">
+                  <c:v>9922</c:v>
+                </c:pt>
+                <c:pt idx="419">
+                  <c:v>9923</c:v>
+                </c:pt>
+                <c:pt idx="420">
+                  <c:v>9991</c:v>
+                </c:pt>
+                <c:pt idx="421">
+                  <c:v>9992</c:v>
+                </c:pt>
+                <c:pt idx="422">
+                  <c:v>9999</c:v>
+                </c:pt>
+              </c:numCache>
+            </c:numRef>
+          </c:xVal>
+          <c:yVal>
+            <c:numRef>
+              <c:f>Sheet1!$B$2:$B$424</c:f>
+              <c:numCache>
+                <c:formatCode>_-* #,##0.000_-;\-* #,##0.000_-;_-* "-"_-;_-@_-</c:formatCode>
+                <c:ptCount val="423"/>
+                <c:pt idx="0">
+                  <c:v>0.10050000000000001</c:v>
+                </c:pt>
+                <c:pt idx="1">
+                  <c:v>8.7499999999999994E-2</c:v>
+                </c:pt>
+                <c:pt idx="2">
+                  <c:v>0.25</c:v>
+                </c:pt>
+                <c:pt idx="3">
+                  <c:v>0.19373333333333334</c:v>
+                </c:pt>
+                <c:pt idx="4">
+                  <c:v>0.35499999999999998</c:v>
+                </c:pt>
+                <c:pt idx="5">
+                  <c:v>1.7500000000000002E-2</c:v>
+                </c:pt>
+                <c:pt idx="6">
+                  <c:v>7.3000000000000001E-3</c:v>
+                </c:pt>
+                <c:pt idx="7">
+                  <c:v>0.25</c:v>
+                </c:pt>
+                <c:pt idx="8">
+                  <c:v>0.1145</c:v>
+                </c:pt>
+                <c:pt idx="9">
+                  <c:v>7.3000000000000001E-3</c:v>
+                </c:pt>
+                <c:pt idx="10">
+                  <c:v>3.5116666666666664E-2</c:v>
+                </c:pt>
+                <c:pt idx="11">
+                  <c:v>0.25</c:v>
+                </c:pt>
+                <c:pt idx="12">
+                  <c:v>3.5000000000000003E-2</c:v>
+                </c:pt>
+                <c:pt idx="13">
+                  <c:v>1.35E-2</c:v>
+                </c:pt>
+                <c:pt idx="14">
+                  <c:v>0.1605</c:v>
+                </c:pt>
+                <c:pt idx="15">
+                  <c:v>0.59</c:v>
+                </c:pt>
+                <c:pt idx="16">
+                  <c:v>0.03</c:v>
+                </c:pt>
+                <c:pt idx="17">
+                  <c:v>4.7E-2</c:v>
+                </c:pt>
+                <c:pt idx="18">
+                  <c:v>0.20500000000000002</c:v>
+                </c:pt>
+                <c:pt idx="19">
+                  <c:v>0.59</c:v>
+                </c:pt>
+                <c:pt idx="20">
+                  <c:v>0.14146666666666666</c:v>
+                </c:pt>
+                <c:pt idx="21">
+                  <c:v>8.3000000000000004E-2</c:v>
+                </c:pt>
+                <c:pt idx="22">
+                  <c:v>0.35499999999999998</c:v>
+                </c:pt>
+                <c:pt idx="23">
+                  <c:v>0.14166666666666666</c:v>
+                </c:pt>
+                <c:pt idx="24">
+                  <c:v>4.5961111111111112E-2</c:v>
+                </c:pt>
+                <c:pt idx="25">
+                  <c:v>0.21598333333333333</c:v>
+                </c:pt>
+                <c:pt idx="26">
+                  <c:v>9.5188888888888892E-2</c:v>
+                </c:pt>
+                <c:pt idx="27">
+                  <c:v>0.23618888888888889</c:v>
+                </c:pt>
+                <c:pt idx="28">
+                  <c:v>0.72750000000000004</c:v>
+                </c:pt>
+                <c:pt idx="29">
+                  <c:v>0.69499999999999995</c:v>
+                </c:pt>
+                <c:pt idx="30">
+                  <c:v>0.51938833333333334</c:v>
+                </c:pt>
+                <c:pt idx="31">
+                  <c:v>0.1225</c:v>
+                </c:pt>
+                <c:pt idx="32">
+                  <c:v>2.5000000000000001E-2</c:v>
+                </c:pt>
+                <c:pt idx="33">
+                  <c:v>1.0749999999999999E-2</c:v>
+                </c:pt>
+                <c:pt idx="34">
+                  <c:v>8.6000000000000007E-2</c:v>
+                </c:pt>
+                <c:pt idx="35">
+                  <c:v>0.35</c:v>
+                </c:pt>
+                <c:pt idx="36">
+                  <c:v>0.03</c:v>
+                </c:pt>
+                <c:pt idx="37">
+                  <c:v>0.03</c:v>
+                </c:pt>
+                <c:pt idx="38">
+                  <c:v>0.22</c:v>
+                </c:pt>
+                <c:pt idx="39">
+                  <c:v>0.21</c:v>
+                </c:pt>
+                <c:pt idx="40">
+                  <c:v>0.21</c:v>
+                </c:pt>
+                <c:pt idx="41">
+                  <c:v>0.40500000000000003</c:v>
+                </c:pt>
+                <c:pt idx="42">
+                  <c:v>0.72</c:v>
+                </c:pt>
+                <c:pt idx="43">
+                  <c:v>1.7999999999999999E-2</c:v>
+                </c:pt>
+                <c:pt idx="44">
+                  <c:v>1.9E-2</c:v>
+                </c:pt>
+                <c:pt idx="45">
+                  <c:v>4.4999999999999998E-2</c:v>
+                </c:pt>
+                <c:pt idx="46">
+                  <c:v>0.13</c:v>
+                </c:pt>
+                <c:pt idx="47">
+                  <c:v>0.63</c:v>
+                </c:pt>
+                <c:pt idx="48">
+                  <c:v>0.45341500000000001</c:v>
+                </c:pt>
+                <c:pt idx="49">
+                  <c:v>1.7000000000000001E-2</c:v>
+                </c:pt>
+                <c:pt idx="50">
+                  <c:v>0.24</c:v>
+                </c:pt>
+                <c:pt idx="51">
+                  <c:v>8.5500000000000007E-2</c:v>
+                </c:pt>
+                <c:pt idx="52">
+                  <c:v>0.30449999999999999</c:v>
+                </c:pt>
+                <c:pt idx="53">
+                  <c:v>1.7999999999999999E-2</c:v>
+                </c:pt>
+                <c:pt idx="54">
+                  <c:v>0.59650000000000003</c:v>
+                </c:pt>
+                <c:pt idx="55">
+                  <c:v>0.1</c:v>
+                </c:pt>
+                <c:pt idx="56">
+                  <c:v>0.1225</c:v>
+                </c:pt>
+                <c:pt idx="57">
+                  <c:v>8.0500000000000002E-2</c:v>
+                </c:pt>
+                <c:pt idx="58">
+                  <c:v>0.71416666666666673</c:v>
+                </c:pt>
+                <c:pt idx="59">
+                  <c:v>0.52974999999999994</c:v>
+                </c:pt>
+                <c:pt idx="60">
+                  <c:v>0.10750000000000001</c:v>
+                </c:pt>
+                <c:pt idx="61">
+                  <c:v>0.34211000000000003</c:v>
+                </c:pt>
+                <c:pt idx="62">
+                  <c:v>0.253</c:v>
+                </c:pt>
+                <c:pt idx="63">
+                  <c:v>9.2250000000000013E-2</c:v>
+                </c:pt>
+                <c:pt idx="64">
+                  <c:v>0.45474999999999999</c:v>
+                </c:pt>
+                <c:pt idx="65">
+                  <c:v>3.4000000000000009E-2</c:v>
+                </c:pt>
+                <c:pt idx="66">
+                  <c:v>1.7000000000000001E-2</c:v>
+                </c:pt>
+                <c:pt idx="67">
+                  <c:v>1.7000000000000001E-2</c:v>
+                </c:pt>
+                <c:pt idx="68">
+                  <c:v>3.4000000000000009E-2</c:v>
+                </c:pt>
+                <c:pt idx="69">
+                  <c:v>0.34211000000000003</c:v>
+                </c:pt>
+                <c:pt idx="70">
+                  <c:v>0.51300000000000001</c:v>
+                </c:pt>
+                <c:pt idx="71">
+                  <c:v>3.4000000000000009E-2</c:v>
+                </c:pt>
+                <c:pt idx="72">
+                  <c:v>4.1999999999999997E-3</c:v>
+                </c:pt>
+                <c:pt idx="73">
+                  <c:v>0.14000000000000001</c:v>
+                </c:pt>
+                <c:pt idx="74">
+                  <c:v>0.02</c:v>
+                </c:pt>
+                <c:pt idx="75">
+                  <c:v>2.1499999999999998E-2</c:v>
+                </c:pt>
+                <c:pt idx="76">
+                  <c:v>3.7999999999999999E-2</c:v>
+                </c:pt>
+                <c:pt idx="77">
+                  <c:v>1.2E-2</c:v>
+                </c:pt>
+                <c:pt idx="78">
+                  <c:v>3.2000000000000001E-2</c:v>
+                </c:pt>
+                <c:pt idx="79">
+                  <c:v>3.8999999999999998E-3</c:v>
+                </c:pt>
+                <c:pt idx="80">
+                  <c:v>0.68500000000000005</c:v>
+                </c:pt>
+                <c:pt idx="81">
+                  <c:v>0.27333333333333332</c:v>
+                </c:pt>
+                <c:pt idx="82">
+                  <c:v>0.47449999999999998</c:v>
+                </c:pt>
+                <c:pt idx="83">
+                  <c:v>0.53474999999999995</c:v>
+                </c:pt>
+                <c:pt idx="84">
+                  <c:v>0.47449999999999998</c:v>
+                </c:pt>
+                <c:pt idx="85">
+                  <c:v>7.5082222222222231E-2</c:v>
+                </c:pt>
+                <c:pt idx="86">
+                  <c:v>5.2857500000000002E-2</c:v>
+                </c:pt>
+                <c:pt idx="87">
+                  <c:v>4.9000000000000002E-2</c:v>
+                </c:pt>
+                <c:pt idx="88">
+                  <c:v>0.52974999999999994</c:v>
+                </c:pt>
+                <c:pt idx="89">
+                  <c:v>0.71</c:v>
+                </c:pt>
+                <c:pt idx="90">
+                  <c:v>0.91</c:v>
+                </c:pt>
+                <c:pt idx="91">
+                  <c:v>0.17899999999999999</c:v>
+                </c:pt>
+                <c:pt idx="92">
+                  <c:v>0.20220000000000002</c:v>
+                </c:pt>
+                <c:pt idx="93">
+                  <c:v>4.3225E-2</c:v>
+                </c:pt>
+                <c:pt idx="94">
+                  <c:v>0.08</c:v>
+                </c:pt>
+                <c:pt idx="95">
+                  <c:v>0.50661250000000002</c:v>
+                </c:pt>
+                <c:pt idx="96">
+                  <c:v>4.3225E-2</c:v>
+                </c:pt>
+                <c:pt idx="97">
+                  <c:v>0.13</c:v>
+                </c:pt>
+                <c:pt idx="98">
+                  <c:v>0.13</c:v>
+                </c:pt>
+                <c:pt idx="99">
+                  <c:v>1.6550000000000002E-2</c:v>
+                </c:pt>
+                <c:pt idx="100">
+                  <c:v>1.6549999999999999E-2</c:v>
+                </c:pt>
+                <c:pt idx="101">
+                  <c:v>3.2000000000000001E-2</c:v>
+                </c:pt>
+                <c:pt idx="102">
+                  <c:v>3.2000000000000001E-2</c:v>
+                </c:pt>
+                <c:pt idx="103">
+                  <c:v>7.7999999999999996E-3</c:v>
+                </c:pt>
+                <c:pt idx="104">
+                  <c:v>8.72E-2</c:v>
+                </c:pt>
+                <c:pt idx="105">
+                  <c:v>1.1849999999999999E-2</c:v>
+                </c:pt>
+                <c:pt idx="106">
+                  <c:v>7.8699999999999992E-2</c:v>
+                </c:pt>
+                <c:pt idx="107">
+                  <c:v>0.10983333333333334</c:v>
+                </c:pt>
+                <c:pt idx="108">
+                  <c:v>1.4E-2</c:v>
+                </c:pt>
+                <c:pt idx="109">
+                  <c:v>0.13219999999999998</c:v>
+                </c:pt>
+                <c:pt idx="110">
+                  <c:v>9.9875000000000005E-2</c:v>
+                </c:pt>
+                <c:pt idx="111">
+                  <c:v>9.0000000000000011E-3</c:v>
+                </c:pt>
+                <c:pt idx="112">
+                  <c:v>0.13439999999999999</c:v>
+                </c:pt>
+                <c:pt idx="113">
+                  <c:v>4.1999999999999997E-3</c:v>
+                </c:pt>
+                <c:pt idx="114">
+                  <c:v>3.2000000000000001E-2</c:v>
+                </c:pt>
+                <c:pt idx="115">
+                  <c:v>0.56000000000000005</c:v>
+                </c:pt>
+                <c:pt idx="116">
+                  <c:v>0.27750000000000002</c:v>
+                </c:pt>
+                <c:pt idx="117">
+                  <c:v>3.5000000000000003E-2</c:v>
+                </c:pt>
+                <c:pt idx="118">
+                  <c:v>0.66</c:v>
+                </c:pt>
+                <c:pt idx="119">
+                  <c:v>0.06</c:v>
+                </c:pt>
+                <c:pt idx="120">
+                  <c:v>0.23</c:v>
+                </c:pt>
+                <c:pt idx="121">
+                  <c:v>0.23924999999999999</c:v>
+                </c:pt>
+                <c:pt idx="122">
+                  <c:v>0.95666666666666667</c:v>
+                </c:pt>
+                <c:pt idx="123">
+                  <c:v>0.95666666666666667</c:v>
+                </c:pt>
+                <c:pt idx="124">
+                  <c:v>0.98499999999999999</c:v>
+                </c:pt>
+                <c:pt idx="125">
+                  <c:v>7.1000000000000008E-2</c:v>
+                </c:pt>
+                <c:pt idx="126">
+                  <c:v>0.40499999999999997</c:v>
+                </c:pt>
+                <c:pt idx="127">
+                  <c:v>0.541875</c:v>
+                </c:pt>
+                <c:pt idx="128">
+                  <c:v>0.45999999999999996</c:v>
+                </c:pt>
+                <c:pt idx="129">
+                  <c:v>4.5499999999999999E-2</c:v>
+                </c:pt>
+                <c:pt idx="130">
+                  <c:v>0.95333333333333325</c:v>
+                </c:pt>
+                <c:pt idx="131">
+                  <c:v>0.40499999999999997</c:v>
+                </c:pt>
+                <c:pt idx="132">
+                  <c:v>0.32400000000000001</c:v>
+                </c:pt>
+                <c:pt idx="133">
+                  <c:v>0.32400000000000001</c:v>
+                </c:pt>
+                <c:pt idx="134">
+                  <c:v>0.252</c:v>
+                </c:pt>
+                <c:pt idx="135">
+                  <c:v>0.1484</c:v>
+                </c:pt>
+                <c:pt idx="136">
+                  <c:v>0.16735714285714284</c:v>
+                </c:pt>
+                <c:pt idx="137">
+                  <c:v>0.95333333333333325</c:v>
+                </c:pt>
+                <c:pt idx="138">
+                  <c:v>0.64333333333333331</c:v>
+                </c:pt>
+                <c:pt idx="139">
+                  <c:v>0.1361</c:v>
+                </c:pt>
+                <c:pt idx="140">
+                  <c:v>0.36033333333333334</c:v>
+                </c:pt>
+                <c:pt idx="141">
+                  <c:v>0.67874999999999996</c:v>
+                </c:pt>
+                <c:pt idx="142">
+                  <c:v>0.39166666666666666</c:v>
+                </c:pt>
+                <c:pt idx="143">
+                  <c:v>0.32766666666666672</c:v>
+                </c:pt>
+                <c:pt idx="144">
+                  <c:v>0.21</c:v>
+                </c:pt>
+                <c:pt idx="145">
+                  <c:v>0.21</c:v>
+                </c:pt>
+                <c:pt idx="146">
+                  <c:v>8.2500000000000004E-2</c:v>
+                </c:pt>
+                <c:pt idx="147">
+                  <c:v>0.32766666666666672</c:v>
+                </c:pt>
+                <c:pt idx="148">
+                  <c:v>0.38340000000000002</c:v>
+                </c:pt>
+                <c:pt idx="149">
+                  <c:v>0.52</c:v>
+                </c:pt>
+                <c:pt idx="150">
+                  <c:v>0.11833333333333333</c:v>
+                </c:pt>
+                <c:pt idx="151">
+                  <c:v>0.67500000000000004</c:v>
+                </c:pt>
+                <c:pt idx="152">
+                  <c:v>0.29566666666666669</c:v>
+                </c:pt>
+                <c:pt idx="153">
+                  <c:v>0.6</c:v>
+                </c:pt>
+                <c:pt idx="154">
+                  <c:v>0.6</c:v>
+                </c:pt>
+                <c:pt idx="155">
+                  <c:v>0.6</c:v>
+                </c:pt>
+                <c:pt idx="156">
+                  <c:v>0.61</c:v>
+                </c:pt>
+                <c:pt idx="157">
+                  <c:v>0.61</c:v>
+                </c:pt>
+                <c:pt idx="158">
+                  <c:v>3.8500000000000006E-2</c:v>
+                </c:pt>
+                <c:pt idx="159">
+                  <c:v>2.1000000000000001E-2</c:v>
+                </c:pt>
+                <c:pt idx="160">
+                  <c:v>3.8500000000000006E-2</c:v>
+                </c:pt>
+                <c:pt idx="161">
+                  <c:v>4.4499999999999998E-2</c:v>
+                </c:pt>
+                <c:pt idx="162">
+                  <c:v>4.4499999999999998E-2</c:v>
+                </c:pt>
+                <c:pt idx="163">
+                  <c:v>4.4499999999999998E-2</c:v>
+                </c:pt>
+                <c:pt idx="164">
+                  <c:v>6.7000000000000004E-2</c:v>
+                </c:pt>
+                <c:pt idx="165">
+                  <c:v>2.8999999999999998E-2</c:v>
+                </c:pt>
+                <c:pt idx="166">
+                  <c:v>2.8999999999999998E-2</c:v>
+                </c:pt>
+                <c:pt idx="167">
+                  <c:v>0.16916666666666666</c:v>
+                </c:pt>
+                <c:pt idx="168">
+                  <c:v>2.8999999999999998E-2</c:v>
+                </c:pt>
+                <c:pt idx="169">
+                  <c:v>4.8500000000000001E-2</c:v>
+                </c:pt>
+                <c:pt idx="170">
+                  <c:v>0.37433333333333335</c:v>
+                </c:pt>
+                <c:pt idx="171">
+                  <c:v>0.28000000000000003</c:v>
+                </c:pt>
+                <c:pt idx="172">
+                  <c:v>0.37433333333333335</c:v>
+                </c:pt>
+                <c:pt idx="173">
+                  <c:v>7.4525000000000008E-2</c:v>
+                </c:pt>
+                <c:pt idx="174">
+                  <c:v>0.28000000000000003</c:v>
+                </c:pt>
+                <c:pt idx="175">
+                  <c:v>0.61</c:v>
+                </c:pt>
+                <c:pt idx="176">
+                  <c:v>0.50116666666666665</c:v>
+                </c:pt>
+                <c:pt idx="177">
+                  <c:v>0.94900000000000007</c:v>
+                </c:pt>
+                <c:pt idx="178">
+                  <c:v>6.08E-2</c:v>
+                </c:pt>
+                <c:pt idx="179">
+                  <c:v>0.94</c:v>
+                </c:pt>
+                <c:pt idx="180">
+                  <c:v>0.61499999999999999</c:v>
+                </c:pt>
+                <c:pt idx="181">
+                  <c:v>0.91999999999999993</c:v>
+                </c:pt>
+                <c:pt idx="182">
+                  <c:v>0.9</c:v>
+                </c:pt>
+                <c:pt idx="183">
+                  <c:v>0.8566666666666668</c:v>
+                </c:pt>
+                <c:pt idx="184">
+                  <c:v>0.88</c:v>
+                </c:pt>
+                <c:pt idx="185">
+                  <c:v>0.98499999999999999</c:v>
+                </c:pt>
+                <c:pt idx="186">
+                  <c:v>0.96</c:v>
+                </c:pt>
+                <c:pt idx="187">
+                  <c:v>0.69100000000000006</c:v>
+                </c:pt>
+                <c:pt idx="188">
+                  <c:v>0.74</c:v>
+                </c:pt>
+                <c:pt idx="189">
+                  <c:v>0.97</c:v>
+                </c:pt>
+                <c:pt idx="190">
+                  <c:v>0.86749999999999994</c:v>
+                </c:pt>
+                <c:pt idx="191">
+                  <c:v>0.98</c:v>
+                </c:pt>
+                <c:pt idx="192">
+                  <c:v>0.96499999999999997</c:v>
+                </c:pt>
+                <c:pt idx="193">
+                  <c:v>0.7</c:v>
+                </c:pt>
+                <c:pt idx="194">
+                  <c:v>0.73899999999999999</c:v>
+                </c:pt>
+                <c:pt idx="195">
+                  <c:v>0.95</c:v>
+                </c:pt>
+                <c:pt idx="196">
+                  <c:v>0.66</c:v>
+                </c:pt>
+                <c:pt idx="197">
+                  <c:v>0.94</c:v>
+                </c:pt>
+                <c:pt idx="198">
+                  <c:v>0.8786666666666666</c:v>
+                </c:pt>
+                <c:pt idx="199">
+                  <c:v>0.26133333333333336</c:v>
+                </c:pt>
+                <c:pt idx="200">
+                  <c:v>0.81374999999999997</c:v>
+                </c:pt>
+                <c:pt idx="201">
+                  <c:v>0.90999999999999992</c:v>
+                </c:pt>
+                <c:pt idx="202">
+                  <c:v>0.68433333333333335</c:v>
+                </c:pt>
+                <c:pt idx="203">
+                  <c:v>0.19816666666666666</c:v>
+                </c:pt>
+                <c:pt idx="204">
+                  <c:v>8.6800000000000002E-2</c:v>
+                </c:pt>
+                <c:pt idx="205">
+                  <c:v>0.3125</c:v>
+                </c:pt>
+                <c:pt idx="206">
+                  <c:v>0.89500000000000002</c:v>
+                </c:pt>
+                <c:pt idx="207">
+                  <c:v>0.89500000000000002</c:v>
+                </c:pt>
+                <c:pt idx="208">
+                  <c:v>0.89500000000000002</c:v>
+                </c:pt>
+                <c:pt idx="209">
+                  <c:v>0.6791666666666667</c:v>
+                </c:pt>
+                <c:pt idx="210">
+                  <c:v>0.43599999999999994</c:v>
+                </c:pt>
+                <c:pt idx="211">
+                  <c:v>0.47343333333333326</c:v>
+                </c:pt>
+                <c:pt idx="212">
+                  <c:v>0.32866666666666666</c:v>
+                </c:pt>
+                <c:pt idx="213">
+                  <c:v>0.371</c:v>
+                </c:pt>
+                <c:pt idx="214">
+                  <c:v>0.371</c:v>
+                </c:pt>
+                <c:pt idx="215">
+                  <c:v>0.371</c:v>
+                </c:pt>
+                <c:pt idx="216">
+                  <c:v>0.46399999999999997</c:v>
+                </c:pt>
+                <c:pt idx="217">
+                  <c:v>0.371</c:v>
+                </c:pt>
+                <c:pt idx="218">
+                  <c:v>4.3225E-2</c:v>
+                </c:pt>
+                <c:pt idx="219">
+                  <c:v>0.27902500000000002</c:v>
+                </c:pt>
+                <c:pt idx="220">
+                  <c:v>0.45500000000000002</c:v>
+                </c:pt>
+                <c:pt idx="221">
+                  <c:v>0.40799999999999997</c:v>
+                </c:pt>
+                <c:pt idx="222">
+                  <c:v>0.37633333333333335</c:v>
+                </c:pt>
+                <c:pt idx="223">
+                  <c:v>0.38291666666666668</c:v>
+                </c:pt>
+                <c:pt idx="224">
+                  <c:v>0.34766666666666662</c:v>
+                </c:pt>
+                <c:pt idx="225">
+                  <c:v>0.94</c:v>
+                </c:pt>
+                <c:pt idx="226">
+                  <c:v>0.27902500000000002</c:v>
+                </c:pt>
+                <c:pt idx="227">
+                  <c:v>0.61599999999999999</c:v>
+                </c:pt>
+                <c:pt idx="228">
+                  <c:v>0.54849999999999999</c:v>
+                </c:pt>
+                <c:pt idx="229">
+                  <c:v>0.54849999999999999</c:v>
+                </c:pt>
+                <c:pt idx="230">
+                  <c:v>0.54849999999999999</c:v>
+                </c:pt>
+                <c:pt idx="231">
+                  <c:v>0.54849999999999999</c:v>
+                </c:pt>
+                <c:pt idx="232">
+                  <c:v>0.54849999999999999</c:v>
+                </c:pt>
+                <c:pt idx="233">
+                  <c:v>0.77</c:v>
+                </c:pt>
+                <c:pt idx="234">
+                  <c:v>0.89999999999999991</c:v>
+                </c:pt>
+                <c:pt idx="235">
+                  <c:v>0.89999999999999991</c:v>
+                </c:pt>
+                <c:pt idx="236">
+                  <c:v>0.39166666666666666</c:v>
+                </c:pt>
+                <c:pt idx="237">
+                  <c:v>0.745</c:v>
+                </c:pt>
+                <c:pt idx="238">
+                  <c:v>0.66166666666666663</c:v>
+                </c:pt>
+                <c:pt idx="239">
+                  <c:v>0.58250000000000002</c:v>
+                </c:pt>
+                <c:pt idx="240">
+                  <c:v>0.89999999999999991</c:v>
+                </c:pt>
+                <c:pt idx="241">
+                  <c:v>0.91500000000000004</c:v>
+                </c:pt>
+                <c:pt idx="242">
+                  <c:v>0.97</c:v>
+                </c:pt>
+                <c:pt idx="243">
+                  <c:v>0.94</c:v>
+                </c:pt>
+                <c:pt idx="244">
+                  <c:v>0.99</c:v>
+                </c:pt>
+                <c:pt idx="245">
+                  <c:v>0.99</c:v>
+                </c:pt>
+                <c:pt idx="246">
+                  <c:v>0.99</c:v>
+                </c:pt>
+                <c:pt idx="247">
+                  <c:v>0.91999999999999993</c:v>
+                </c:pt>
+                <c:pt idx="248">
+                  <c:v>0.51</c:v>
+                </c:pt>
+                <c:pt idx="249">
+                  <c:v>0.6333333333333333</c:v>
+                </c:pt>
+                <c:pt idx="250">
+                  <c:v>0.6333333333333333</c:v>
+                </c:pt>
+                <c:pt idx="251">
+                  <c:v>0.56999999999999995</c:v>
+                </c:pt>
+                <c:pt idx="252">
+                  <c:v>0.66999999999999993</c:v>
+                </c:pt>
+                <c:pt idx="253">
+                  <c:v>0.66999999999999993</c:v>
+                </c:pt>
+                <c:pt idx="254">
+                  <c:v>0.76</c:v>
+                </c:pt>
+                <c:pt idx="255">
+                  <c:v>0.76000000000000012</c:v>
+                </c:pt>
+                <c:pt idx="256">
+                  <c:v>0.73</c:v>
+                </c:pt>
+                <c:pt idx="257">
+                  <c:v>0.79200000000000004</c:v>
+                </c:pt>
+                <c:pt idx="258">
+                  <c:v>0.79200000000000004</c:v>
+                </c:pt>
+                <c:pt idx="259">
+                  <c:v>0.76</c:v>
+                </c:pt>
+                <c:pt idx="260">
+                  <c:v>0.7</c:v>
+                </c:pt>
+                <c:pt idx="261">
+                  <c:v>0.89</c:v>
+                </c:pt>
+                <c:pt idx="262">
+                  <c:v>0.89</c:v>
+                </c:pt>
+                <c:pt idx="263">
+                  <c:v>0.84500000000000008</c:v>
+                </c:pt>
+                <c:pt idx="264">
+                  <c:v>0.71083333333333332</c:v>
+                </c:pt>
+                <c:pt idx="265">
+                  <c:v>0.61</c:v>
+                </c:pt>
+                <c:pt idx="266">
+                  <c:v>0.55033333333333345</c:v>
+                </c:pt>
+                <c:pt idx="267">
+                  <c:v>0.53163333333333329</c:v>
+                </c:pt>
+                <c:pt idx="268">
+                  <c:v>0.53163333333333329</c:v>
+                </c:pt>
+                <c:pt idx="269">
+                  <c:v>0.82333333333333325</c:v>
+                </c:pt>
+                <c:pt idx="270">
+                  <c:v>0.52</c:v>
+                </c:pt>
+                <c:pt idx="271">
+                  <c:v>0.33400000000000002</c:v>
+                </c:pt>
+                <c:pt idx="272">
+                  <c:v>0.84</c:v>
+                </c:pt>
+                <c:pt idx="273">
+                  <c:v>0.84</c:v>
+                </c:pt>
+                <c:pt idx="274">
+                  <c:v>0.84</c:v>
+                </c:pt>
+                <c:pt idx="275">
+                  <c:v>0.84</c:v>
+                </c:pt>
+                <c:pt idx="276">
+                  <c:v>0.42799999999999999</c:v>
+                </c:pt>
+                <c:pt idx="277">
+                  <c:v>0.82</c:v>
+                </c:pt>
+                <c:pt idx="278">
+                  <c:v>0.91500000000000004</c:v>
+                </c:pt>
+                <c:pt idx="279">
+                  <c:v>0.45650000000000002</c:v>
+                </c:pt>
+                <c:pt idx="280">
+                  <c:v>0.95</c:v>
+                </c:pt>
+                <c:pt idx="281">
+                  <c:v>0.77333333333333332</c:v>
+                </c:pt>
+                <c:pt idx="282">
+                  <c:v>0.81</c:v>
+                </c:pt>
+                <c:pt idx="283">
+                  <c:v>0.93</c:v>
+                </c:pt>
+                <c:pt idx="284">
+                  <c:v>0.77499999999999991</c:v>
+                </c:pt>
+                <c:pt idx="285">
+                  <c:v>0.77999999999999992</c:v>
+                </c:pt>
+                <c:pt idx="286">
+                  <c:v>0.77499999999999991</c:v>
+                </c:pt>
+                <c:pt idx="287">
+                  <c:v>0.64529999999999998</c:v>
+                </c:pt>
+                <c:pt idx="288">
+                  <c:v>0.35649999999999998</c:v>
+                </c:pt>
+                <c:pt idx="289">
+                  <c:v>0.62162499999999998</c:v>
+                </c:pt>
+                <c:pt idx="290">
+                  <c:v>0.62162499999999998</c:v>
+                </c:pt>
+                <c:pt idx="291">
+                  <c:v>0.47149999999999997</c:v>
+                </c:pt>
+                <c:pt idx="292">
+                  <c:v>0.62162499999999998</c:v>
+                </c:pt>
+                <c:pt idx="293">
+                  <c:v>0.64407692307692299</c:v>
+                </c:pt>
+                <c:pt idx="294">
+                  <c:v>0.62162499999999998</c:v>
+                </c:pt>
+                <c:pt idx="295">
+                  <c:v>0.32650000000000001</c:v>
+                </c:pt>
+                <c:pt idx="296">
+                  <c:v>0.62162499999999998</c:v>
+                </c:pt>
+                <c:pt idx="297">
+                  <c:v>0.62162499999999998</c:v>
+                </c:pt>
+                <c:pt idx="298">
+                  <c:v>0.7558125</c:v>
+                </c:pt>
+                <c:pt idx="299">
+                  <c:v>0.5832857142857143</c:v>
+                </c:pt>
+                <c:pt idx="300">
+                  <c:v>0.53614285714285714</c:v>
+                </c:pt>
+                <c:pt idx="301">
+                  <c:v>0.53429761904761908</c:v>
+                </c:pt>
+                <c:pt idx="302">
+                  <c:v>0.15</c:v>
+                </c:pt>
+                <c:pt idx="303">
+                  <c:v>0.15</c:v>
+                </c:pt>
+                <c:pt idx="304">
+                  <c:v>0.34703846153846152</c:v>
+                </c:pt>
+                <c:pt idx="305">
+                  <c:v>0.71333333333333337</c:v>
+                </c:pt>
+                <c:pt idx="306">
+                  <c:v>0.71333333333333337</c:v>
+                </c:pt>
+                <c:pt idx="307">
+                  <c:v>0.58500000000000008</c:v>
+                </c:pt>
+                <c:pt idx="308">
+                  <c:v>0.8833333333333333</c:v>
+                </c:pt>
+                <c:pt idx="309">
+                  <c:v>0.86</c:v>
+                </c:pt>
+                <c:pt idx="310">
+                  <c:v>0.72</c:v>
+                </c:pt>
+                <c:pt idx="311">
+                  <c:v>0.82</c:v>
+                </c:pt>
+                <c:pt idx="312">
+                  <c:v>0.27533333333333337</c:v>
+                </c:pt>
+                <c:pt idx="313">
+                  <c:v>0.75</c:v>
+                </c:pt>
+                <c:pt idx="314">
+                  <c:v>0.9</c:v>
+                </c:pt>
+                <c:pt idx="315">
+                  <c:v>0.73499999999999999</c:v>
+                </c:pt>
+                <c:pt idx="316">
+                  <c:v>0.82000000000000006</c:v>
+                </c:pt>
+                <c:pt idx="317">
+                  <c:v>0.73</c:v>
+                </c:pt>
+                <c:pt idx="318">
+                  <c:v>0.80500000000000005</c:v>
+                </c:pt>
+                <c:pt idx="319">
+                  <c:v>0.73</c:v>
+                </c:pt>
+                <c:pt idx="320">
+                  <c:v>0.53500000000000003</c:v>
+                </c:pt>
+                <c:pt idx="321">
+                  <c:v>0.7778571428571428</c:v>
+                </c:pt>
+                <c:pt idx="322">
+                  <c:v>0.88</c:v>
+                </c:pt>
+                <c:pt idx="323">
+                  <c:v>0.32999999999999996</c:v>
+                </c:pt>
+                <c:pt idx="324">
+                  <c:v>0.5832857142857143</c:v>
+                </c:pt>
+                <c:pt idx="325">
+                  <c:v>0.5832857142857143</c:v>
+                </c:pt>
+                <c:pt idx="326">
+                  <c:v>0.5832857142857143</c:v>
+                </c:pt>
+                <c:pt idx="327">
+                  <c:v>0.27750000000000002</c:v>
+                </c:pt>
+                <c:pt idx="328">
+                  <c:v>0.95</c:v>
+                </c:pt>
+                <c:pt idx="329">
+                  <c:v>0.48499999999999999</c:v>
+                </c:pt>
+                <c:pt idx="330">
+                  <c:v>0.48499999999999999</c:v>
+                </c:pt>
+                <c:pt idx="331">
+                  <c:v>0.48499999999999999</c:v>
+                </c:pt>
+                <c:pt idx="332">
+                  <c:v>0.73333333333333339</c:v>
+                </c:pt>
+                <c:pt idx="333">
+                  <c:v>0.61402777777777773</c:v>
+                </c:pt>
+                <c:pt idx="334">
+                  <c:v>0.81600000000000006</c:v>
+                </c:pt>
+                <c:pt idx="335">
+                  <c:v>0.81600000000000006</c:v>
+                </c:pt>
+                <c:pt idx="336">
+                  <c:v>0.81600000000000006</c:v>
+                </c:pt>
+                <c:pt idx="337">
+                  <c:v>0.81600000000000006</c:v>
+                </c:pt>
+                <c:pt idx="338">
+                  <c:v>0.81600000000000006</c:v>
+                </c:pt>
+                <c:pt idx="339">
+                  <c:v>0.81600000000000006</c:v>
+                </c:pt>
+                <c:pt idx="340">
+                  <c:v>0.96</c:v>
+                </c:pt>
+                <c:pt idx="341">
+                  <c:v>0.97</c:v>
+                </c:pt>
+                <c:pt idx="342">
+                  <c:v>0.73</c:v>
+                </c:pt>
+                <c:pt idx="343">
+                  <c:v>0.97</c:v>
+                </c:pt>
+                <c:pt idx="344">
+                  <c:v>0.89</c:v>
+                </c:pt>
+                <c:pt idx="345">
+                  <c:v>0.71</c:v>
+                </c:pt>
+                <c:pt idx="346">
+                  <c:v>0.83583333333333332</c:v>
+                </c:pt>
+                <c:pt idx="347">
+                  <c:v>0.84833333333333338</c:v>
+                </c:pt>
+                <c:pt idx="348">
+                  <c:v>0.84666666666666668</c:v>
+                </c:pt>
+                <c:pt idx="349">
+                  <c:v>0.84666666666666668</c:v>
+                </c:pt>
+                <c:pt idx="350">
+                  <c:v>0.82199999999999984</c:v>
+                </c:pt>
+                <c:pt idx="351">
+                  <c:v>0.90583333333333327</c:v>
+                </c:pt>
+                <c:pt idx="352">
+                  <c:v>0.97</c:v>
+                </c:pt>
+                <c:pt idx="353">
+                  <c:v>0.88000000000000012</c:v>
+                </c:pt>
+                <c:pt idx="354">
+                  <c:v>0.88000000000000012</c:v>
+                </c:pt>
+                <c:pt idx="355">
+                  <c:v>0.88000000000000012</c:v>
+                </c:pt>
+                <c:pt idx="356">
+                  <c:v>0.88000000000000012</c:v>
+                </c:pt>
+                <c:pt idx="357">
+                  <c:v>0.88000000000000012</c:v>
+                </c:pt>
+                <c:pt idx="358">
+                  <c:v>0.88000000000000012</c:v>
+                </c:pt>
+                <c:pt idx="359">
+                  <c:v>0.88000000000000012</c:v>
+                </c:pt>
+                <c:pt idx="360">
+                  <c:v>0.88</c:v>
+                </c:pt>
+                <c:pt idx="361">
+                  <c:v>0.88</c:v>
+                </c:pt>
+                <c:pt idx="362">
+                  <c:v>0.81333333333333346</c:v>
+                </c:pt>
+                <c:pt idx="363">
+                  <c:v>0.81333333333333346</c:v>
+                </c:pt>
+                <c:pt idx="364">
+                  <c:v>0.88</c:v>
+                </c:pt>
+                <c:pt idx="365">
+                  <c:v>0.89</c:v>
+                </c:pt>
+                <c:pt idx="366">
+                  <c:v>0.81333333333333346</c:v>
+                </c:pt>
+                <c:pt idx="367">
+                  <c:v>0.89795454545454545</c:v>
+                </c:pt>
+                <c:pt idx="368">
+                  <c:v>0.89</c:v>
+                </c:pt>
+                <c:pt idx="369">
+                  <c:v>0.36</c:v>
+                </c:pt>
+                <c:pt idx="370">
+                  <c:v>0.80499999999999994</c:v>
+                </c:pt>
+                <c:pt idx="371">
+                  <c:v>0.80499999999999994</c:v>
+                </c:pt>
+                <c:pt idx="372">
+                  <c:v>0.80499999999999994</c:v>
+                </c:pt>
+                <c:pt idx="373">
+                  <c:v>0.80499999999999994</c:v>
+                </c:pt>
+                <c:pt idx="374">
+                  <c:v>0.80499999999999994</c:v>
+                </c:pt>
+                <c:pt idx="375">
+                  <c:v>0.61399999999999999</c:v>
+                </c:pt>
+                <c:pt idx="376">
+                  <c:v>0.9225000000000001</c:v>
+                </c:pt>
+                <c:pt idx="377">
+                  <c:v>0.9225000000000001</c:v>
+                </c:pt>
+                <c:pt idx="378">
+                  <c:v>0.9225000000000001</c:v>
+                </c:pt>
+                <c:pt idx="379">
+                  <c:v>0.92199999999999993</c:v>
+                </c:pt>
+                <c:pt idx="380">
+                  <c:v>0.67649999999999999</c:v>
+                </c:pt>
+                <c:pt idx="381">
+                  <c:v>0.56300000000000006</c:v>
+                </c:pt>
+                <c:pt idx="382">
+                  <c:v>0.56779999999999997</c:v>
+                </c:pt>
+                <c:pt idx="383">
+                  <c:v>0.61224999999999996</c:v>
+                </c:pt>
+                <c:pt idx="384">
+                  <c:v>0.40950000000000003</c:v>
+                </c:pt>
+                <c:pt idx="385">
+                  <c:v>0.52615000000000001</c:v>
+                </c:pt>
+                <c:pt idx="386">
+                  <c:v>0.56664999999999999</c:v>
+                </c:pt>
+                <c:pt idx="387">
+                  <c:v>0.817888888888889</c:v>
+                </c:pt>
+                <c:pt idx="388">
+                  <c:v>0.72499999999999998</c:v>
+                </c:pt>
+                <c:pt idx="389">
+                  <c:v>0.59650000000000003</c:v>
+                </c:pt>
+                <c:pt idx="390">
+                  <c:v>0.59650000000000003</c:v>
+                </c:pt>
+                <c:pt idx="391">
+                  <c:v>0.86</c:v>
+                </c:pt>
+                <c:pt idx="392">
+                  <c:v>0.97</c:v>
+                </c:pt>
+                <c:pt idx="393">
+                  <c:v>0.74</c:v>
+                </c:pt>
+                <c:pt idx="394">
+                  <c:v>0.81</c:v>
+                </c:pt>
+                <c:pt idx="395">
+                  <c:v>0.97</c:v>
+                </c:pt>
+                <c:pt idx="396">
+                  <c:v>0.83</c:v>
+                </c:pt>
+                <c:pt idx="397">
+                  <c:v>0.99</c:v>
+                </c:pt>
+                <c:pt idx="398">
+                  <c:v>0.95125000000000004</c:v>
+                </c:pt>
+                <c:pt idx="399">
+                  <c:v>0.67333333333333334</c:v>
+                </c:pt>
+                <c:pt idx="400">
+                  <c:v>0.51400000000000001</c:v>
+                </c:pt>
+                <c:pt idx="401">
+                  <c:v>0.86</c:v>
+                </c:pt>
+                <c:pt idx="402">
+                  <c:v>0.88500000000000001</c:v>
+                </c:pt>
+                <c:pt idx="403">
+                  <c:v>0.88500000000000001</c:v>
+                </c:pt>
+                <c:pt idx="404">
+                  <c:v>0.88500000000000001</c:v>
+                </c:pt>
+                <c:pt idx="405">
+                  <c:v>0.6100000000000001</c:v>
+                </c:pt>
+                <c:pt idx="406">
+                  <c:v>0.67466666666666675</c:v>
+                </c:pt>
+                <c:pt idx="407">
+                  <c:v>0.70474999999999999</c:v>
+                </c:pt>
+                <c:pt idx="408">
+                  <c:v>0.77750000000000008</c:v>
+                </c:pt>
+                <c:pt idx="409">
+                  <c:v>0.79</c:v>
+                </c:pt>
+                <c:pt idx="410">
+                  <c:v>0.81499999999999995</c:v>
+                </c:pt>
+                <c:pt idx="411">
+                  <c:v>0.08</c:v>
+                </c:pt>
+                <c:pt idx="412">
+                  <c:v>0.875</c:v>
+                </c:pt>
+                <c:pt idx="413">
+                  <c:v>0.85</c:v>
+                </c:pt>
+                <c:pt idx="414">
+                  <c:v>0.42949999999999999</c:v>
+                </c:pt>
+                <c:pt idx="415">
+                  <c:v>0.64</c:v>
+                </c:pt>
+                <c:pt idx="416">
+                  <c:v>0.86</c:v>
+                </c:pt>
+                <c:pt idx="417">
+                  <c:v>0.89500000000000002</c:v>
+                </c:pt>
+                <c:pt idx="418">
+                  <c:v>0.92249999999999999</c:v>
+                </c:pt>
+                <c:pt idx="419">
+                  <c:v>0.79</c:v>
+                </c:pt>
+                <c:pt idx="420">
+                  <c:v>0.97</c:v>
+                </c:pt>
+                <c:pt idx="421">
+                  <c:v>0.81</c:v>
+                </c:pt>
+                <c:pt idx="422">
+                  <c:v>0.94</c:v>
+                </c:pt>
+              </c:numCache>
+            </c:numRef>
+          </c:yVal>
+          <c:smooth val="0"/>
+        </c:ser>
+        <c:dLbls>
+          <c:showLegendKey val="0"/>
+          <c:showVal val="0"/>
+          <c:showCatName val="0"/>
+          <c:showSerName val="0"/>
+          <c:showPercent val="0"/>
+          <c:showBubbleSize val="0"/>
+        </c:dLbls>
+        <c:axId val="115085248"/>
+        <c:axId val="115084672"/>
+      </c:scatterChart>
+      <c:valAx>
+        <c:axId val="115085248"/>
+        <c:scaling>
+          <c:orientation val="minMax"/>
+          <c:max val="10000"/>
+          <c:min val="1000"/>
+        </c:scaling>
+        <c:delete val="0"/>
+        <c:axPos val="b"/>
+        <c:title>
+          <c:tx>
+            <c:rich>
+              <a:bodyPr/>
+              <a:lstStyle/>
+              <a:p>
+                <a:pPr>
+                  <a:defRPr/>
+                </a:pPr>
+                <a:r>
+                  <a:rPr lang="ko-KR" altLang="en-US" dirty="0" smtClean="0"/>
+                  <a:t>직업코드</a:t>
+                </a:r>
+                <a:r>
+                  <a:rPr lang="en-US" altLang="ko-KR" dirty="0" smtClean="0"/>
+                  <a:t>(</a:t>
+                </a:r>
+                <a:r>
+                  <a:rPr lang="ko-KR" altLang="en-US" dirty="0" err="1" smtClean="0"/>
+                  <a:t>세분류</a:t>
+                </a:r>
+                <a:r>
+                  <a:rPr lang="en-US" altLang="ko-KR" dirty="0" smtClean="0"/>
+                  <a:t>)</a:t>
+                </a:r>
+                <a:endParaRPr lang="ko-KR" altLang="en-US" dirty="0"/>
+              </a:p>
+            </c:rich>
+          </c:tx>
+          <c:layout/>
+          <c:overlay val="0"/>
+        </c:title>
+        <c:numFmt formatCode="General" sourceLinked="1"/>
+        <c:majorTickMark val="out"/>
+        <c:minorTickMark val="none"/>
+        <c:tickLblPos val="nextTo"/>
+        <c:crossAx val="115084672"/>
+        <c:crosses val="autoZero"/>
+        <c:crossBetween val="midCat"/>
+      </c:valAx>
+      <c:valAx>
+        <c:axId val="115084672"/>
+        <c:scaling>
+          <c:orientation val="minMax"/>
+          <c:max val="1"/>
+          <c:min val="0"/>
+        </c:scaling>
+        <c:delete val="0"/>
+        <c:axPos val="l"/>
+        <c:title>
+          <c:tx>
+            <c:rich>
+              <a:bodyPr rot="-5400000" vert="horz"/>
+              <a:lstStyle/>
+              <a:p>
+                <a:pPr>
+                  <a:defRPr/>
+                </a:pPr>
+                <a:r>
+                  <a:rPr lang="ko-KR" altLang="en-US" dirty="0" smtClean="0"/>
+                  <a:t>대체확률</a:t>
+                </a:r>
+                <a:endParaRPr lang="ko-KR" altLang="en-US" dirty="0"/>
+              </a:p>
+            </c:rich>
+          </c:tx>
+          <c:layout/>
+          <c:overlay val="0"/>
+        </c:title>
+        <c:numFmt formatCode="#,##0.0_);[Red]\(#,##0.0\)" sourceLinked="0"/>
+        <c:majorTickMark val="out"/>
+        <c:minorTickMark val="none"/>
+        <c:tickLblPos val="nextTo"/>
+        <c:crossAx val="115085248"/>
+        <c:crosses val="autoZero"/>
+        <c:crossBetween val="midCat"/>
+      </c:valAx>
+    </c:plotArea>
     <c:plotVisOnly val="1"/>
     <c:dispBlanksAs val="gap"/>
     <c:showDLblsOverMax val="0"/>
@@ -2598,7 +5317,7 @@
           <a:p>
             <a:fld id="{BBC1A0B8-A07A-4DB1-838F-6160FE5F0D98}" type="datetimeFigureOut">
               <a:rPr lang="ko-KR" altLang="en-US" smtClean="0"/>
-              <a:t>2018-04-20</a:t>
+              <a:t>2018-04-24</a:t>
             </a:fld>
             <a:endParaRPr lang="ko-KR" altLang="en-US"/>
           </a:p>
@@ -2768,7 +5487,7 @@
           <a:p>
             <a:fld id="{BBC1A0B8-A07A-4DB1-838F-6160FE5F0D98}" type="datetimeFigureOut">
               <a:rPr lang="ko-KR" altLang="en-US" smtClean="0"/>
-              <a:t>2018-04-20</a:t>
+              <a:t>2018-04-24</a:t>
             </a:fld>
             <a:endParaRPr lang="ko-KR" altLang="en-US"/>
           </a:p>
@@ -2948,7 +5667,7 @@
           <a:p>
             <a:fld id="{BBC1A0B8-A07A-4DB1-838F-6160FE5F0D98}" type="datetimeFigureOut">
               <a:rPr lang="ko-KR" altLang="en-US" smtClean="0"/>
-              <a:t>2018-04-20</a:t>
+              <a:t>2018-04-24</a:t>
             </a:fld>
             <a:endParaRPr lang="ko-KR" altLang="en-US"/>
           </a:p>
@@ -3118,7 +5837,7 @@
           <a:p>
             <a:fld id="{BBC1A0B8-A07A-4DB1-838F-6160FE5F0D98}" type="datetimeFigureOut">
               <a:rPr lang="ko-KR" altLang="en-US" smtClean="0"/>
-              <a:t>2018-04-20</a:t>
+              <a:t>2018-04-24</a:t>
             </a:fld>
             <a:endParaRPr lang="ko-KR" altLang="en-US"/>
           </a:p>
@@ -3364,7 +6083,7 @@
           <a:p>
             <a:fld id="{BBC1A0B8-A07A-4DB1-838F-6160FE5F0D98}" type="datetimeFigureOut">
               <a:rPr lang="ko-KR" altLang="en-US" smtClean="0"/>
-              <a:t>2018-04-20</a:t>
+              <a:t>2018-04-24</a:t>
             </a:fld>
             <a:endParaRPr lang="ko-KR" altLang="en-US"/>
           </a:p>
@@ -3652,7 +6371,7 @@
           <a:p>
             <a:fld id="{BBC1A0B8-A07A-4DB1-838F-6160FE5F0D98}" type="datetimeFigureOut">
               <a:rPr lang="ko-KR" altLang="en-US" smtClean="0"/>
-              <a:t>2018-04-20</a:t>
+              <a:t>2018-04-24</a:t>
             </a:fld>
             <a:endParaRPr lang="ko-KR" altLang="en-US"/>
           </a:p>
@@ -4074,7 +6793,7 @@
           <a:p>
             <a:fld id="{BBC1A0B8-A07A-4DB1-838F-6160FE5F0D98}" type="datetimeFigureOut">
               <a:rPr lang="ko-KR" altLang="en-US" smtClean="0"/>
-              <a:t>2018-04-20</a:t>
+              <a:t>2018-04-24</a:t>
             </a:fld>
             <a:endParaRPr lang="ko-KR" altLang="en-US"/>
           </a:p>
@@ -4192,7 +6911,7 @@
           <a:p>
             <a:fld id="{BBC1A0B8-A07A-4DB1-838F-6160FE5F0D98}" type="datetimeFigureOut">
               <a:rPr lang="ko-KR" altLang="en-US" smtClean="0"/>
-              <a:t>2018-04-20</a:t>
+              <a:t>2018-04-24</a:t>
             </a:fld>
             <a:endParaRPr lang="ko-KR" altLang="en-US"/>
           </a:p>
@@ -4287,7 +7006,7 @@
           <a:p>
             <a:fld id="{BBC1A0B8-A07A-4DB1-838F-6160FE5F0D98}" type="datetimeFigureOut">
               <a:rPr lang="ko-KR" altLang="en-US" smtClean="0"/>
-              <a:t>2018-04-20</a:t>
+              <a:t>2018-04-24</a:t>
             </a:fld>
             <a:endParaRPr lang="ko-KR" altLang="en-US"/>
           </a:p>
@@ -4564,7 +7283,7 @@
           <a:p>
             <a:fld id="{BBC1A0B8-A07A-4DB1-838F-6160FE5F0D98}" type="datetimeFigureOut">
               <a:rPr lang="ko-KR" altLang="en-US" smtClean="0"/>
-              <a:t>2018-04-20</a:t>
+              <a:t>2018-04-24</a:t>
             </a:fld>
             <a:endParaRPr lang="ko-KR" altLang="en-US"/>
           </a:p>
@@ -4817,7 +7536,7 @@
           <a:p>
             <a:fld id="{BBC1A0B8-A07A-4DB1-838F-6160FE5F0D98}" type="datetimeFigureOut">
               <a:rPr lang="ko-KR" altLang="en-US" smtClean="0"/>
-              <a:t>2018-04-20</a:t>
+              <a:t>2018-04-24</a:t>
             </a:fld>
             <a:endParaRPr lang="ko-KR" altLang="en-US"/>
           </a:p>
@@ -5030,7 +7749,7 @@
           <a:p>
             <a:fld id="{BBC1A0B8-A07A-4DB1-838F-6160FE5F0D98}" type="datetimeFigureOut">
               <a:rPr lang="ko-KR" altLang="en-US" smtClean="0"/>
-              <a:t>2018-04-20</a:t>
+              <a:t>2018-04-24</a:t>
             </a:fld>
             <a:endParaRPr lang="ko-KR" altLang="en-US"/>
           </a:p>
@@ -5496,7 +8215,7 @@
           <a:graphicData uri="http://schemas.openxmlformats.org/presentationml/2006/ole">
             <mc:AlternateContent xmlns:mc="http://schemas.openxmlformats.org/markup-compatibility/2006">
               <mc:Choice xmlns:v="urn:schemas-microsoft-com:vml" Requires="v">
-                <p:oleObj spid="_x0000_s5135" name="워크시트" r:id="rId3" imgW="11182320" imgH="4448279" progId="Excel.Sheet.12">
+                <p:oleObj spid="_x0000_s5137" name="워크시트" r:id="rId3" imgW="11182320" imgH="4448279" progId="Excel.Sheet.12">
                   <p:embed/>
                 </p:oleObj>
               </mc:Choice>
@@ -6924,6 +9643,3780 @@
     <p:extLst>
       <p:ext uri="{BB962C8B-B14F-4D97-AF65-F5344CB8AC3E}">
         <p14:creationId xmlns:p14="http://schemas.microsoft.com/office/powerpoint/2010/main" val="1420082360"/>
+      </p:ext>
+    </p:extLst>
+  </p:cSld>
+  <p:clrMapOvr>
+    <a:masterClrMapping/>
+  </p:clrMapOvr>
+</p:sld>
+</file>
+
+<file path=ppt/slides/slide16.xml><?xml version="1.0" encoding="utf-8"?>
+<p:sld xmlns:a="http://schemas.openxmlformats.org/drawingml/2006/main" xmlns:r="http://schemas.openxmlformats.org/officeDocument/2006/relationships" xmlns:p="http://schemas.openxmlformats.org/presentationml/2006/main">
+  <p:cSld>
+    <p:spTree>
+      <p:nvGrpSpPr>
+        <p:cNvPr id="1" name=""/>
+        <p:cNvGrpSpPr/>
+        <p:nvPr/>
+      </p:nvGrpSpPr>
+      <p:grpSpPr>
+        <a:xfrm>
+          <a:off x="0" y="0"/>
+          <a:ext cx="0" cy="0"/>
+          <a:chOff x="0" y="0"/>
+          <a:chExt cx="0" cy="0"/>
+        </a:xfrm>
+      </p:grpSpPr>
+      <p:sp>
+        <p:nvSpPr>
+          <p:cNvPr id="2" name="제목 1"/>
+          <p:cNvSpPr>
+            <a:spLocks noGrp="1"/>
+          </p:cNvSpPr>
+          <p:nvPr>
+            <p:ph type="title"/>
+          </p:nvPr>
+        </p:nvSpPr>
+        <p:spPr/>
+        <p:txBody>
+          <a:bodyPr/>
+          <a:lstStyle/>
+          <a:p>
+            <a:endParaRPr lang="ko-KR" altLang="en-US"/>
+          </a:p>
+        </p:txBody>
+      </p:sp>
+      <p:graphicFrame>
+        <p:nvGraphicFramePr>
+          <p:cNvPr id="4" name="내용 개체 틀 3"/>
+          <p:cNvGraphicFramePr>
+            <a:graphicFrameLocks noGrp="1"/>
+          </p:cNvGraphicFramePr>
+          <p:nvPr>
+            <p:ph idx="1"/>
+            <p:extLst>
+              <p:ext uri="{D42A27DB-BD31-4B8C-83A1-F6EECF244321}">
+                <p14:modId xmlns:p14="http://schemas.microsoft.com/office/powerpoint/2010/main" val="369754481"/>
+              </p:ext>
+            </p:extLst>
+          </p:nvPr>
+        </p:nvGraphicFramePr>
+        <p:xfrm>
+          <a:off x="457200" y="1600200"/>
+          <a:ext cx="8229600" cy="4525963"/>
+        </p:xfrm>
+        <a:graphic>
+          <a:graphicData uri="http://schemas.openxmlformats.org/drawingml/2006/chart">
+            <c:chart xmlns:c="http://schemas.openxmlformats.org/drawingml/2006/chart" xmlns:r="http://schemas.openxmlformats.org/officeDocument/2006/relationships" r:id="rId2"/>
+          </a:graphicData>
+        </a:graphic>
+      </p:graphicFrame>
+    </p:spTree>
+    <p:extLst>
+      <p:ext uri="{BB962C8B-B14F-4D97-AF65-F5344CB8AC3E}">
+        <p14:creationId xmlns:p14="http://schemas.microsoft.com/office/powerpoint/2010/main" val="2991736292"/>
+      </p:ext>
+    </p:extLst>
+  </p:cSld>
+  <p:clrMapOvr>
+    <a:masterClrMapping/>
+  </p:clrMapOvr>
+</p:sld>
+</file>
+
+<file path=ppt/slides/slide17.xml><?xml version="1.0" encoding="utf-8"?>
+<p:sld xmlns:a="http://schemas.openxmlformats.org/drawingml/2006/main" xmlns:r="http://schemas.openxmlformats.org/officeDocument/2006/relationships" xmlns:p="http://schemas.openxmlformats.org/presentationml/2006/main">
+  <p:cSld>
+    <p:spTree>
+      <p:nvGrpSpPr>
+        <p:cNvPr id="1" name=""/>
+        <p:cNvGrpSpPr/>
+        <p:nvPr/>
+      </p:nvGrpSpPr>
+      <p:grpSpPr>
+        <a:xfrm>
+          <a:off x="0" y="0"/>
+          <a:ext cx="0" cy="0"/>
+          <a:chOff x="0" y="0"/>
+          <a:chExt cx="0" cy="0"/>
+        </a:xfrm>
+      </p:grpSpPr>
+      <p:sp>
+        <p:nvSpPr>
+          <p:cNvPr id="2" name="제목 1"/>
+          <p:cNvSpPr>
+            <a:spLocks noGrp="1"/>
+          </p:cNvSpPr>
+          <p:nvPr>
+            <p:ph type="title"/>
+          </p:nvPr>
+        </p:nvSpPr>
+        <p:spPr/>
+        <p:txBody>
+          <a:bodyPr/>
+          <a:lstStyle/>
+          <a:p>
+            <a:endParaRPr lang="ko-KR" altLang="en-US"/>
+          </a:p>
+        </p:txBody>
+      </p:sp>
+      <p:graphicFrame>
+        <p:nvGraphicFramePr>
+          <p:cNvPr id="4" name="내용 개체 틀 3"/>
+          <p:cNvGraphicFramePr>
+            <a:graphicFrameLocks noGrp="1"/>
+          </p:cNvGraphicFramePr>
+          <p:nvPr>
+            <p:ph idx="1"/>
+          </p:nvPr>
+        </p:nvGraphicFramePr>
+        <p:xfrm>
+          <a:off x="1041399" y="1920081"/>
+          <a:ext cx="7061201" cy="3886200"/>
+        </p:xfrm>
+        <a:graphic>
+          <a:graphicData uri="http://schemas.openxmlformats.org/drawingml/2006/table">
+            <a:tbl>
+              <a:tblPr>
+                <a:tableStyleId>{5C22544A-7EE6-4342-B048-85BDC9FD1C3A}</a:tableStyleId>
+              </a:tblPr>
+              <a:tblGrid>
+                <a:gridCol w="762686"/>
+                <a:gridCol w="2116453"/>
+                <a:gridCol w="610149"/>
+                <a:gridCol w="254229"/>
+                <a:gridCol w="610149"/>
+                <a:gridCol w="2211789"/>
+                <a:gridCol w="495746"/>
+              </a:tblGrid>
+              <a:tr h="161925">
+                <a:tc gridSpan="3">
+                  <a:txBody>
+                    <a:bodyPr/>
+                    <a:lstStyle/>
+                    <a:p>
+                      <a:pPr algn="ctr" fontAlgn="b"/>
+                      <a:r>
+                        <a:rPr lang="en-US" altLang="ko-KR" sz="1000" u="none" strike="noStrike">
+                          <a:effectLst/>
+                        </a:rPr>
+                        <a:t>&lt;</a:t>
+                      </a:r>
+                      <a:r>
+                        <a:rPr lang="ko-KR" altLang="en-US" sz="1000" u="none" strike="noStrike">
+                          <a:effectLst/>
+                        </a:rPr>
+                        <a:t>컴퓨터화 위험이 높은 상위 </a:t>
+                      </a:r>
+                      <a:r>
+                        <a:rPr lang="en-US" altLang="ko-KR" sz="1000" u="none" strike="noStrike">
+                          <a:effectLst/>
+                        </a:rPr>
+                        <a:t>20</a:t>
+                      </a:r>
+                      <a:r>
+                        <a:rPr lang="ko-KR" altLang="en-US" sz="1000" u="none" strike="noStrike">
+                          <a:effectLst/>
+                        </a:rPr>
+                        <a:t>대 직업</a:t>
+                      </a:r>
+                      <a:r>
+                        <a:rPr lang="en-US" altLang="ko-KR" sz="1000" u="none" strike="noStrike">
+                          <a:effectLst/>
+                        </a:rPr>
+                        <a:t>&gt;</a:t>
+                      </a:r>
+                      <a:endParaRPr lang="en-US" altLang="ko-KR" sz="1000" b="0" i="0" u="none" strike="noStrike">
+                        <a:effectLst/>
+                        <a:latin typeface="Arial"/>
+                      </a:endParaRPr>
+                    </a:p>
+                  </a:txBody>
+                  <a:tcPr marL="0" marR="0" marT="0" marB="0" anchor="b"/>
+                </a:tc>
+                <a:tc hMerge="1">
+                  <a:txBody>
+                    <a:bodyPr/>
+                    <a:lstStyle/>
+                    <a:p>
+                      <a:pPr latinLnBrk="1"/>
+                      <a:endParaRPr lang="ko-KR" altLang="en-US"/>
+                    </a:p>
+                  </a:txBody>
+                  <a:tcPr/>
+                </a:tc>
+                <a:tc hMerge="1">
+                  <a:txBody>
+                    <a:bodyPr/>
+                    <a:lstStyle/>
+                    <a:p>
+                      <a:pPr latinLnBrk="1"/>
+                      <a:endParaRPr lang="ko-KR" altLang="en-US"/>
+                    </a:p>
+                  </a:txBody>
+                  <a:tcPr/>
+                </a:tc>
+                <a:tc>
+                  <a:txBody>
+                    <a:bodyPr/>
+                    <a:lstStyle/>
+                    <a:p>
+                      <a:pPr algn="l" fontAlgn="b"/>
+                      <a:r>
+                        <a:rPr lang="ko-KR" altLang="en-US" sz="1000" u="none" strike="noStrike">
+                          <a:effectLst/>
+                        </a:rPr>
+                        <a:t>　</a:t>
+                      </a:r>
+                      <a:endParaRPr lang="ko-KR" altLang="en-US" sz="1000" b="0" i="0" u="none" strike="noStrike">
+                        <a:effectLst/>
+                        <a:latin typeface="Arial"/>
+                      </a:endParaRPr>
+                    </a:p>
+                  </a:txBody>
+                  <a:tcPr marL="0" marR="0" marT="0" marB="0" anchor="b"/>
+                </a:tc>
+                <a:tc gridSpan="3">
+                  <a:txBody>
+                    <a:bodyPr/>
+                    <a:lstStyle/>
+                    <a:p>
+                      <a:pPr algn="ctr" fontAlgn="b"/>
+                      <a:r>
+                        <a:rPr lang="en-US" altLang="ko-KR" sz="1000" u="none" strike="noStrike">
+                          <a:effectLst/>
+                        </a:rPr>
+                        <a:t>&lt;</a:t>
+                      </a:r>
+                      <a:r>
+                        <a:rPr lang="ko-KR" altLang="en-US" sz="1000" u="none" strike="noStrike">
+                          <a:effectLst/>
+                        </a:rPr>
+                        <a:t>컴퓨터화 위험이 낮은 하위 </a:t>
+                      </a:r>
+                      <a:r>
+                        <a:rPr lang="en-US" altLang="ko-KR" sz="1000" u="none" strike="noStrike">
+                          <a:effectLst/>
+                        </a:rPr>
+                        <a:t>20</a:t>
+                      </a:r>
+                      <a:r>
+                        <a:rPr lang="ko-KR" altLang="en-US" sz="1000" u="none" strike="noStrike">
+                          <a:effectLst/>
+                        </a:rPr>
+                        <a:t>대 직업</a:t>
+                      </a:r>
+                      <a:r>
+                        <a:rPr lang="en-US" altLang="ko-KR" sz="1000" u="none" strike="noStrike">
+                          <a:effectLst/>
+                        </a:rPr>
+                        <a:t>&gt;</a:t>
+                      </a:r>
+                      <a:endParaRPr lang="en-US" altLang="ko-KR" sz="1000" b="0" i="0" u="none" strike="noStrike">
+                        <a:effectLst/>
+                        <a:latin typeface="Arial"/>
+                      </a:endParaRPr>
+                    </a:p>
+                  </a:txBody>
+                  <a:tcPr marL="0" marR="0" marT="0" marB="0" anchor="b"/>
+                </a:tc>
+                <a:tc hMerge="1">
+                  <a:txBody>
+                    <a:bodyPr/>
+                    <a:lstStyle/>
+                    <a:p>
+                      <a:pPr latinLnBrk="1"/>
+                      <a:endParaRPr lang="ko-KR" altLang="en-US"/>
+                    </a:p>
+                  </a:txBody>
+                  <a:tcPr/>
+                </a:tc>
+                <a:tc hMerge="1">
+                  <a:txBody>
+                    <a:bodyPr/>
+                    <a:lstStyle/>
+                    <a:p>
+                      <a:pPr latinLnBrk="1"/>
+                      <a:endParaRPr lang="ko-KR" altLang="en-US"/>
+                    </a:p>
+                  </a:txBody>
+                  <a:tcPr/>
+                </a:tc>
+              </a:tr>
+              <a:tr h="161925">
+                <a:tc>
+                  <a:txBody>
+                    <a:bodyPr/>
+                    <a:lstStyle/>
+                    <a:p>
+                      <a:pPr algn="ctr" fontAlgn="b"/>
+                      <a:r>
+                        <a:rPr lang="ko-KR" altLang="en-US" sz="1000" u="none" strike="noStrike">
+                          <a:effectLst/>
+                        </a:rPr>
+                        <a:t>분류코드</a:t>
+                      </a:r>
+                      <a:endParaRPr lang="ko-KR" altLang="en-US" sz="1000" b="0" i="0" u="none" strike="noStrike">
+                        <a:effectLst/>
+                        <a:latin typeface="돋움"/>
+                      </a:endParaRPr>
+                    </a:p>
+                  </a:txBody>
+                  <a:tcPr marL="0" marR="0" marT="0" marB="0" anchor="b"/>
+                </a:tc>
+                <a:tc>
+                  <a:txBody>
+                    <a:bodyPr/>
+                    <a:lstStyle/>
+                    <a:p>
+                      <a:pPr algn="ctr" fontAlgn="b"/>
+                      <a:r>
+                        <a:rPr lang="ko-KR" altLang="en-US" sz="1000" u="none" strike="noStrike">
+                          <a:effectLst/>
+                        </a:rPr>
+                        <a:t>직업명</a:t>
+                      </a:r>
+                      <a:endParaRPr lang="ko-KR" altLang="en-US" sz="1000" b="0" i="0" u="none" strike="noStrike">
+                        <a:effectLst/>
+                        <a:latin typeface="돋움"/>
+                      </a:endParaRPr>
+                    </a:p>
+                  </a:txBody>
+                  <a:tcPr marL="0" marR="0" marT="0" marB="0" anchor="b"/>
+                </a:tc>
+                <a:tc>
+                  <a:txBody>
+                    <a:bodyPr/>
+                    <a:lstStyle/>
+                    <a:p>
+                      <a:pPr algn="ctr" fontAlgn="b"/>
+                      <a:r>
+                        <a:rPr lang="ko-KR" altLang="en-US" sz="1000" u="none" strike="noStrike">
+                          <a:effectLst/>
+                        </a:rPr>
+                        <a:t> 확률 </a:t>
+                      </a:r>
+                      <a:endParaRPr lang="ko-KR" altLang="en-US" sz="1000" b="0" i="0" u="none" strike="noStrike">
+                        <a:effectLst/>
+                        <a:latin typeface="Arial"/>
+                      </a:endParaRPr>
+                    </a:p>
+                  </a:txBody>
+                  <a:tcPr marL="0" marR="0" marT="0" marB="0" anchor="b"/>
+                </a:tc>
+                <a:tc>
+                  <a:txBody>
+                    <a:bodyPr/>
+                    <a:lstStyle/>
+                    <a:p>
+                      <a:pPr algn="l" fontAlgn="b"/>
+                      <a:r>
+                        <a:rPr lang="ko-KR" altLang="en-US" sz="1000" u="none" strike="noStrike">
+                          <a:effectLst/>
+                        </a:rPr>
+                        <a:t>　</a:t>
+                      </a:r>
+                      <a:endParaRPr lang="ko-KR" altLang="en-US" sz="1000" b="0" i="0" u="none" strike="noStrike">
+                        <a:effectLst/>
+                        <a:latin typeface="Arial"/>
+                      </a:endParaRPr>
+                    </a:p>
+                  </a:txBody>
+                  <a:tcPr marL="0" marR="0" marT="0" marB="0" anchor="b"/>
+                </a:tc>
+                <a:tc>
+                  <a:txBody>
+                    <a:bodyPr/>
+                    <a:lstStyle/>
+                    <a:p>
+                      <a:pPr algn="ctr" fontAlgn="b"/>
+                      <a:r>
+                        <a:rPr lang="ko-KR" altLang="en-US" sz="1000" u="none" strike="noStrike">
+                          <a:effectLst/>
+                        </a:rPr>
+                        <a:t>분류코드</a:t>
+                      </a:r>
+                      <a:endParaRPr lang="ko-KR" altLang="en-US" sz="1000" b="0" i="0" u="none" strike="noStrike">
+                        <a:effectLst/>
+                        <a:latin typeface="돋움"/>
+                      </a:endParaRPr>
+                    </a:p>
+                  </a:txBody>
+                  <a:tcPr marL="0" marR="0" marT="0" marB="0" anchor="b"/>
+                </a:tc>
+                <a:tc>
+                  <a:txBody>
+                    <a:bodyPr/>
+                    <a:lstStyle/>
+                    <a:p>
+                      <a:pPr algn="ctr" fontAlgn="b"/>
+                      <a:r>
+                        <a:rPr lang="ko-KR" altLang="en-US" sz="1000" u="none" strike="noStrike">
+                          <a:effectLst/>
+                        </a:rPr>
+                        <a:t>직업명</a:t>
+                      </a:r>
+                      <a:endParaRPr lang="ko-KR" altLang="en-US" sz="1000" b="0" i="0" u="none" strike="noStrike">
+                        <a:effectLst/>
+                        <a:latin typeface="돋움"/>
+                      </a:endParaRPr>
+                    </a:p>
+                  </a:txBody>
+                  <a:tcPr marL="0" marR="0" marT="0" marB="0" anchor="b"/>
+                </a:tc>
+                <a:tc>
+                  <a:txBody>
+                    <a:bodyPr/>
+                    <a:lstStyle/>
+                    <a:p>
+                      <a:pPr algn="ctr" fontAlgn="b"/>
+                      <a:r>
+                        <a:rPr lang="ko-KR" altLang="en-US" sz="1000" u="none" strike="noStrike">
+                          <a:effectLst/>
+                        </a:rPr>
+                        <a:t> 확률 </a:t>
+                      </a:r>
+                      <a:endParaRPr lang="ko-KR" altLang="en-US" sz="1000" b="0" i="0" u="none" strike="noStrike">
+                        <a:effectLst/>
+                        <a:latin typeface="Arial"/>
+                      </a:endParaRPr>
+                    </a:p>
+                  </a:txBody>
+                  <a:tcPr marL="0" marR="0" marT="0" marB="0" anchor="b"/>
+                </a:tc>
+              </a:tr>
+              <a:tr h="161925">
+                <a:tc>
+                  <a:txBody>
+                    <a:bodyPr/>
+                    <a:lstStyle/>
+                    <a:p>
+                      <a:pPr algn="r" fontAlgn="b"/>
+                      <a:r>
+                        <a:rPr lang="en-US" altLang="ko-KR" sz="1000" u="none" strike="noStrike">
+                          <a:effectLst/>
+                        </a:rPr>
+                        <a:t>5302</a:t>
+                      </a:r>
+                      <a:endParaRPr lang="en-US" altLang="ko-KR" sz="1000" b="0" i="0" u="none" strike="noStrike">
+                        <a:effectLst/>
+                        <a:latin typeface="Arial"/>
+                      </a:endParaRPr>
+                    </a:p>
+                  </a:txBody>
+                  <a:tcPr marL="0" marR="0" marT="0" marB="0" anchor="b"/>
+                </a:tc>
+                <a:tc>
+                  <a:txBody>
+                    <a:bodyPr/>
+                    <a:lstStyle/>
+                    <a:p>
+                      <a:pPr algn="l" fontAlgn="b"/>
+                      <a:r>
+                        <a:rPr lang="ko-KR" altLang="en-US" sz="1000" u="none" strike="noStrike">
+                          <a:effectLst/>
+                        </a:rPr>
+                        <a:t>통신서비스 판매원</a:t>
+                      </a:r>
+                      <a:endParaRPr lang="ko-KR" altLang="en-US" sz="1000" b="0" i="0" u="none" strike="noStrike">
+                        <a:effectLst/>
+                        <a:latin typeface="Arial"/>
+                      </a:endParaRPr>
+                    </a:p>
+                  </a:txBody>
+                  <a:tcPr marL="0" marR="0" marT="0" marB="0" anchor="b"/>
+                </a:tc>
+                <a:tc>
+                  <a:txBody>
+                    <a:bodyPr/>
+                    <a:lstStyle/>
+                    <a:p>
+                      <a:pPr algn="l" fontAlgn="b"/>
+                      <a:r>
+                        <a:rPr lang="ko-KR" altLang="en-US" sz="1000" u="none" strike="noStrike">
+                          <a:effectLst/>
+                        </a:rPr>
+                        <a:t>     </a:t>
+                      </a:r>
+                      <a:r>
+                        <a:rPr lang="en-US" altLang="ko-KR" sz="1000" u="none" strike="noStrike">
+                          <a:effectLst/>
+                        </a:rPr>
+                        <a:t>0.990 </a:t>
+                      </a:r>
+                      <a:endParaRPr lang="en-US" altLang="ko-KR" sz="1000" b="0" i="0" u="none" strike="noStrike">
+                        <a:effectLst/>
+                        <a:latin typeface="Arial"/>
+                      </a:endParaRPr>
+                    </a:p>
+                  </a:txBody>
+                  <a:tcPr marL="0" marR="0" marT="0" marB="0" anchor="b"/>
+                </a:tc>
+                <a:tc>
+                  <a:txBody>
+                    <a:bodyPr/>
+                    <a:lstStyle/>
+                    <a:p>
+                      <a:pPr algn="l" fontAlgn="b"/>
+                      <a:r>
+                        <a:rPr lang="ko-KR" altLang="en-US" sz="1000" u="none" strike="noStrike">
+                          <a:effectLst/>
+                        </a:rPr>
+                        <a:t>　</a:t>
+                      </a:r>
+                      <a:endParaRPr lang="ko-KR" altLang="en-US" sz="1000" b="0" i="0" u="none" strike="noStrike">
+                        <a:effectLst/>
+                        <a:latin typeface="Arial"/>
+                      </a:endParaRPr>
+                    </a:p>
+                  </a:txBody>
+                  <a:tcPr marL="0" marR="0" marT="0" marB="0" anchor="b"/>
+                </a:tc>
+                <a:tc>
+                  <a:txBody>
+                    <a:bodyPr/>
+                    <a:lstStyle/>
+                    <a:p>
+                      <a:pPr algn="r" fontAlgn="b"/>
+                      <a:r>
+                        <a:rPr lang="en-US" altLang="ko-KR" sz="1000" u="none" strike="noStrike">
+                          <a:effectLst/>
+                        </a:rPr>
+                        <a:t>2440</a:t>
+                      </a:r>
+                      <a:endParaRPr lang="en-US" altLang="ko-KR" sz="1000" b="0" i="0" u="none" strike="noStrike">
+                        <a:effectLst/>
+                        <a:latin typeface="Arial"/>
+                      </a:endParaRPr>
+                    </a:p>
+                  </a:txBody>
+                  <a:tcPr marL="0" marR="0" marT="0" marB="0" anchor="b"/>
+                </a:tc>
+                <a:tc>
+                  <a:txBody>
+                    <a:bodyPr/>
+                    <a:lstStyle/>
+                    <a:p>
+                      <a:pPr algn="l" fontAlgn="b"/>
+                      <a:r>
+                        <a:rPr lang="ko-KR" altLang="en-US" sz="1000" u="none" strike="noStrike">
+                          <a:effectLst/>
+                        </a:rPr>
+                        <a:t>영양사</a:t>
+                      </a:r>
+                      <a:endParaRPr lang="ko-KR" altLang="en-US" sz="1000" b="0" i="0" u="none" strike="noStrike">
+                        <a:effectLst/>
+                        <a:latin typeface="Arial"/>
+                      </a:endParaRPr>
+                    </a:p>
+                  </a:txBody>
+                  <a:tcPr marL="0" marR="0" marT="0" marB="0" anchor="b"/>
+                </a:tc>
+                <a:tc>
+                  <a:txBody>
+                    <a:bodyPr/>
+                    <a:lstStyle/>
+                    <a:p>
+                      <a:pPr algn="l" fontAlgn="b"/>
+                      <a:r>
+                        <a:rPr lang="ko-KR" altLang="en-US" sz="1000" u="none" strike="noStrike">
+                          <a:effectLst/>
+                        </a:rPr>
+                        <a:t>  </a:t>
+                      </a:r>
+                      <a:r>
+                        <a:rPr lang="en-US" altLang="ko-KR" sz="1000" u="none" strike="noStrike">
+                          <a:effectLst/>
+                        </a:rPr>
+                        <a:t>0.004 </a:t>
+                      </a:r>
+                      <a:endParaRPr lang="en-US" altLang="ko-KR" sz="1000" b="0" i="0" u="none" strike="noStrike">
+                        <a:effectLst/>
+                        <a:latin typeface="Arial"/>
+                      </a:endParaRPr>
+                    </a:p>
+                  </a:txBody>
+                  <a:tcPr marL="0" marR="0" marT="0" marB="0" anchor="b"/>
+                </a:tc>
+              </a:tr>
+              <a:tr h="161925">
+                <a:tc>
+                  <a:txBody>
+                    <a:bodyPr/>
+                    <a:lstStyle/>
+                    <a:p>
+                      <a:pPr algn="r" fontAlgn="b"/>
+                      <a:r>
+                        <a:rPr lang="en-US" altLang="ko-KR" sz="1000" u="none" strike="noStrike">
+                          <a:effectLst/>
+                        </a:rPr>
+                        <a:t>5303</a:t>
+                      </a:r>
+                      <a:endParaRPr lang="en-US" altLang="ko-KR" sz="1000" b="0" i="0" u="none" strike="noStrike">
+                        <a:effectLst/>
+                        <a:latin typeface="Arial"/>
+                      </a:endParaRPr>
+                    </a:p>
+                  </a:txBody>
+                  <a:tcPr marL="0" marR="0" marT="0" marB="0" anchor="b"/>
+                </a:tc>
+                <a:tc>
+                  <a:txBody>
+                    <a:bodyPr/>
+                    <a:lstStyle/>
+                    <a:p>
+                      <a:pPr algn="l" fontAlgn="b"/>
+                      <a:r>
+                        <a:rPr lang="ko-KR" altLang="en-US" sz="1000" u="none" strike="noStrike">
+                          <a:effectLst/>
+                        </a:rPr>
+                        <a:t>텔레마케터</a:t>
+                      </a:r>
+                      <a:endParaRPr lang="ko-KR" altLang="en-US" sz="1000" b="0" i="0" u="none" strike="noStrike">
+                        <a:effectLst/>
+                        <a:latin typeface="Arial"/>
+                      </a:endParaRPr>
+                    </a:p>
+                  </a:txBody>
+                  <a:tcPr marL="0" marR="0" marT="0" marB="0" anchor="b"/>
+                </a:tc>
+                <a:tc>
+                  <a:txBody>
+                    <a:bodyPr/>
+                    <a:lstStyle/>
+                    <a:p>
+                      <a:pPr algn="l" fontAlgn="b"/>
+                      <a:r>
+                        <a:rPr lang="ko-KR" altLang="en-US" sz="1000" u="none" strike="noStrike">
+                          <a:effectLst/>
+                        </a:rPr>
+                        <a:t>     </a:t>
+                      </a:r>
+                      <a:r>
+                        <a:rPr lang="en-US" altLang="ko-KR" sz="1000" u="none" strike="noStrike">
+                          <a:effectLst/>
+                        </a:rPr>
+                        <a:t>0.990 </a:t>
+                      </a:r>
+                      <a:endParaRPr lang="en-US" altLang="ko-KR" sz="1000" b="0" i="0" u="none" strike="noStrike">
+                        <a:effectLst/>
+                        <a:latin typeface="Arial"/>
+                      </a:endParaRPr>
+                    </a:p>
+                  </a:txBody>
+                  <a:tcPr marL="0" marR="0" marT="0" marB="0" anchor="b"/>
+                </a:tc>
+                <a:tc>
+                  <a:txBody>
+                    <a:bodyPr/>
+                    <a:lstStyle/>
+                    <a:p>
+                      <a:pPr algn="l" fontAlgn="b"/>
+                      <a:r>
+                        <a:rPr lang="ko-KR" altLang="en-US" sz="1000" u="none" strike="noStrike">
+                          <a:effectLst/>
+                        </a:rPr>
+                        <a:t>　</a:t>
+                      </a:r>
+                      <a:endParaRPr lang="ko-KR" altLang="en-US" sz="1000" b="0" i="0" u="none" strike="noStrike">
+                        <a:effectLst/>
+                        <a:latin typeface="Arial"/>
+                      </a:endParaRPr>
+                    </a:p>
+                  </a:txBody>
+                  <a:tcPr marL="0" marR="0" marT="0" marB="0" anchor="b"/>
+                </a:tc>
+                <a:tc>
+                  <a:txBody>
+                    <a:bodyPr/>
+                    <a:lstStyle/>
+                    <a:p>
+                      <a:pPr algn="r" fontAlgn="b"/>
+                      <a:r>
+                        <a:rPr lang="en-US" altLang="ko-KR" sz="1000" u="none" strike="noStrike">
+                          <a:effectLst/>
+                        </a:rPr>
+                        <a:t>2411</a:t>
+                      </a:r>
+                      <a:endParaRPr lang="en-US" altLang="ko-KR" sz="1000" b="0" i="0" u="none" strike="noStrike">
+                        <a:effectLst/>
+                        <a:latin typeface="Arial"/>
+                      </a:endParaRPr>
+                    </a:p>
+                  </a:txBody>
+                  <a:tcPr marL="0" marR="0" marT="0" marB="0" anchor="b"/>
+                </a:tc>
+                <a:tc>
+                  <a:txBody>
+                    <a:bodyPr/>
+                    <a:lstStyle/>
+                    <a:p>
+                      <a:pPr algn="l" fontAlgn="b"/>
+                      <a:r>
+                        <a:rPr lang="ko-KR" altLang="en-US" sz="1000" u="none" strike="noStrike">
+                          <a:effectLst/>
+                        </a:rPr>
+                        <a:t>전문 의사</a:t>
+                      </a:r>
+                      <a:endParaRPr lang="ko-KR" altLang="en-US" sz="1000" b="0" i="0" u="none" strike="noStrike">
+                        <a:effectLst/>
+                        <a:latin typeface="Arial"/>
+                      </a:endParaRPr>
+                    </a:p>
+                  </a:txBody>
+                  <a:tcPr marL="0" marR="0" marT="0" marB="0" anchor="b"/>
+                </a:tc>
+                <a:tc>
+                  <a:txBody>
+                    <a:bodyPr/>
+                    <a:lstStyle/>
+                    <a:p>
+                      <a:pPr algn="l" fontAlgn="b"/>
+                      <a:r>
+                        <a:rPr lang="ko-KR" altLang="en-US" sz="1000" u="none" strike="noStrike">
+                          <a:effectLst/>
+                        </a:rPr>
+                        <a:t>  </a:t>
+                      </a:r>
+                      <a:r>
+                        <a:rPr lang="en-US" altLang="ko-KR" sz="1000" u="none" strike="noStrike">
+                          <a:effectLst/>
+                        </a:rPr>
+                        <a:t>0.004 </a:t>
+                      </a:r>
+                      <a:endParaRPr lang="en-US" altLang="ko-KR" sz="1000" b="0" i="0" u="none" strike="noStrike">
+                        <a:effectLst/>
+                        <a:latin typeface="Arial"/>
+                      </a:endParaRPr>
+                    </a:p>
+                  </a:txBody>
+                  <a:tcPr marL="0" marR="0" marT="0" marB="0" anchor="b"/>
+                </a:tc>
+              </a:tr>
+              <a:tr h="161925">
+                <a:tc>
+                  <a:txBody>
+                    <a:bodyPr/>
+                    <a:lstStyle/>
+                    <a:p>
+                      <a:pPr algn="r" fontAlgn="b"/>
+                      <a:r>
+                        <a:rPr lang="en-US" altLang="ko-KR" sz="1000" u="none" strike="noStrike">
+                          <a:effectLst/>
+                        </a:rPr>
+                        <a:t>5304</a:t>
+                      </a:r>
+                      <a:endParaRPr lang="en-US" altLang="ko-KR" sz="1000" b="0" i="0" u="none" strike="noStrike">
+                        <a:effectLst/>
+                        <a:latin typeface="Arial"/>
+                      </a:endParaRPr>
+                    </a:p>
+                  </a:txBody>
+                  <a:tcPr marL="0" marR="0" marT="0" marB="0" anchor="b"/>
+                </a:tc>
+                <a:tc>
+                  <a:txBody>
+                    <a:bodyPr/>
+                    <a:lstStyle/>
+                    <a:p>
+                      <a:pPr algn="l" fontAlgn="b"/>
+                      <a:r>
+                        <a:rPr lang="ko-KR" altLang="en-US" sz="1000" u="none" strike="noStrike">
+                          <a:effectLst/>
+                        </a:rPr>
+                        <a:t>인터넷 판매원</a:t>
+                      </a:r>
+                      <a:endParaRPr lang="ko-KR" altLang="en-US" sz="1000" b="0" i="0" u="none" strike="noStrike">
+                        <a:effectLst/>
+                        <a:latin typeface="Arial"/>
+                      </a:endParaRPr>
+                    </a:p>
+                  </a:txBody>
+                  <a:tcPr marL="0" marR="0" marT="0" marB="0" anchor="b"/>
+                </a:tc>
+                <a:tc>
+                  <a:txBody>
+                    <a:bodyPr/>
+                    <a:lstStyle/>
+                    <a:p>
+                      <a:pPr algn="l" fontAlgn="b"/>
+                      <a:r>
+                        <a:rPr lang="ko-KR" altLang="en-US" sz="1000" u="none" strike="noStrike">
+                          <a:effectLst/>
+                        </a:rPr>
+                        <a:t>     </a:t>
+                      </a:r>
+                      <a:r>
+                        <a:rPr lang="en-US" altLang="ko-KR" sz="1000" u="none" strike="noStrike">
+                          <a:effectLst/>
+                        </a:rPr>
+                        <a:t>0.990 </a:t>
+                      </a:r>
+                      <a:endParaRPr lang="en-US" altLang="ko-KR" sz="1000" b="0" i="0" u="none" strike="noStrike">
+                        <a:effectLst/>
+                        <a:latin typeface="Arial"/>
+                      </a:endParaRPr>
+                    </a:p>
+                  </a:txBody>
+                  <a:tcPr marL="0" marR="0" marT="0" marB="0" anchor="b"/>
+                </a:tc>
+                <a:tc>
+                  <a:txBody>
+                    <a:bodyPr/>
+                    <a:lstStyle/>
+                    <a:p>
+                      <a:pPr algn="l" fontAlgn="b"/>
+                      <a:r>
+                        <a:rPr lang="ko-KR" altLang="en-US" sz="1000" u="none" strike="noStrike">
+                          <a:effectLst/>
+                        </a:rPr>
+                        <a:t>　</a:t>
+                      </a:r>
+                      <a:endParaRPr lang="ko-KR" altLang="en-US" sz="1000" b="0" i="0" u="none" strike="noStrike">
+                        <a:effectLst/>
+                        <a:latin typeface="Arial"/>
+                      </a:endParaRPr>
+                    </a:p>
+                  </a:txBody>
+                  <a:tcPr marL="0" marR="0" marT="0" marB="0" anchor="b"/>
+                </a:tc>
+                <a:tc>
+                  <a:txBody>
+                    <a:bodyPr/>
+                    <a:lstStyle/>
+                    <a:p>
+                      <a:pPr algn="r" fontAlgn="b"/>
+                      <a:r>
+                        <a:rPr lang="en-US" altLang="ko-KR" sz="1000" u="none" strike="noStrike">
+                          <a:effectLst/>
+                        </a:rPr>
+                        <a:t>2591</a:t>
+                      </a:r>
+                      <a:endParaRPr lang="en-US" altLang="ko-KR" sz="1000" b="0" i="0" u="none" strike="noStrike">
+                        <a:effectLst/>
+                        <a:latin typeface="Arial"/>
+                      </a:endParaRPr>
+                    </a:p>
+                  </a:txBody>
+                  <a:tcPr marL="0" marR="0" marT="0" marB="0" anchor="b"/>
+                </a:tc>
+                <a:tc>
+                  <a:txBody>
+                    <a:bodyPr/>
+                    <a:lstStyle/>
+                    <a:p>
+                      <a:pPr algn="l" fontAlgn="b"/>
+                      <a:r>
+                        <a:rPr lang="ko-KR" altLang="en-US" sz="1000" u="none" strike="noStrike">
+                          <a:effectLst/>
+                        </a:rPr>
+                        <a:t>장학관ㆍ연구관 및 교육 관련 전문가</a:t>
+                      </a:r>
+                      <a:endParaRPr lang="ko-KR" altLang="en-US" sz="1000" b="0" i="0" u="none" strike="noStrike">
+                        <a:effectLst/>
+                        <a:latin typeface="Arial"/>
+                      </a:endParaRPr>
+                    </a:p>
+                  </a:txBody>
+                  <a:tcPr marL="0" marR="0" marT="0" marB="0" anchor="b"/>
+                </a:tc>
+                <a:tc>
+                  <a:txBody>
+                    <a:bodyPr/>
+                    <a:lstStyle/>
+                    <a:p>
+                      <a:pPr algn="l" fontAlgn="b"/>
+                      <a:r>
+                        <a:rPr lang="ko-KR" altLang="en-US" sz="1000" u="none" strike="noStrike">
+                          <a:effectLst/>
+                        </a:rPr>
+                        <a:t>  </a:t>
+                      </a:r>
+                      <a:r>
+                        <a:rPr lang="en-US" altLang="ko-KR" sz="1000" u="none" strike="noStrike">
+                          <a:effectLst/>
+                        </a:rPr>
+                        <a:t>0.004 </a:t>
+                      </a:r>
+                      <a:endParaRPr lang="en-US" altLang="ko-KR" sz="1000" b="0" i="0" u="none" strike="noStrike">
+                        <a:effectLst/>
+                        <a:latin typeface="Arial"/>
+                      </a:endParaRPr>
+                    </a:p>
+                  </a:txBody>
+                  <a:tcPr marL="0" marR="0" marT="0" marB="0" anchor="b"/>
+                </a:tc>
+              </a:tr>
+              <a:tr h="161925">
+                <a:tc>
+                  <a:txBody>
+                    <a:bodyPr/>
+                    <a:lstStyle/>
+                    <a:p>
+                      <a:pPr algn="r" fontAlgn="b"/>
+                      <a:r>
+                        <a:rPr lang="en-US" altLang="ko-KR" sz="1000" u="none" strike="noStrike">
+                          <a:effectLst/>
+                        </a:rPr>
+                        <a:t>8922</a:t>
+                      </a:r>
+                      <a:endParaRPr lang="en-US" altLang="ko-KR" sz="1000" b="0" i="0" u="none" strike="noStrike">
+                        <a:effectLst/>
+                        <a:latin typeface="Arial"/>
+                      </a:endParaRPr>
+                    </a:p>
+                  </a:txBody>
+                  <a:tcPr marL="0" marR="0" marT="0" marB="0" anchor="b"/>
+                </a:tc>
+                <a:tc>
+                  <a:txBody>
+                    <a:bodyPr/>
+                    <a:lstStyle/>
+                    <a:p>
+                      <a:pPr algn="l" fontAlgn="b"/>
+                      <a:r>
+                        <a:rPr lang="ko-KR" altLang="en-US" sz="1000" u="none" strike="noStrike">
+                          <a:effectLst/>
+                        </a:rPr>
+                        <a:t>사진인화 및 현상기 조작원</a:t>
+                      </a:r>
+                      <a:endParaRPr lang="ko-KR" altLang="en-US" sz="1000" b="0" i="0" u="none" strike="noStrike">
+                        <a:effectLst/>
+                        <a:latin typeface="Arial"/>
+                      </a:endParaRPr>
+                    </a:p>
+                  </a:txBody>
+                  <a:tcPr marL="0" marR="0" marT="0" marB="0" anchor="b"/>
+                </a:tc>
+                <a:tc>
+                  <a:txBody>
+                    <a:bodyPr/>
+                    <a:lstStyle/>
+                    <a:p>
+                      <a:pPr algn="l" fontAlgn="b"/>
+                      <a:r>
+                        <a:rPr lang="ko-KR" altLang="en-US" sz="1000" u="none" strike="noStrike">
+                          <a:effectLst/>
+                        </a:rPr>
+                        <a:t>     </a:t>
+                      </a:r>
+                      <a:r>
+                        <a:rPr lang="en-US" altLang="ko-KR" sz="1000" u="none" strike="noStrike">
+                          <a:effectLst/>
+                        </a:rPr>
+                        <a:t>0.990 </a:t>
+                      </a:r>
+                      <a:endParaRPr lang="en-US" altLang="ko-KR" sz="1000" b="0" i="0" u="none" strike="noStrike">
+                        <a:effectLst/>
+                        <a:latin typeface="Arial"/>
+                      </a:endParaRPr>
+                    </a:p>
+                  </a:txBody>
+                  <a:tcPr marL="0" marR="0" marT="0" marB="0" anchor="b"/>
+                </a:tc>
+                <a:tc>
+                  <a:txBody>
+                    <a:bodyPr/>
+                    <a:lstStyle/>
+                    <a:p>
+                      <a:pPr algn="l" fontAlgn="b"/>
+                      <a:r>
+                        <a:rPr lang="ko-KR" altLang="en-US" sz="1000" u="none" strike="noStrike">
+                          <a:effectLst/>
+                        </a:rPr>
+                        <a:t>　</a:t>
+                      </a:r>
+                      <a:endParaRPr lang="ko-KR" altLang="en-US" sz="1000" b="0" i="0" u="none" strike="noStrike">
+                        <a:effectLst/>
+                        <a:latin typeface="Arial"/>
+                      </a:endParaRPr>
+                    </a:p>
+                  </a:txBody>
+                  <a:tcPr marL="0" marR="0" marT="0" marB="0" anchor="b"/>
+                </a:tc>
+                <a:tc>
+                  <a:txBody>
+                    <a:bodyPr/>
+                    <a:lstStyle/>
+                    <a:p>
+                      <a:pPr algn="r" fontAlgn="b"/>
+                      <a:r>
+                        <a:rPr lang="en-US" altLang="ko-KR" sz="1000" u="none" strike="noStrike">
+                          <a:effectLst/>
+                        </a:rPr>
+                        <a:t>1312</a:t>
+                      </a:r>
+                      <a:endParaRPr lang="en-US" altLang="ko-KR" sz="1000" b="0" i="0" u="none" strike="noStrike">
+                        <a:effectLst/>
+                        <a:latin typeface="Arial"/>
+                      </a:endParaRPr>
+                    </a:p>
+                  </a:txBody>
+                  <a:tcPr marL="0" marR="0" marT="0" marB="0" anchor="b"/>
+                </a:tc>
+                <a:tc>
+                  <a:txBody>
+                    <a:bodyPr/>
+                    <a:lstStyle/>
+                    <a:p>
+                      <a:pPr algn="l" fontAlgn="b"/>
+                      <a:r>
+                        <a:rPr lang="ko-KR" altLang="en-US" sz="1000" u="none" strike="noStrike">
+                          <a:effectLst/>
+                        </a:rPr>
+                        <a:t>교육 관리자</a:t>
+                      </a:r>
+                      <a:endParaRPr lang="ko-KR" altLang="en-US" sz="1000" b="0" i="0" u="none" strike="noStrike">
+                        <a:effectLst/>
+                        <a:latin typeface="Arial"/>
+                      </a:endParaRPr>
+                    </a:p>
+                  </a:txBody>
+                  <a:tcPr marL="0" marR="0" marT="0" marB="0" anchor="b"/>
+                </a:tc>
+                <a:tc>
+                  <a:txBody>
+                    <a:bodyPr/>
+                    <a:lstStyle/>
+                    <a:p>
+                      <a:pPr algn="l" fontAlgn="b"/>
+                      <a:r>
+                        <a:rPr lang="ko-KR" altLang="en-US" sz="1000" u="none" strike="noStrike">
+                          <a:effectLst/>
+                        </a:rPr>
+                        <a:t>  </a:t>
+                      </a:r>
+                      <a:r>
+                        <a:rPr lang="en-US" altLang="ko-KR" sz="1000" u="none" strike="noStrike">
+                          <a:effectLst/>
+                        </a:rPr>
+                        <a:t>0.007 </a:t>
+                      </a:r>
+                      <a:endParaRPr lang="en-US" altLang="ko-KR" sz="1000" b="0" i="0" u="none" strike="noStrike">
+                        <a:effectLst/>
+                        <a:latin typeface="Arial"/>
+                      </a:endParaRPr>
+                    </a:p>
+                  </a:txBody>
+                  <a:tcPr marL="0" marR="0" marT="0" marB="0" anchor="b"/>
+                </a:tc>
+              </a:tr>
+              <a:tr h="161925">
+                <a:tc>
+                  <a:txBody>
+                    <a:bodyPr/>
+                    <a:lstStyle/>
+                    <a:p>
+                      <a:pPr algn="r" fontAlgn="b"/>
+                      <a:r>
+                        <a:rPr lang="en-US" altLang="ko-KR" sz="1000" u="none" strike="noStrike">
+                          <a:effectLst/>
+                        </a:rPr>
+                        <a:t>2714</a:t>
+                      </a:r>
+                      <a:endParaRPr lang="en-US" altLang="ko-KR" sz="1000" b="0" i="0" u="none" strike="noStrike">
+                        <a:effectLst/>
+                        <a:latin typeface="Arial"/>
+                      </a:endParaRPr>
+                    </a:p>
+                  </a:txBody>
+                  <a:tcPr marL="0" marR="0" marT="0" marB="0" anchor="b"/>
+                </a:tc>
+                <a:tc>
+                  <a:txBody>
+                    <a:bodyPr/>
+                    <a:lstStyle/>
+                    <a:p>
+                      <a:pPr algn="l" fontAlgn="b"/>
+                      <a:r>
+                        <a:rPr lang="ko-KR" altLang="en-US" sz="1000" u="none" strike="noStrike">
+                          <a:effectLst/>
+                        </a:rPr>
+                        <a:t>관세사</a:t>
+                      </a:r>
+                      <a:endParaRPr lang="ko-KR" altLang="en-US" sz="1000" b="0" i="0" u="none" strike="noStrike">
+                        <a:effectLst/>
+                        <a:latin typeface="Arial"/>
+                      </a:endParaRPr>
+                    </a:p>
+                  </a:txBody>
+                  <a:tcPr marL="0" marR="0" marT="0" marB="0" anchor="b"/>
+                </a:tc>
+                <a:tc>
+                  <a:txBody>
+                    <a:bodyPr/>
+                    <a:lstStyle/>
+                    <a:p>
+                      <a:pPr algn="l" fontAlgn="b"/>
+                      <a:r>
+                        <a:rPr lang="ko-KR" altLang="en-US" sz="1000" u="none" strike="noStrike">
+                          <a:effectLst/>
+                        </a:rPr>
+                        <a:t>     </a:t>
+                      </a:r>
+                      <a:r>
+                        <a:rPr lang="en-US" altLang="ko-KR" sz="1000" u="none" strike="noStrike">
+                          <a:effectLst/>
+                        </a:rPr>
+                        <a:t>0.985 </a:t>
+                      </a:r>
+                      <a:endParaRPr lang="en-US" altLang="ko-KR" sz="1000" b="0" i="0" u="none" strike="noStrike">
+                        <a:effectLst/>
+                        <a:latin typeface="Arial"/>
+                      </a:endParaRPr>
+                    </a:p>
+                  </a:txBody>
+                  <a:tcPr marL="0" marR="0" marT="0" marB="0" anchor="b"/>
+                </a:tc>
+                <a:tc>
+                  <a:txBody>
+                    <a:bodyPr/>
+                    <a:lstStyle/>
+                    <a:p>
+                      <a:pPr algn="l" fontAlgn="b"/>
+                      <a:r>
+                        <a:rPr lang="ko-KR" altLang="en-US" sz="1000" u="none" strike="noStrike">
+                          <a:effectLst/>
+                        </a:rPr>
+                        <a:t>　</a:t>
+                      </a:r>
+                      <a:endParaRPr lang="ko-KR" altLang="en-US" sz="1000" b="0" i="0" u="none" strike="noStrike">
+                        <a:effectLst/>
+                        <a:latin typeface="Arial"/>
+                      </a:endParaRPr>
+                    </a:p>
+                  </a:txBody>
+                  <a:tcPr marL="0" marR="0" marT="0" marB="0" anchor="b"/>
+                </a:tc>
+                <a:tc>
+                  <a:txBody>
+                    <a:bodyPr/>
+                    <a:lstStyle/>
+                    <a:p>
+                      <a:pPr algn="r" fontAlgn="b"/>
+                      <a:r>
+                        <a:rPr lang="en-US" altLang="ko-KR" sz="1000" u="none" strike="noStrike">
+                          <a:effectLst/>
+                        </a:rPr>
+                        <a:t>1331</a:t>
+                      </a:r>
+                      <a:endParaRPr lang="en-US" altLang="ko-KR" sz="1000" b="0" i="0" u="none" strike="noStrike">
+                        <a:effectLst/>
+                        <a:latin typeface="Arial"/>
+                      </a:endParaRPr>
+                    </a:p>
+                  </a:txBody>
+                  <a:tcPr marL="0" marR="0" marT="0" marB="0" anchor="b"/>
+                </a:tc>
+                <a:tc>
+                  <a:txBody>
+                    <a:bodyPr/>
+                    <a:lstStyle/>
+                    <a:p>
+                      <a:pPr algn="l" fontAlgn="b"/>
+                      <a:r>
+                        <a:rPr lang="ko-KR" altLang="en-US" sz="1000" u="none" strike="noStrike">
+                          <a:effectLst/>
+                        </a:rPr>
+                        <a:t>보건의료관련 관리자</a:t>
+                      </a:r>
+                      <a:endParaRPr lang="ko-KR" altLang="en-US" sz="1000" b="0" i="0" u="none" strike="noStrike">
+                        <a:effectLst/>
+                        <a:latin typeface="Arial"/>
+                      </a:endParaRPr>
+                    </a:p>
+                  </a:txBody>
+                  <a:tcPr marL="0" marR="0" marT="0" marB="0" anchor="b"/>
+                </a:tc>
+                <a:tc>
+                  <a:txBody>
+                    <a:bodyPr/>
+                    <a:lstStyle/>
+                    <a:p>
+                      <a:pPr algn="l" fontAlgn="b"/>
+                      <a:r>
+                        <a:rPr lang="ko-KR" altLang="en-US" sz="1000" u="none" strike="noStrike">
+                          <a:effectLst/>
+                        </a:rPr>
+                        <a:t>  </a:t>
+                      </a:r>
+                      <a:r>
+                        <a:rPr lang="en-US" altLang="ko-KR" sz="1000" u="none" strike="noStrike">
+                          <a:effectLst/>
+                        </a:rPr>
+                        <a:t>0.007 </a:t>
+                      </a:r>
+                      <a:endParaRPr lang="en-US" altLang="ko-KR" sz="1000" b="0" i="0" u="none" strike="noStrike">
+                        <a:effectLst/>
+                        <a:latin typeface="Arial"/>
+                      </a:endParaRPr>
+                    </a:p>
+                  </a:txBody>
+                  <a:tcPr marL="0" marR="0" marT="0" marB="0" anchor="b"/>
+                </a:tc>
+              </a:tr>
+              <a:tr h="161925">
+                <a:tc>
+                  <a:txBody>
+                    <a:bodyPr/>
+                    <a:lstStyle/>
+                    <a:p>
+                      <a:pPr algn="r" fontAlgn="b"/>
+                      <a:r>
+                        <a:rPr lang="en-US" altLang="ko-KR" sz="1000" u="none" strike="noStrike">
+                          <a:effectLst/>
+                        </a:rPr>
+                        <a:t>3125</a:t>
+                      </a:r>
+                      <a:endParaRPr lang="en-US" altLang="ko-KR" sz="1000" b="0" i="0" u="none" strike="noStrike">
+                        <a:effectLst/>
+                        <a:latin typeface="Arial"/>
+                      </a:endParaRPr>
+                    </a:p>
+                  </a:txBody>
+                  <a:tcPr marL="0" marR="0" marT="0" marB="0" anchor="b"/>
+                </a:tc>
+                <a:tc>
+                  <a:txBody>
+                    <a:bodyPr/>
+                    <a:lstStyle/>
+                    <a:p>
+                      <a:pPr algn="l" fontAlgn="b"/>
+                      <a:r>
+                        <a:rPr lang="ko-KR" altLang="en-US" sz="1000" u="none" strike="noStrike">
+                          <a:effectLst/>
+                        </a:rPr>
+                        <a:t>무역 사무원</a:t>
+                      </a:r>
+                      <a:endParaRPr lang="ko-KR" altLang="en-US" sz="1000" b="0" i="0" u="none" strike="noStrike">
+                        <a:effectLst/>
+                        <a:latin typeface="Arial"/>
+                      </a:endParaRPr>
+                    </a:p>
+                  </a:txBody>
+                  <a:tcPr marL="0" marR="0" marT="0" marB="0" anchor="b"/>
+                </a:tc>
+                <a:tc>
+                  <a:txBody>
+                    <a:bodyPr/>
+                    <a:lstStyle/>
+                    <a:p>
+                      <a:pPr algn="l" fontAlgn="b"/>
+                      <a:r>
+                        <a:rPr lang="ko-KR" altLang="en-US" sz="1000" u="none" strike="noStrike">
+                          <a:effectLst/>
+                        </a:rPr>
+                        <a:t>     </a:t>
+                      </a:r>
+                      <a:r>
+                        <a:rPr lang="en-US" altLang="ko-KR" sz="1000" u="none" strike="noStrike">
+                          <a:effectLst/>
+                        </a:rPr>
+                        <a:t>0.985 </a:t>
+                      </a:r>
+                      <a:endParaRPr lang="en-US" altLang="ko-KR" sz="1000" b="0" i="0" u="none" strike="noStrike">
+                        <a:effectLst/>
+                        <a:latin typeface="Arial"/>
+                      </a:endParaRPr>
+                    </a:p>
+                  </a:txBody>
+                  <a:tcPr marL="0" marR="0" marT="0" marB="0" anchor="b"/>
+                </a:tc>
+                <a:tc>
+                  <a:txBody>
+                    <a:bodyPr/>
+                    <a:lstStyle/>
+                    <a:p>
+                      <a:pPr algn="l" fontAlgn="b"/>
+                      <a:r>
+                        <a:rPr lang="ko-KR" altLang="en-US" sz="1000" u="none" strike="noStrike">
+                          <a:effectLst/>
+                        </a:rPr>
+                        <a:t>　</a:t>
+                      </a:r>
+                      <a:endParaRPr lang="ko-KR" altLang="en-US" sz="1000" b="0" i="0" u="none" strike="noStrike">
+                        <a:effectLst/>
+                        <a:latin typeface="Arial"/>
+                      </a:endParaRPr>
+                    </a:p>
+                  </a:txBody>
+                  <a:tcPr marL="0" marR="0" marT="0" marB="0" anchor="b"/>
+                </a:tc>
+                <a:tc>
+                  <a:txBody>
+                    <a:bodyPr/>
+                    <a:lstStyle/>
+                    <a:p>
+                      <a:pPr algn="r" fontAlgn="b"/>
+                      <a:r>
+                        <a:rPr lang="en-US" altLang="ko-KR" sz="1000" u="none" strike="noStrike">
+                          <a:effectLst/>
+                        </a:rPr>
+                        <a:t>2521</a:t>
+                      </a:r>
+                      <a:endParaRPr lang="en-US" altLang="ko-KR" sz="1000" b="0" i="0" u="none" strike="noStrike">
+                        <a:effectLst/>
+                        <a:latin typeface="Arial"/>
+                      </a:endParaRPr>
+                    </a:p>
+                  </a:txBody>
+                  <a:tcPr marL="0" marR="0" marT="0" marB="0" anchor="b"/>
+                </a:tc>
+                <a:tc>
+                  <a:txBody>
+                    <a:bodyPr/>
+                    <a:lstStyle/>
+                    <a:p>
+                      <a:pPr algn="l" fontAlgn="b"/>
+                      <a:r>
+                        <a:rPr lang="ko-KR" altLang="en-US" sz="1000" u="none" strike="noStrike">
+                          <a:effectLst/>
+                        </a:rPr>
+                        <a:t>중고등학교 교사</a:t>
+                      </a:r>
+                      <a:endParaRPr lang="ko-KR" altLang="en-US" sz="1000" b="0" i="0" u="none" strike="noStrike">
+                        <a:effectLst/>
+                        <a:latin typeface="Arial"/>
+                      </a:endParaRPr>
+                    </a:p>
+                  </a:txBody>
+                  <a:tcPr marL="0" marR="0" marT="0" marB="0" anchor="b"/>
+                </a:tc>
+                <a:tc>
+                  <a:txBody>
+                    <a:bodyPr/>
+                    <a:lstStyle/>
+                    <a:p>
+                      <a:pPr algn="l" fontAlgn="b"/>
+                      <a:r>
+                        <a:rPr lang="ko-KR" altLang="en-US" sz="1000" u="none" strike="noStrike">
+                          <a:effectLst/>
+                        </a:rPr>
+                        <a:t>  </a:t>
+                      </a:r>
+                      <a:r>
+                        <a:rPr lang="en-US" altLang="ko-KR" sz="1000" u="none" strike="noStrike">
+                          <a:effectLst/>
+                        </a:rPr>
+                        <a:t>0.008 </a:t>
+                      </a:r>
+                      <a:endParaRPr lang="en-US" altLang="ko-KR" sz="1000" b="0" i="0" u="none" strike="noStrike">
+                        <a:effectLst/>
+                        <a:latin typeface="Arial"/>
+                      </a:endParaRPr>
+                    </a:p>
+                  </a:txBody>
+                  <a:tcPr marL="0" marR="0" marT="0" marB="0" anchor="b"/>
+                </a:tc>
+              </a:tr>
+              <a:tr h="161925">
+                <a:tc>
+                  <a:txBody>
+                    <a:bodyPr/>
+                    <a:lstStyle/>
+                    <a:p>
+                      <a:pPr algn="r" fontAlgn="b"/>
+                      <a:r>
+                        <a:rPr lang="en-US" altLang="ko-KR" sz="1000" u="none" strike="noStrike">
+                          <a:effectLst/>
+                        </a:rPr>
+                        <a:t>3142</a:t>
+                      </a:r>
+                      <a:endParaRPr lang="en-US" altLang="ko-KR" sz="1000" b="0" i="0" u="none" strike="noStrike">
+                        <a:effectLst/>
+                        <a:latin typeface="Arial"/>
+                      </a:endParaRPr>
+                    </a:p>
+                  </a:txBody>
+                  <a:tcPr marL="0" marR="0" marT="0" marB="0" anchor="b"/>
+                </a:tc>
+                <a:tc>
+                  <a:txBody>
+                    <a:bodyPr/>
+                    <a:lstStyle/>
+                    <a:p>
+                      <a:pPr algn="l" fontAlgn="b"/>
+                      <a:r>
+                        <a:rPr lang="ko-KR" altLang="en-US" sz="1000" u="none" strike="noStrike">
+                          <a:effectLst/>
+                        </a:rPr>
+                        <a:t>전산 자료 입력원 및 사무 보조원</a:t>
+                      </a:r>
+                      <a:endParaRPr lang="ko-KR" altLang="en-US" sz="1000" b="0" i="0" u="none" strike="noStrike">
+                        <a:effectLst/>
+                        <a:latin typeface="Arial"/>
+                      </a:endParaRPr>
+                    </a:p>
+                  </a:txBody>
+                  <a:tcPr marL="0" marR="0" marT="0" marB="0" anchor="b"/>
+                </a:tc>
+                <a:tc>
+                  <a:txBody>
+                    <a:bodyPr/>
+                    <a:lstStyle/>
+                    <a:p>
+                      <a:pPr algn="l" fontAlgn="b"/>
+                      <a:r>
+                        <a:rPr lang="ko-KR" altLang="en-US" sz="1000" u="none" strike="noStrike">
+                          <a:effectLst/>
+                        </a:rPr>
+                        <a:t>     </a:t>
+                      </a:r>
+                      <a:r>
+                        <a:rPr lang="en-US" altLang="ko-KR" sz="1000" u="none" strike="noStrike">
+                          <a:effectLst/>
+                        </a:rPr>
+                        <a:t>0.980 </a:t>
+                      </a:r>
+                      <a:endParaRPr lang="en-US" altLang="ko-KR" sz="1000" b="0" i="0" u="none" strike="noStrike">
+                        <a:effectLst/>
+                        <a:latin typeface="Arial"/>
+                      </a:endParaRPr>
+                    </a:p>
+                  </a:txBody>
+                  <a:tcPr marL="0" marR="0" marT="0" marB="0" anchor="b"/>
+                </a:tc>
+                <a:tc>
+                  <a:txBody>
+                    <a:bodyPr/>
+                    <a:lstStyle/>
+                    <a:p>
+                      <a:pPr algn="l" fontAlgn="b"/>
+                      <a:r>
+                        <a:rPr lang="ko-KR" altLang="en-US" sz="1000" u="none" strike="noStrike">
+                          <a:effectLst/>
+                        </a:rPr>
+                        <a:t>　</a:t>
+                      </a:r>
+                      <a:endParaRPr lang="ko-KR" altLang="en-US" sz="1000" b="0" i="0" u="none" strike="noStrike">
+                        <a:effectLst/>
+                        <a:latin typeface="Arial"/>
+                      </a:endParaRPr>
+                    </a:p>
+                  </a:txBody>
+                  <a:tcPr marL="0" marR="0" marT="0" marB="0" anchor="b"/>
+                </a:tc>
+                <a:tc>
+                  <a:txBody>
+                    <a:bodyPr/>
+                    <a:lstStyle/>
+                    <a:p>
+                      <a:pPr algn="r" fontAlgn="b"/>
+                      <a:r>
+                        <a:rPr lang="en-US" altLang="ko-KR" sz="1000" u="none" strike="noStrike">
+                          <a:effectLst/>
+                        </a:rPr>
+                        <a:t>2545</a:t>
+                      </a:r>
+                      <a:endParaRPr lang="en-US" altLang="ko-KR" sz="1000" b="0" i="0" u="none" strike="noStrike">
+                        <a:effectLst/>
+                        <a:latin typeface="Arial"/>
+                      </a:endParaRPr>
+                    </a:p>
+                  </a:txBody>
+                  <a:tcPr marL="0" marR="0" marT="0" marB="0" anchor="b"/>
+                </a:tc>
+                <a:tc>
+                  <a:txBody>
+                    <a:bodyPr/>
+                    <a:lstStyle/>
+                    <a:p>
+                      <a:pPr algn="l" fontAlgn="b"/>
+                      <a:r>
+                        <a:rPr lang="ko-KR" altLang="en-US" sz="1000" u="none" strike="noStrike">
+                          <a:effectLst/>
+                        </a:rPr>
+                        <a:t>학습지 및 방문 교사</a:t>
+                      </a:r>
+                      <a:endParaRPr lang="ko-KR" altLang="en-US" sz="1000" b="0" i="0" u="none" strike="noStrike">
+                        <a:effectLst/>
+                        <a:latin typeface="Arial"/>
+                      </a:endParaRPr>
+                    </a:p>
+                  </a:txBody>
+                  <a:tcPr marL="0" marR="0" marT="0" marB="0" anchor="b"/>
+                </a:tc>
+                <a:tc>
+                  <a:txBody>
+                    <a:bodyPr/>
+                    <a:lstStyle/>
+                    <a:p>
+                      <a:pPr algn="l" fontAlgn="b"/>
+                      <a:r>
+                        <a:rPr lang="ko-KR" altLang="en-US" sz="1000" u="none" strike="noStrike">
+                          <a:effectLst/>
+                        </a:rPr>
+                        <a:t>  </a:t>
+                      </a:r>
+                      <a:r>
+                        <a:rPr lang="en-US" altLang="ko-KR" sz="1000" u="none" strike="noStrike">
+                          <a:effectLst/>
+                        </a:rPr>
+                        <a:t>0.009 </a:t>
+                      </a:r>
+                      <a:endParaRPr lang="en-US" altLang="ko-KR" sz="1000" b="0" i="0" u="none" strike="noStrike">
+                        <a:effectLst/>
+                        <a:latin typeface="Arial"/>
+                      </a:endParaRPr>
+                    </a:p>
+                  </a:txBody>
+                  <a:tcPr marL="0" marR="0" marT="0" marB="0" anchor="b"/>
+                </a:tc>
+              </a:tr>
+              <a:tr h="161925">
+                <a:tc>
+                  <a:txBody>
+                    <a:bodyPr/>
+                    <a:lstStyle/>
+                    <a:p>
+                      <a:pPr algn="r" fontAlgn="b"/>
+                      <a:r>
+                        <a:rPr lang="en-US" altLang="ko-KR" sz="1000" u="none" strike="noStrike">
+                          <a:effectLst/>
+                        </a:rPr>
+                        <a:t>3132</a:t>
+                      </a:r>
+                      <a:endParaRPr lang="en-US" altLang="ko-KR" sz="1000" b="0" i="0" u="none" strike="noStrike">
+                        <a:effectLst/>
+                        <a:latin typeface="Arial"/>
+                      </a:endParaRPr>
+                    </a:p>
+                  </a:txBody>
+                  <a:tcPr marL="0" marR="0" marT="0" marB="0" anchor="b"/>
+                </a:tc>
+                <a:tc>
+                  <a:txBody>
+                    <a:bodyPr/>
+                    <a:lstStyle/>
+                    <a:p>
+                      <a:pPr algn="l" fontAlgn="b"/>
+                      <a:r>
+                        <a:rPr lang="ko-KR" altLang="en-US" sz="1000" u="none" strike="noStrike">
+                          <a:effectLst/>
+                        </a:rPr>
+                        <a:t>경리 사무원</a:t>
+                      </a:r>
+                      <a:endParaRPr lang="ko-KR" altLang="en-US" sz="1000" b="0" i="0" u="none" strike="noStrike">
+                        <a:effectLst/>
+                        <a:latin typeface="Arial"/>
+                      </a:endParaRPr>
+                    </a:p>
+                  </a:txBody>
+                  <a:tcPr marL="0" marR="0" marT="0" marB="0" anchor="b"/>
+                </a:tc>
+                <a:tc>
+                  <a:txBody>
+                    <a:bodyPr/>
+                    <a:lstStyle/>
+                    <a:p>
+                      <a:pPr algn="l" fontAlgn="b"/>
+                      <a:r>
+                        <a:rPr lang="ko-KR" altLang="en-US" sz="1000" u="none" strike="noStrike">
+                          <a:effectLst/>
+                        </a:rPr>
+                        <a:t>     </a:t>
+                      </a:r>
+                      <a:r>
+                        <a:rPr lang="en-US" altLang="ko-KR" sz="1000" u="none" strike="noStrike">
+                          <a:effectLst/>
+                        </a:rPr>
+                        <a:t>0.970 </a:t>
+                      </a:r>
+                      <a:endParaRPr lang="en-US" altLang="ko-KR" sz="1000" b="0" i="0" u="none" strike="noStrike">
+                        <a:effectLst/>
+                        <a:latin typeface="Arial"/>
+                      </a:endParaRPr>
+                    </a:p>
+                  </a:txBody>
+                  <a:tcPr marL="0" marR="0" marT="0" marB="0" anchor="b"/>
+                </a:tc>
+                <a:tc>
+                  <a:txBody>
+                    <a:bodyPr/>
+                    <a:lstStyle/>
+                    <a:p>
+                      <a:pPr algn="l" fontAlgn="b"/>
+                      <a:r>
+                        <a:rPr lang="ko-KR" altLang="en-US" sz="1000" u="none" strike="noStrike">
+                          <a:effectLst/>
+                        </a:rPr>
+                        <a:t>　</a:t>
+                      </a:r>
+                      <a:endParaRPr lang="ko-KR" altLang="en-US" sz="1000" b="0" i="0" u="none" strike="noStrike">
+                        <a:effectLst/>
+                        <a:latin typeface="Arial"/>
+                      </a:endParaRPr>
+                    </a:p>
+                  </a:txBody>
+                  <a:tcPr marL="0" marR="0" marT="0" marB="0" anchor="b"/>
+                </a:tc>
+                <a:tc>
+                  <a:txBody>
+                    <a:bodyPr/>
+                    <a:lstStyle/>
+                    <a:p>
+                      <a:pPr algn="r" fontAlgn="b"/>
+                      <a:r>
+                        <a:rPr lang="en-US" altLang="ko-KR" sz="1000" u="none" strike="noStrike">
+                          <a:effectLst/>
+                        </a:rPr>
+                        <a:t>2221</a:t>
+                      </a:r>
+                      <a:endParaRPr lang="en-US" altLang="ko-KR" sz="1000" b="0" i="0" u="none" strike="noStrike">
+                        <a:effectLst/>
+                        <a:latin typeface="Arial"/>
+                      </a:endParaRPr>
+                    </a:p>
+                  </a:txBody>
+                  <a:tcPr marL="0" marR="0" marT="0" marB="0" anchor="b"/>
+                </a:tc>
+                <a:tc>
+                  <a:txBody>
+                    <a:bodyPr/>
+                    <a:lstStyle/>
+                    <a:p>
+                      <a:pPr algn="l" fontAlgn="b"/>
+                      <a:r>
+                        <a:rPr lang="ko-KR" altLang="en-US" sz="1000" u="none" strike="noStrike">
+                          <a:effectLst/>
+                        </a:rPr>
+                        <a:t>컴퓨터시스템 설계 및 분석가</a:t>
+                      </a:r>
+                      <a:endParaRPr lang="ko-KR" altLang="en-US" sz="1000" b="0" i="0" u="none" strike="noStrike">
+                        <a:effectLst/>
+                        <a:latin typeface="Arial"/>
+                      </a:endParaRPr>
+                    </a:p>
+                  </a:txBody>
+                  <a:tcPr marL="0" marR="0" marT="0" marB="0" anchor="b"/>
+                </a:tc>
+                <a:tc>
+                  <a:txBody>
+                    <a:bodyPr/>
+                    <a:lstStyle/>
+                    <a:p>
+                      <a:pPr algn="l" fontAlgn="b"/>
+                      <a:r>
+                        <a:rPr lang="ko-KR" altLang="en-US" sz="1000" u="none" strike="noStrike">
+                          <a:effectLst/>
+                        </a:rPr>
+                        <a:t>  </a:t>
+                      </a:r>
+                      <a:r>
+                        <a:rPr lang="en-US" altLang="ko-KR" sz="1000" u="none" strike="noStrike">
+                          <a:effectLst/>
+                        </a:rPr>
+                        <a:t>0.011 </a:t>
+                      </a:r>
+                      <a:endParaRPr lang="en-US" altLang="ko-KR" sz="1000" b="0" i="0" u="none" strike="noStrike">
+                        <a:effectLst/>
+                        <a:latin typeface="Arial"/>
+                      </a:endParaRPr>
+                    </a:p>
+                  </a:txBody>
+                  <a:tcPr marL="0" marR="0" marT="0" marB="0" anchor="b"/>
+                </a:tc>
+              </a:tr>
+              <a:tr h="161925">
+                <a:tc>
+                  <a:txBody>
+                    <a:bodyPr/>
+                    <a:lstStyle/>
+                    <a:p>
+                      <a:pPr algn="r" fontAlgn="b"/>
+                      <a:r>
+                        <a:rPr lang="en-US" altLang="ko-KR" sz="1000" u="none" strike="noStrike">
+                          <a:effectLst/>
+                        </a:rPr>
+                        <a:t>5220</a:t>
+                      </a:r>
+                      <a:endParaRPr lang="en-US" altLang="ko-KR" sz="1000" b="0" i="0" u="none" strike="noStrike">
+                        <a:effectLst/>
+                        <a:latin typeface="Arial"/>
+                      </a:endParaRPr>
+                    </a:p>
+                  </a:txBody>
+                  <a:tcPr marL="0" marR="0" marT="0" marB="0" anchor="b"/>
+                </a:tc>
+                <a:tc>
+                  <a:txBody>
+                    <a:bodyPr/>
+                    <a:lstStyle/>
+                    <a:p>
+                      <a:pPr algn="l" fontAlgn="b"/>
+                      <a:r>
+                        <a:rPr lang="ko-KR" altLang="en-US" sz="1000" u="none" strike="noStrike">
+                          <a:effectLst/>
+                        </a:rPr>
+                        <a:t>상품 대여원</a:t>
+                      </a:r>
+                      <a:endParaRPr lang="ko-KR" altLang="en-US" sz="1000" b="0" i="0" u="none" strike="noStrike">
+                        <a:effectLst/>
+                        <a:latin typeface="Arial"/>
+                      </a:endParaRPr>
+                    </a:p>
+                  </a:txBody>
+                  <a:tcPr marL="0" marR="0" marT="0" marB="0" anchor="b"/>
+                </a:tc>
+                <a:tc>
+                  <a:txBody>
+                    <a:bodyPr/>
+                    <a:lstStyle/>
+                    <a:p>
+                      <a:pPr algn="l" fontAlgn="b"/>
+                      <a:r>
+                        <a:rPr lang="ko-KR" altLang="en-US" sz="1000" u="none" strike="noStrike">
+                          <a:effectLst/>
+                        </a:rPr>
+                        <a:t>     </a:t>
+                      </a:r>
+                      <a:r>
+                        <a:rPr lang="en-US" altLang="ko-KR" sz="1000" u="none" strike="noStrike">
+                          <a:effectLst/>
+                        </a:rPr>
+                        <a:t>0.970 </a:t>
+                      </a:r>
+                      <a:endParaRPr lang="en-US" altLang="ko-KR" sz="1000" b="0" i="0" u="none" strike="noStrike">
+                        <a:effectLst/>
+                        <a:latin typeface="Arial"/>
+                      </a:endParaRPr>
+                    </a:p>
+                  </a:txBody>
+                  <a:tcPr marL="0" marR="0" marT="0" marB="0" anchor="b"/>
+                </a:tc>
+                <a:tc>
+                  <a:txBody>
+                    <a:bodyPr/>
+                    <a:lstStyle/>
+                    <a:p>
+                      <a:pPr algn="l" fontAlgn="b"/>
+                      <a:r>
+                        <a:rPr lang="ko-KR" altLang="en-US" sz="1000" u="none" strike="noStrike">
+                          <a:effectLst/>
+                        </a:rPr>
+                        <a:t>　</a:t>
+                      </a:r>
+                      <a:endParaRPr lang="ko-KR" altLang="en-US" sz="1000" b="0" i="0" u="none" strike="noStrike">
+                        <a:effectLst/>
+                        <a:latin typeface="Arial"/>
+                      </a:endParaRPr>
+                    </a:p>
+                  </a:txBody>
+                  <a:tcPr marL="0" marR="0" marT="0" marB="0" anchor="b"/>
+                </a:tc>
+                <a:tc>
+                  <a:txBody>
+                    <a:bodyPr/>
+                    <a:lstStyle/>
+                    <a:p>
+                      <a:pPr algn="r" fontAlgn="b"/>
+                      <a:r>
+                        <a:rPr lang="en-US" altLang="ko-KR" sz="1000" u="none" strike="noStrike">
+                          <a:effectLst/>
+                        </a:rPr>
+                        <a:t>2523</a:t>
+                      </a:r>
+                      <a:endParaRPr lang="en-US" altLang="ko-KR" sz="1000" b="0" i="0" u="none" strike="noStrike">
+                        <a:effectLst/>
+                        <a:latin typeface="Arial"/>
+                      </a:endParaRPr>
+                    </a:p>
+                  </a:txBody>
+                  <a:tcPr marL="0" marR="0" marT="0" marB="0" anchor="b"/>
+                </a:tc>
+                <a:tc>
+                  <a:txBody>
+                    <a:bodyPr/>
+                    <a:lstStyle/>
+                    <a:p>
+                      <a:pPr algn="l" fontAlgn="b"/>
+                      <a:r>
+                        <a:rPr lang="ko-KR" altLang="en-US" sz="1000" u="none" strike="noStrike">
+                          <a:effectLst/>
+                        </a:rPr>
+                        <a:t>특수교육 교사</a:t>
+                      </a:r>
+                      <a:endParaRPr lang="ko-KR" altLang="en-US" sz="1000" b="0" i="0" u="none" strike="noStrike">
+                        <a:effectLst/>
+                        <a:latin typeface="Arial"/>
+                      </a:endParaRPr>
+                    </a:p>
+                  </a:txBody>
+                  <a:tcPr marL="0" marR="0" marT="0" marB="0" anchor="b"/>
+                </a:tc>
+                <a:tc>
+                  <a:txBody>
+                    <a:bodyPr/>
+                    <a:lstStyle/>
+                    <a:p>
+                      <a:pPr algn="l" fontAlgn="b"/>
+                      <a:r>
+                        <a:rPr lang="ko-KR" altLang="en-US" sz="1000" u="none" strike="noStrike">
+                          <a:effectLst/>
+                        </a:rPr>
+                        <a:t>  </a:t>
+                      </a:r>
+                      <a:r>
+                        <a:rPr lang="en-US" altLang="ko-KR" sz="1000" u="none" strike="noStrike">
+                          <a:effectLst/>
+                        </a:rPr>
+                        <a:t>0.012 </a:t>
+                      </a:r>
+                      <a:endParaRPr lang="en-US" altLang="ko-KR" sz="1000" b="0" i="0" u="none" strike="noStrike">
+                        <a:effectLst/>
+                        <a:latin typeface="Arial"/>
+                      </a:endParaRPr>
+                    </a:p>
+                  </a:txBody>
+                  <a:tcPr marL="0" marR="0" marT="0" marB="0" anchor="b"/>
+                </a:tc>
+              </a:tr>
+              <a:tr h="161925">
+                <a:tc>
+                  <a:txBody>
+                    <a:bodyPr/>
+                    <a:lstStyle/>
+                    <a:p>
+                      <a:pPr algn="r" fontAlgn="b"/>
+                      <a:r>
+                        <a:rPr lang="en-US" altLang="ko-KR" sz="1000" u="none" strike="noStrike">
+                          <a:effectLst/>
+                        </a:rPr>
+                        <a:t>8212</a:t>
+                      </a:r>
+                      <a:endParaRPr lang="en-US" altLang="ko-KR" sz="1000" b="0" i="0" u="none" strike="noStrike">
+                        <a:effectLst/>
+                        <a:latin typeface="Arial"/>
+                      </a:endParaRPr>
+                    </a:p>
+                  </a:txBody>
+                  <a:tcPr marL="0" marR="0" marT="0" marB="0" anchor="b"/>
+                </a:tc>
+                <a:tc>
+                  <a:txBody>
+                    <a:bodyPr/>
+                    <a:lstStyle/>
+                    <a:p>
+                      <a:pPr algn="l" fontAlgn="b"/>
+                      <a:r>
+                        <a:rPr lang="ko-KR" altLang="en-US" sz="1000" u="none" strike="noStrike">
+                          <a:effectLst/>
+                        </a:rPr>
+                        <a:t>표백 및 염색 관련 조작원</a:t>
+                      </a:r>
+                      <a:endParaRPr lang="ko-KR" altLang="en-US" sz="1000" b="0" i="0" u="none" strike="noStrike">
+                        <a:effectLst/>
+                        <a:latin typeface="Arial"/>
+                      </a:endParaRPr>
+                    </a:p>
+                  </a:txBody>
+                  <a:tcPr marL="0" marR="0" marT="0" marB="0" anchor="b"/>
+                </a:tc>
+                <a:tc>
+                  <a:txBody>
+                    <a:bodyPr/>
+                    <a:lstStyle/>
+                    <a:p>
+                      <a:pPr algn="l" fontAlgn="b"/>
+                      <a:r>
+                        <a:rPr lang="ko-KR" altLang="en-US" sz="1000" u="none" strike="noStrike">
+                          <a:effectLst/>
+                        </a:rPr>
+                        <a:t>     </a:t>
+                      </a:r>
+                      <a:r>
+                        <a:rPr lang="en-US" altLang="ko-KR" sz="1000" u="none" strike="noStrike">
+                          <a:effectLst/>
+                        </a:rPr>
+                        <a:t>0.970 </a:t>
+                      </a:r>
+                      <a:endParaRPr lang="en-US" altLang="ko-KR" sz="1000" b="0" i="0" u="none" strike="noStrike">
+                        <a:effectLst/>
+                        <a:latin typeface="Arial"/>
+                      </a:endParaRPr>
+                    </a:p>
+                  </a:txBody>
+                  <a:tcPr marL="0" marR="0" marT="0" marB="0" anchor="b"/>
+                </a:tc>
+                <a:tc>
+                  <a:txBody>
+                    <a:bodyPr/>
+                    <a:lstStyle/>
+                    <a:p>
+                      <a:pPr algn="l" fontAlgn="b"/>
+                      <a:r>
+                        <a:rPr lang="ko-KR" altLang="en-US" sz="1000" u="none" strike="noStrike">
+                          <a:effectLst/>
+                        </a:rPr>
+                        <a:t>　</a:t>
+                      </a:r>
+                      <a:endParaRPr lang="ko-KR" altLang="en-US" sz="1000" b="0" i="0" u="none" strike="noStrike">
+                        <a:effectLst/>
+                        <a:latin typeface="Arial"/>
+                      </a:endParaRPr>
+                    </a:p>
+                  </a:txBody>
+                  <a:tcPr marL="0" marR="0" marT="0" marB="0" anchor="b"/>
+                </a:tc>
+                <a:tc>
+                  <a:txBody>
+                    <a:bodyPr/>
+                    <a:lstStyle/>
+                    <a:p>
+                      <a:pPr algn="r" fontAlgn="b"/>
+                      <a:r>
+                        <a:rPr lang="en-US" altLang="ko-KR" sz="1000" u="none" strike="noStrike">
+                          <a:effectLst/>
+                        </a:rPr>
+                        <a:t>2420</a:t>
+                      </a:r>
+                      <a:endParaRPr lang="en-US" altLang="ko-KR" sz="1000" b="0" i="0" u="none" strike="noStrike">
+                        <a:effectLst/>
+                        <a:latin typeface="Arial"/>
+                      </a:endParaRPr>
+                    </a:p>
+                  </a:txBody>
+                  <a:tcPr marL="0" marR="0" marT="0" marB="0" anchor="b"/>
+                </a:tc>
+                <a:tc>
+                  <a:txBody>
+                    <a:bodyPr/>
+                    <a:lstStyle/>
+                    <a:p>
+                      <a:pPr algn="l" fontAlgn="b"/>
+                      <a:r>
+                        <a:rPr lang="ko-KR" altLang="en-US" sz="1000" u="none" strike="noStrike">
+                          <a:effectLst/>
+                        </a:rPr>
+                        <a:t>약사 및 한약사</a:t>
+                      </a:r>
+                      <a:endParaRPr lang="ko-KR" altLang="en-US" sz="1000" b="0" i="0" u="none" strike="noStrike">
+                        <a:effectLst/>
+                        <a:latin typeface="Arial"/>
+                      </a:endParaRPr>
+                    </a:p>
+                  </a:txBody>
+                  <a:tcPr marL="0" marR="0" marT="0" marB="0" anchor="b"/>
+                </a:tc>
+                <a:tc>
+                  <a:txBody>
+                    <a:bodyPr/>
+                    <a:lstStyle/>
+                    <a:p>
+                      <a:pPr algn="l" fontAlgn="b"/>
+                      <a:r>
+                        <a:rPr lang="ko-KR" altLang="en-US" sz="1000" u="none" strike="noStrike">
+                          <a:effectLst/>
+                        </a:rPr>
+                        <a:t>  </a:t>
+                      </a:r>
+                      <a:r>
+                        <a:rPr lang="en-US" altLang="ko-KR" sz="1000" u="none" strike="noStrike">
+                          <a:effectLst/>
+                        </a:rPr>
+                        <a:t>0.012 </a:t>
+                      </a:r>
+                      <a:endParaRPr lang="en-US" altLang="ko-KR" sz="1000" b="0" i="0" u="none" strike="noStrike">
+                        <a:effectLst/>
+                        <a:latin typeface="Arial"/>
+                      </a:endParaRPr>
+                    </a:p>
+                  </a:txBody>
+                  <a:tcPr marL="0" marR="0" marT="0" marB="0" anchor="b"/>
+                </a:tc>
+              </a:tr>
+              <a:tr h="161925">
+                <a:tc>
+                  <a:txBody>
+                    <a:bodyPr/>
+                    <a:lstStyle/>
+                    <a:p>
+                      <a:pPr algn="r" fontAlgn="b"/>
+                      <a:r>
+                        <a:rPr lang="en-US" altLang="ko-KR" sz="1000" u="none" strike="noStrike">
+                          <a:effectLst/>
+                        </a:rPr>
+                        <a:t>8222</a:t>
+                      </a:r>
+                      <a:endParaRPr lang="en-US" altLang="ko-KR" sz="1000" b="0" i="0" u="none" strike="noStrike">
+                        <a:effectLst/>
+                        <a:latin typeface="Arial"/>
+                      </a:endParaRPr>
+                    </a:p>
+                  </a:txBody>
+                  <a:tcPr marL="0" marR="0" marT="0" marB="0" anchor="b"/>
+                </a:tc>
+                <a:tc>
+                  <a:txBody>
+                    <a:bodyPr/>
+                    <a:lstStyle/>
+                    <a:p>
+                      <a:pPr algn="l" fontAlgn="b"/>
+                      <a:r>
+                        <a:rPr lang="ko-KR" altLang="en-US" sz="1000" u="none" strike="noStrike">
+                          <a:effectLst/>
+                        </a:rPr>
+                        <a:t>신발제조기 조작원 및 조립원</a:t>
+                      </a:r>
+                      <a:endParaRPr lang="ko-KR" altLang="en-US" sz="1000" b="0" i="0" u="none" strike="noStrike">
+                        <a:effectLst/>
+                        <a:latin typeface="Arial"/>
+                      </a:endParaRPr>
+                    </a:p>
+                  </a:txBody>
+                  <a:tcPr marL="0" marR="0" marT="0" marB="0" anchor="b"/>
+                </a:tc>
+                <a:tc>
+                  <a:txBody>
+                    <a:bodyPr/>
+                    <a:lstStyle/>
+                    <a:p>
+                      <a:pPr algn="l" fontAlgn="b"/>
+                      <a:r>
+                        <a:rPr lang="ko-KR" altLang="en-US" sz="1000" u="none" strike="noStrike">
+                          <a:effectLst/>
+                        </a:rPr>
+                        <a:t>     </a:t>
+                      </a:r>
+                      <a:r>
+                        <a:rPr lang="en-US" altLang="ko-KR" sz="1000" u="none" strike="noStrike">
+                          <a:effectLst/>
+                        </a:rPr>
+                        <a:t>0.970 </a:t>
+                      </a:r>
+                      <a:endParaRPr lang="en-US" altLang="ko-KR" sz="1000" b="0" i="0" u="none" strike="noStrike">
+                        <a:effectLst/>
+                        <a:latin typeface="Arial"/>
+                      </a:endParaRPr>
+                    </a:p>
+                  </a:txBody>
+                  <a:tcPr marL="0" marR="0" marT="0" marB="0" anchor="b"/>
+                </a:tc>
+                <a:tc>
+                  <a:txBody>
+                    <a:bodyPr/>
+                    <a:lstStyle/>
+                    <a:p>
+                      <a:pPr algn="l" fontAlgn="b"/>
+                      <a:r>
+                        <a:rPr lang="ko-KR" altLang="en-US" sz="1000" u="none" strike="noStrike">
+                          <a:effectLst/>
+                        </a:rPr>
+                        <a:t>　</a:t>
+                      </a:r>
+                      <a:endParaRPr lang="ko-KR" altLang="en-US" sz="1000" b="0" i="0" u="none" strike="noStrike">
+                        <a:effectLst/>
+                        <a:latin typeface="Arial"/>
+                      </a:endParaRPr>
+                    </a:p>
+                  </a:txBody>
+                  <a:tcPr marL="0" marR="0" marT="0" marB="0" anchor="b"/>
+                </a:tc>
+                <a:tc>
+                  <a:txBody>
+                    <a:bodyPr/>
+                    <a:lstStyle/>
+                    <a:p>
+                      <a:pPr algn="r" fontAlgn="b"/>
+                      <a:r>
+                        <a:rPr lang="en-US" altLang="ko-KR" sz="1000" u="none" strike="noStrike">
+                          <a:effectLst/>
+                        </a:rPr>
+                        <a:t>1390</a:t>
+                      </a:r>
+                      <a:endParaRPr lang="en-US" altLang="ko-KR" sz="1000" b="0" i="0" u="none" strike="noStrike">
+                        <a:effectLst/>
+                        <a:latin typeface="Arial"/>
+                      </a:endParaRPr>
+                    </a:p>
+                  </a:txBody>
+                  <a:tcPr marL="0" marR="0" marT="0" marB="0" anchor="b"/>
+                </a:tc>
+                <a:tc>
+                  <a:txBody>
+                    <a:bodyPr/>
+                    <a:lstStyle/>
+                    <a:p>
+                      <a:pPr algn="l" fontAlgn="b"/>
+                      <a:r>
+                        <a:rPr lang="ko-KR" altLang="en-US" sz="1000" u="none" strike="noStrike">
+                          <a:effectLst/>
+                        </a:rPr>
+                        <a:t>기타 전문서비스 관리자</a:t>
+                      </a:r>
+                      <a:endParaRPr lang="ko-KR" altLang="en-US" sz="1000" b="0" i="0" u="none" strike="noStrike">
+                        <a:effectLst/>
+                        <a:latin typeface="Arial"/>
+                      </a:endParaRPr>
+                    </a:p>
+                  </a:txBody>
+                  <a:tcPr marL="0" marR="0" marT="0" marB="0" anchor="b"/>
+                </a:tc>
+                <a:tc>
+                  <a:txBody>
+                    <a:bodyPr/>
+                    <a:lstStyle/>
+                    <a:p>
+                      <a:pPr algn="l" fontAlgn="b"/>
+                      <a:r>
+                        <a:rPr lang="ko-KR" altLang="en-US" sz="1000" u="none" strike="noStrike">
+                          <a:effectLst/>
+                        </a:rPr>
+                        <a:t>  </a:t>
+                      </a:r>
+                      <a:r>
+                        <a:rPr lang="en-US" altLang="ko-KR" sz="1000" u="none" strike="noStrike">
+                          <a:effectLst/>
+                        </a:rPr>
+                        <a:t>0.014 </a:t>
+                      </a:r>
+                      <a:endParaRPr lang="en-US" altLang="ko-KR" sz="1000" b="0" i="0" u="none" strike="noStrike">
+                        <a:effectLst/>
+                        <a:latin typeface="Arial"/>
+                      </a:endParaRPr>
+                    </a:p>
+                  </a:txBody>
+                  <a:tcPr marL="0" marR="0" marT="0" marB="0" anchor="b"/>
+                </a:tc>
+              </a:tr>
+              <a:tr h="161925">
+                <a:tc>
+                  <a:txBody>
+                    <a:bodyPr/>
+                    <a:lstStyle/>
+                    <a:p>
+                      <a:pPr algn="r" fontAlgn="b"/>
+                      <a:r>
+                        <a:rPr lang="en-US" altLang="ko-KR" sz="1000" u="none" strike="noStrike">
+                          <a:effectLst/>
+                        </a:rPr>
+                        <a:t>8324</a:t>
+                      </a:r>
+                      <a:endParaRPr lang="en-US" altLang="ko-KR" sz="1000" b="0" i="0" u="none" strike="noStrike">
+                        <a:effectLst/>
+                        <a:latin typeface="Arial"/>
+                      </a:endParaRPr>
+                    </a:p>
+                  </a:txBody>
+                  <a:tcPr marL="0" marR="0" marT="0" marB="0" anchor="b"/>
+                </a:tc>
+                <a:tc>
+                  <a:txBody>
+                    <a:bodyPr/>
+                    <a:lstStyle/>
+                    <a:p>
+                      <a:pPr algn="l" fontAlgn="b"/>
+                      <a:r>
+                        <a:rPr lang="ko-KR" altLang="en-US" sz="1000" u="none" strike="noStrike">
+                          <a:effectLst/>
+                        </a:rPr>
+                        <a:t>고무 및 플라스틱 제품 조립원</a:t>
+                      </a:r>
+                      <a:endParaRPr lang="ko-KR" altLang="en-US" sz="1000" b="0" i="0" u="none" strike="noStrike">
+                        <a:effectLst/>
+                        <a:latin typeface="Arial"/>
+                      </a:endParaRPr>
+                    </a:p>
+                  </a:txBody>
+                  <a:tcPr marL="0" marR="0" marT="0" marB="0" anchor="b"/>
+                </a:tc>
+                <a:tc>
+                  <a:txBody>
+                    <a:bodyPr/>
+                    <a:lstStyle/>
+                    <a:p>
+                      <a:pPr algn="l" fontAlgn="b"/>
+                      <a:r>
+                        <a:rPr lang="ko-KR" altLang="en-US" sz="1000" u="none" strike="noStrike">
+                          <a:effectLst/>
+                        </a:rPr>
+                        <a:t>     </a:t>
+                      </a:r>
+                      <a:r>
+                        <a:rPr lang="en-US" altLang="ko-KR" sz="1000" u="none" strike="noStrike">
+                          <a:effectLst/>
+                        </a:rPr>
+                        <a:t>0.970 </a:t>
+                      </a:r>
+                      <a:endParaRPr lang="en-US" altLang="ko-KR" sz="1000" b="0" i="0" u="none" strike="noStrike">
+                        <a:effectLst/>
+                        <a:latin typeface="Arial"/>
+                      </a:endParaRPr>
+                    </a:p>
+                  </a:txBody>
+                  <a:tcPr marL="0" marR="0" marT="0" marB="0" anchor="b"/>
+                </a:tc>
+                <a:tc>
+                  <a:txBody>
+                    <a:bodyPr/>
+                    <a:lstStyle/>
+                    <a:p>
+                      <a:pPr algn="l" fontAlgn="b"/>
+                      <a:r>
+                        <a:rPr lang="ko-KR" altLang="en-US" sz="1000" u="none" strike="noStrike">
+                          <a:effectLst/>
+                        </a:rPr>
+                        <a:t>　</a:t>
+                      </a:r>
+                      <a:endParaRPr lang="ko-KR" altLang="en-US" sz="1000" b="0" i="0" u="none" strike="noStrike">
+                        <a:effectLst/>
+                        <a:latin typeface="Arial"/>
+                      </a:endParaRPr>
+                    </a:p>
+                  </a:txBody>
+                  <a:tcPr marL="0" marR="0" marT="0" marB="0" anchor="b"/>
+                </a:tc>
+                <a:tc>
+                  <a:txBody>
+                    <a:bodyPr/>
+                    <a:lstStyle/>
+                    <a:p>
+                      <a:pPr algn="r" fontAlgn="b"/>
+                      <a:r>
+                        <a:rPr lang="en-US" altLang="ko-KR" sz="1000" u="none" strike="noStrike">
+                          <a:effectLst/>
+                        </a:rPr>
+                        <a:t>2542</a:t>
+                      </a:r>
+                      <a:endParaRPr lang="en-US" altLang="ko-KR" sz="1000" b="0" i="0" u="none" strike="noStrike">
+                        <a:effectLst/>
+                        <a:latin typeface="Arial"/>
+                      </a:endParaRPr>
+                    </a:p>
+                  </a:txBody>
+                  <a:tcPr marL="0" marR="0" marT="0" marB="0" anchor="b"/>
+                </a:tc>
+                <a:tc>
+                  <a:txBody>
+                    <a:bodyPr/>
+                    <a:lstStyle/>
+                    <a:p>
+                      <a:pPr algn="l" fontAlgn="b"/>
+                      <a:r>
+                        <a:rPr lang="ko-KR" altLang="en-US" sz="1000" u="none" strike="noStrike">
+                          <a:effectLst/>
+                        </a:rPr>
+                        <a:t>컴퓨터 강사</a:t>
+                      </a:r>
+                      <a:endParaRPr lang="ko-KR" altLang="en-US" sz="1000" b="0" i="0" u="none" strike="noStrike">
+                        <a:effectLst/>
+                        <a:latin typeface="Arial"/>
+                      </a:endParaRPr>
+                    </a:p>
+                  </a:txBody>
+                  <a:tcPr marL="0" marR="0" marT="0" marB="0" anchor="b"/>
+                </a:tc>
+                <a:tc>
+                  <a:txBody>
+                    <a:bodyPr/>
+                    <a:lstStyle/>
+                    <a:p>
+                      <a:pPr algn="l" fontAlgn="b"/>
+                      <a:r>
+                        <a:rPr lang="ko-KR" altLang="en-US" sz="1000" u="none" strike="noStrike">
+                          <a:effectLst/>
+                        </a:rPr>
+                        <a:t>  </a:t>
+                      </a:r>
+                      <a:r>
+                        <a:rPr lang="en-US" altLang="ko-KR" sz="1000" u="none" strike="noStrike">
+                          <a:effectLst/>
+                        </a:rPr>
+                        <a:t>0.014 </a:t>
+                      </a:r>
+                      <a:endParaRPr lang="en-US" altLang="ko-KR" sz="1000" b="0" i="0" u="none" strike="noStrike">
+                        <a:effectLst/>
+                        <a:latin typeface="Arial"/>
+                      </a:endParaRPr>
+                    </a:p>
+                  </a:txBody>
+                  <a:tcPr marL="0" marR="0" marT="0" marB="0" anchor="b"/>
+                </a:tc>
+              </a:tr>
+              <a:tr h="161925">
+                <a:tc>
+                  <a:txBody>
+                    <a:bodyPr/>
+                    <a:lstStyle/>
+                    <a:p>
+                      <a:pPr algn="r" fontAlgn="b"/>
+                      <a:r>
+                        <a:rPr lang="en-US" altLang="ko-KR" sz="1000" u="none" strike="noStrike">
+                          <a:effectLst/>
+                        </a:rPr>
+                        <a:t>8912</a:t>
+                      </a:r>
+                      <a:endParaRPr lang="en-US" altLang="ko-KR" sz="1000" b="0" i="0" u="none" strike="noStrike">
+                        <a:effectLst/>
+                        <a:latin typeface="Arial"/>
+                      </a:endParaRPr>
+                    </a:p>
+                  </a:txBody>
+                  <a:tcPr marL="0" marR="0" marT="0" marB="0" anchor="b"/>
+                </a:tc>
+                <a:tc>
+                  <a:txBody>
+                    <a:bodyPr/>
+                    <a:lstStyle/>
+                    <a:p>
+                      <a:pPr algn="l" fontAlgn="b"/>
+                      <a:r>
+                        <a:rPr lang="ko-KR" altLang="en-US" sz="1000" u="none" strike="noStrike">
+                          <a:effectLst/>
+                        </a:rPr>
+                        <a:t>가구조립원</a:t>
+                      </a:r>
+                      <a:endParaRPr lang="ko-KR" altLang="en-US" sz="1000" b="0" i="0" u="none" strike="noStrike">
+                        <a:effectLst/>
+                        <a:latin typeface="Arial"/>
+                      </a:endParaRPr>
+                    </a:p>
+                  </a:txBody>
+                  <a:tcPr marL="0" marR="0" marT="0" marB="0" anchor="b"/>
+                </a:tc>
+                <a:tc>
+                  <a:txBody>
+                    <a:bodyPr/>
+                    <a:lstStyle/>
+                    <a:p>
+                      <a:pPr algn="l" fontAlgn="b"/>
+                      <a:r>
+                        <a:rPr lang="ko-KR" altLang="en-US" sz="1000" u="none" strike="noStrike">
+                          <a:effectLst/>
+                        </a:rPr>
+                        <a:t>     </a:t>
+                      </a:r>
+                      <a:r>
+                        <a:rPr lang="en-US" altLang="ko-KR" sz="1000" u="none" strike="noStrike">
+                          <a:effectLst/>
+                        </a:rPr>
+                        <a:t>0.970 </a:t>
+                      </a:r>
+                      <a:endParaRPr lang="en-US" altLang="ko-KR" sz="1000" b="0" i="0" u="none" strike="noStrike">
+                        <a:effectLst/>
+                        <a:latin typeface="Arial"/>
+                      </a:endParaRPr>
+                    </a:p>
+                  </a:txBody>
+                  <a:tcPr marL="0" marR="0" marT="0" marB="0" anchor="b"/>
+                </a:tc>
+                <a:tc>
+                  <a:txBody>
+                    <a:bodyPr/>
+                    <a:lstStyle/>
+                    <a:p>
+                      <a:pPr algn="l" fontAlgn="b"/>
+                      <a:r>
+                        <a:rPr lang="ko-KR" altLang="en-US" sz="1000" u="none" strike="noStrike">
+                          <a:effectLst/>
+                        </a:rPr>
+                        <a:t>　</a:t>
+                      </a:r>
+                      <a:endParaRPr lang="ko-KR" altLang="en-US" sz="1000" b="0" i="0" u="none" strike="noStrike">
+                        <a:effectLst/>
+                        <a:latin typeface="Arial"/>
+                      </a:endParaRPr>
+                    </a:p>
+                  </a:txBody>
+                  <a:tcPr marL="0" marR="0" marT="0" marB="0" anchor="b"/>
+                </a:tc>
+                <a:tc>
+                  <a:txBody>
+                    <a:bodyPr/>
+                    <a:lstStyle/>
+                    <a:p>
+                      <a:pPr algn="r" fontAlgn="b"/>
+                      <a:r>
+                        <a:rPr lang="en-US" altLang="ko-KR" sz="1000" u="none" strike="noStrike">
+                          <a:effectLst/>
+                        </a:rPr>
+                        <a:t>2489</a:t>
+                      </a:r>
+                      <a:endParaRPr lang="en-US" altLang="ko-KR" sz="1000" b="0" i="0" u="none" strike="noStrike">
+                        <a:effectLst/>
+                        <a:latin typeface="Arial"/>
+                      </a:endParaRPr>
+                    </a:p>
+                  </a:txBody>
+                  <a:tcPr marL="0" marR="0" marT="0" marB="0" anchor="b"/>
+                </a:tc>
+                <a:tc>
+                  <a:txBody>
+                    <a:bodyPr/>
+                    <a:lstStyle/>
+                    <a:p>
+                      <a:pPr algn="l" fontAlgn="b"/>
+                      <a:r>
+                        <a:rPr lang="ko-KR" altLang="en-US" sz="1000" u="none" strike="noStrike">
+                          <a:effectLst/>
+                        </a:rPr>
+                        <a:t>기타 종교관련 종사자</a:t>
+                      </a:r>
+                      <a:endParaRPr lang="ko-KR" altLang="en-US" sz="1000" b="0" i="0" u="none" strike="noStrike">
+                        <a:effectLst/>
+                        <a:latin typeface="Arial"/>
+                      </a:endParaRPr>
+                    </a:p>
+                  </a:txBody>
+                  <a:tcPr marL="0" marR="0" marT="0" marB="0" anchor="b"/>
+                </a:tc>
+                <a:tc>
+                  <a:txBody>
+                    <a:bodyPr/>
+                    <a:lstStyle/>
+                    <a:p>
+                      <a:pPr algn="l" fontAlgn="b"/>
+                      <a:r>
+                        <a:rPr lang="ko-KR" altLang="en-US" sz="1000" u="none" strike="noStrike">
+                          <a:effectLst/>
+                        </a:rPr>
+                        <a:t>  </a:t>
+                      </a:r>
+                      <a:r>
+                        <a:rPr lang="en-US" altLang="ko-KR" sz="1000" u="none" strike="noStrike">
+                          <a:effectLst/>
+                        </a:rPr>
+                        <a:t>0.017 </a:t>
+                      </a:r>
+                      <a:endParaRPr lang="en-US" altLang="ko-KR" sz="1000" b="0" i="0" u="none" strike="noStrike">
+                        <a:effectLst/>
+                        <a:latin typeface="Arial"/>
+                      </a:endParaRPr>
+                    </a:p>
+                  </a:txBody>
+                  <a:tcPr marL="0" marR="0" marT="0" marB="0" anchor="b"/>
+                </a:tc>
+              </a:tr>
+              <a:tr h="161925">
+                <a:tc>
+                  <a:txBody>
+                    <a:bodyPr/>
+                    <a:lstStyle/>
+                    <a:p>
+                      <a:pPr algn="r" fontAlgn="b"/>
+                      <a:r>
+                        <a:rPr lang="en-US" altLang="ko-KR" sz="1000" u="none" strike="noStrike">
+                          <a:effectLst/>
+                        </a:rPr>
+                        <a:t>8919</a:t>
+                      </a:r>
+                      <a:endParaRPr lang="en-US" altLang="ko-KR" sz="1000" b="0" i="0" u="none" strike="noStrike">
+                        <a:effectLst/>
+                        <a:latin typeface="Arial"/>
+                      </a:endParaRPr>
+                    </a:p>
+                  </a:txBody>
+                  <a:tcPr marL="0" marR="0" marT="0" marB="0" anchor="b"/>
+                </a:tc>
+                <a:tc>
+                  <a:txBody>
+                    <a:bodyPr/>
+                    <a:lstStyle/>
+                    <a:p>
+                      <a:pPr algn="l" fontAlgn="b"/>
+                      <a:r>
+                        <a:rPr lang="ko-KR" altLang="en-US" sz="1000" u="none" strike="noStrike">
+                          <a:effectLst/>
+                        </a:rPr>
+                        <a:t>기타 목재 및 종이 관련 기계조작원</a:t>
+                      </a:r>
+                      <a:endParaRPr lang="ko-KR" altLang="en-US" sz="1000" b="0" i="0" u="none" strike="noStrike">
+                        <a:effectLst/>
+                        <a:latin typeface="Arial"/>
+                      </a:endParaRPr>
+                    </a:p>
+                  </a:txBody>
+                  <a:tcPr marL="0" marR="0" marT="0" marB="0" anchor="b"/>
+                </a:tc>
+                <a:tc>
+                  <a:txBody>
+                    <a:bodyPr/>
+                    <a:lstStyle/>
+                    <a:p>
+                      <a:pPr algn="l" fontAlgn="b"/>
+                      <a:r>
+                        <a:rPr lang="ko-KR" altLang="en-US" sz="1000" u="none" strike="noStrike">
+                          <a:effectLst/>
+                        </a:rPr>
+                        <a:t>     </a:t>
+                      </a:r>
+                      <a:r>
+                        <a:rPr lang="en-US" altLang="ko-KR" sz="1000" u="none" strike="noStrike">
+                          <a:effectLst/>
+                        </a:rPr>
+                        <a:t>0.970 </a:t>
+                      </a:r>
+                      <a:endParaRPr lang="en-US" altLang="ko-KR" sz="1000" b="0" i="0" u="none" strike="noStrike">
+                        <a:effectLst/>
+                        <a:latin typeface="Arial"/>
+                      </a:endParaRPr>
+                    </a:p>
+                  </a:txBody>
+                  <a:tcPr marL="0" marR="0" marT="0" marB="0" anchor="b"/>
+                </a:tc>
+                <a:tc>
+                  <a:txBody>
+                    <a:bodyPr/>
+                    <a:lstStyle/>
+                    <a:p>
+                      <a:pPr algn="l" fontAlgn="b"/>
+                      <a:r>
+                        <a:rPr lang="ko-KR" altLang="en-US" sz="1000" u="none" strike="noStrike">
+                          <a:effectLst/>
+                        </a:rPr>
+                        <a:t>　</a:t>
+                      </a:r>
+                      <a:endParaRPr lang="ko-KR" altLang="en-US" sz="1000" b="0" i="0" u="none" strike="noStrike">
+                        <a:effectLst/>
+                        <a:latin typeface="Arial"/>
+                      </a:endParaRPr>
+                    </a:p>
+                  </a:txBody>
+                  <a:tcPr marL="0" marR="0" marT="0" marB="0" anchor="b"/>
+                </a:tc>
+                <a:tc>
+                  <a:txBody>
+                    <a:bodyPr/>
+                    <a:lstStyle/>
+                    <a:p>
+                      <a:pPr algn="r" fontAlgn="b"/>
+                      <a:r>
+                        <a:rPr lang="en-US" altLang="ko-KR" sz="1000" u="none" strike="noStrike">
+                          <a:effectLst/>
+                        </a:rPr>
+                        <a:t>2481</a:t>
+                      </a:r>
+                      <a:endParaRPr lang="en-US" altLang="ko-KR" sz="1000" b="0" i="0" u="none" strike="noStrike">
+                        <a:effectLst/>
+                        <a:latin typeface="Arial"/>
+                      </a:endParaRPr>
+                    </a:p>
+                  </a:txBody>
+                  <a:tcPr marL="0" marR="0" marT="0" marB="0" anchor="b"/>
+                </a:tc>
+                <a:tc>
+                  <a:txBody>
+                    <a:bodyPr/>
+                    <a:lstStyle/>
+                    <a:p>
+                      <a:pPr algn="l" fontAlgn="b"/>
+                      <a:r>
+                        <a:rPr lang="ko-KR" altLang="en-US" sz="1000" u="none" strike="noStrike">
+                          <a:effectLst/>
+                        </a:rPr>
+                        <a:t>성직자</a:t>
+                      </a:r>
+                      <a:endParaRPr lang="ko-KR" altLang="en-US" sz="1000" b="0" i="0" u="none" strike="noStrike">
+                        <a:effectLst/>
+                        <a:latin typeface="Arial"/>
+                      </a:endParaRPr>
+                    </a:p>
+                  </a:txBody>
+                  <a:tcPr marL="0" marR="0" marT="0" marB="0" anchor="b"/>
+                </a:tc>
+                <a:tc>
+                  <a:txBody>
+                    <a:bodyPr/>
+                    <a:lstStyle/>
+                    <a:p>
+                      <a:pPr algn="l" fontAlgn="b"/>
+                      <a:r>
+                        <a:rPr lang="ko-KR" altLang="en-US" sz="1000" u="none" strike="noStrike">
+                          <a:effectLst/>
+                        </a:rPr>
+                        <a:t>  </a:t>
+                      </a:r>
+                      <a:r>
+                        <a:rPr lang="en-US" altLang="ko-KR" sz="1000" u="none" strike="noStrike">
+                          <a:effectLst/>
+                        </a:rPr>
+                        <a:t>0.017 </a:t>
+                      </a:r>
+                      <a:endParaRPr lang="en-US" altLang="ko-KR" sz="1000" b="0" i="0" u="none" strike="noStrike">
+                        <a:effectLst/>
+                        <a:latin typeface="Arial"/>
+                      </a:endParaRPr>
+                    </a:p>
+                  </a:txBody>
+                  <a:tcPr marL="0" marR="0" marT="0" marB="0" anchor="b"/>
+                </a:tc>
+              </a:tr>
+              <a:tr h="161925">
+                <a:tc>
+                  <a:txBody>
+                    <a:bodyPr/>
+                    <a:lstStyle/>
+                    <a:p>
+                      <a:pPr algn="r" fontAlgn="b"/>
+                      <a:r>
+                        <a:rPr lang="en-US" altLang="ko-KR" sz="1000" u="none" strike="noStrike">
+                          <a:effectLst/>
+                        </a:rPr>
+                        <a:t>9991</a:t>
+                      </a:r>
+                      <a:endParaRPr lang="en-US" altLang="ko-KR" sz="1000" b="0" i="0" u="none" strike="noStrike">
+                        <a:effectLst/>
+                        <a:latin typeface="Arial"/>
+                      </a:endParaRPr>
+                    </a:p>
+                  </a:txBody>
+                  <a:tcPr marL="0" marR="0" marT="0" marB="0" anchor="b"/>
+                </a:tc>
+                <a:tc>
+                  <a:txBody>
+                    <a:bodyPr/>
+                    <a:lstStyle/>
+                    <a:p>
+                      <a:pPr algn="l" fontAlgn="b"/>
+                      <a:r>
+                        <a:rPr lang="ko-KR" altLang="en-US" sz="1000" u="none" strike="noStrike">
+                          <a:effectLst/>
+                        </a:rPr>
+                        <a:t>구두 미화원</a:t>
+                      </a:r>
+                      <a:endParaRPr lang="ko-KR" altLang="en-US" sz="1000" b="0" i="0" u="none" strike="noStrike">
+                        <a:effectLst/>
+                        <a:latin typeface="Arial"/>
+                      </a:endParaRPr>
+                    </a:p>
+                  </a:txBody>
+                  <a:tcPr marL="0" marR="0" marT="0" marB="0" anchor="b"/>
+                </a:tc>
+                <a:tc>
+                  <a:txBody>
+                    <a:bodyPr/>
+                    <a:lstStyle/>
+                    <a:p>
+                      <a:pPr algn="l" fontAlgn="b"/>
+                      <a:r>
+                        <a:rPr lang="ko-KR" altLang="en-US" sz="1000" u="none" strike="noStrike">
+                          <a:effectLst/>
+                        </a:rPr>
+                        <a:t>     </a:t>
+                      </a:r>
+                      <a:r>
+                        <a:rPr lang="en-US" altLang="ko-KR" sz="1000" u="none" strike="noStrike">
+                          <a:effectLst/>
+                        </a:rPr>
+                        <a:t>0.970 </a:t>
+                      </a:r>
+                      <a:endParaRPr lang="en-US" altLang="ko-KR" sz="1000" b="0" i="0" u="none" strike="noStrike">
+                        <a:effectLst/>
+                        <a:latin typeface="Arial"/>
+                      </a:endParaRPr>
+                    </a:p>
+                  </a:txBody>
+                  <a:tcPr marL="0" marR="0" marT="0" marB="0" anchor="b"/>
+                </a:tc>
+                <a:tc>
+                  <a:txBody>
+                    <a:bodyPr/>
+                    <a:lstStyle/>
+                    <a:p>
+                      <a:pPr algn="l" fontAlgn="b"/>
+                      <a:r>
+                        <a:rPr lang="ko-KR" altLang="en-US" sz="1000" u="none" strike="noStrike">
+                          <a:effectLst/>
+                        </a:rPr>
+                        <a:t>　</a:t>
+                      </a:r>
+                      <a:endParaRPr lang="ko-KR" altLang="en-US" sz="1000" b="0" i="0" u="none" strike="noStrike">
+                        <a:effectLst/>
+                        <a:latin typeface="Arial"/>
+                      </a:endParaRPr>
+                    </a:p>
+                  </a:txBody>
+                  <a:tcPr marL="0" marR="0" marT="0" marB="0" anchor="b"/>
+                </a:tc>
+                <a:tc>
+                  <a:txBody>
+                    <a:bodyPr/>
+                    <a:lstStyle/>
+                    <a:p>
+                      <a:pPr algn="r" fontAlgn="b"/>
+                      <a:r>
+                        <a:rPr lang="en-US" altLang="ko-KR" sz="1000" u="none" strike="noStrike">
+                          <a:effectLst/>
+                        </a:rPr>
+                        <a:t>2321</a:t>
+                      </a:r>
+                      <a:endParaRPr lang="en-US" altLang="ko-KR" sz="1000" b="0" i="0" u="none" strike="noStrike">
+                        <a:effectLst/>
+                        <a:latin typeface="Arial"/>
+                      </a:endParaRPr>
+                    </a:p>
+                  </a:txBody>
+                  <a:tcPr marL="0" marR="0" marT="0" marB="0" anchor="b"/>
+                </a:tc>
+                <a:tc>
+                  <a:txBody>
+                    <a:bodyPr/>
+                    <a:lstStyle/>
+                    <a:p>
+                      <a:pPr algn="l" fontAlgn="b"/>
+                      <a:r>
+                        <a:rPr lang="ko-KR" altLang="en-US" sz="1000" u="none" strike="noStrike">
+                          <a:effectLst/>
+                        </a:rPr>
+                        <a:t>화학공학 기술자 및 연구원</a:t>
+                      </a:r>
+                      <a:endParaRPr lang="ko-KR" altLang="en-US" sz="1000" b="0" i="0" u="none" strike="noStrike">
+                        <a:effectLst/>
+                        <a:latin typeface="Arial"/>
+                      </a:endParaRPr>
+                    </a:p>
+                  </a:txBody>
+                  <a:tcPr marL="0" marR="0" marT="0" marB="0" anchor="b"/>
+                </a:tc>
+                <a:tc>
+                  <a:txBody>
+                    <a:bodyPr/>
+                    <a:lstStyle/>
+                    <a:p>
+                      <a:pPr algn="l" fontAlgn="b"/>
+                      <a:r>
+                        <a:rPr lang="ko-KR" altLang="en-US" sz="1000" u="none" strike="noStrike">
+                          <a:effectLst/>
+                        </a:rPr>
+                        <a:t>  </a:t>
+                      </a:r>
+                      <a:r>
+                        <a:rPr lang="en-US" altLang="ko-KR" sz="1000" u="none" strike="noStrike">
+                          <a:effectLst/>
+                        </a:rPr>
+                        <a:t>0.017 </a:t>
+                      </a:r>
+                      <a:endParaRPr lang="en-US" altLang="ko-KR" sz="1000" b="0" i="0" u="none" strike="noStrike">
+                        <a:effectLst/>
+                        <a:latin typeface="Arial"/>
+                      </a:endParaRPr>
+                    </a:p>
+                  </a:txBody>
+                  <a:tcPr marL="0" marR="0" marT="0" marB="0" anchor="b"/>
+                </a:tc>
+              </a:tr>
+              <a:tr h="161925">
+                <a:tc>
+                  <a:txBody>
+                    <a:bodyPr/>
+                    <a:lstStyle/>
+                    <a:p>
+                      <a:pPr algn="r" fontAlgn="b"/>
+                      <a:r>
+                        <a:rPr lang="en-US" altLang="ko-KR" sz="1000" u="none" strike="noStrike">
+                          <a:effectLst/>
+                        </a:rPr>
+                        <a:t>3201</a:t>
+                      </a:r>
+                      <a:endParaRPr lang="en-US" altLang="ko-KR" sz="1000" b="0" i="0" u="none" strike="noStrike">
+                        <a:effectLst/>
+                        <a:latin typeface="Arial"/>
+                      </a:endParaRPr>
+                    </a:p>
+                  </a:txBody>
+                  <a:tcPr marL="0" marR="0" marT="0" marB="0" anchor="b"/>
+                </a:tc>
+                <a:tc>
+                  <a:txBody>
+                    <a:bodyPr/>
+                    <a:lstStyle/>
+                    <a:p>
+                      <a:pPr algn="l" fontAlgn="b"/>
+                      <a:r>
+                        <a:rPr lang="ko-KR" altLang="en-US" sz="1000" u="none" strike="noStrike">
+                          <a:effectLst/>
+                        </a:rPr>
+                        <a:t>출납창구 사무원</a:t>
+                      </a:r>
+                      <a:endParaRPr lang="ko-KR" altLang="en-US" sz="1000" b="0" i="0" u="none" strike="noStrike">
+                        <a:effectLst/>
+                        <a:latin typeface="Arial"/>
+                      </a:endParaRPr>
+                    </a:p>
+                  </a:txBody>
+                  <a:tcPr marL="0" marR="0" marT="0" marB="0" anchor="b"/>
+                </a:tc>
+                <a:tc>
+                  <a:txBody>
+                    <a:bodyPr/>
+                    <a:lstStyle/>
+                    <a:p>
+                      <a:pPr algn="l" fontAlgn="b"/>
+                      <a:r>
+                        <a:rPr lang="ko-KR" altLang="en-US" sz="1000" u="none" strike="noStrike">
+                          <a:effectLst/>
+                        </a:rPr>
+                        <a:t>     </a:t>
+                      </a:r>
+                      <a:r>
+                        <a:rPr lang="en-US" altLang="ko-KR" sz="1000" u="none" strike="noStrike">
+                          <a:effectLst/>
+                        </a:rPr>
+                        <a:t>0.965 </a:t>
+                      </a:r>
+                      <a:endParaRPr lang="en-US" altLang="ko-KR" sz="1000" b="0" i="0" u="none" strike="noStrike">
+                        <a:effectLst/>
+                        <a:latin typeface="Arial"/>
+                      </a:endParaRPr>
+                    </a:p>
+                  </a:txBody>
+                  <a:tcPr marL="0" marR="0" marT="0" marB="0" anchor="b"/>
+                </a:tc>
+                <a:tc>
+                  <a:txBody>
+                    <a:bodyPr/>
+                    <a:lstStyle/>
+                    <a:p>
+                      <a:pPr algn="l" fontAlgn="b"/>
+                      <a:r>
+                        <a:rPr lang="ko-KR" altLang="en-US" sz="1000" u="none" strike="noStrike">
+                          <a:effectLst/>
+                        </a:rPr>
+                        <a:t>　</a:t>
+                      </a:r>
+                      <a:endParaRPr lang="ko-KR" altLang="en-US" sz="1000" b="0" i="0" u="none" strike="noStrike">
+                        <a:effectLst/>
+                        <a:latin typeface="Arial"/>
+                      </a:endParaRPr>
+                    </a:p>
+                  </a:txBody>
+                  <a:tcPr marL="0" marR="0" marT="0" marB="0" anchor="b"/>
+                </a:tc>
+                <a:tc>
+                  <a:txBody>
+                    <a:bodyPr/>
+                    <a:lstStyle/>
+                    <a:p>
+                      <a:pPr algn="r" fontAlgn="b"/>
+                      <a:r>
+                        <a:rPr lang="en-US" altLang="ko-KR" sz="1000" u="none" strike="noStrike">
+                          <a:effectLst/>
+                        </a:rPr>
+                        <a:t>2392</a:t>
+                      </a:r>
+                      <a:endParaRPr lang="en-US" altLang="ko-KR" sz="1000" b="0" i="0" u="none" strike="noStrike">
+                        <a:effectLst/>
+                        <a:latin typeface="Arial"/>
+                      </a:endParaRPr>
+                    </a:p>
+                  </a:txBody>
+                  <a:tcPr marL="0" marR="0" marT="0" marB="0" anchor="b"/>
+                </a:tc>
+                <a:tc>
+                  <a:txBody>
+                    <a:bodyPr/>
+                    <a:lstStyle/>
+                    <a:p>
+                      <a:pPr algn="l" fontAlgn="b"/>
+                      <a:r>
+                        <a:rPr lang="ko-KR" altLang="en-US" sz="1000" u="none" strike="noStrike">
+                          <a:effectLst/>
+                        </a:rPr>
+                        <a:t>섬유공학 기술자 및 연구원</a:t>
+                      </a:r>
+                      <a:endParaRPr lang="ko-KR" altLang="en-US" sz="1000" b="0" i="0" u="none" strike="noStrike">
+                        <a:effectLst/>
+                        <a:latin typeface="Arial"/>
+                      </a:endParaRPr>
+                    </a:p>
+                  </a:txBody>
+                  <a:tcPr marL="0" marR="0" marT="0" marB="0" anchor="b"/>
+                </a:tc>
+                <a:tc>
+                  <a:txBody>
+                    <a:bodyPr/>
+                    <a:lstStyle/>
+                    <a:p>
+                      <a:pPr algn="l" fontAlgn="b"/>
+                      <a:r>
+                        <a:rPr lang="ko-KR" altLang="en-US" sz="1000" u="none" strike="noStrike">
+                          <a:effectLst/>
+                        </a:rPr>
+                        <a:t>  </a:t>
+                      </a:r>
+                      <a:r>
+                        <a:rPr lang="en-US" altLang="ko-KR" sz="1000" u="none" strike="noStrike">
+                          <a:effectLst/>
+                        </a:rPr>
+                        <a:t>0.017 </a:t>
+                      </a:r>
+                      <a:endParaRPr lang="en-US" altLang="ko-KR" sz="1000" b="0" i="0" u="none" strike="noStrike">
+                        <a:effectLst/>
+                        <a:latin typeface="Arial"/>
+                      </a:endParaRPr>
+                    </a:p>
+                  </a:txBody>
+                  <a:tcPr marL="0" marR="0" marT="0" marB="0" anchor="b"/>
+                </a:tc>
+              </a:tr>
+              <a:tr h="161925">
+                <a:tc>
+                  <a:txBody>
+                    <a:bodyPr/>
+                    <a:lstStyle/>
+                    <a:p>
+                      <a:pPr algn="r" fontAlgn="b"/>
+                      <a:r>
+                        <a:rPr lang="en-US" altLang="ko-KR" sz="1000" u="none" strike="noStrike">
+                          <a:effectLst/>
+                        </a:rPr>
+                        <a:t>3126</a:t>
+                      </a:r>
+                      <a:endParaRPr lang="en-US" altLang="ko-KR" sz="1000" b="0" i="0" u="none" strike="noStrike">
+                        <a:effectLst/>
+                        <a:latin typeface="Arial"/>
+                      </a:endParaRPr>
+                    </a:p>
+                  </a:txBody>
+                  <a:tcPr marL="0" marR="0" marT="0" marB="0" anchor="b"/>
+                </a:tc>
+                <a:tc>
+                  <a:txBody>
+                    <a:bodyPr/>
+                    <a:lstStyle/>
+                    <a:p>
+                      <a:pPr algn="l" fontAlgn="b"/>
+                      <a:r>
+                        <a:rPr lang="ko-KR" altLang="en-US" sz="1000" u="none" strike="noStrike">
+                          <a:effectLst/>
+                        </a:rPr>
+                        <a:t>운송 사무원</a:t>
+                      </a:r>
+                      <a:endParaRPr lang="ko-KR" altLang="en-US" sz="1000" b="0" i="0" u="none" strike="noStrike">
+                        <a:effectLst/>
+                        <a:latin typeface="Arial"/>
+                      </a:endParaRPr>
+                    </a:p>
+                  </a:txBody>
+                  <a:tcPr marL="0" marR="0" marT="0" marB="0" anchor="b"/>
+                </a:tc>
+                <a:tc>
+                  <a:txBody>
+                    <a:bodyPr/>
+                    <a:lstStyle/>
+                    <a:p>
+                      <a:pPr algn="l" fontAlgn="b"/>
+                      <a:r>
+                        <a:rPr lang="ko-KR" altLang="en-US" sz="1000" u="none" strike="noStrike">
+                          <a:effectLst/>
+                        </a:rPr>
+                        <a:t>     </a:t>
+                      </a:r>
+                      <a:r>
+                        <a:rPr lang="en-US" altLang="ko-KR" sz="1000" u="none" strike="noStrike">
+                          <a:effectLst/>
+                        </a:rPr>
+                        <a:t>0.960 </a:t>
+                      </a:r>
+                      <a:endParaRPr lang="en-US" altLang="ko-KR" sz="1000" b="0" i="0" u="none" strike="noStrike">
+                        <a:effectLst/>
+                        <a:latin typeface="Arial"/>
+                      </a:endParaRPr>
+                    </a:p>
+                  </a:txBody>
+                  <a:tcPr marL="0" marR="0" marT="0" marB="0" anchor="b"/>
+                </a:tc>
+                <a:tc>
+                  <a:txBody>
+                    <a:bodyPr/>
+                    <a:lstStyle/>
+                    <a:p>
+                      <a:pPr algn="l" fontAlgn="b"/>
+                      <a:r>
+                        <a:rPr lang="ko-KR" altLang="en-US" sz="1000" u="none" strike="noStrike">
+                          <a:effectLst/>
+                        </a:rPr>
+                        <a:t>　</a:t>
+                      </a:r>
+                      <a:endParaRPr lang="ko-KR" altLang="en-US" sz="1000" b="0" i="0" u="none" strike="noStrike">
+                        <a:effectLst/>
+                        <a:latin typeface="Arial"/>
+                      </a:endParaRPr>
+                    </a:p>
+                  </a:txBody>
+                  <a:tcPr marL="0" marR="0" marT="0" marB="0" anchor="b"/>
+                </a:tc>
+                <a:tc>
+                  <a:txBody>
+                    <a:bodyPr/>
+                    <a:lstStyle/>
+                    <a:p>
+                      <a:pPr algn="r" fontAlgn="b"/>
+                      <a:r>
+                        <a:rPr lang="en-US" altLang="ko-KR" sz="1000" u="none" strike="noStrike">
+                          <a:effectLst/>
+                        </a:rPr>
+                        <a:t>2393</a:t>
+                      </a:r>
+                      <a:endParaRPr lang="en-US" altLang="ko-KR" sz="1000" b="0" i="0" u="none" strike="noStrike">
+                        <a:effectLst/>
+                        <a:latin typeface="Arial"/>
+                      </a:endParaRPr>
+                    </a:p>
+                  </a:txBody>
+                  <a:tcPr marL="0" marR="0" marT="0" marB="0" anchor="b"/>
+                </a:tc>
+                <a:tc>
+                  <a:txBody>
+                    <a:bodyPr/>
+                    <a:lstStyle/>
+                    <a:p>
+                      <a:pPr algn="l" fontAlgn="b"/>
+                      <a:r>
+                        <a:rPr lang="ko-KR" altLang="en-US" sz="1000" u="none" strike="noStrike">
+                          <a:effectLst/>
+                        </a:rPr>
+                        <a:t>가스에너지 기술자 및 연구원</a:t>
+                      </a:r>
+                      <a:endParaRPr lang="ko-KR" altLang="en-US" sz="1000" b="0" i="0" u="none" strike="noStrike">
+                        <a:effectLst/>
+                        <a:latin typeface="Arial"/>
+                      </a:endParaRPr>
+                    </a:p>
+                  </a:txBody>
+                  <a:tcPr marL="0" marR="0" marT="0" marB="0" anchor="b"/>
+                </a:tc>
+                <a:tc>
+                  <a:txBody>
+                    <a:bodyPr/>
+                    <a:lstStyle/>
+                    <a:p>
+                      <a:pPr algn="l" fontAlgn="b"/>
+                      <a:r>
+                        <a:rPr lang="ko-KR" altLang="en-US" sz="1000" u="none" strike="noStrike">
+                          <a:effectLst/>
+                        </a:rPr>
+                        <a:t>  </a:t>
+                      </a:r>
+                      <a:r>
+                        <a:rPr lang="en-US" altLang="ko-KR" sz="1000" u="none" strike="noStrike">
+                          <a:effectLst/>
+                        </a:rPr>
+                        <a:t>0.017 </a:t>
+                      </a:r>
+                      <a:endParaRPr lang="en-US" altLang="ko-KR" sz="1000" b="0" i="0" u="none" strike="noStrike">
+                        <a:effectLst/>
+                        <a:latin typeface="Arial"/>
+                      </a:endParaRPr>
+                    </a:p>
+                  </a:txBody>
+                  <a:tcPr marL="0" marR="0" marT="0" marB="0" anchor="b"/>
+                </a:tc>
+              </a:tr>
+              <a:tr h="161925">
+                <a:tc>
+                  <a:txBody>
+                    <a:bodyPr/>
+                    <a:lstStyle/>
+                    <a:p>
+                      <a:pPr algn="r" fontAlgn="b"/>
+                      <a:r>
+                        <a:rPr lang="en-US" altLang="ko-KR" sz="1000" u="none" strike="noStrike">
+                          <a:effectLst/>
+                        </a:rPr>
+                        <a:t>8211</a:t>
+                      </a:r>
+                      <a:endParaRPr lang="en-US" altLang="ko-KR" sz="1000" b="0" i="0" u="none" strike="noStrike">
+                        <a:effectLst/>
+                        <a:latin typeface="Arial"/>
+                      </a:endParaRPr>
+                    </a:p>
+                  </a:txBody>
+                  <a:tcPr marL="0" marR="0" marT="0" marB="0" anchor="b"/>
+                </a:tc>
+                <a:tc>
+                  <a:txBody>
+                    <a:bodyPr/>
+                    <a:lstStyle/>
+                    <a:p>
+                      <a:pPr algn="l" fontAlgn="b"/>
+                      <a:r>
+                        <a:rPr lang="ko-KR" altLang="en-US" sz="1000" u="none" strike="noStrike">
+                          <a:effectLst/>
+                        </a:rPr>
+                        <a:t>섬유제조 기계조작원</a:t>
+                      </a:r>
+                      <a:endParaRPr lang="ko-KR" altLang="en-US" sz="1000" b="0" i="0" u="none" strike="noStrike">
+                        <a:effectLst/>
+                        <a:latin typeface="Arial"/>
+                      </a:endParaRPr>
+                    </a:p>
+                  </a:txBody>
+                  <a:tcPr marL="0" marR="0" marT="0" marB="0" anchor="b"/>
+                </a:tc>
+                <a:tc>
+                  <a:txBody>
+                    <a:bodyPr/>
+                    <a:lstStyle/>
+                    <a:p>
+                      <a:pPr algn="l" fontAlgn="b"/>
+                      <a:r>
+                        <a:rPr lang="ko-KR" altLang="en-US" sz="1000" u="none" strike="noStrike">
+                          <a:effectLst/>
+                        </a:rPr>
+                        <a:t>     </a:t>
+                      </a:r>
+                      <a:r>
+                        <a:rPr lang="en-US" altLang="ko-KR" sz="1000" u="none" strike="noStrike">
+                          <a:effectLst/>
+                        </a:rPr>
+                        <a:t>0.960 </a:t>
+                      </a:r>
+                      <a:endParaRPr lang="en-US" altLang="ko-KR" sz="1000" b="0" i="0" u="none" strike="noStrike">
+                        <a:effectLst/>
+                        <a:latin typeface="Arial"/>
+                      </a:endParaRPr>
+                    </a:p>
+                  </a:txBody>
+                  <a:tcPr marL="0" marR="0" marT="0" marB="0" anchor="b"/>
+                </a:tc>
+                <a:tc>
+                  <a:txBody>
+                    <a:bodyPr/>
+                    <a:lstStyle/>
+                    <a:p>
+                      <a:pPr algn="l" fontAlgn="b"/>
+                      <a:r>
+                        <a:rPr lang="ko-KR" altLang="en-US" sz="1000" u="none" strike="noStrike">
+                          <a:effectLst/>
+                        </a:rPr>
+                        <a:t>　</a:t>
+                      </a:r>
+                      <a:endParaRPr lang="ko-KR" altLang="en-US" sz="1000" b="0" i="0" u="none" strike="noStrike">
+                        <a:effectLst/>
+                        <a:latin typeface="Arial"/>
+                      </a:endParaRPr>
+                    </a:p>
+                  </a:txBody>
+                  <a:tcPr marL="0" marR="0" marT="0" marB="0" anchor="b"/>
+                </a:tc>
+                <a:tc>
+                  <a:txBody>
+                    <a:bodyPr/>
+                    <a:lstStyle/>
+                    <a:p>
+                      <a:pPr algn="r" fontAlgn="b"/>
+                      <a:r>
+                        <a:rPr lang="en-US" altLang="ko-KR" sz="1000" u="none" strike="noStrike">
+                          <a:effectLst/>
+                        </a:rPr>
+                        <a:t>1311</a:t>
+                      </a:r>
+                      <a:endParaRPr lang="en-US" altLang="ko-KR" sz="1000" b="0" i="0" u="none" strike="noStrike">
+                        <a:effectLst/>
+                        <a:latin typeface="Arial"/>
+                      </a:endParaRPr>
+                    </a:p>
+                  </a:txBody>
+                  <a:tcPr marL="0" marR="0" marT="0" marB="0" anchor="b"/>
+                </a:tc>
+                <a:tc>
+                  <a:txBody>
+                    <a:bodyPr/>
+                    <a:lstStyle/>
+                    <a:p>
+                      <a:pPr algn="l" fontAlgn="b"/>
+                      <a:r>
+                        <a:rPr lang="ko-KR" altLang="en-US" sz="1000" u="none" strike="noStrike">
+                          <a:effectLst/>
+                        </a:rPr>
+                        <a:t>연구 관리자</a:t>
+                      </a:r>
+                      <a:endParaRPr lang="ko-KR" altLang="en-US" sz="1000" b="0" i="0" u="none" strike="noStrike">
+                        <a:effectLst/>
+                        <a:latin typeface="Arial"/>
+                      </a:endParaRPr>
+                    </a:p>
+                  </a:txBody>
+                  <a:tcPr marL="0" marR="0" marT="0" marB="0" anchor="b"/>
+                </a:tc>
+                <a:tc>
+                  <a:txBody>
+                    <a:bodyPr/>
+                    <a:lstStyle/>
+                    <a:p>
+                      <a:pPr algn="l" fontAlgn="b"/>
+                      <a:r>
+                        <a:rPr lang="ko-KR" altLang="en-US" sz="1000" u="none" strike="noStrike">
+                          <a:effectLst/>
+                        </a:rPr>
+                        <a:t>  </a:t>
+                      </a:r>
+                      <a:r>
+                        <a:rPr lang="en-US" altLang="ko-KR" sz="1000" u="none" strike="noStrike">
+                          <a:effectLst/>
+                        </a:rPr>
+                        <a:t>0.018 </a:t>
+                      </a:r>
+                      <a:endParaRPr lang="en-US" altLang="ko-KR" sz="1000" b="0" i="0" u="none" strike="noStrike">
+                        <a:effectLst/>
+                        <a:latin typeface="Arial"/>
+                      </a:endParaRPr>
+                    </a:p>
+                  </a:txBody>
+                  <a:tcPr marL="0" marR="0" marT="0" marB="0" anchor="b"/>
+                </a:tc>
+              </a:tr>
+              <a:tr h="161925">
+                <a:tc>
+                  <a:txBody>
+                    <a:bodyPr/>
+                    <a:lstStyle/>
+                    <a:p>
+                      <a:pPr algn="r" fontAlgn="b"/>
+                      <a:r>
+                        <a:rPr lang="en-US" altLang="ko-KR" sz="1000" u="none" strike="noStrike">
+                          <a:effectLst/>
+                        </a:rPr>
+                        <a:t>2712</a:t>
+                      </a:r>
+                      <a:endParaRPr lang="en-US" altLang="ko-KR" sz="1000" b="0" i="0" u="none" strike="noStrike">
+                        <a:effectLst/>
+                        <a:latin typeface="Arial"/>
+                      </a:endParaRPr>
+                    </a:p>
+                  </a:txBody>
+                  <a:tcPr marL="0" marR="0" marT="0" marB="0" anchor="b"/>
+                </a:tc>
+                <a:tc>
+                  <a:txBody>
+                    <a:bodyPr/>
+                    <a:lstStyle/>
+                    <a:p>
+                      <a:pPr algn="l" fontAlgn="b"/>
+                      <a:r>
+                        <a:rPr lang="ko-KR" altLang="en-US" sz="1000" u="none" strike="noStrike">
+                          <a:effectLst/>
+                        </a:rPr>
+                        <a:t>회계사</a:t>
+                      </a:r>
+                      <a:endParaRPr lang="ko-KR" altLang="en-US" sz="1000" b="0" i="0" u="none" strike="noStrike">
+                        <a:effectLst/>
+                        <a:latin typeface="Arial"/>
+                      </a:endParaRPr>
+                    </a:p>
+                  </a:txBody>
+                  <a:tcPr marL="0" marR="0" marT="0" marB="0" anchor="b"/>
+                </a:tc>
+                <a:tc>
+                  <a:txBody>
+                    <a:bodyPr/>
+                    <a:lstStyle/>
+                    <a:p>
+                      <a:pPr algn="l" fontAlgn="b"/>
+                      <a:r>
+                        <a:rPr lang="ko-KR" altLang="en-US" sz="1000" u="none" strike="noStrike">
+                          <a:effectLst/>
+                        </a:rPr>
+                        <a:t>     </a:t>
+                      </a:r>
+                      <a:r>
+                        <a:rPr lang="en-US" altLang="ko-KR" sz="1000" u="none" strike="noStrike">
+                          <a:effectLst/>
+                        </a:rPr>
+                        <a:t>0.957 </a:t>
+                      </a:r>
+                      <a:endParaRPr lang="en-US" altLang="ko-KR" sz="1000" b="0" i="0" u="none" strike="noStrike">
+                        <a:effectLst/>
+                        <a:latin typeface="Arial"/>
+                      </a:endParaRPr>
+                    </a:p>
+                  </a:txBody>
+                  <a:tcPr marL="0" marR="0" marT="0" marB="0" anchor="b"/>
+                </a:tc>
+                <a:tc>
+                  <a:txBody>
+                    <a:bodyPr/>
+                    <a:lstStyle/>
+                    <a:p>
+                      <a:pPr algn="l" fontAlgn="b"/>
+                      <a:r>
+                        <a:rPr lang="ko-KR" altLang="en-US" sz="1000" u="none" strike="noStrike">
+                          <a:effectLst/>
+                        </a:rPr>
+                        <a:t>　</a:t>
+                      </a:r>
+                      <a:endParaRPr lang="ko-KR" altLang="en-US" sz="1000" b="0" i="0" u="none" strike="noStrike">
+                        <a:effectLst/>
+                        <a:latin typeface="Arial"/>
+                      </a:endParaRPr>
+                    </a:p>
+                  </a:txBody>
+                  <a:tcPr marL="0" marR="0" marT="0" marB="0" anchor="b"/>
+                </a:tc>
+                <a:tc>
+                  <a:txBody>
+                    <a:bodyPr/>
+                    <a:lstStyle/>
+                    <a:p>
+                      <a:pPr algn="r" fontAlgn="b"/>
+                      <a:r>
+                        <a:rPr lang="en-US" altLang="ko-KR" sz="1000" u="none" strike="noStrike">
+                          <a:effectLst/>
+                        </a:rPr>
+                        <a:t>2311</a:t>
+                      </a:r>
+                      <a:endParaRPr lang="en-US" altLang="ko-KR" sz="1000" b="0" i="0" u="none" strike="noStrike">
+                        <a:effectLst/>
+                        <a:latin typeface="Arial"/>
+                      </a:endParaRPr>
+                    </a:p>
+                  </a:txBody>
+                  <a:tcPr marL="0" marR="0" marT="0" marB="0" anchor="b"/>
+                </a:tc>
+                <a:tc>
+                  <a:txBody>
+                    <a:bodyPr/>
+                    <a:lstStyle/>
+                    <a:p>
+                      <a:pPr algn="l" fontAlgn="b"/>
+                      <a:r>
+                        <a:rPr lang="ko-KR" altLang="en-US" sz="1000" u="none" strike="noStrike">
+                          <a:effectLst/>
+                        </a:rPr>
+                        <a:t>건축가 및 건축공학 기술자</a:t>
+                      </a:r>
+                      <a:endParaRPr lang="ko-KR" altLang="en-US" sz="1000" b="0" i="0" u="none" strike="noStrike">
+                        <a:effectLst/>
+                        <a:latin typeface="Arial"/>
+                      </a:endParaRPr>
+                    </a:p>
+                  </a:txBody>
+                  <a:tcPr marL="0" marR="0" marT="0" marB="0" anchor="b"/>
+                </a:tc>
+                <a:tc>
+                  <a:txBody>
+                    <a:bodyPr/>
+                    <a:lstStyle/>
+                    <a:p>
+                      <a:pPr algn="l" fontAlgn="b"/>
+                      <a:r>
+                        <a:rPr lang="ko-KR" altLang="en-US" sz="1000" u="none" strike="noStrike">
+                          <a:effectLst/>
+                        </a:rPr>
+                        <a:t>  </a:t>
+                      </a:r>
+                      <a:r>
+                        <a:rPr lang="en-US" altLang="ko-KR" sz="1000" u="none" strike="noStrike">
+                          <a:effectLst/>
+                        </a:rPr>
+                        <a:t>0.018 </a:t>
+                      </a:r>
+                      <a:endParaRPr lang="en-US" altLang="ko-KR" sz="1000" b="0" i="0" u="none" strike="noStrike">
+                        <a:effectLst/>
+                        <a:latin typeface="Arial"/>
+                      </a:endParaRPr>
+                    </a:p>
+                  </a:txBody>
+                  <a:tcPr marL="0" marR="0" marT="0" marB="0" anchor="b"/>
+                </a:tc>
+              </a:tr>
+              <a:tr h="161925">
+                <a:tc>
+                  <a:txBody>
+                    <a:bodyPr/>
+                    <a:lstStyle/>
+                    <a:p>
+                      <a:pPr algn="r" fontAlgn="b"/>
+                      <a:r>
+                        <a:rPr lang="en-US" altLang="ko-KR" sz="1000" u="none" strike="noStrike">
+                          <a:effectLst/>
+                        </a:rPr>
+                        <a:t>2713</a:t>
+                      </a:r>
+                      <a:endParaRPr lang="en-US" altLang="ko-KR" sz="1000" b="0" i="0" u="none" strike="noStrike">
+                        <a:effectLst/>
+                        <a:latin typeface="Arial"/>
+                      </a:endParaRPr>
+                    </a:p>
+                  </a:txBody>
+                  <a:tcPr marL="0" marR="0" marT="0" marB="0" anchor="b"/>
+                </a:tc>
+                <a:tc>
+                  <a:txBody>
+                    <a:bodyPr/>
+                    <a:lstStyle/>
+                    <a:p>
+                      <a:pPr algn="l" fontAlgn="b"/>
+                      <a:r>
+                        <a:rPr lang="ko-KR" altLang="en-US" sz="1000" u="none" strike="noStrike">
+                          <a:effectLst/>
+                        </a:rPr>
+                        <a:t>세무사</a:t>
+                      </a:r>
+                      <a:endParaRPr lang="ko-KR" altLang="en-US" sz="1000" b="0" i="0" u="none" strike="noStrike">
+                        <a:effectLst/>
+                        <a:latin typeface="Arial"/>
+                      </a:endParaRPr>
+                    </a:p>
+                  </a:txBody>
+                  <a:tcPr marL="0" marR="0" marT="0" marB="0" anchor="b"/>
+                </a:tc>
+                <a:tc>
+                  <a:txBody>
+                    <a:bodyPr/>
+                    <a:lstStyle/>
+                    <a:p>
+                      <a:pPr algn="l" fontAlgn="b"/>
+                      <a:r>
+                        <a:rPr lang="ko-KR" altLang="en-US" sz="1000" u="none" strike="noStrike">
+                          <a:effectLst/>
+                        </a:rPr>
+                        <a:t>     </a:t>
+                      </a:r>
+                      <a:r>
+                        <a:rPr lang="en-US" altLang="ko-KR" sz="1000" u="none" strike="noStrike">
+                          <a:effectLst/>
+                        </a:rPr>
+                        <a:t>0.957 </a:t>
+                      </a:r>
+                      <a:endParaRPr lang="en-US" altLang="ko-KR" sz="1000" b="0" i="0" u="none" strike="noStrike">
+                        <a:effectLst/>
+                        <a:latin typeface="Arial"/>
+                      </a:endParaRPr>
+                    </a:p>
+                  </a:txBody>
+                  <a:tcPr marL="0" marR="0" marT="0" marB="0" anchor="b"/>
+                </a:tc>
+                <a:tc>
+                  <a:txBody>
+                    <a:bodyPr/>
+                    <a:lstStyle/>
+                    <a:p>
+                      <a:pPr algn="l" fontAlgn="b"/>
+                      <a:r>
+                        <a:rPr lang="ko-KR" altLang="en-US" sz="1000" u="none" strike="noStrike">
+                          <a:effectLst/>
+                        </a:rPr>
+                        <a:t>　</a:t>
+                      </a:r>
+                      <a:endParaRPr lang="ko-KR" altLang="en-US" sz="1000" b="0" i="0" u="none" strike="noStrike">
+                        <a:effectLst/>
+                        <a:latin typeface="Arial"/>
+                      </a:endParaRPr>
+                    </a:p>
+                  </a:txBody>
+                  <a:tcPr marL="0" marR="0" marT="0" marB="0" anchor="b"/>
+                </a:tc>
+                <a:tc>
+                  <a:txBody>
+                    <a:bodyPr/>
+                    <a:lstStyle/>
+                    <a:p>
+                      <a:pPr algn="r" fontAlgn="b"/>
+                      <a:r>
+                        <a:rPr lang="en-US" altLang="ko-KR" sz="1000" u="none" strike="noStrike">
+                          <a:effectLst/>
+                        </a:rPr>
+                        <a:t>2341</a:t>
+                      </a:r>
+                      <a:endParaRPr lang="en-US" altLang="ko-KR" sz="1000" b="0" i="0" u="none" strike="noStrike">
+                        <a:effectLst/>
+                        <a:latin typeface="Arial"/>
+                      </a:endParaRPr>
+                    </a:p>
+                  </a:txBody>
+                  <a:tcPr marL="0" marR="0" marT="0" marB="0" anchor="b"/>
+                </a:tc>
+                <a:tc>
+                  <a:txBody>
+                    <a:bodyPr/>
+                    <a:lstStyle/>
+                    <a:p>
+                      <a:pPr algn="l" fontAlgn="b"/>
+                      <a:r>
+                        <a:rPr lang="ko-KR" altLang="en-US" sz="1000" u="none" strike="noStrike">
+                          <a:effectLst/>
+                        </a:rPr>
+                        <a:t>환경공학 기술자 및 연구원</a:t>
+                      </a:r>
+                      <a:endParaRPr lang="ko-KR" altLang="en-US" sz="1000" b="0" i="0" u="none" strike="noStrike">
+                        <a:effectLst/>
+                        <a:latin typeface="Arial"/>
+                      </a:endParaRPr>
+                    </a:p>
+                  </a:txBody>
+                  <a:tcPr marL="0" marR="0" marT="0" marB="0" anchor="b"/>
+                </a:tc>
+                <a:tc>
+                  <a:txBody>
+                    <a:bodyPr/>
+                    <a:lstStyle/>
+                    <a:p>
+                      <a:pPr algn="l" fontAlgn="b"/>
+                      <a:r>
+                        <a:rPr lang="ko-KR" altLang="en-US" sz="1000" u="none" strike="noStrike">
+                          <a:effectLst/>
+                        </a:rPr>
+                        <a:t>  </a:t>
+                      </a:r>
+                      <a:r>
+                        <a:rPr lang="en-US" altLang="ko-KR" sz="1000" u="none" strike="noStrike">
+                          <a:effectLst/>
+                        </a:rPr>
+                        <a:t>0.018 </a:t>
+                      </a:r>
+                      <a:endParaRPr lang="en-US" altLang="ko-KR" sz="1000" b="0" i="0" u="none" strike="noStrike">
+                        <a:effectLst/>
+                        <a:latin typeface="Arial"/>
+                      </a:endParaRPr>
+                    </a:p>
+                  </a:txBody>
+                  <a:tcPr marL="0" marR="0" marT="0" marB="0" anchor="b"/>
+                </a:tc>
+              </a:tr>
+              <a:tr h="161925">
+                <a:tc>
+                  <a:txBody>
+                    <a:bodyPr/>
+                    <a:lstStyle/>
+                    <a:p>
+                      <a:pPr algn="l" fontAlgn="b"/>
+                      <a:r>
+                        <a:rPr lang="ko-KR" altLang="en-US" sz="1000" u="none" strike="noStrike">
+                          <a:effectLst/>
+                        </a:rPr>
+                        <a:t>　</a:t>
+                      </a:r>
+                      <a:endParaRPr lang="ko-KR" altLang="en-US" sz="1000" b="0" i="0" u="none" strike="noStrike">
+                        <a:effectLst/>
+                        <a:latin typeface="Arial"/>
+                      </a:endParaRPr>
+                    </a:p>
+                  </a:txBody>
+                  <a:tcPr marL="0" marR="0" marT="0" marB="0" anchor="b"/>
+                </a:tc>
+                <a:tc>
+                  <a:txBody>
+                    <a:bodyPr/>
+                    <a:lstStyle/>
+                    <a:p>
+                      <a:pPr algn="l" fontAlgn="b"/>
+                      <a:r>
+                        <a:rPr lang="ko-KR" altLang="en-US" sz="1000" u="none" strike="noStrike">
+                          <a:effectLst/>
+                        </a:rPr>
+                        <a:t>　</a:t>
+                      </a:r>
+                      <a:endParaRPr lang="ko-KR" altLang="en-US" sz="1000" b="0" i="0" u="none" strike="noStrike">
+                        <a:effectLst/>
+                        <a:latin typeface="Arial"/>
+                      </a:endParaRPr>
+                    </a:p>
+                  </a:txBody>
+                  <a:tcPr marL="0" marR="0" marT="0" marB="0" anchor="b"/>
+                </a:tc>
+                <a:tc>
+                  <a:txBody>
+                    <a:bodyPr/>
+                    <a:lstStyle/>
+                    <a:p>
+                      <a:pPr algn="l" fontAlgn="b"/>
+                      <a:r>
+                        <a:rPr lang="ko-KR" altLang="en-US" sz="1000" u="none" strike="noStrike">
+                          <a:effectLst/>
+                        </a:rPr>
+                        <a:t>　</a:t>
+                      </a:r>
+                      <a:endParaRPr lang="ko-KR" altLang="en-US" sz="1000" b="0" i="0" u="none" strike="noStrike">
+                        <a:effectLst/>
+                        <a:latin typeface="Arial"/>
+                      </a:endParaRPr>
+                    </a:p>
+                  </a:txBody>
+                  <a:tcPr marL="0" marR="0" marT="0" marB="0" anchor="b"/>
+                </a:tc>
+                <a:tc>
+                  <a:txBody>
+                    <a:bodyPr/>
+                    <a:lstStyle/>
+                    <a:p>
+                      <a:pPr algn="l" fontAlgn="b"/>
+                      <a:r>
+                        <a:rPr lang="ko-KR" altLang="en-US" sz="1000" u="none" strike="noStrike">
+                          <a:effectLst/>
+                        </a:rPr>
+                        <a:t>　</a:t>
+                      </a:r>
+                      <a:endParaRPr lang="ko-KR" altLang="en-US" sz="1000" b="0" i="0" u="none" strike="noStrike">
+                        <a:effectLst/>
+                        <a:latin typeface="Arial"/>
+                      </a:endParaRPr>
+                    </a:p>
+                  </a:txBody>
+                  <a:tcPr marL="0" marR="0" marT="0" marB="0" anchor="b"/>
+                </a:tc>
+                <a:tc>
+                  <a:txBody>
+                    <a:bodyPr/>
+                    <a:lstStyle/>
+                    <a:p>
+                      <a:pPr algn="l" fontAlgn="b"/>
+                      <a:r>
+                        <a:rPr lang="ko-KR" altLang="en-US" sz="1000" u="none" strike="noStrike">
+                          <a:effectLst/>
+                        </a:rPr>
+                        <a:t>　</a:t>
+                      </a:r>
+                      <a:endParaRPr lang="ko-KR" altLang="en-US" sz="1000" b="0" i="0" u="none" strike="noStrike">
+                        <a:effectLst/>
+                        <a:latin typeface="Arial"/>
+                      </a:endParaRPr>
+                    </a:p>
+                  </a:txBody>
+                  <a:tcPr marL="0" marR="0" marT="0" marB="0" anchor="b"/>
+                </a:tc>
+                <a:tc>
+                  <a:txBody>
+                    <a:bodyPr/>
+                    <a:lstStyle/>
+                    <a:p>
+                      <a:pPr algn="l" fontAlgn="b"/>
+                      <a:r>
+                        <a:rPr lang="ko-KR" altLang="en-US" sz="1000" u="none" strike="noStrike">
+                          <a:effectLst/>
+                        </a:rPr>
+                        <a:t>　</a:t>
+                      </a:r>
+                      <a:endParaRPr lang="ko-KR" altLang="en-US" sz="1000" b="0" i="0" u="none" strike="noStrike">
+                        <a:effectLst/>
+                        <a:latin typeface="Arial"/>
+                      </a:endParaRPr>
+                    </a:p>
+                  </a:txBody>
+                  <a:tcPr marL="0" marR="0" marT="0" marB="0" anchor="b"/>
+                </a:tc>
+                <a:tc>
+                  <a:txBody>
+                    <a:bodyPr/>
+                    <a:lstStyle/>
+                    <a:p>
+                      <a:pPr algn="l" fontAlgn="b"/>
+                      <a:r>
+                        <a:rPr lang="ko-KR" altLang="en-US" sz="1000" u="none" strike="noStrike">
+                          <a:effectLst/>
+                        </a:rPr>
+                        <a:t>　</a:t>
+                      </a:r>
+                      <a:endParaRPr lang="ko-KR" altLang="en-US" sz="1000" b="0" i="0" u="none" strike="noStrike">
+                        <a:effectLst/>
+                        <a:latin typeface="Arial"/>
+                      </a:endParaRPr>
+                    </a:p>
+                  </a:txBody>
+                  <a:tcPr marL="0" marR="0" marT="0" marB="0" anchor="b"/>
+                </a:tc>
+              </a:tr>
+              <a:tr h="161925">
+                <a:tc>
+                  <a:txBody>
+                    <a:bodyPr/>
+                    <a:lstStyle/>
+                    <a:p>
+                      <a:pPr algn="l" fontAlgn="b"/>
+                      <a:endParaRPr lang="ko-KR" altLang="en-US" sz="1000" b="0" i="0" u="none" strike="noStrike">
+                        <a:effectLst/>
+                        <a:latin typeface="Arial"/>
+                      </a:endParaRPr>
+                    </a:p>
+                  </a:txBody>
+                  <a:tcPr marL="0" marR="0" marT="0" marB="0" anchor="b"/>
+                </a:tc>
+                <a:tc>
+                  <a:txBody>
+                    <a:bodyPr/>
+                    <a:lstStyle/>
+                    <a:p>
+                      <a:pPr algn="l" fontAlgn="b"/>
+                      <a:endParaRPr lang="ko-KR" altLang="en-US" sz="1000" b="0" i="0" u="none" strike="noStrike">
+                        <a:effectLst/>
+                        <a:latin typeface="Arial"/>
+                      </a:endParaRPr>
+                    </a:p>
+                  </a:txBody>
+                  <a:tcPr marL="0" marR="0" marT="0" marB="0" anchor="b"/>
+                </a:tc>
+                <a:tc>
+                  <a:txBody>
+                    <a:bodyPr/>
+                    <a:lstStyle/>
+                    <a:p>
+                      <a:pPr algn="l" fontAlgn="b"/>
+                      <a:endParaRPr lang="ko-KR" altLang="en-US" sz="1000" b="0" i="0" u="none" strike="noStrike">
+                        <a:effectLst/>
+                        <a:latin typeface="Arial"/>
+                      </a:endParaRPr>
+                    </a:p>
+                  </a:txBody>
+                  <a:tcPr marL="0" marR="0" marT="0" marB="0" anchor="b"/>
+                </a:tc>
+                <a:tc>
+                  <a:txBody>
+                    <a:bodyPr/>
+                    <a:lstStyle/>
+                    <a:p>
+                      <a:pPr algn="l" fontAlgn="b"/>
+                      <a:endParaRPr lang="ko-KR" altLang="en-US" sz="1000" b="0" i="0" u="none" strike="noStrike">
+                        <a:effectLst/>
+                        <a:latin typeface="Arial"/>
+                      </a:endParaRPr>
+                    </a:p>
+                  </a:txBody>
+                  <a:tcPr marL="0" marR="0" marT="0" marB="0" anchor="b"/>
+                </a:tc>
+                <a:tc>
+                  <a:txBody>
+                    <a:bodyPr/>
+                    <a:lstStyle/>
+                    <a:p>
+                      <a:pPr algn="l" fontAlgn="b"/>
+                      <a:endParaRPr lang="ko-KR" altLang="en-US" sz="1000" b="0" i="0" u="none" strike="noStrike">
+                        <a:effectLst/>
+                        <a:latin typeface="Arial"/>
+                      </a:endParaRPr>
+                    </a:p>
+                  </a:txBody>
+                  <a:tcPr marL="0" marR="0" marT="0" marB="0" anchor="b"/>
+                </a:tc>
+                <a:tc>
+                  <a:txBody>
+                    <a:bodyPr/>
+                    <a:lstStyle/>
+                    <a:p>
+                      <a:pPr algn="l" fontAlgn="b"/>
+                      <a:endParaRPr lang="ko-KR" altLang="en-US" sz="1000" b="0" i="0" u="none" strike="noStrike">
+                        <a:effectLst/>
+                        <a:latin typeface="Arial"/>
+                      </a:endParaRPr>
+                    </a:p>
+                  </a:txBody>
+                  <a:tcPr marL="0" marR="0" marT="0" marB="0" anchor="b"/>
+                </a:tc>
+                <a:tc>
+                  <a:txBody>
+                    <a:bodyPr/>
+                    <a:lstStyle/>
+                    <a:p>
+                      <a:pPr algn="l" fontAlgn="b"/>
+                      <a:endParaRPr lang="ko-KR" altLang="en-US" sz="1000" b="0" i="0" u="none" strike="noStrike" dirty="0">
+                        <a:effectLst/>
+                        <a:latin typeface="Arial"/>
+                      </a:endParaRPr>
+                    </a:p>
+                  </a:txBody>
+                  <a:tcPr marL="0" marR="0" marT="0" marB="0" anchor="b"/>
+                </a:tc>
+              </a:tr>
+            </a:tbl>
+          </a:graphicData>
+        </a:graphic>
+      </p:graphicFrame>
+    </p:spTree>
+    <p:extLst>
+      <p:ext uri="{BB962C8B-B14F-4D97-AF65-F5344CB8AC3E}">
+        <p14:creationId xmlns:p14="http://schemas.microsoft.com/office/powerpoint/2010/main" val="1188743255"/>
       </p:ext>
     </p:extLst>
   </p:cSld>
@@ -10491,7 +16984,7 @@
           <a:graphicData uri="http://schemas.openxmlformats.org/presentationml/2006/ole">
             <mc:AlternateContent xmlns:mc="http://schemas.openxmlformats.org/markup-compatibility/2006">
               <mc:Choice xmlns:v="urn:schemas-microsoft-com:vml" Requires="v">
-                <p:oleObj spid="_x0000_s4118" name="워크시트" r:id="rId3" imgW="7324830" imgH="4029033" progId="Excel.Sheet.8">
+                <p:oleObj spid="_x0000_s4120" name="워크시트" r:id="rId3" imgW="7324830" imgH="4029033" progId="Excel.Sheet.8">
                   <p:embed followColorScheme="full"/>
                 </p:oleObj>
               </mc:Choice>
